--- a/MidExcersize/오답노트.pptx
+++ b/MidExcersize/오답노트.pptx
@@ -285,7 +285,7 @@
           <a:p>
             <a:fld id="{3231851B-82A6-4CD5-867A-F35BFADAEA43}" type="datetimeFigureOut">
               <a:rPr lang="ko-KR" altLang="en-US" smtClean="0"/>
-              <a:t>2018-05-19</a:t>
+              <a:t>2018-05-26</a:t>
             </a:fld>
             <a:endParaRPr lang="ko-KR" altLang="en-US"/>
           </a:p>
@@ -483,7 +483,7 @@
           <a:p>
             <a:fld id="{3231851B-82A6-4CD5-867A-F35BFADAEA43}" type="datetimeFigureOut">
               <a:rPr lang="ko-KR" altLang="en-US" smtClean="0"/>
-              <a:t>2018-05-19</a:t>
+              <a:t>2018-05-26</a:t>
             </a:fld>
             <a:endParaRPr lang="ko-KR" altLang="en-US"/>
           </a:p>
@@ -691,7 +691,7 @@
           <a:p>
             <a:fld id="{3231851B-82A6-4CD5-867A-F35BFADAEA43}" type="datetimeFigureOut">
               <a:rPr lang="ko-KR" altLang="en-US" smtClean="0"/>
-              <a:t>2018-05-19</a:t>
+              <a:t>2018-05-26</a:t>
             </a:fld>
             <a:endParaRPr lang="ko-KR" altLang="en-US"/>
           </a:p>
@@ -889,7 +889,7 @@
           <a:p>
             <a:fld id="{3231851B-82A6-4CD5-867A-F35BFADAEA43}" type="datetimeFigureOut">
               <a:rPr lang="ko-KR" altLang="en-US" smtClean="0"/>
-              <a:t>2018-05-19</a:t>
+              <a:t>2018-05-26</a:t>
             </a:fld>
             <a:endParaRPr lang="ko-KR" altLang="en-US"/>
           </a:p>
@@ -1164,7 +1164,7 @@
           <a:p>
             <a:fld id="{3231851B-82A6-4CD5-867A-F35BFADAEA43}" type="datetimeFigureOut">
               <a:rPr lang="ko-KR" altLang="en-US" smtClean="0"/>
-              <a:t>2018-05-19</a:t>
+              <a:t>2018-05-26</a:t>
             </a:fld>
             <a:endParaRPr lang="ko-KR" altLang="en-US"/>
           </a:p>
@@ -1429,7 +1429,7 @@
           <a:p>
             <a:fld id="{3231851B-82A6-4CD5-867A-F35BFADAEA43}" type="datetimeFigureOut">
               <a:rPr lang="ko-KR" altLang="en-US" smtClean="0"/>
-              <a:t>2018-05-19</a:t>
+              <a:t>2018-05-26</a:t>
             </a:fld>
             <a:endParaRPr lang="ko-KR" altLang="en-US"/>
           </a:p>
@@ -1841,7 +1841,7 @@
           <a:p>
             <a:fld id="{3231851B-82A6-4CD5-867A-F35BFADAEA43}" type="datetimeFigureOut">
               <a:rPr lang="ko-KR" altLang="en-US" smtClean="0"/>
-              <a:t>2018-05-19</a:t>
+              <a:t>2018-05-26</a:t>
             </a:fld>
             <a:endParaRPr lang="ko-KR" altLang="en-US"/>
           </a:p>
@@ -1982,7 +1982,7 @@
           <a:p>
             <a:fld id="{3231851B-82A6-4CD5-867A-F35BFADAEA43}" type="datetimeFigureOut">
               <a:rPr lang="ko-KR" altLang="en-US" smtClean="0"/>
-              <a:t>2018-05-19</a:t>
+              <a:t>2018-05-26</a:t>
             </a:fld>
             <a:endParaRPr lang="ko-KR" altLang="en-US"/>
           </a:p>
@@ -2095,7 +2095,7 @@
           <a:p>
             <a:fld id="{3231851B-82A6-4CD5-867A-F35BFADAEA43}" type="datetimeFigureOut">
               <a:rPr lang="ko-KR" altLang="en-US" smtClean="0"/>
-              <a:t>2018-05-19</a:t>
+              <a:t>2018-05-26</a:t>
             </a:fld>
             <a:endParaRPr lang="ko-KR" altLang="en-US"/>
           </a:p>
@@ -2406,7 +2406,7 @@
           <a:p>
             <a:fld id="{3231851B-82A6-4CD5-867A-F35BFADAEA43}" type="datetimeFigureOut">
               <a:rPr lang="ko-KR" altLang="en-US" smtClean="0"/>
-              <a:t>2018-05-19</a:t>
+              <a:t>2018-05-26</a:t>
             </a:fld>
             <a:endParaRPr lang="ko-KR" altLang="en-US"/>
           </a:p>
@@ -2694,7 +2694,7 @@
           <a:p>
             <a:fld id="{3231851B-82A6-4CD5-867A-F35BFADAEA43}" type="datetimeFigureOut">
               <a:rPr lang="ko-KR" altLang="en-US" smtClean="0"/>
-              <a:t>2018-05-19</a:t>
+              <a:t>2018-05-26</a:t>
             </a:fld>
             <a:endParaRPr lang="ko-KR" altLang="en-US"/>
           </a:p>
@@ -2935,7 +2935,7 @@
           <a:p>
             <a:fld id="{3231851B-82A6-4CD5-867A-F35BFADAEA43}" type="datetimeFigureOut">
               <a:rPr lang="ko-KR" altLang="en-US" smtClean="0"/>
-              <a:t>2018-05-19</a:t>
+              <a:t>2018-05-26</a:t>
             </a:fld>
             <a:endParaRPr lang="ko-KR" altLang="en-US"/>
           </a:p>
@@ -10154,25 +10154,12 @@
           <a:p>
             <a:r>
               <a:rPr lang="en-US" altLang="ko-KR" sz="2400" b="1" dirty="0"/>
-              <a:t>4. “Bitwise Operation </a:t>
+              <a:t>6. “AND / OR” </a:t>
             </a:r>
             <a:r>
               <a:rPr lang="ko-KR" altLang="en-US" sz="2400" b="1" dirty="0"/>
-              <a:t>결과</a:t>
-            </a:r>
-            <a:r>
-              <a:rPr lang="en-US" altLang="ko-KR" sz="2400" b="1" dirty="0"/>
-              <a:t>”</a:t>
-            </a:r>
-            <a:r>
-              <a:rPr lang="ko-KR" altLang="en-US" sz="2400" b="1" dirty="0"/>
-              <a:t>의 </a:t>
-            </a:r>
-            <a:r>
-              <a:rPr lang="en-US" altLang="ko-KR" sz="2400" b="1" dirty="0"/>
-              <a:t>Concatenation</a:t>
-            </a:r>
-            <a:endParaRPr lang="ko-KR" altLang="en-US" sz="2400" b="1" dirty="0"/>
+              <a:t>탐색 時 탐색 영역 줄이기 판단 미흡</a:t>
+            </a:r>
           </a:p>
         </p:txBody>
       </p:sp>
@@ -15768,11 +15755,11 @@
           <a:p>
             <a:r>
               <a:rPr lang="en-US" altLang="ko-KR" sz="2400" b="1" dirty="0"/>
-              <a:t>4. “Bitwise Operation </a:t>
+              <a:t>7. “</a:t>
             </a:r>
             <a:r>
               <a:rPr lang="ko-KR" altLang="en-US" sz="2400" b="1" dirty="0"/>
-              <a:t>결과</a:t>
+              <a:t>진수 변환</a:t>
             </a:r>
             <a:r>
               <a:rPr lang="en-US" altLang="ko-KR" sz="2400" b="1" dirty="0"/>
@@ -15780,13 +15767,6285 @@
             </a:r>
             <a:r>
               <a:rPr lang="ko-KR" altLang="en-US" sz="2400" b="1" dirty="0"/>
-              <a:t>의 </a:t>
+              <a:t> 時 자릿수 증가 방향 판단 오류</a:t>
             </a:r>
             <a:r>
               <a:rPr lang="en-US" altLang="ko-KR" sz="2400" b="1" dirty="0"/>
-              <a:t>Concatenation</a:t>
-            </a:r>
-            <a:endParaRPr lang="ko-KR" altLang="en-US" sz="2400" b="1" dirty="0"/>
+              <a:t>, ‘0’ </a:t>
+            </a:r>
+            <a:r>
+              <a:rPr lang="ko-KR" altLang="en-US" sz="2400" b="1" dirty="0"/>
+              <a:t>의미 판단 오류</a:t>
+            </a:r>
+          </a:p>
+        </p:txBody>
+      </p:sp>
+      <p:sp>
+        <p:nvSpPr>
+          <p:cNvPr id="3" name="직사각형 2">
+            <a:extLst>
+              <a:ext uri="{FF2B5EF4-FFF2-40B4-BE49-F238E27FC236}">
+                <a16:creationId xmlns:a16="http://schemas.microsoft.com/office/drawing/2014/main" id="{8B333CDA-2A84-4E3A-9DA5-801AAD6EB79D}"/>
+              </a:ext>
+            </a:extLst>
+          </p:cNvPr>
+          <p:cNvSpPr/>
+          <p:nvPr/>
+        </p:nvSpPr>
+        <p:spPr>
+          <a:xfrm>
+            <a:off x="6050710" y="1706326"/>
+            <a:ext cx="659757" cy="388488"/>
+          </a:xfrm>
+          <a:prstGeom prst="rect">
+            <a:avLst/>
+          </a:prstGeom>
+          <a:solidFill>
+            <a:schemeClr val="accent6">
+              <a:lumMod val="60000"/>
+              <a:lumOff val="40000"/>
+            </a:schemeClr>
+          </a:solidFill>
+          <a:ln>
+            <a:noFill/>
+          </a:ln>
+        </p:spPr>
+        <p:style>
+          <a:lnRef idx="2">
+            <a:schemeClr val="accent1">
+              <a:shade val="50000"/>
+            </a:schemeClr>
+          </a:lnRef>
+          <a:fillRef idx="1">
+            <a:schemeClr val="accent1"/>
+          </a:fillRef>
+          <a:effectRef idx="0">
+            <a:schemeClr val="accent1"/>
+          </a:effectRef>
+          <a:fontRef idx="minor">
+            <a:schemeClr val="lt1"/>
+          </a:fontRef>
+        </p:style>
+        <p:txBody>
+          <a:bodyPr rtlCol="0" anchor="ctr"/>
+          <a:lstStyle/>
+          <a:p>
+            <a:pPr algn="ctr"/>
+            <a:r>
+              <a:rPr lang="en-US" altLang="ko-KR" dirty="0">
+                <a:solidFill>
+                  <a:schemeClr val="tx1"/>
+                </a:solidFill>
+              </a:rPr>
+              <a:t>d</a:t>
+            </a:r>
+            <a:endParaRPr lang="ko-KR" altLang="en-US" dirty="0">
+              <a:solidFill>
+                <a:schemeClr val="tx1"/>
+              </a:solidFill>
+            </a:endParaRPr>
+          </a:p>
+        </p:txBody>
+      </p:sp>
+      <p:sp>
+        <p:nvSpPr>
+          <p:cNvPr id="5" name="직사각형 4">
+            <a:extLst>
+              <a:ext uri="{FF2B5EF4-FFF2-40B4-BE49-F238E27FC236}">
+                <a16:creationId xmlns:a16="http://schemas.microsoft.com/office/drawing/2014/main" id="{B5395C67-AE13-437F-AED3-FA9687FD1FBE}"/>
+              </a:ext>
+            </a:extLst>
+          </p:cNvPr>
+          <p:cNvSpPr/>
+          <p:nvPr/>
+        </p:nvSpPr>
+        <p:spPr>
+          <a:xfrm>
+            <a:off x="7330673" y="1711441"/>
+            <a:ext cx="659757" cy="388488"/>
+          </a:xfrm>
+          <a:prstGeom prst="rect">
+            <a:avLst/>
+          </a:prstGeom>
+          <a:solidFill>
+            <a:schemeClr val="accent6">
+              <a:lumMod val="60000"/>
+              <a:lumOff val="40000"/>
+            </a:schemeClr>
+          </a:solidFill>
+          <a:ln>
+            <a:noFill/>
+          </a:ln>
+        </p:spPr>
+        <p:style>
+          <a:lnRef idx="2">
+            <a:schemeClr val="accent1">
+              <a:shade val="50000"/>
+            </a:schemeClr>
+          </a:lnRef>
+          <a:fillRef idx="1">
+            <a:schemeClr val="accent1"/>
+          </a:fillRef>
+          <a:effectRef idx="0">
+            <a:schemeClr val="accent1"/>
+          </a:effectRef>
+          <a:fontRef idx="minor">
+            <a:schemeClr val="lt1"/>
+          </a:fontRef>
+        </p:style>
+        <p:txBody>
+          <a:bodyPr rtlCol="0" anchor="ctr"/>
+          <a:lstStyle/>
+          <a:p>
+            <a:pPr algn="ctr"/>
+            <a:r>
+              <a:rPr lang="en-US" altLang="ko-KR" dirty="0">
+                <a:solidFill>
+                  <a:schemeClr val="tx1"/>
+                </a:solidFill>
+              </a:rPr>
+              <a:t>e</a:t>
+            </a:r>
+            <a:endParaRPr lang="ko-KR" altLang="en-US" dirty="0">
+              <a:solidFill>
+                <a:schemeClr val="tx1"/>
+              </a:solidFill>
+            </a:endParaRPr>
+          </a:p>
+        </p:txBody>
+      </p:sp>
+      <p:sp>
+        <p:nvSpPr>
+          <p:cNvPr id="6" name="직사각형 5">
+            <a:extLst>
+              <a:ext uri="{FF2B5EF4-FFF2-40B4-BE49-F238E27FC236}">
+                <a16:creationId xmlns:a16="http://schemas.microsoft.com/office/drawing/2014/main" id="{C96F87A1-F4CB-479A-B1C5-187AA353863F}"/>
+              </a:ext>
+            </a:extLst>
+          </p:cNvPr>
+          <p:cNvSpPr/>
+          <p:nvPr/>
+        </p:nvSpPr>
+        <p:spPr>
+          <a:xfrm>
+            <a:off x="8072421" y="1710918"/>
+            <a:ext cx="659757" cy="388488"/>
+          </a:xfrm>
+          <a:prstGeom prst="rect">
+            <a:avLst/>
+          </a:prstGeom>
+          <a:solidFill>
+            <a:schemeClr val="accent6">
+              <a:lumMod val="60000"/>
+              <a:lumOff val="40000"/>
+            </a:schemeClr>
+          </a:solidFill>
+          <a:ln>
+            <a:noFill/>
+          </a:ln>
+        </p:spPr>
+        <p:style>
+          <a:lnRef idx="2">
+            <a:schemeClr val="accent1">
+              <a:shade val="50000"/>
+            </a:schemeClr>
+          </a:lnRef>
+          <a:fillRef idx="1">
+            <a:schemeClr val="accent1"/>
+          </a:fillRef>
+          <a:effectRef idx="0">
+            <a:schemeClr val="accent1"/>
+          </a:effectRef>
+          <a:fontRef idx="minor">
+            <a:schemeClr val="lt1"/>
+          </a:fontRef>
+        </p:style>
+        <p:txBody>
+          <a:bodyPr rtlCol="0" anchor="ctr"/>
+          <a:lstStyle/>
+          <a:p>
+            <a:pPr algn="ctr"/>
+            <a:r>
+              <a:rPr lang="en-US" altLang="ko-KR" dirty="0">
+                <a:solidFill>
+                  <a:schemeClr val="tx1"/>
+                </a:solidFill>
+              </a:rPr>
+              <a:t>z</a:t>
+            </a:r>
+            <a:endParaRPr lang="ko-KR" altLang="en-US" dirty="0">
+              <a:solidFill>
+                <a:schemeClr val="tx1"/>
+              </a:solidFill>
+            </a:endParaRPr>
+          </a:p>
+        </p:txBody>
+      </p:sp>
+      <p:sp>
+        <p:nvSpPr>
+          <p:cNvPr id="7" name="직사각형 6">
+            <a:extLst>
+              <a:ext uri="{FF2B5EF4-FFF2-40B4-BE49-F238E27FC236}">
+                <a16:creationId xmlns:a16="http://schemas.microsoft.com/office/drawing/2014/main" id="{6B7C6115-2073-4BCB-956B-3F0F43E46C48}"/>
+              </a:ext>
+            </a:extLst>
+          </p:cNvPr>
+          <p:cNvSpPr/>
+          <p:nvPr/>
+        </p:nvSpPr>
+        <p:spPr>
+          <a:xfrm>
+            <a:off x="5247233" y="1710918"/>
+            <a:ext cx="659757" cy="388488"/>
+          </a:xfrm>
+          <a:prstGeom prst="rect">
+            <a:avLst/>
+          </a:prstGeom>
+          <a:solidFill>
+            <a:schemeClr val="accent6">
+              <a:lumMod val="60000"/>
+              <a:lumOff val="40000"/>
+            </a:schemeClr>
+          </a:solidFill>
+          <a:ln>
+            <a:noFill/>
+          </a:ln>
+        </p:spPr>
+        <p:style>
+          <a:lnRef idx="2">
+            <a:schemeClr val="accent1">
+              <a:shade val="50000"/>
+            </a:schemeClr>
+          </a:lnRef>
+          <a:fillRef idx="1">
+            <a:schemeClr val="accent1"/>
+          </a:fillRef>
+          <a:effectRef idx="0">
+            <a:schemeClr val="accent1"/>
+          </a:effectRef>
+          <a:fontRef idx="minor">
+            <a:schemeClr val="lt1"/>
+          </a:fontRef>
+        </p:style>
+        <p:txBody>
+          <a:bodyPr rtlCol="0" anchor="ctr"/>
+          <a:lstStyle/>
+          <a:p>
+            <a:pPr algn="ctr"/>
+            <a:r>
+              <a:rPr lang="en-US" altLang="ko-KR" dirty="0">
+                <a:solidFill>
+                  <a:schemeClr val="tx1"/>
+                </a:solidFill>
+              </a:rPr>
+              <a:t>c</a:t>
+            </a:r>
+            <a:endParaRPr lang="ko-KR" altLang="en-US" dirty="0">
+              <a:solidFill>
+                <a:schemeClr val="tx1"/>
+              </a:solidFill>
+            </a:endParaRPr>
+          </a:p>
+        </p:txBody>
+      </p:sp>
+      <p:sp>
+        <p:nvSpPr>
+          <p:cNvPr id="8" name="직사각형 7">
+            <a:extLst>
+              <a:ext uri="{FF2B5EF4-FFF2-40B4-BE49-F238E27FC236}">
+                <a16:creationId xmlns:a16="http://schemas.microsoft.com/office/drawing/2014/main" id="{152931B8-7233-4762-ACAE-2D01A6C5A498}"/>
+              </a:ext>
+            </a:extLst>
+          </p:cNvPr>
+          <p:cNvSpPr/>
+          <p:nvPr/>
+        </p:nvSpPr>
+        <p:spPr>
+          <a:xfrm>
+            <a:off x="4443756" y="1711441"/>
+            <a:ext cx="659757" cy="388488"/>
+          </a:xfrm>
+          <a:prstGeom prst="rect">
+            <a:avLst/>
+          </a:prstGeom>
+          <a:solidFill>
+            <a:schemeClr val="accent6">
+              <a:lumMod val="60000"/>
+              <a:lumOff val="40000"/>
+            </a:schemeClr>
+          </a:solidFill>
+          <a:ln>
+            <a:noFill/>
+          </a:ln>
+        </p:spPr>
+        <p:style>
+          <a:lnRef idx="2">
+            <a:schemeClr val="accent1">
+              <a:shade val="50000"/>
+            </a:schemeClr>
+          </a:lnRef>
+          <a:fillRef idx="1">
+            <a:schemeClr val="accent1"/>
+          </a:fillRef>
+          <a:effectRef idx="0">
+            <a:schemeClr val="accent1"/>
+          </a:effectRef>
+          <a:fontRef idx="minor">
+            <a:schemeClr val="lt1"/>
+          </a:fontRef>
+        </p:style>
+        <p:txBody>
+          <a:bodyPr rtlCol="0" anchor="ctr"/>
+          <a:lstStyle/>
+          <a:p>
+            <a:pPr algn="ctr"/>
+            <a:r>
+              <a:rPr lang="en-US" altLang="ko-KR" dirty="0">
+                <a:solidFill>
+                  <a:schemeClr val="tx1"/>
+                </a:solidFill>
+              </a:rPr>
+              <a:t>b</a:t>
+            </a:r>
+            <a:endParaRPr lang="ko-KR" altLang="en-US" dirty="0">
+              <a:solidFill>
+                <a:schemeClr val="tx1"/>
+              </a:solidFill>
+            </a:endParaRPr>
+          </a:p>
+        </p:txBody>
+      </p:sp>
+      <p:sp>
+        <p:nvSpPr>
+          <p:cNvPr id="9" name="직사각형 8">
+            <a:extLst>
+              <a:ext uri="{FF2B5EF4-FFF2-40B4-BE49-F238E27FC236}">
+                <a16:creationId xmlns:a16="http://schemas.microsoft.com/office/drawing/2014/main" id="{A0E1E516-C7D3-49AD-A777-4751FE37451B}"/>
+              </a:ext>
+            </a:extLst>
+          </p:cNvPr>
+          <p:cNvSpPr/>
+          <p:nvPr/>
+        </p:nvSpPr>
+        <p:spPr>
+          <a:xfrm>
+            <a:off x="3731913" y="1711441"/>
+            <a:ext cx="659757" cy="388488"/>
+          </a:xfrm>
+          <a:prstGeom prst="rect">
+            <a:avLst/>
+          </a:prstGeom>
+          <a:solidFill>
+            <a:schemeClr val="accent6">
+              <a:lumMod val="60000"/>
+              <a:lumOff val="40000"/>
+            </a:schemeClr>
+          </a:solidFill>
+          <a:ln>
+            <a:noFill/>
+          </a:ln>
+        </p:spPr>
+        <p:style>
+          <a:lnRef idx="2">
+            <a:schemeClr val="accent1">
+              <a:shade val="50000"/>
+            </a:schemeClr>
+          </a:lnRef>
+          <a:fillRef idx="1">
+            <a:schemeClr val="accent1"/>
+          </a:fillRef>
+          <a:effectRef idx="0">
+            <a:schemeClr val="accent1"/>
+          </a:effectRef>
+          <a:fontRef idx="minor">
+            <a:schemeClr val="lt1"/>
+          </a:fontRef>
+        </p:style>
+        <p:txBody>
+          <a:bodyPr rtlCol="0" anchor="ctr"/>
+          <a:lstStyle/>
+          <a:p>
+            <a:pPr algn="ctr"/>
+            <a:r>
+              <a:rPr lang="en-US" altLang="ko-KR" dirty="0">
+                <a:solidFill>
+                  <a:schemeClr val="tx1"/>
+                </a:solidFill>
+              </a:rPr>
+              <a:t>a</a:t>
+            </a:r>
+            <a:endParaRPr lang="ko-KR" altLang="en-US" dirty="0">
+              <a:solidFill>
+                <a:schemeClr val="tx1"/>
+              </a:solidFill>
+            </a:endParaRPr>
+          </a:p>
+        </p:txBody>
+      </p:sp>
+      <p:sp>
+        <p:nvSpPr>
+          <p:cNvPr id="2" name="타원 1">
+            <a:extLst>
+              <a:ext uri="{FF2B5EF4-FFF2-40B4-BE49-F238E27FC236}">
+                <a16:creationId xmlns:a16="http://schemas.microsoft.com/office/drawing/2014/main" id="{14DFE2FE-6E5E-4005-838F-DF56A328DF55}"/>
+              </a:ext>
+            </a:extLst>
+          </p:cNvPr>
+          <p:cNvSpPr/>
+          <p:nvPr/>
+        </p:nvSpPr>
+        <p:spPr>
+          <a:xfrm>
+            <a:off x="6792459" y="1873993"/>
+            <a:ext cx="75442" cy="62915"/>
+          </a:xfrm>
+          <a:prstGeom prst="ellipse">
+            <a:avLst/>
+          </a:prstGeom>
+          <a:solidFill>
+            <a:schemeClr val="accent6">
+              <a:lumMod val="75000"/>
+            </a:schemeClr>
+          </a:solidFill>
+          <a:ln>
+            <a:solidFill>
+              <a:schemeClr val="accent6">
+                <a:lumMod val="75000"/>
+              </a:schemeClr>
+            </a:solidFill>
+          </a:ln>
+        </p:spPr>
+        <p:style>
+          <a:lnRef idx="2">
+            <a:schemeClr val="accent1">
+              <a:shade val="50000"/>
+            </a:schemeClr>
+          </a:lnRef>
+          <a:fillRef idx="1">
+            <a:schemeClr val="accent1"/>
+          </a:fillRef>
+          <a:effectRef idx="0">
+            <a:schemeClr val="accent1"/>
+          </a:effectRef>
+          <a:fontRef idx="minor">
+            <a:schemeClr val="lt1"/>
+          </a:fontRef>
+        </p:style>
+        <p:txBody>
+          <a:bodyPr rtlCol="0" anchor="ctr"/>
+          <a:lstStyle/>
+          <a:p>
+            <a:pPr algn="ctr"/>
+            <a:endParaRPr lang="ko-KR" altLang="en-US"/>
+          </a:p>
+        </p:txBody>
+      </p:sp>
+      <p:sp>
+        <p:nvSpPr>
+          <p:cNvPr id="10" name="타원 9">
+            <a:extLst>
+              <a:ext uri="{FF2B5EF4-FFF2-40B4-BE49-F238E27FC236}">
+                <a16:creationId xmlns:a16="http://schemas.microsoft.com/office/drawing/2014/main" id="{1811FC15-6905-4AA3-88F8-5E6841283BC8}"/>
+              </a:ext>
+            </a:extLst>
+          </p:cNvPr>
+          <p:cNvSpPr/>
+          <p:nvPr/>
+        </p:nvSpPr>
+        <p:spPr>
+          <a:xfrm>
+            <a:off x="6949892" y="1873993"/>
+            <a:ext cx="75442" cy="62915"/>
+          </a:xfrm>
+          <a:prstGeom prst="ellipse">
+            <a:avLst/>
+          </a:prstGeom>
+          <a:solidFill>
+            <a:schemeClr val="accent6">
+              <a:lumMod val="75000"/>
+            </a:schemeClr>
+          </a:solidFill>
+          <a:ln>
+            <a:solidFill>
+              <a:schemeClr val="accent6">
+                <a:lumMod val="75000"/>
+              </a:schemeClr>
+            </a:solidFill>
+          </a:ln>
+        </p:spPr>
+        <p:style>
+          <a:lnRef idx="2">
+            <a:schemeClr val="accent1">
+              <a:shade val="50000"/>
+            </a:schemeClr>
+          </a:lnRef>
+          <a:fillRef idx="1">
+            <a:schemeClr val="accent1"/>
+          </a:fillRef>
+          <a:effectRef idx="0">
+            <a:schemeClr val="accent1"/>
+          </a:effectRef>
+          <a:fontRef idx="minor">
+            <a:schemeClr val="lt1"/>
+          </a:fontRef>
+        </p:style>
+        <p:txBody>
+          <a:bodyPr rtlCol="0" anchor="ctr"/>
+          <a:lstStyle/>
+          <a:p>
+            <a:pPr algn="ctr"/>
+            <a:endParaRPr lang="ko-KR" altLang="en-US"/>
+          </a:p>
+        </p:txBody>
+      </p:sp>
+      <p:sp>
+        <p:nvSpPr>
+          <p:cNvPr id="11" name="타원 10">
+            <a:extLst>
+              <a:ext uri="{FF2B5EF4-FFF2-40B4-BE49-F238E27FC236}">
+                <a16:creationId xmlns:a16="http://schemas.microsoft.com/office/drawing/2014/main" id="{6DF32576-A750-406E-9B03-2C2714E6339D}"/>
+              </a:ext>
+            </a:extLst>
+          </p:cNvPr>
+          <p:cNvSpPr/>
+          <p:nvPr/>
+        </p:nvSpPr>
+        <p:spPr>
+          <a:xfrm>
+            <a:off x="7092688" y="1873992"/>
+            <a:ext cx="75442" cy="62915"/>
+          </a:xfrm>
+          <a:prstGeom prst="ellipse">
+            <a:avLst/>
+          </a:prstGeom>
+          <a:solidFill>
+            <a:schemeClr val="accent6">
+              <a:lumMod val="75000"/>
+            </a:schemeClr>
+          </a:solidFill>
+          <a:ln>
+            <a:solidFill>
+              <a:schemeClr val="accent6">
+                <a:lumMod val="75000"/>
+              </a:schemeClr>
+            </a:solidFill>
+          </a:ln>
+        </p:spPr>
+        <p:style>
+          <a:lnRef idx="2">
+            <a:schemeClr val="accent1">
+              <a:shade val="50000"/>
+            </a:schemeClr>
+          </a:lnRef>
+          <a:fillRef idx="1">
+            <a:schemeClr val="accent1"/>
+          </a:fillRef>
+          <a:effectRef idx="0">
+            <a:schemeClr val="accent1"/>
+          </a:effectRef>
+          <a:fontRef idx="minor">
+            <a:schemeClr val="lt1"/>
+          </a:fontRef>
+        </p:style>
+        <p:txBody>
+          <a:bodyPr rtlCol="0" anchor="ctr"/>
+          <a:lstStyle/>
+          <a:p>
+            <a:pPr algn="ctr"/>
+            <a:endParaRPr lang="ko-KR" altLang="en-US"/>
+          </a:p>
+        </p:txBody>
+      </p:sp>
+      <p:sp>
+        <p:nvSpPr>
+          <p:cNvPr id="12" name="오른쪽 중괄호 11">
+            <a:extLst>
+              <a:ext uri="{FF2B5EF4-FFF2-40B4-BE49-F238E27FC236}">
+                <a16:creationId xmlns:a16="http://schemas.microsoft.com/office/drawing/2014/main" id="{9149BAB6-6618-4C2B-B6F9-ED06E18B2FEA}"/>
+              </a:ext>
+            </a:extLst>
+          </p:cNvPr>
+          <p:cNvSpPr/>
+          <p:nvPr/>
+        </p:nvSpPr>
+        <p:spPr>
+          <a:xfrm rot="16200000">
+            <a:off x="6080995" y="-964330"/>
+            <a:ext cx="246130" cy="4944292"/>
+          </a:xfrm>
+          <a:prstGeom prst="rightBrace">
+            <a:avLst>
+              <a:gd name="adj1" fmla="val 39583"/>
+              <a:gd name="adj2" fmla="val 50000"/>
+            </a:avLst>
+          </a:prstGeom>
+          <a:ln>
+            <a:prstDash val="dash"/>
+          </a:ln>
+        </p:spPr>
+        <p:style>
+          <a:lnRef idx="1">
+            <a:schemeClr val="accent1"/>
+          </a:lnRef>
+          <a:fillRef idx="0">
+            <a:schemeClr val="accent1"/>
+          </a:fillRef>
+          <a:effectRef idx="0">
+            <a:schemeClr val="accent1"/>
+          </a:effectRef>
+          <a:fontRef idx="minor">
+            <a:schemeClr val="tx1"/>
+          </a:fontRef>
+        </p:style>
+        <p:txBody>
+          <a:bodyPr rtlCol="0" anchor="ctr"/>
+          <a:lstStyle/>
+          <a:p>
+            <a:pPr algn="ctr"/>
+            <a:endParaRPr lang="ko-KR" altLang="en-US"/>
+          </a:p>
+        </p:txBody>
+      </p:sp>
+      <p:sp>
+        <p:nvSpPr>
+          <p:cNvPr id="13" name="직사각형 12">
+            <a:extLst>
+              <a:ext uri="{FF2B5EF4-FFF2-40B4-BE49-F238E27FC236}">
+                <a16:creationId xmlns:a16="http://schemas.microsoft.com/office/drawing/2014/main" id="{551A2FD1-8EE7-47C9-87B2-28CCB02C0803}"/>
+              </a:ext>
+            </a:extLst>
+          </p:cNvPr>
+          <p:cNvSpPr/>
+          <p:nvPr/>
+        </p:nvSpPr>
+        <p:spPr>
+          <a:xfrm>
+            <a:off x="4890038" y="1031679"/>
+            <a:ext cx="2684016" cy="251736"/>
+          </a:xfrm>
+          <a:prstGeom prst="rect">
+            <a:avLst/>
+          </a:prstGeom>
+          <a:noFill/>
+          <a:ln>
+            <a:noFill/>
+          </a:ln>
+        </p:spPr>
+        <p:style>
+          <a:lnRef idx="2">
+            <a:schemeClr val="accent1">
+              <a:shade val="50000"/>
+            </a:schemeClr>
+          </a:lnRef>
+          <a:fillRef idx="1">
+            <a:schemeClr val="accent1"/>
+          </a:fillRef>
+          <a:effectRef idx="0">
+            <a:schemeClr val="accent1"/>
+          </a:effectRef>
+          <a:fontRef idx="minor">
+            <a:schemeClr val="lt1"/>
+          </a:fontRef>
+        </p:style>
+        <p:txBody>
+          <a:bodyPr rtlCol="0" anchor="ctr"/>
+          <a:lstStyle/>
+          <a:p>
+            <a:pPr algn="ctr"/>
+            <a:r>
+              <a:rPr lang="en-US" altLang="ko-KR" sz="1400" dirty="0">
+                <a:solidFill>
+                  <a:schemeClr val="tx1"/>
+                </a:solidFill>
+              </a:rPr>
+              <a:t>12</a:t>
+            </a:r>
+            <a:r>
+              <a:rPr lang="ko-KR" altLang="en-US" sz="1400" dirty="0">
+                <a:solidFill>
+                  <a:schemeClr val="tx1"/>
+                </a:solidFill>
+              </a:rPr>
+              <a:t>자리 문자열</a:t>
+            </a:r>
+            <a:r>
+              <a:rPr lang="en-US" altLang="ko-KR" sz="1400" dirty="0">
+                <a:solidFill>
+                  <a:schemeClr val="tx1"/>
+                </a:solidFill>
+              </a:rPr>
+              <a:t>, </a:t>
+            </a:r>
+            <a:r>
+              <a:rPr lang="ko-KR" altLang="en-US" sz="1400" dirty="0">
+                <a:solidFill>
+                  <a:schemeClr val="tx1"/>
+                </a:solidFill>
+              </a:rPr>
+              <a:t>소문자 구성</a:t>
+            </a:r>
+          </a:p>
+        </p:txBody>
+      </p:sp>
+      <p:sp>
+        <p:nvSpPr>
+          <p:cNvPr id="14" name="직사각형 13">
+            <a:extLst>
+              <a:ext uri="{FF2B5EF4-FFF2-40B4-BE49-F238E27FC236}">
+                <a16:creationId xmlns:a16="http://schemas.microsoft.com/office/drawing/2014/main" id="{CD24C031-35A6-444A-8CED-4F8EB1574E0E}"/>
+              </a:ext>
+            </a:extLst>
+          </p:cNvPr>
+          <p:cNvSpPr/>
+          <p:nvPr/>
+        </p:nvSpPr>
+        <p:spPr>
+          <a:xfrm>
+            <a:off x="3853639" y="2119869"/>
+            <a:ext cx="416303" cy="251736"/>
+          </a:xfrm>
+          <a:prstGeom prst="rect">
+            <a:avLst/>
+          </a:prstGeom>
+          <a:noFill/>
+          <a:ln>
+            <a:noFill/>
+          </a:ln>
+        </p:spPr>
+        <p:style>
+          <a:lnRef idx="2">
+            <a:schemeClr val="accent1">
+              <a:shade val="50000"/>
+            </a:schemeClr>
+          </a:lnRef>
+          <a:fillRef idx="1">
+            <a:schemeClr val="accent1"/>
+          </a:fillRef>
+          <a:effectRef idx="0">
+            <a:schemeClr val="accent1"/>
+          </a:effectRef>
+          <a:fontRef idx="minor">
+            <a:schemeClr val="lt1"/>
+          </a:fontRef>
+        </p:style>
+        <p:txBody>
+          <a:bodyPr rtlCol="0" anchor="ctr"/>
+          <a:lstStyle/>
+          <a:p>
+            <a:pPr algn="ctr"/>
+            <a:r>
+              <a:rPr lang="en-US" altLang="ko-KR" sz="1400" dirty="0">
+                <a:solidFill>
+                  <a:schemeClr val="tx1"/>
+                </a:solidFill>
+              </a:rPr>
+              <a:t>11</a:t>
+            </a:r>
+            <a:endParaRPr lang="ko-KR" altLang="en-US" sz="1400" dirty="0">
+              <a:solidFill>
+                <a:schemeClr val="tx1"/>
+              </a:solidFill>
+            </a:endParaRPr>
+          </a:p>
+        </p:txBody>
+      </p:sp>
+      <p:sp>
+        <p:nvSpPr>
+          <p:cNvPr id="15" name="직사각형 14">
+            <a:extLst>
+              <a:ext uri="{FF2B5EF4-FFF2-40B4-BE49-F238E27FC236}">
+                <a16:creationId xmlns:a16="http://schemas.microsoft.com/office/drawing/2014/main" id="{092DC62E-4C1F-4C28-AD35-558683524765}"/>
+              </a:ext>
+            </a:extLst>
+          </p:cNvPr>
+          <p:cNvSpPr/>
+          <p:nvPr/>
+        </p:nvSpPr>
+        <p:spPr>
+          <a:xfrm>
+            <a:off x="4565482" y="2119869"/>
+            <a:ext cx="416303" cy="251736"/>
+          </a:xfrm>
+          <a:prstGeom prst="rect">
+            <a:avLst/>
+          </a:prstGeom>
+          <a:noFill/>
+          <a:ln>
+            <a:noFill/>
+          </a:ln>
+        </p:spPr>
+        <p:style>
+          <a:lnRef idx="2">
+            <a:schemeClr val="accent1">
+              <a:shade val="50000"/>
+            </a:schemeClr>
+          </a:lnRef>
+          <a:fillRef idx="1">
+            <a:schemeClr val="accent1"/>
+          </a:fillRef>
+          <a:effectRef idx="0">
+            <a:schemeClr val="accent1"/>
+          </a:effectRef>
+          <a:fontRef idx="minor">
+            <a:schemeClr val="lt1"/>
+          </a:fontRef>
+        </p:style>
+        <p:txBody>
+          <a:bodyPr rtlCol="0" anchor="ctr"/>
+          <a:lstStyle/>
+          <a:p>
+            <a:pPr algn="ctr"/>
+            <a:r>
+              <a:rPr lang="en-US" altLang="ko-KR" sz="1400" dirty="0">
+                <a:solidFill>
+                  <a:schemeClr val="tx1"/>
+                </a:solidFill>
+              </a:rPr>
+              <a:t>10</a:t>
+            </a:r>
+            <a:endParaRPr lang="ko-KR" altLang="en-US" sz="1400" dirty="0">
+              <a:solidFill>
+                <a:schemeClr val="tx1"/>
+              </a:solidFill>
+            </a:endParaRPr>
+          </a:p>
+        </p:txBody>
+      </p:sp>
+      <p:sp>
+        <p:nvSpPr>
+          <p:cNvPr id="16" name="직사각형 15">
+            <a:extLst>
+              <a:ext uri="{FF2B5EF4-FFF2-40B4-BE49-F238E27FC236}">
+                <a16:creationId xmlns:a16="http://schemas.microsoft.com/office/drawing/2014/main" id="{B036D02B-19A3-4C7C-924C-16BD46546121}"/>
+              </a:ext>
+            </a:extLst>
+          </p:cNvPr>
+          <p:cNvSpPr/>
+          <p:nvPr/>
+        </p:nvSpPr>
+        <p:spPr>
+          <a:xfrm>
+            <a:off x="5368959" y="2119869"/>
+            <a:ext cx="416303" cy="251736"/>
+          </a:xfrm>
+          <a:prstGeom prst="rect">
+            <a:avLst/>
+          </a:prstGeom>
+          <a:noFill/>
+          <a:ln>
+            <a:noFill/>
+          </a:ln>
+        </p:spPr>
+        <p:style>
+          <a:lnRef idx="2">
+            <a:schemeClr val="accent1">
+              <a:shade val="50000"/>
+            </a:schemeClr>
+          </a:lnRef>
+          <a:fillRef idx="1">
+            <a:schemeClr val="accent1"/>
+          </a:fillRef>
+          <a:effectRef idx="0">
+            <a:schemeClr val="accent1"/>
+          </a:effectRef>
+          <a:fontRef idx="minor">
+            <a:schemeClr val="lt1"/>
+          </a:fontRef>
+        </p:style>
+        <p:txBody>
+          <a:bodyPr rtlCol="0" anchor="ctr"/>
+          <a:lstStyle/>
+          <a:p>
+            <a:pPr algn="ctr"/>
+            <a:r>
+              <a:rPr lang="en-US" altLang="ko-KR" sz="1400" dirty="0">
+                <a:solidFill>
+                  <a:schemeClr val="tx1"/>
+                </a:solidFill>
+              </a:rPr>
+              <a:t>9</a:t>
+            </a:r>
+            <a:endParaRPr lang="ko-KR" altLang="en-US" sz="1400" dirty="0">
+              <a:solidFill>
+                <a:schemeClr val="tx1"/>
+              </a:solidFill>
+            </a:endParaRPr>
+          </a:p>
+        </p:txBody>
+      </p:sp>
+      <p:sp>
+        <p:nvSpPr>
+          <p:cNvPr id="17" name="직사각형 16">
+            <a:extLst>
+              <a:ext uri="{FF2B5EF4-FFF2-40B4-BE49-F238E27FC236}">
+                <a16:creationId xmlns:a16="http://schemas.microsoft.com/office/drawing/2014/main" id="{F300BDB1-749F-425F-8B0D-12B82558C02C}"/>
+              </a:ext>
+            </a:extLst>
+          </p:cNvPr>
+          <p:cNvSpPr/>
+          <p:nvPr/>
+        </p:nvSpPr>
+        <p:spPr>
+          <a:xfrm>
+            <a:off x="6172436" y="2119869"/>
+            <a:ext cx="416303" cy="251736"/>
+          </a:xfrm>
+          <a:prstGeom prst="rect">
+            <a:avLst/>
+          </a:prstGeom>
+          <a:noFill/>
+          <a:ln>
+            <a:noFill/>
+          </a:ln>
+        </p:spPr>
+        <p:style>
+          <a:lnRef idx="2">
+            <a:schemeClr val="accent1">
+              <a:shade val="50000"/>
+            </a:schemeClr>
+          </a:lnRef>
+          <a:fillRef idx="1">
+            <a:schemeClr val="accent1"/>
+          </a:fillRef>
+          <a:effectRef idx="0">
+            <a:schemeClr val="accent1"/>
+          </a:effectRef>
+          <a:fontRef idx="minor">
+            <a:schemeClr val="lt1"/>
+          </a:fontRef>
+        </p:style>
+        <p:txBody>
+          <a:bodyPr rtlCol="0" anchor="ctr"/>
+          <a:lstStyle/>
+          <a:p>
+            <a:pPr algn="ctr"/>
+            <a:r>
+              <a:rPr lang="en-US" altLang="ko-KR" sz="1400" dirty="0">
+                <a:solidFill>
+                  <a:schemeClr val="tx1"/>
+                </a:solidFill>
+              </a:rPr>
+              <a:t>8</a:t>
+            </a:r>
+            <a:endParaRPr lang="ko-KR" altLang="en-US" sz="1400" dirty="0">
+              <a:solidFill>
+                <a:schemeClr val="tx1"/>
+              </a:solidFill>
+            </a:endParaRPr>
+          </a:p>
+        </p:txBody>
+      </p:sp>
+      <p:sp>
+        <p:nvSpPr>
+          <p:cNvPr id="18" name="직사각형 17">
+            <a:extLst>
+              <a:ext uri="{FF2B5EF4-FFF2-40B4-BE49-F238E27FC236}">
+                <a16:creationId xmlns:a16="http://schemas.microsoft.com/office/drawing/2014/main" id="{32C7B9BC-354C-413B-93DD-037D5E83F0A6}"/>
+              </a:ext>
+            </a:extLst>
+          </p:cNvPr>
+          <p:cNvSpPr/>
+          <p:nvPr/>
+        </p:nvSpPr>
+        <p:spPr>
+          <a:xfrm>
+            <a:off x="7449512" y="2099343"/>
+            <a:ext cx="416303" cy="251736"/>
+          </a:xfrm>
+          <a:prstGeom prst="rect">
+            <a:avLst/>
+          </a:prstGeom>
+          <a:noFill/>
+          <a:ln>
+            <a:noFill/>
+          </a:ln>
+        </p:spPr>
+        <p:style>
+          <a:lnRef idx="2">
+            <a:schemeClr val="accent1">
+              <a:shade val="50000"/>
+            </a:schemeClr>
+          </a:lnRef>
+          <a:fillRef idx="1">
+            <a:schemeClr val="accent1"/>
+          </a:fillRef>
+          <a:effectRef idx="0">
+            <a:schemeClr val="accent1"/>
+          </a:effectRef>
+          <a:fontRef idx="minor">
+            <a:schemeClr val="lt1"/>
+          </a:fontRef>
+        </p:style>
+        <p:txBody>
+          <a:bodyPr rtlCol="0" anchor="ctr"/>
+          <a:lstStyle/>
+          <a:p>
+            <a:pPr algn="ctr"/>
+            <a:r>
+              <a:rPr lang="en-US" altLang="ko-KR" sz="1400" dirty="0">
+                <a:solidFill>
+                  <a:schemeClr val="tx1"/>
+                </a:solidFill>
+              </a:rPr>
+              <a:t>1</a:t>
+            </a:r>
+            <a:endParaRPr lang="ko-KR" altLang="en-US" sz="1400" dirty="0">
+              <a:solidFill>
+                <a:schemeClr val="tx1"/>
+              </a:solidFill>
+            </a:endParaRPr>
+          </a:p>
+        </p:txBody>
+      </p:sp>
+      <p:sp>
+        <p:nvSpPr>
+          <p:cNvPr id="19" name="직사각형 18">
+            <a:extLst>
+              <a:ext uri="{FF2B5EF4-FFF2-40B4-BE49-F238E27FC236}">
+                <a16:creationId xmlns:a16="http://schemas.microsoft.com/office/drawing/2014/main" id="{4BF86D21-0F0D-446A-B1E7-98EECA3E542B}"/>
+              </a:ext>
+            </a:extLst>
+          </p:cNvPr>
+          <p:cNvSpPr/>
+          <p:nvPr/>
+        </p:nvSpPr>
+        <p:spPr>
+          <a:xfrm>
+            <a:off x="8210696" y="2119869"/>
+            <a:ext cx="416303" cy="251736"/>
+          </a:xfrm>
+          <a:prstGeom prst="rect">
+            <a:avLst/>
+          </a:prstGeom>
+          <a:noFill/>
+          <a:ln>
+            <a:noFill/>
+          </a:ln>
+        </p:spPr>
+        <p:style>
+          <a:lnRef idx="2">
+            <a:schemeClr val="accent1">
+              <a:shade val="50000"/>
+            </a:schemeClr>
+          </a:lnRef>
+          <a:fillRef idx="1">
+            <a:schemeClr val="accent1"/>
+          </a:fillRef>
+          <a:effectRef idx="0">
+            <a:schemeClr val="accent1"/>
+          </a:effectRef>
+          <a:fontRef idx="minor">
+            <a:schemeClr val="lt1"/>
+          </a:fontRef>
+        </p:style>
+        <p:txBody>
+          <a:bodyPr rtlCol="0" anchor="ctr"/>
+          <a:lstStyle/>
+          <a:p>
+            <a:pPr algn="ctr"/>
+            <a:r>
+              <a:rPr lang="en-US" altLang="ko-KR" sz="1400" dirty="0">
+                <a:solidFill>
+                  <a:schemeClr val="tx1"/>
+                </a:solidFill>
+              </a:rPr>
+              <a:t>0</a:t>
+            </a:r>
+            <a:endParaRPr lang="ko-KR" altLang="en-US" sz="1400" dirty="0">
+              <a:solidFill>
+                <a:schemeClr val="tx1"/>
+              </a:solidFill>
+            </a:endParaRPr>
+          </a:p>
+        </p:txBody>
+      </p:sp>
+      <p:graphicFrame>
+        <p:nvGraphicFramePr>
+          <p:cNvPr id="41" name="표 40">
+            <a:extLst>
+              <a:ext uri="{FF2B5EF4-FFF2-40B4-BE49-F238E27FC236}">
+                <a16:creationId xmlns:a16="http://schemas.microsoft.com/office/drawing/2014/main" id="{8C8EEDB3-D17A-4D25-9DDD-269D76F4AF57}"/>
+              </a:ext>
+            </a:extLst>
+          </p:cNvPr>
+          <p:cNvGraphicFramePr>
+            <a:graphicFrameLocks noGrp="1"/>
+          </p:cNvGraphicFramePr>
+          <p:nvPr>
+            <p:extLst>
+              <p:ext uri="{D42A27DB-BD31-4B8C-83A1-F6EECF244321}">
+                <p14:modId xmlns:p14="http://schemas.microsoft.com/office/powerpoint/2010/main" val="1411587131"/>
+              </p:ext>
+            </p:extLst>
+          </p:nvPr>
+        </p:nvGraphicFramePr>
+        <p:xfrm>
+          <a:off x="6724469" y="3892576"/>
+          <a:ext cx="4944291" cy="741680"/>
+        </p:xfrm>
+        <a:graphic>
+          <a:graphicData uri="http://schemas.openxmlformats.org/drawingml/2006/table">
+            <a:tbl>
+              <a:tblPr firstRow="1" bandRow="1">
+                <a:tableStyleId>{5940675A-B579-460E-94D1-54222C63F5DA}</a:tableStyleId>
+              </a:tblPr>
+              <a:tblGrid>
+                <a:gridCol w="449481">
+                  <a:extLst>
+                    <a:ext uri="{9D8B030D-6E8A-4147-A177-3AD203B41FA5}">
+                      <a16:colId xmlns:a16="http://schemas.microsoft.com/office/drawing/2014/main" val="1454722992"/>
+                    </a:ext>
+                  </a:extLst>
+                </a:gridCol>
+                <a:gridCol w="449481">
+                  <a:extLst>
+                    <a:ext uri="{9D8B030D-6E8A-4147-A177-3AD203B41FA5}">
+                      <a16:colId xmlns:a16="http://schemas.microsoft.com/office/drawing/2014/main" val="44611417"/>
+                    </a:ext>
+                  </a:extLst>
+                </a:gridCol>
+                <a:gridCol w="449481">
+                  <a:extLst>
+                    <a:ext uri="{9D8B030D-6E8A-4147-A177-3AD203B41FA5}">
+                      <a16:colId xmlns:a16="http://schemas.microsoft.com/office/drawing/2014/main" val="1171354407"/>
+                    </a:ext>
+                  </a:extLst>
+                </a:gridCol>
+                <a:gridCol w="449481">
+                  <a:extLst>
+                    <a:ext uri="{9D8B030D-6E8A-4147-A177-3AD203B41FA5}">
+                      <a16:colId xmlns:a16="http://schemas.microsoft.com/office/drawing/2014/main" val="3200233054"/>
+                    </a:ext>
+                  </a:extLst>
+                </a:gridCol>
+                <a:gridCol w="449481">
+                  <a:extLst>
+                    <a:ext uri="{9D8B030D-6E8A-4147-A177-3AD203B41FA5}">
+                      <a16:colId xmlns:a16="http://schemas.microsoft.com/office/drawing/2014/main" val="3462578737"/>
+                    </a:ext>
+                  </a:extLst>
+                </a:gridCol>
+                <a:gridCol w="449481">
+                  <a:extLst>
+                    <a:ext uri="{9D8B030D-6E8A-4147-A177-3AD203B41FA5}">
+                      <a16:colId xmlns:a16="http://schemas.microsoft.com/office/drawing/2014/main" val="3703710805"/>
+                    </a:ext>
+                  </a:extLst>
+                </a:gridCol>
+                <a:gridCol w="449481">
+                  <a:extLst>
+                    <a:ext uri="{9D8B030D-6E8A-4147-A177-3AD203B41FA5}">
+                      <a16:colId xmlns:a16="http://schemas.microsoft.com/office/drawing/2014/main" val="2544285163"/>
+                    </a:ext>
+                  </a:extLst>
+                </a:gridCol>
+                <a:gridCol w="449481">
+                  <a:extLst>
+                    <a:ext uri="{9D8B030D-6E8A-4147-A177-3AD203B41FA5}">
+                      <a16:colId xmlns:a16="http://schemas.microsoft.com/office/drawing/2014/main" val="4074572629"/>
+                    </a:ext>
+                  </a:extLst>
+                </a:gridCol>
+                <a:gridCol w="449481">
+                  <a:extLst>
+                    <a:ext uri="{9D8B030D-6E8A-4147-A177-3AD203B41FA5}">
+                      <a16:colId xmlns:a16="http://schemas.microsoft.com/office/drawing/2014/main" val="3101274770"/>
+                    </a:ext>
+                  </a:extLst>
+                </a:gridCol>
+                <a:gridCol w="449481">
+                  <a:extLst>
+                    <a:ext uri="{9D8B030D-6E8A-4147-A177-3AD203B41FA5}">
+                      <a16:colId xmlns:a16="http://schemas.microsoft.com/office/drawing/2014/main" val="1477910368"/>
+                    </a:ext>
+                  </a:extLst>
+                </a:gridCol>
+                <a:gridCol w="449481">
+                  <a:extLst>
+                    <a:ext uri="{9D8B030D-6E8A-4147-A177-3AD203B41FA5}">
+                      <a16:colId xmlns:a16="http://schemas.microsoft.com/office/drawing/2014/main" val="4179428661"/>
+                    </a:ext>
+                  </a:extLst>
+                </a:gridCol>
+              </a:tblGrid>
+              <a:tr h="370840">
+                <a:tc>
+                  <a:txBody>
+                    <a:bodyPr/>
+                    <a:lstStyle/>
+                    <a:p>
+                      <a:pPr algn="ctr" latinLnBrk="1"/>
+                      <a:r>
+                        <a:rPr lang="en-US" altLang="ko-KR" sz="1200" dirty="0">
+                          <a:solidFill>
+                            <a:schemeClr val="tx1"/>
+                          </a:solidFill>
+                        </a:rPr>
+                        <a:t>b</a:t>
+                      </a:r>
+                      <a:endParaRPr lang="ko-KR" altLang="en-US" sz="1200" dirty="0">
+                        <a:solidFill>
+                          <a:schemeClr val="tx1"/>
+                        </a:solidFill>
+                      </a:endParaRPr>
+                    </a:p>
+                  </a:txBody>
+                  <a:tcPr anchor="ctr">
+                    <a:lnL w="12700" cap="flat" cmpd="sng" algn="ctr">
+                      <a:solidFill>
+                        <a:schemeClr val="tx1"/>
+                      </a:solidFill>
+                      <a:prstDash val="solid"/>
+                      <a:round/>
+                      <a:headEnd type="none" w="med" len="med"/>
+                      <a:tailEnd type="none" w="med" len="med"/>
+                    </a:lnL>
+                    <a:lnR w="12700" cap="flat" cmpd="sng" algn="ctr">
+                      <a:solidFill>
+                        <a:schemeClr val="tx1"/>
+                      </a:solidFill>
+                      <a:prstDash val="solid"/>
+                      <a:round/>
+                      <a:headEnd type="none" w="med" len="med"/>
+                      <a:tailEnd type="none" w="med" len="med"/>
+                    </a:lnR>
+                    <a:lnT w="12700" cap="flat" cmpd="sng" algn="ctr">
+                      <a:solidFill>
+                        <a:schemeClr val="tx1"/>
+                      </a:solidFill>
+                      <a:prstDash val="solid"/>
+                      <a:round/>
+                      <a:headEnd type="none" w="med" len="med"/>
+                      <a:tailEnd type="none" w="med" len="med"/>
+                    </a:lnT>
+                    <a:lnB w="12700" cap="flat" cmpd="sng" algn="ctr">
+                      <a:solidFill>
+                        <a:schemeClr val="tx1"/>
+                      </a:solidFill>
+                      <a:prstDash val="solid"/>
+                      <a:round/>
+                      <a:headEnd type="none" w="med" len="med"/>
+                      <a:tailEnd type="none" w="med" len="med"/>
+                    </a:lnB>
+                  </a:tcPr>
+                </a:tc>
+                <a:tc>
+                  <a:txBody>
+                    <a:bodyPr/>
+                    <a:lstStyle/>
+                    <a:p>
+                      <a:pPr algn="ctr" latinLnBrk="1"/>
+                      <a:r>
+                        <a:rPr lang="en-US" altLang="ko-KR" sz="1200" dirty="0">
+                          <a:solidFill>
+                            <a:schemeClr val="tx1"/>
+                          </a:solidFill>
+                        </a:rPr>
+                        <a:t>a</a:t>
+                      </a:r>
+                      <a:endParaRPr lang="ko-KR" altLang="en-US" sz="1200" dirty="0">
+                        <a:solidFill>
+                          <a:schemeClr val="tx1"/>
+                        </a:solidFill>
+                      </a:endParaRPr>
+                    </a:p>
+                  </a:txBody>
+                  <a:tcPr anchor="ctr">
+                    <a:lnL w="12700" cap="flat" cmpd="sng" algn="ctr">
+                      <a:solidFill>
+                        <a:schemeClr val="tx1"/>
+                      </a:solidFill>
+                      <a:prstDash val="solid"/>
+                      <a:round/>
+                      <a:headEnd type="none" w="med" len="med"/>
+                      <a:tailEnd type="none" w="med" len="med"/>
+                    </a:lnL>
+                    <a:lnR w="12700" cap="flat" cmpd="sng" algn="ctr">
+                      <a:solidFill>
+                        <a:schemeClr val="tx1"/>
+                      </a:solidFill>
+                      <a:prstDash val="solid"/>
+                      <a:round/>
+                      <a:headEnd type="none" w="med" len="med"/>
+                      <a:tailEnd type="none" w="med" len="med"/>
+                    </a:lnR>
+                    <a:lnT w="12700" cap="flat" cmpd="sng" algn="ctr">
+                      <a:solidFill>
+                        <a:schemeClr val="tx1"/>
+                      </a:solidFill>
+                      <a:prstDash val="solid"/>
+                      <a:round/>
+                      <a:headEnd type="none" w="med" len="med"/>
+                      <a:tailEnd type="none" w="med" len="med"/>
+                    </a:lnT>
+                    <a:lnB w="12700" cap="flat" cmpd="sng" algn="ctr">
+                      <a:solidFill>
+                        <a:schemeClr val="tx1"/>
+                      </a:solidFill>
+                      <a:prstDash val="solid"/>
+                      <a:round/>
+                      <a:headEnd type="none" w="med" len="med"/>
+                      <a:tailEnd type="none" w="med" len="med"/>
+                    </a:lnB>
+                  </a:tcPr>
+                </a:tc>
+                <a:tc>
+                  <a:txBody>
+                    <a:bodyPr/>
+                    <a:lstStyle/>
+                    <a:p>
+                      <a:pPr algn="ctr" latinLnBrk="1"/>
+                      <a:r>
+                        <a:rPr lang="en-US" altLang="ko-KR" sz="1200" dirty="0">
+                          <a:solidFill>
+                            <a:schemeClr val="tx1"/>
+                          </a:solidFill>
+                        </a:rPr>
+                        <a:t>c</a:t>
+                      </a:r>
+                      <a:endParaRPr lang="ko-KR" altLang="en-US" sz="1200" dirty="0">
+                        <a:solidFill>
+                          <a:schemeClr val="tx1"/>
+                        </a:solidFill>
+                      </a:endParaRPr>
+                    </a:p>
+                  </a:txBody>
+                  <a:tcPr anchor="ctr">
+                    <a:lnL w="12700" cap="flat" cmpd="sng" algn="ctr">
+                      <a:solidFill>
+                        <a:schemeClr val="tx1"/>
+                      </a:solidFill>
+                      <a:prstDash val="solid"/>
+                      <a:round/>
+                      <a:headEnd type="none" w="med" len="med"/>
+                      <a:tailEnd type="none" w="med" len="med"/>
+                    </a:lnL>
+                    <a:lnR w="12700" cap="flat" cmpd="sng" algn="ctr">
+                      <a:solidFill>
+                        <a:schemeClr val="tx1"/>
+                      </a:solidFill>
+                      <a:prstDash val="solid"/>
+                      <a:round/>
+                      <a:headEnd type="none" w="med" len="med"/>
+                      <a:tailEnd type="none" w="med" len="med"/>
+                    </a:lnR>
+                    <a:lnT w="12700" cap="flat" cmpd="sng" algn="ctr">
+                      <a:solidFill>
+                        <a:schemeClr val="tx1"/>
+                      </a:solidFill>
+                      <a:prstDash val="solid"/>
+                      <a:round/>
+                      <a:headEnd type="none" w="med" len="med"/>
+                      <a:tailEnd type="none" w="med" len="med"/>
+                    </a:lnT>
+                    <a:lnB w="12700" cap="flat" cmpd="sng" algn="ctr">
+                      <a:solidFill>
+                        <a:schemeClr val="tx1"/>
+                      </a:solidFill>
+                      <a:prstDash val="solid"/>
+                      <a:round/>
+                      <a:headEnd type="none" w="med" len="med"/>
+                      <a:tailEnd type="none" w="med" len="med"/>
+                    </a:lnB>
+                  </a:tcPr>
+                </a:tc>
+                <a:tc>
+                  <a:txBody>
+                    <a:bodyPr/>
+                    <a:lstStyle/>
+                    <a:p>
+                      <a:pPr algn="ctr" latinLnBrk="1"/>
+                      <a:r>
+                        <a:rPr lang="en-US" altLang="ko-KR" sz="1200" dirty="0">
+                          <a:solidFill>
+                            <a:schemeClr val="tx1"/>
+                          </a:solidFill>
+                        </a:rPr>
+                        <a:t>d</a:t>
+                      </a:r>
+                      <a:endParaRPr lang="ko-KR" altLang="en-US" sz="1200" dirty="0">
+                        <a:solidFill>
+                          <a:schemeClr val="tx1"/>
+                        </a:solidFill>
+                      </a:endParaRPr>
+                    </a:p>
+                  </a:txBody>
+                  <a:tcPr anchor="ctr">
+                    <a:lnL w="12700" cap="flat" cmpd="sng" algn="ctr">
+                      <a:solidFill>
+                        <a:schemeClr val="tx1"/>
+                      </a:solidFill>
+                      <a:prstDash val="solid"/>
+                      <a:round/>
+                      <a:headEnd type="none" w="med" len="med"/>
+                      <a:tailEnd type="none" w="med" len="med"/>
+                    </a:lnL>
+                    <a:lnR w="12700" cap="flat" cmpd="sng" algn="ctr">
+                      <a:solidFill>
+                        <a:schemeClr val="tx1"/>
+                      </a:solidFill>
+                      <a:prstDash val="solid"/>
+                      <a:round/>
+                      <a:headEnd type="none" w="med" len="med"/>
+                      <a:tailEnd type="none" w="med" len="med"/>
+                    </a:lnR>
+                    <a:lnT w="12700" cap="flat" cmpd="sng" algn="ctr">
+                      <a:solidFill>
+                        <a:schemeClr val="tx1"/>
+                      </a:solidFill>
+                      <a:prstDash val="solid"/>
+                      <a:round/>
+                      <a:headEnd type="none" w="med" len="med"/>
+                      <a:tailEnd type="none" w="med" len="med"/>
+                    </a:lnT>
+                    <a:lnB w="12700" cap="flat" cmpd="sng" algn="ctr">
+                      <a:solidFill>
+                        <a:schemeClr val="tx1"/>
+                      </a:solidFill>
+                      <a:prstDash val="solid"/>
+                      <a:round/>
+                      <a:headEnd type="none" w="med" len="med"/>
+                      <a:tailEnd type="none" w="med" len="med"/>
+                    </a:lnB>
+                  </a:tcPr>
+                </a:tc>
+                <a:tc>
+                  <a:txBody>
+                    <a:bodyPr/>
+                    <a:lstStyle/>
+                    <a:p>
+                      <a:pPr algn="ctr" latinLnBrk="1"/>
+                      <a:r>
+                        <a:rPr lang="en-US" altLang="ko-KR" sz="1200" dirty="0">
+                          <a:solidFill>
+                            <a:schemeClr val="tx1"/>
+                          </a:solidFill>
+                        </a:rPr>
+                        <a:t>-</a:t>
+                      </a:r>
+                      <a:endParaRPr lang="ko-KR" altLang="en-US" sz="1200" dirty="0">
+                        <a:solidFill>
+                          <a:schemeClr val="tx1"/>
+                        </a:solidFill>
+                      </a:endParaRPr>
+                    </a:p>
+                  </a:txBody>
+                  <a:tcPr anchor="ctr">
+                    <a:lnL w="12700" cap="flat" cmpd="sng" algn="ctr">
+                      <a:solidFill>
+                        <a:schemeClr val="tx1"/>
+                      </a:solidFill>
+                      <a:prstDash val="solid"/>
+                      <a:round/>
+                      <a:headEnd type="none" w="med" len="med"/>
+                      <a:tailEnd type="none" w="med" len="med"/>
+                    </a:lnL>
+                    <a:lnR w="12700" cap="flat" cmpd="sng" algn="ctr">
+                      <a:solidFill>
+                        <a:schemeClr val="tx1"/>
+                      </a:solidFill>
+                      <a:prstDash val="solid"/>
+                      <a:round/>
+                      <a:headEnd type="none" w="med" len="med"/>
+                      <a:tailEnd type="none" w="med" len="med"/>
+                    </a:lnR>
+                    <a:lnT w="12700" cap="flat" cmpd="sng" algn="ctr">
+                      <a:solidFill>
+                        <a:schemeClr val="tx1"/>
+                      </a:solidFill>
+                      <a:prstDash val="solid"/>
+                      <a:round/>
+                      <a:headEnd type="none" w="med" len="med"/>
+                      <a:tailEnd type="none" w="med" len="med"/>
+                    </a:lnT>
+                    <a:lnB w="12700" cap="flat" cmpd="sng" algn="ctr">
+                      <a:solidFill>
+                        <a:schemeClr val="tx1"/>
+                      </a:solidFill>
+                      <a:prstDash val="solid"/>
+                      <a:round/>
+                      <a:headEnd type="none" w="med" len="med"/>
+                      <a:tailEnd type="none" w="med" len="med"/>
+                    </a:lnB>
+                  </a:tcPr>
+                </a:tc>
+                <a:tc>
+                  <a:txBody>
+                    <a:bodyPr/>
+                    <a:lstStyle/>
+                    <a:p>
+                      <a:pPr algn="ctr" latinLnBrk="1"/>
+                      <a:r>
+                        <a:rPr lang="en-US" altLang="ko-KR" sz="1100" dirty="0">
+                          <a:solidFill>
+                            <a:schemeClr val="tx1"/>
+                          </a:solidFill>
+                        </a:rPr>
+                        <a:t>-</a:t>
+                      </a:r>
+                      <a:endParaRPr lang="ko-KR" altLang="en-US" sz="1100" dirty="0">
+                        <a:solidFill>
+                          <a:schemeClr val="tx1"/>
+                        </a:solidFill>
+                      </a:endParaRPr>
+                    </a:p>
+                  </a:txBody>
+                  <a:tcPr anchor="ctr">
+                    <a:lnL w="12700" cap="flat" cmpd="sng" algn="ctr">
+                      <a:solidFill>
+                        <a:schemeClr val="tx1"/>
+                      </a:solidFill>
+                      <a:prstDash val="solid"/>
+                      <a:round/>
+                      <a:headEnd type="none" w="med" len="med"/>
+                      <a:tailEnd type="none" w="med" len="med"/>
+                    </a:lnL>
+                    <a:lnR w="12700" cap="flat" cmpd="sng" algn="ctr">
+                      <a:solidFill>
+                        <a:schemeClr val="tx1"/>
+                      </a:solidFill>
+                      <a:prstDash val="solid"/>
+                      <a:round/>
+                      <a:headEnd type="none" w="med" len="med"/>
+                      <a:tailEnd type="none" w="med" len="med"/>
+                    </a:lnR>
+                    <a:lnT w="12700" cap="flat" cmpd="sng" algn="ctr">
+                      <a:solidFill>
+                        <a:schemeClr val="tx1"/>
+                      </a:solidFill>
+                      <a:prstDash val="solid"/>
+                      <a:round/>
+                      <a:headEnd type="none" w="med" len="med"/>
+                      <a:tailEnd type="none" w="med" len="med"/>
+                    </a:lnT>
+                    <a:lnB w="12700" cap="flat" cmpd="sng" algn="ctr">
+                      <a:solidFill>
+                        <a:schemeClr val="tx1"/>
+                      </a:solidFill>
+                      <a:prstDash val="solid"/>
+                      <a:round/>
+                      <a:headEnd type="none" w="med" len="med"/>
+                      <a:tailEnd type="none" w="med" len="med"/>
+                    </a:lnB>
+                  </a:tcPr>
+                </a:tc>
+                <a:tc>
+                  <a:txBody>
+                    <a:bodyPr/>
+                    <a:lstStyle/>
+                    <a:p>
+                      <a:pPr algn="ctr" latinLnBrk="1"/>
+                      <a:r>
+                        <a:rPr lang="en-US" altLang="ko-KR" sz="1100" dirty="0">
+                          <a:solidFill>
+                            <a:schemeClr val="tx1"/>
+                          </a:solidFill>
+                        </a:rPr>
+                        <a:t>-</a:t>
+                      </a:r>
+                      <a:endParaRPr lang="ko-KR" altLang="en-US" sz="1100" dirty="0">
+                        <a:solidFill>
+                          <a:schemeClr val="tx1"/>
+                        </a:solidFill>
+                      </a:endParaRPr>
+                    </a:p>
+                  </a:txBody>
+                  <a:tcPr anchor="ctr">
+                    <a:lnL w="12700" cap="flat" cmpd="sng" algn="ctr">
+                      <a:solidFill>
+                        <a:schemeClr val="tx1"/>
+                      </a:solidFill>
+                      <a:prstDash val="solid"/>
+                      <a:round/>
+                      <a:headEnd type="none" w="med" len="med"/>
+                      <a:tailEnd type="none" w="med" len="med"/>
+                    </a:lnL>
+                    <a:lnR w="12700" cap="flat" cmpd="sng" algn="ctr">
+                      <a:solidFill>
+                        <a:schemeClr val="tx1"/>
+                      </a:solidFill>
+                      <a:prstDash val="solid"/>
+                      <a:round/>
+                      <a:headEnd type="none" w="med" len="med"/>
+                      <a:tailEnd type="none" w="med" len="med"/>
+                    </a:lnR>
+                    <a:lnT w="12700" cap="flat" cmpd="sng" algn="ctr">
+                      <a:solidFill>
+                        <a:schemeClr val="tx1"/>
+                      </a:solidFill>
+                      <a:prstDash val="solid"/>
+                      <a:round/>
+                      <a:headEnd type="none" w="med" len="med"/>
+                      <a:tailEnd type="none" w="med" len="med"/>
+                    </a:lnT>
+                    <a:lnB w="12700" cap="flat" cmpd="sng" algn="ctr">
+                      <a:solidFill>
+                        <a:schemeClr val="tx1"/>
+                      </a:solidFill>
+                      <a:prstDash val="solid"/>
+                      <a:round/>
+                      <a:headEnd type="none" w="med" len="med"/>
+                      <a:tailEnd type="none" w="med" len="med"/>
+                    </a:lnB>
+                  </a:tcPr>
+                </a:tc>
+                <a:tc>
+                  <a:txBody>
+                    <a:bodyPr/>
+                    <a:lstStyle/>
+                    <a:p>
+                      <a:pPr algn="ctr" latinLnBrk="1"/>
+                      <a:r>
+                        <a:rPr lang="en-US" altLang="ko-KR" sz="1100" dirty="0">
+                          <a:solidFill>
+                            <a:schemeClr val="tx1"/>
+                          </a:solidFill>
+                        </a:rPr>
+                        <a:t>-</a:t>
+                      </a:r>
+                      <a:endParaRPr lang="ko-KR" altLang="en-US" sz="1100" dirty="0">
+                        <a:solidFill>
+                          <a:schemeClr val="tx1"/>
+                        </a:solidFill>
+                      </a:endParaRPr>
+                    </a:p>
+                  </a:txBody>
+                  <a:tcPr anchor="ctr">
+                    <a:lnL w="12700" cap="flat" cmpd="sng" algn="ctr">
+                      <a:solidFill>
+                        <a:schemeClr val="tx1"/>
+                      </a:solidFill>
+                      <a:prstDash val="solid"/>
+                      <a:round/>
+                      <a:headEnd type="none" w="med" len="med"/>
+                      <a:tailEnd type="none" w="med" len="med"/>
+                    </a:lnL>
+                    <a:lnR w="12700" cap="flat" cmpd="sng" algn="ctr">
+                      <a:solidFill>
+                        <a:schemeClr val="tx1"/>
+                      </a:solidFill>
+                      <a:prstDash val="solid"/>
+                      <a:round/>
+                      <a:headEnd type="none" w="med" len="med"/>
+                      <a:tailEnd type="none" w="med" len="med"/>
+                    </a:lnR>
+                    <a:lnT w="12700" cap="flat" cmpd="sng" algn="ctr">
+                      <a:solidFill>
+                        <a:schemeClr val="tx1"/>
+                      </a:solidFill>
+                      <a:prstDash val="solid"/>
+                      <a:round/>
+                      <a:headEnd type="none" w="med" len="med"/>
+                      <a:tailEnd type="none" w="med" len="med"/>
+                    </a:lnT>
+                    <a:lnB w="12700" cap="flat" cmpd="sng" algn="ctr">
+                      <a:solidFill>
+                        <a:schemeClr val="tx1"/>
+                      </a:solidFill>
+                      <a:prstDash val="solid"/>
+                      <a:round/>
+                      <a:headEnd type="none" w="med" len="med"/>
+                      <a:tailEnd type="none" w="med" len="med"/>
+                    </a:lnB>
+                  </a:tcPr>
+                </a:tc>
+                <a:tc>
+                  <a:txBody>
+                    <a:bodyPr/>
+                    <a:lstStyle/>
+                    <a:p>
+                      <a:pPr algn="ctr" latinLnBrk="1"/>
+                      <a:r>
+                        <a:rPr lang="en-US" altLang="ko-KR" sz="1100" dirty="0">
+                          <a:solidFill>
+                            <a:schemeClr val="tx1"/>
+                          </a:solidFill>
+                        </a:rPr>
+                        <a:t>-</a:t>
+                      </a:r>
+                      <a:endParaRPr lang="ko-KR" altLang="en-US" sz="1100" dirty="0">
+                        <a:solidFill>
+                          <a:schemeClr val="tx1"/>
+                        </a:solidFill>
+                      </a:endParaRPr>
+                    </a:p>
+                  </a:txBody>
+                  <a:tcPr anchor="ctr">
+                    <a:lnL w="12700" cap="flat" cmpd="sng" algn="ctr">
+                      <a:solidFill>
+                        <a:schemeClr val="tx1"/>
+                      </a:solidFill>
+                      <a:prstDash val="solid"/>
+                      <a:round/>
+                      <a:headEnd type="none" w="med" len="med"/>
+                      <a:tailEnd type="none" w="med" len="med"/>
+                    </a:lnL>
+                    <a:lnR w="12700" cap="flat" cmpd="sng" algn="ctr">
+                      <a:solidFill>
+                        <a:schemeClr val="tx1"/>
+                      </a:solidFill>
+                      <a:prstDash val="solid"/>
+                      <a:round/>
+                      <a:headEnd type="none" w="med" len="med"/>
+                      <a:tailEnd type="none" w="med" len="med"/>
+                    </a:lnR>
+                    <a:lnT w="12700" cap="flat" cmpd="sng" algn="ctr">
+                      <a:solidFill>
+                        <a:schemeClr val="tx1"/>
+                      </a:solidFill>
+                      <a:prstDash val="solid"/>
+                      <a:round/>
+                      <a:headEnd type="none" w="med" len="med"/>
+                      <a:tailEnd type="none" w="med" len="med"/>
+                    </a:lnT>
+                    <a:lnB w="12700" cap="flat" cmpd="sng" algn="ctr">
+                      <a:solidFill>
+                        <a:schemeClr val="tx1"/>
+                      </a:solidFill>
+                      <a:prstDash val="solid"/>
+                      <a:round/>
+                      <a:headEnd type="none" w="med" len="med"/>
+                      <a:tailEnd type="none" w="med" len="med"/>
+                    </a:lnB>
+                  </a:tcPr>
+                </a:tc>
+                <a:tc>
+                  <a:txBody>
+                    <a:bodyPr/>
+                    <a:lstStyle/>
+                    <a:p>
+                      <a:pPr algn="ctr" latinLnBrk="1"/>
+                      <a:r>
+                        <a:rPr lang="en-US" altLang="ko-KR" sz="1100" dirty="0">
+                          <a:solidFill>
+                            <a:schemeClr val="tx1"/>
+                          </a:solidFill>
+                        </a:rPr>
+                        <a:t>-</a:t>
+                      </a:r>
+                      <a:endParaRPr lang="ko-KR" altLang="en-US" sz="1100" dirty="0">
+                        <a:solidFill>
+                          <a:schemeClr val="tx1"/>
+                        </a:solidFill>
+                      </a:endParaRPr>
+                    </a:p>
+                  </a:txBody>
+                  <a:tcPr anchor="ctr">
+                    <a:lnL w="12700" cap="flat" cmpd="sng" algn="ctr">
+                      <a:solidFill>
+                        <a:schemeClr val="tx1"/>
+                      </a:solidFill>
+                      <a:prstDash val="solid"/>
+                      <a:round/>
+                      <a:headEnd type="none" w="med" len="med"/>
+                      <a:tailEnd type="none" w="med" len="med"/>
+                    </a:lnL>
+                    <a:lnR w="12700" cap="flat" cmpd="sng" algn="ctr">
+                      <a:solidFill>
+                        <a:schemeClr val="tx1"/>
+                      </a:solidFill>
+                      <a:prstDash val="solid"/>
+                      <a:round/>
+                      <a:headEnd type="none" w="med" len="med"/>
+                      <a:tailEnd type="none" w="med" len="med"/>
+                    </a:lnR>
+                    <a:lnT w="12700" cap="flat" cmpd="sng" algn="ctr">
+                      <a:solidFill>
+                        <a:schemeClr val="tx1"/>
+                      </a:solidFill>
+                      <a:prstDash val="solid"/>
+                      <a:round/>
+                      <a:headEnd type="none" w="med" len="med"/>
+                      <a:tailEnd type="none" w="med" len="med"/>
+                    </a:lnT>
+                    <a:lnB w="12700" cap="flat" cmpd="sng" algn="ctr">
+                      <a:solidFill>
+                        <a:schemeClr val="tx1"/>
+                      </a:solidFill>
+                      <a:prstDash val="solid"/>
+                      <a:round/>
+                      <a:headEnd type="none" w="med" len="med"/>
+                      <a:tailEnd type="none" w="med" len="med"/>
+                    </a:lnB>
+                  </a:tcPr>
+                </a:tc>
+                <a:tc>
+                  <a:txBody>
+                    <a:bodyPr/>
+                    <a:lstStyle/>
+                    <a:p>
+                      <a:pPr algn="ctr" latinLnBrk="1"/>
+                      <a:r>
+                        <a:rPr lang="en-US" altLang="ko-KR" sz="1100" dirty="0">
+                          <a:solidFill>
+                            <a:schemeClr val="tx1"/>
+                          </a:solidFill>
+                        </a:rPr>
+                        <a:t>-</a:t>
+                      </a:r>
+                      <a:endParaRPr lang="ko-KR" altLang="en-US" sz="1100" dirty="0">
+                        <a:solidFill>
+                          <a:schemeClr val="tx1"/>
+                        </a:solidFill>
+                      </a:endParaRPr>
+                    </a:p>
+                  </a:txBody>
+                  <a:tcPr anchor="ctr">
+                    <a:lnL w="12700" cap="flat" cmpd="sng" algn="ctr">
+                      <a:solidFill>
+                        <a:schemeClr val="tx1"/>
+                      </a:solidFill>
+                      <a:prstDash val="solid"/>
+                      <a:round/>
+                      <a:headEnd type="none" w="med" len="med"/>
+                      <a:tailEnd type="none" w="med" len="med"/>
+                    </a:lnL>
+                    <a:lnR w="12700" cap="flat" cmpd="sng" algn="ctr">
+                      <a:solidFill>
+                        <a:schemeClr val="tx1"/>
+                      </a:solidFill>
+                      <a:prstDash val="solid"/>
+                      <a:round/>
+                      <a:headEnd type="none" w="med" len="med"/>
+                      <a:tailEnd type="none" w="med" len="med"/>
+                    </a:lnR>
+                    <a:lnT w="12700" cap="flat" cmpd="sng" algn="ctr">
+                      <a:solidFill>
+                        <a:schemeClr val="tx1"/>
+                      </a:solidFill>
+                      <a:prstDash val="solid"/>
+                      <a:round/>
+                      <a:headEnd type="none" w="med" len="med"/>
+                      <a:tailEnd type="none" w="med" len="med"/>
+                    </a:lnT>
+                    <a:lnB w="12700" cap="flat" cmpd="sng" algn="ctr">
+                      <a:solidFill>
+                        <a:schemeClr val="tx1"/>
+                      </a:solidFill>
+                      <a:prstDash val="solid"/>
+                      <a:round/>
+                      <a:headEnd type="none" w="med" len="med"/>
+                      <a:tailEnd type="none" w="med" len="med"/>
+                    </a:lnB>
+                  </a:tcPr>
+                </a:tc>
+                <a:extLst>
+                  <a:ext uri="{0D108BD9-81ED-4DB2-BD59-A6C34878D82A}">
+                    <a16:rowId xmlns:a16="http://schemas.microsoft.com/office/drawing/2014/main" val="1529628667"/>
+                  </a:ext>
+                </a:extLst>
+              </a:tr>
+              <a:tr h="370840">
+                <a:tc>
+                  <a:txBody>
+                    <a:bodyPr/>
+                    <a:lstStyle/>
+                    <a:p>
+                      <a:pPr algn="ctr" latinLnBrk="1"/>
+                      <a:r>
+                        <a:rPr lang="en-US" altLang="ko-KR" sz="1100" dirty="0">
+                          <a:solidFill>
+                            <a:schemeClr val="tx1"/>
+                          </a:solidFill>
+                        </a:rPr>
+                        <a:t>11</a:t>
+                      </a:r>
+                      <a:endParaRPr lang="ko-KR" altLang="en-US" sz="1100" dirty="0">
+                        <a:solidFill>
+                          <a:schemeClr val="tx1"/>
+                        </a:solidFill>
+                      </a:endParaRPr>
+                    </a:p>
+                  </a:txBody>
+                  <a:tcPr anchor="ctr">
+                    <a:lnL w="12700" cmpd="sng">
+                      <a:noFill/>
+                    </a:lnL>
+                    <a:lnR w="12700" cmpd="sng">
+                      <a:noFill/>
+                    </a:lnR>
+                    <a:lnT w="12700" cap="flat" cmpd="sng" algn="ctr">
+                      <a:solidFill>
+                        <a:schemeClr val="tx1"/>
+                      </a:solidFill>
+                      <a:prstDash val="solid"/>
+                      <a:round/>
+                      <a:headEnd type="none" w="med" len="med"/>
+                      <a:tailEnd type="none" w="med" len="med"/>
+                    </a:lnT>
+                    <a:lnB w="12700" cap="flat" cmpd="sng" algn="ctr">
+                      <a:noFill/>
+                      <a:prstDash val="solid"/>
+                      <a:round/>
+                      <a:headEnd type="none" w="med" len="med"/>
+                      <a:tailEnd type="none" w="med" len="med"/>
+                    </a:lnB>
+                    <a:lnTlToBr w="12700" cmpd="sng">
+                      <a:noFill/>
+                      <a:prstDash val="solid"/>
+                    </a:lnTlToBr>
+                    <a:lnBlToTr w="12700" cmpd="sng">
+                      <a:noFill/>
+                      <a:prstDash val="solid"/>
+                    </a:lnBlToTr>
+                  </a:tcPr>
+                </a:tc>
+                <a:tc>
+                  <a:txBody>
+                    <a:bodyPr/>
+                    <a:lstStyle/>
+                    <a:p>
+                      <a:pPr algn="ctr" latinLnBrk="1"/>
+                      <a:r>
+                        <a:rPr lang="en-US" altLang="ko-KR" sz="1100" dirty="0">
+                          <a:solidFill>
+                            <a:schemeClr val="tx1"/>
+                          </a:solidFill>
+                        </a:rPr>
+                        <a:t>10</a:t>
+                      </a:r>
+                      <a:endParaRPr lang="ko-KR" altLang="en-US" sz="1100" dirty="0">
+                        <a:solidFill>
+                          <a:schemeClr val="tx1"/>
+                        </a:solidFill>
+                      </a:endParaRPr>
+                    </a:p>
+                  </a:txBody>
+                  <a:tcPr anchor="ctr">
+                    <a:lnL w="12700" cmpd="sng">
+                      <a:noFill/>
+                    </a:lnL>
+                    <a:lnR w="12700" cmpd="sng">
+                      <a:noFill/>
+                    </a:lnR>
+                    <a:lnT w="12700" cap="flat" cmpd="sng" algn="ctr">
+                      <a:solidFill>
+                        <a:schemeClr val="tx1"/>
+                      </a:solidFill>
+                      <a:prstDash val="solid"/>
+                      <a:round/>
+                      <a:headEnd type="none" w="med" len="med"/>
+                      <a:tailEnd type="none" w="med" len="med"/>
+                    </a:lnT>
+                    <a:lnB w="12700" cap="flat" cmpd="sng" algn="ctr">
+                      <a:noFill/>
+                      <a:prstDash val="solid"/>
+                      <a:round/>
+                      <a:headEnd type="none" w="med" len="med"/>
+                      <a:tailEnd type="none" w="med" len="med"/>
+                    </a:lnB>
+                    <a:lnTlToBr w="12700" cmpd="sng">
+                      <a:noFill/>
+                      <a:prstDash val="solid"/>
+                    </a:lnTlToBr>
+                    <a:lnBlToTr w="12700" cmpd="sng">
+                      <a:noFill/>
+                      <a:prstDash val="solid"/>
+                    </a:lnBlToTr>
+                  </a:tcPr>
+                </a:tc>
+                <a:tc>
+                  <a:txBody>
+                    <a:bodyPr/>
+                    <a:lstStyle/>
+                    <a:p>
+                      <a:pPr algn="ctr" latinLnBrk="1"/>
+                      <a:r>
+                        <a:rPr lang="en-US" altLang="ko-KR" sz="1100" dirty="0">
+                          <a:solidFill>
+                            <a:schemeClr val="tx1"/>
+                          </a:solidFill>
+                        </a:rPr>
+                        <a:t>9</a:t>
+                      </a:r>
+                      <a:endParaRPr lang="ko-KR" altLang="en-US" sz="1100" dirty="0">
+                        <a:solidFill>
+                          <a:schemeClr val="tx1"/>
+                        </a:solidFill>
+                      </a:endParaRPr>
+                    </a:p>
+                  </a:txBody>
+                  <a:tcPr anchor="ctr">
+                    <a:lnL w="12700" cmpd="sng">
+                      <a:noFill/>
+                    </a:lnL>
+                    <a:lnR w="12700" cmpd="sng">
+                      <a:noFill/>
+                    </a:lnR>
+                    <a:lnT w="12700" cap="flat" cmpd="sng" algn="ctr">
+                      <a:solidFill>
+                        <a:schemeClr val="tx1"/>
+                      </a:solidFill>
+                      <a:prstDash val="solid"/>
+                      <a:round/>
+                      <a:headEnd type="none" w="med" len="med"/>
+                      <a:tailEnd type="none" w="med" len="med"/>
+                    </a:lnT>
+                    <a:lnB w="12700" cap="flat" cmpd="sng" algn="ctr">
+                      <a:noFill/>
+                      <a:prstDash val="solid"/>
+                      <a:round/>
+                      <a:headEnd type="none" w="med" len="med"/>
+                      <a:tailEnd type="none" w="med" len="med"/>
+                    </a:lnB>
+                    <a:lnTlToBr w="12700" cmpd="sng">
+                      <a:noFill/>
+                      <a:prstDash val="solid"/>
+                    </a:lnTlToBr>
+                    <a:lnBlToTr w="12700" cmpd="sng">
+                      <a:noFill/>
+                      <a:prstDash val="solid"/>
+                    </a:lnBlToTr>
+                  </a:tcPr>
+                </a:tc>
+                <a:tc>
+                  <a:txBody>
+                    <a:bodyPr/>
+                    <a:lstStyle/>
+                    <a:p>
+                      <a:pPr algn="ctr" latinLnBrk="1"/>
+                      <a:r>
+                        <a:rPr lang="en-US" altLang="ko-KR" sz="1100" dirty="0">
+                          <a:solidFill>
+                            <a:schemeClr val="tx1"/>
+                          </a:solidFill>
+                        </a:rPr>
+                        <a:t>8</a:t>
+                      </a:r>
+                      <a:endParaRPr lang="ko-KR" altLang="en-US" sz="1100" dirty="0">
+                        <a:solidFill>
+                          <a:schemeClr val="tx1"/>
+                        </a:solidFill>
+                      </a:endParaRPr>
+                    </a:p>
+                  </a:txBody>
+                  <a:tcPr anchor="ctr">
+                    <a:lnL w="12700" cmpd="sng">
+                      <a:noFill/>
+                    </a:lnL>
+                    <a:lnR w="12700" cmpd="sng">
+                      <a:noFill/>
+                    </a:lnR>
+                    <a:lnT w="12700" cap="flat" cmpd="sng" algn="ctr">
+                      <a:solidFill>
+                        <a:schemeClr val="tx1"/>
+                      </a:solidFill>
+                      <a:prstDash val="solid"/>
+                      <a:round/>
+                      <a:headEnd type="none" w="med" len="med"/>
+                      <a:tailEnd type="none" w="med" len="med"/>
+                    </a:lnT>
+                    <a:lnB w="12700" cap="flat" cmpd="sng" algn="ctr">
+                      <a:noFill/>
+                      <a:prstDash val="solid"/>
+                      <a:round/>
+                      <a:headEnd type="none" w="med" len="med"/>
+                      <a:tailEnd type="none" w="med" len="med"/>
+                    </a:lnB>
+                    <a:lnTlToBr w="12700" cmpd="sng">
+                      <a:noFill/>
+                      <a:prstDash val="solid"/>
+                    </a:lnTlToBr>
+                    <a:lnBlToTr w="12700" cmpd="sng">
+                      <a:noFill/>
+                      <a:prstDash val="solid"/>
+                    </a:lnBlToTr>
+                  </a:tcPr>
+                </a:tc>
+                <a:tc>
+                  <a:txBody>
+                    <a:bodyPr/>
+                    <a:lstStyle/>
+                    <a:p>
+                      <a:pPr algn="ctr" latinLnBrk="1"/>
+                      <a:r>
+                        <a:rPr lang="en-US" altLang="ko-KR" sz="1100" dirty="0">
+                          <a:solidFill>
+                            <a:schemeClr val="tx1"/>
+                          </a:solidFill>
+                        </a:rPr>
+                        <a:t>7</a:t>
+                      </a:r>
+                      <a:endParaRPr lang="ko-KR" altLang="en-US" sz="1100" dirty="0">
+                        <a:solidFill>
+                          <a:schemeClr val="tx1"/>
+                        </a:solidFill>
+                      </a:endParaRPr>
+                    </a:p>
+                  </a:txBody>
+                  <a:tcPr anchor="ctr">
+                    <a:lnL w="12700" cmpd="sng">
+                      <a:noFill/>
+                    </a:lnL>
+                    <a:lnR w="12700" cmpd="sng">
+                      <a:noFill/>
+                    </a:lnR>
+                    <a:lnT w="12700" cap="flat" cmpd="sng" algn="ctr">
+                      <a:solidFill>
+                        <a:schemeClr val="tx1"/>
+                      </a:solidFill>
+                      <a:prstDash val="solid"/>
+                      <a:round/>
+                      <a:headEnd type="none" w="med" len="med"/>
+                      <a:tailEnd type="none" w="med" len="med"/>
+                    </a:lnT>
+                    <a:lnB w="12700" cap="flat" cmpd="sng" algn="ctr">
+                      <a:noFill/>
+                      <a:prstDash val="solid"/>
+                      <a:round/>
+                      <a:headEnd type="none" w="med" len="med"/>
+                      <a:tailEnd type="none" w="med" len="med"/>
+                    </a:lnB>
+                    <a:lnTlToBr w="12700" cmpd="sng">
+                      <a:noFill/>
+                      <a:prstDash val="solid"/>
+                    </a:lnTlToBr>
+                    <a:lnBlToTr w="12700" cmpd="sng">
+                      <a:noFill/>
+                      <a:prstDash val="solid"/>
+                    </a:lnBlToTr>
+                  </a:tcPr>
+                </a:tc>
+                <a:tc>
+                  <a:txBody>
+                    <a:bodyPr/>
+                    <a:lstStyle/>
+                    <a:p>
+                      <a:pPr algn="ctr" latinLnBrk="1"/>
+                      <a:r>
+                        <a:rPr lang="en-US" altLang="ko-KR" sz="1100" dirty="0">
+                          <a:solidFill>
+                            <a:schemeClr val="tx1"/>
+                          </a:solidFill>
+                        </a:rPr>
+                        <a:t>6</a:t>
+                      </a:r>
+                      <a:endParaRPr lang="ko-KR" altLang="en-US" sz="1100" dirty="0">
+                        <a:solidFill>
+                          <a:schemeClr val="tx1"/>
+                        </a:solidFill>
+                      </a:endParaRPr>
+                    </a:p>
+                  </a:txBody>
+                  <a:tcPr anchor="ctr">
+                    <a:lnL w="12700" cmpd="sng">
+                      <a:noFill/>
+                    </a:lnL>
+                    <a:lnR w="12700" cmpd="sng">
+                      <a:noFill/>
+                    </a:lnR>
+                    <a:lnT w="12700" cap="flat" cmpd="sng" algn="ctr">
+                      <a:solidFill>
+                        <a:schemeClr val="tx1"/>
+                      </a:solidFill>
+                      <a:prstDash val="solid"/>
+                      <a:round/>
+                      <a:headEnd type="none" w="med" len="med"/>
+                      <a:tailEnd type="none" w="med" len="med"/>
+                    </a:lnT>
+                    <a:lnB w="12700" cap="flat" cmpd="sng" algn="ctr">
+                      <a:noFill/>
+                      <a:prstDash val="solid"/>
+                      <a:round/>
+                      <a:headEnd type="none" w="med" len="med"/>
+                      <a:tailEnd type="none" w="med" len="med"/>
+                    </a:lnB>
+                    <a:lnTlToBr w="12700" cmpd="sng">
+                      <a:noFill/>
+                      <a:prstDash val="solid"/>
+                    </a:lnTlToBr>
+                    <a:lnBlToTr w="12700" cmpd="sng">
+                      <a:noFill/>
+                      <a:prstDash val="solid"/>
+                    </a:lnBlToTr>
+                  </a:tcPr>
+                </a:tc>
+                <a:tc>
+                  <a:txBody>
+                    <a:bodyPr/>
+                    <a:lstStyle/>
+                    <a:p>
+                      <a:pPr algn="ctr" latinLnBrk="1"/>
+                      <a:r>
+                        <a:rPr lang="en-US" altLang="ko-KR" sz="1100" dirty="0">
+                          <a:solidFill>
+                            <a:schemeClr val="tx1"/>
+                          </a:solidFill>
+                        </a:rPr>
+                        <a:t>5</a:t>
+                      </a:r>
+                      <a:endParaRPr lang="ko-KR" altLang="en-US" sz="1100" dirty="0">
+                        <a:solidFill>
+                          <a:schemeClr val="tx1"/>
+                        </a:solidFill>
+                      </a:endParaRPr>
+                    </a:p>
+                  </a:txBody>
+                  <a:tcPr anchor="ctr">
+                    <a:lnL w="12700" cmpd="sng">
+                      <a:noFill/>
+                    </a:lnL>
+                    <a:lnR w="12700" cmpd="sng">
+                      <a:noFill/>
+                    </a:lnR>
+                    <a:lnT w="12700" cap="flat" cmpd="sng" algn="ctr">
+                      <a:solidFill>
+                        <a:schemeClr val="tx1"/>
+                      </a:solidFill>
+                      <a:prstDash val="solid"/>
+                      <a:round/>
+                      <a:headEnd type="none" w="med" len="med"/>
+                      <a:tailEnd type="none" w="med" len="med"/>
+                    </a:lnT>
+                    <a:lnB w="12700" cap="flat" cmpd="sng" algn="ctr">
+                      <a:noFill/>
+                      <a:prstDash val="solid"/>
+                      <a:round/>
+                      <a:headEnd type="none" w="med" len="med"/>
+                      <a:tailEnd type="none" w="med" len="med"/>
+                    </a:lnB>
+                    <a:lnTlToBr w="12700" cmpd="sng">
+                      <a:noFill/>
+                      <a:prstDash val="solid"/>
+                    </a:lnTlToBr>
+                    <a:lnBlToTr w="12700" cmpd="sng">
+                      <a:noFill/>
+                      <a:prstDash val="solid"/>
+                    </a:lnBlToTr>
+                  </a:tcPr>
+                </a:tc>
+                <a:tc>
+                  <a:txBody>
+                    <a:bodyPr/>
+                    <a:lstStyle/>
+                    <a:p>
+                      <a:pPr algn="ctr" latinLnBrk="1"/>
+                      <a:r>
+                        <a:rPr lang="en-US" altLang="ko-KR" sz="1100" dirty="0">
+                          <a:solidFill>
+                            <a:schemeClr val="tx1"/>
+                          </a:solidFill>
+                        </a:rPr>
+                        <a:t>…</a:t>
+                      </a:r>
+                      <a:endParaRPr lang="ko-KR" altLang="en-US" sz="1100" dirty="0">
+                        <a:solidFill>
+                          <a:schemeClr val="tx1"/>
+                        </a:solidFill>
+                      </a:endParaRPr>
+                    </a:p>
+                  </a:txBody>
+                  <a:tcPr anchor="ctr">
+                    <a:lnL w="12700" cmpd="sng">
+                      <a:noFill/>
+                    </a:lnL>
+                    <a:lnR w="12700" cmpd="sng">
+                      <a:noFill/>
+                    </a:lnR>
+                    <a:lnT w="12700" cap="flat" cmpd="sng" algn="ctr">
+                      <a:solidFill>
+                        <a:schemeClr val="tx1"/>
+                      </a:solidFill>
+                      <a:prstDash val="solid"/>
+                      <a:round/>
+                      <a:headEnd type="none" w="med" len="med"/>
+                      <a:tailEnd type="none" w="med" len="med"/>
+                    </a:lnT>
+                    <a:lnB w="12700" cap="flat" cmpd="sng" algn="ctr">
+                      <a:noFill/>
+                      <a:prstDash val="solid"/>
+                      <a:round/>
+                      <a:headEnd type="none" w="med" len="med"/>
+                      <a:tailEnd type="none" w="med" len="med"/>
+                    </a:lnB>
+                    <a:lnTlToBr w="12700" cmpd="sng">
+                      <a:noFill/>
+                      <a:prstDash val="solid"/>
+                    </a:lnTlToBr>
+                    <a:lnBlToTr w="12700" cmpd="sng">
+                      <a:noFill/>
+                      <a:prstDash val="solid"/>
+                    </a:lnBlToTr>
+                  </a:tcPr>
+                </a:tc>
+                <a:tc>
+                  <a:txBody>
+                    <a:bodyPr/>
+                    <a:lstStyle/>
+                    <a:p>
+                      <a:pPr algn="ctr" latinLnBrk="1"/>
+                      <a:r>
+                        <a:rPr lang="en-US" altLang="ko-KR" sz="1100" dirty="0">
+                          <a:solidFill>
+                            <a:schemeClr val="tx1"/>
+                          </a:solidFill>
+                        </a:rPr>
+                        <a:t>…</a:t>
+                      </a:r>
+                      <a:endParaRPr lang="ko-KR" altLang="en-US" sz="1100" dirty="0">
+                        <a:solidFill>
+                          <a:schemeClr val="tx1"/>
+                        </a:solidFill>
+                      </a:endParaRPr>
+                    </a:p>
+                  </a:txBody>
+                  <a:tcPr anchor="ctr">
+                    <a:lnL w="12700" cmpd="sng">
+                      <a:noFill/>
+                    </a:lnL>
+                    <a:lnR w="12700" cmpd="sng">
+                      <a:noFill/>
+                    </a:lnR>
+                    <a:lnT w="12700" cap="flat" cmpd="sng" algn="ctr">
+                      <a:solidFill>
+                        <a:schemeClr val="tx1"/>
+                      </a:solidFill>
+                      <a:prstDash val="solid"/>
+                      <a:round/>
+                      <a:headEnd type="none" w="med" len="med"/>
+                      <a:tailEnd type="none" w="med" len="med"/>
+                    </a:lnT>
+                    <a:lnB w="12700" cap="flat" cmpd="sng" algn="ctr">
+                      <a:noFill/>
+                      <a:prstDash val="solid"/>
+                      <a:round/>
+                      <a:headEnd type="none" w="med" len="med"/>
+                      <a:tailEnd type="none" w="med" len="med"/>
+                    </a:lnB>
+                    <a:lnTlToBr w="12700" cmpd="sng">
+                      <a:noFill/>
+                      <a:prstDash val="solid"/>
+                    </a:lnTlToBr>
+                    <a:lnBlToTr w="12700" cmpd="sng">
+                      <a:noFill/>
+                      <a:prstDash val="solid"/>
+                    </a:lnBlToTr>
+                  </a:tcPr>
+                </a:tc>
+                <a:tc>
+                  <a:txBody>
+                    <a:bodyPr/>
+                    <a:lstStyle/>
+                    <a:p>
+                      <a:pPr algn="ctr" latinLnBrk="1"/>
+                      <a:r>
+                        <a:rPr lang="en-US" altLang="ko-KR" sz="1100" dirty="0">
+                          <a:solidFill>
+                            <a:schemeClr val="tx1"/>
+                          </a:solidFill>
+                        </a:rPr>
+                        <a:t>1</a:t>
+                      </a:r>
+                      <a:endParaRPr lang="ko-KR" altLang="en-US" sz="1100" dirty="0">
+                        <a:solidFill>
+                          <a:schemeClr val="tx1"/>
+                        </a:solidFill>
+                      </a:endParaRPr>
+                    </a:p>
+                  </a:txBody>
+                  <a:tcPr anchor="ctr">
+                    <a:lnL w="12700" cmpd="sng">
+                      <a:noFill/>
+                    </a:lnL>
+                    <a:lnR w="12700" cmpd="sng">
+                      <a:noFill/>
+                    </a:lnR>
+                    <a:lnT w="12700" cap="flat" cmpd="sng" algn="ctr">
+                      <a:solidFill>
+                        <a:schemeClr val="tx1"/>
+                      </a:solidFill>
+                      <a:prstDash val="solid"/>
+                      <a:round/>
+                      <a:headEnd type="none" w="med" len="med"/>
+                      <a:tailEnd type="none" w="med" len="med"/>
+                    </a:lnT>
+                    <a:lnB w="12700" cap="flat" cmpd="sng" algn="ctr">
+                      <a:noFill/>
+                      <a:prstDash val="solid"/>
+                      <a:round/>
+                      <a:headEnd type="none" w="med" len="med"/>
+                      <a:tailEnd type="none" w="med" len="med"/>
+                    </a:lnB>
+                    <a:lnTlToBr w="12700" cmpd="sng">
+                      <a:noFill/>
+                      <a:prstDash val="solid"/>
+                    </a:lnTlToBr>
+                    <a:lnBlToTr w="12700" cmpd="sng">
+                      <a:noFill/>
+                      <a:prstDash val="solid"/>
+                    </a:lnBlToTr>
+                  </a:tcPr>
+                </a:tc>
+                <a:tc>
+                  <a:txBody>
+                    <a:bodyPr/>
+                    <a:lstStyle/>
+                    <a:p>
+                      <a:pPr algn="ctr" latinLnBrk="1"/>
+                      <a:r>
+                        <a:rPr lang="en-US" altLang="ko-KR" sz="1100" dirty="0">
+                          <a:solidFill>
+                            <a:schemeClr val="tx1"/>
+                          </a:solidFill>
+                        </a:rPr>
+                        <a:t>0</a:t>
+                      </a:r>
+                      <a:endParaRPr lang="ko-KR" altLang="en-US" sz="1100" dirty="0">
+                        <a:solidFill>
+                          <a:schemeClr val="tx1"/>
+                        </a:solidFill>
+                      </a:endParaRPr>
+                    </a:p>
+                  </a:txBody>
+                  <a:tcPr anchor="ctr">
+                    <a:lnL w="12700" cmpd="sng">
+                      <a:noFill/>
+                    </a:lnL>
+                    <a:lnR w="12700" cmpd="sng">
+                      <a:noFill/>
+                    </a:lnR>
+                    <a:lnT w="12700" cap="flat" cmpd="sng" algn="ctr">
+                      <a:solidFill>
+                        <a:schemeClr val="tx1"/>
+                      </a:solidFill>
+                      <a:prstDash val="solid"/>
+                      <a:round/>
+                      <a:headEnd type="none" w="med" len="med"/>
+                      <a:tailEnd type="none" w="med" len="med"/>
+                    </a:lnT>
+                    <a:lnB w="12700" cap="flat" cmpd="sng" algn="ctr">
+                      <a:noFill/>
+                      <a:prstDash val="solid"/>
+                      <a:round/>
+                      <a:headEnd type="none" w="med" len="med"/>
+                      <a:tailEnd type="none" w="med" len="med"/>
+                    </a:lnB>
+                    <a:lnTlToBr w="12700" cmpd="sng">
+                      <a:noFill/>
+                      <a:prstDash val="solid"/>
+                    </a:lnTlToBr>
+                    <a:lnBlToTr w="12700" cmpd="sng">
+                      <a:noFill/>
+                      <a:prstDash val="solid"/>
+                    </a:lnBlToTr>
+                  </a:tcPr>
+                </a:tc>
+                <a:extLst>
+                  <a:ext uri="{0D108BD9-81ED-4DB2-BD59-A6C34878D82A}">
+                    <a16:rowId xmlns:a16="http://schemas.microsoft.com/office/drawing/2014/main" val="4192724126"/>
+                  </a:ext>
+                </a:extLst>
+              </a:tr>
+            </a:tbl>
+          </a:graphicData>
+        </a:graphic>
+      </p:graphicFrame>
+      <p:sp>
+        <p:nvSpPr>
+          <p:cNvPr id="44" name="직사각형 43">
+            <a:extLst>
+              <a:ext uri="{FF2B5EF4-FFF2-40B4-BE49-F238E27FC236}">
+                <a16:creationId xmlns:a16="http://schemas.microsoft.com/office/drawing/2014/main" id="{23587814-F7A5-42FC-82E4-FFF6159563F4}"/>
+              </a:ext>
+            </a:extLst>
+          </p:cNvPr>
+          <p:cNvSpPr/>
+          <p:nvPr/>
+        </p:nvSpPr>
+        <p:spPr>
+          <a:xfrm>
+            <a:off x="4890038" y="2404359"/>
+            <a:ext cx="2684016" cy="251736"/>
+          </a:xfrm>
+          <a:prstGeom prst="rect">
+            <a:avLst/>
+          </a:prstGeom>
+          <a:noFill/>
+          <a:ln>
+            <a:noFill/>
+          </a:ln>
+        </p:spPr>
+        <p:style>
+          <a:lnRef idx="2">
+            <a:schemeClr val="accent1">
+              <a:shade val="50000"/>
+            </a:schemeClr>
+          </a:lnRef>
+          <a:fillRef idx="1">
+            <a:schemeClr val="accent1"/>
+          </a:fillRef>
+          <a:effectRef idx="0">
+            <a:schemeClr val="accent1"/>
+          </a:effectRef>
+          <a:fontRef idx="minor">
+            <a:schemeClr val="lt1"/>
+          </a:fontRef>
+        </p:style>
+        <p:txBody>
+          <a:bodyPr rtlCol="0" anchor="ctr"/>
+          <a:lstStyle/>
+          <a:p>
+            <a:pPr algn="ctr"/>
+            <a:r>
+              <a:rPr lang="en-US" altLang="ko-KR" sz="1400" dirty="0">
+                <a:solidFill>
+                  <a:schemeClr val="tx1"/>
+                </a:solidFill>
+              </a:rPr>
+              <a:t>[</a:t>
+            </a:r>
+            <a:r>
+              <a:rPr lang="ko-KR" altLang="en-US" sz="1400" dirty="0">
+                <a:solidFill>
+                  <a:schemeClr val="tx1"/>
+                </a:solidFill>
+              </a:rPr>
+              <a:t>문자 구성 체계</a:t>
+            </a:r>
+            <a:r>
+              <a:rPr lang="en-US" altLang="ko-KR" sz="1400" dirty="0">
+                <a:solidFill>
+                  <a:schemeClr val="tx1"/>
+                </a:solidFill>
+              </a:rPr>
+              <a:t>]</a:t>
+            </a:r>
+            <a:endParaRPr lang="ko-KR" altLang="en-US" sz="1400" dirty="0">
+              <a:solidFill>
+                <a:schemeClr val="tx1"/>
+              </a:solidFill>
+            </a:endParaRPr>
+          </a:p>
+        </p:txBody>
+      </p:sp>
+      <p:sp>
+        <p:nvSpPr>
+          <p:cNvPr id="45" name="직사각형 44">
+            <a:extLst>
+              <a:ext uri="{FF2B5EF4-FFF2-40B4-BE49-F238E27FC236}">
+                <a16:creationId xmlns:a16="http://schemas.microsoft.com/office/drawing/2014/main" id="{D5F16DD7-78C8-498A-B4CD-791C655D4F38}"/>
+              </a:ext>
+            </a:extLst>
+          </p:cNvPr>
+          <p:cNvSpPr/>
+          <p:nvPr/>
+        </p:nvSpPr>
+        <p:spPr>
+          <a:xfrm>
+            <a:off x="6867901" y="4610302"/>
+            <a:ext cx="4728173" cy="388488"/>
+          </a:xfrm>
+          <a:prstGeom prst="rect">
+            <a:avLst/>
+          </a:prstGeom>
+          <a:noFill/>
+          <a:ln>
+            <a:noFill/>
+          </a:ln>
+        </p:spPr>
+        <p:style>
+          <a:lnRef idx="2">
+            <a:schemeClr val="accent1">
+              <a:shade val="50000"/>
+            </a:schemeClr>
+          </a:lnRef>
+          <a:fillRef idx="1">
+            <a:schemeClr val="accent1"/>
+          </a:fillRef>
+          <a:effectRef idx="0">
+            <a:schemeClr val="accent1"/>
+          </a:effectRef>
+          <a:fontRef idx="minor">
+            <a:schemeClr val="lt1"/>
+          </a:fontRef>
+        </p:style>
+        <p:txBody>
+          <a:bodyPr rtlCol="0" anchor="ctr"/>
+          <a:lstStyle/>
+          <a:p>
+            <a:pPr algn="r"/>
+            <a:r>
+              <a:rPr lang="en-US" altLang="ko-KR" sz="1600" dirty="0">
+                <a:solidFill>
+                  <a:schemeClr val="tx1"/>
+                </a:solidFill>
+              </a:rPr>
+              <a:t>b * 25</a:t>
+            </a:r>
+            <a:r>
+              <a:rPr lang="en-US" altLang="ko-KR" sz="1600" baseline="30000" dirty="0">
+                <a:solidFill>
+                  <a:schemeClr val="tx1"/>
+                </a:solidFill>
+              </a:rPr>
+              <a:t>11 </a:t>
+            </a:r>
+            <a:r>
+              <a:rPr lang="en-US" altLang="ko-KR" sz="1600" dirty="0">
+                <a:solidFill>
+                  <a:schemeClr val="tx1"/>
+                </a:solidFill>
+              </a:rPr>
+              <a:t>+ a * 25</a:t>
+            </a:r>
+            <a:r>
+              <a:rPr lang="en-US" altLang="ko-KR" sz="1600" baseline="30000" dirty="0">
+                <a:solidFill>
+                  <a:schemeClr val="tx1"/>
+                </a:solidFill>
+              </a:rPr>
+              <a:t>10</a:t>
+            </a:r>
+            <a:r>
+              <a:rPr lang="en-US" altLang="ko-KR" sz="1600" dirty="0">
+                <a:solidFill>
+                  <a:schemeClr val="tx1"/>
+                </a:solidFill>
+              </a:rPr>
+              <a:t>  + c * 25</a:t>
+            </a:r>
+            <a:r>
+              <a:rPr lang="en-US" altLang="ko-KR" sz="1600" baseline="30000" dirty="0">
+                <a:solidFill>
+                  <a:schemeClr val="tx1"/>
+                </a:solidFill>
+              </a:rPr>
+              <a:t>9</a:t>
+            </a:r>
+            <a:r>
+              <a:rPr lang="en-US" altLang="ko-KR" sz="1600" dirty="0">
+                <a:solidFill>
+                  <a:schemeClr val="tx1"/>
+                </a:solidFill>
+              </a:rPr>
+              <a:t> + d * 25</a:t>
+            </a:r>
+            <a:r>
+              <a:rPr lang="en-US" altLang="ko-KR" sz="1600" baseline="30000" dirty="0">
+                <a:solidFill>
+                  <a:schemeClr val="tx1"/>
+                </a:solidFill>
+              </a:rPr>
+              <a:t>8</a:t>
+            </a:r>
+            <a:r>
+              <a:rPr lang="en-US" altLang="ko-KR" sz="1600" dirty="0">
+                <a:solidFill>
+                  <a:schemeClr val="tx1"/>
+                </a:solidFill>
+              </a:rPr>
+              <a:t> </a:t>
+            </a:r>
+            <a:endParaRPr lang="ko-KR" altLang="en-US" sz="1600" dirty="0">
+              <a:solidFill>
+                <a:schemeClr val="tx1"/>
+              </a:solidFill>
+            </a:endParaRPr>
+          </a:p>
+        </p:txBody>
+      </p:sp>
+      <p:graphicFrame>
+        <p:nvGraphicFramePr>
+          <p:cNvPr id="46" name="표 45">
+            <a:extLst>
+              <a:ext uri="{FF2B5EF4-FFF2-40B4-BE49-F238E27FC236}">
+                <a16:creationId xmlns:a16="http://schemas.microsoft.com/office/drawing/2014/main" id="{6ACA0CD7-E9AC-4A95-8892-5A84868B2611}"/>
+              </a:ext>
+            </a:extLst>
+          </p:cNvPr>
+          <p:cNvGraphicFramePr>
+            <a:graphicFrameLocks noGrp="1"/>
+          </p:cNvGraphicFramePr>
+          <p:nvPr>
+            <p:extLst>
+              <p:ext uri="{D42A27DB-BD31-4B8C-83A1-F6EECF244321}">
+                <p14:modId xmlns:p14="http://schemas.microsoft.com/office/powerpoint/2010/main" val="1229785006"/>
+              </p:ext>
+            </p:extLst>
+          </p:nvPr>
+        </p:nvGraphicFramePr>
+        <p:xfrm>
+          <a:off x="119018" y="3850055"/>
+          <a:ext cx="4944291" cy="741680"/>
+        </p:xfrm>
+        <a:graphic>
+          <a:graphicData uri="http://schemas.openxmlformats.org/drawingml/2006/table">
+            <a:tbl>
+              <a:tblPr firstRow="1" bandRow="1">
+                <a:tableStyleId>{5940675A-B579-460E-94D1-54222C63F5DA}</a:tableStyleId>
+              </a:tblPr>
+              <a:tblGrid>
+                <a:gridCol w="449481">
+                  <a:extLst>
+                    <a:ext uri="{9D8B030D-6E8A-4147-A177-3AD203B41FA5}">
+                      <a16:colId xmlns:a16="http://schemas.microsoft.com/office/drawing/2014/main" val="1454722992"/>
+                    </a:ext>
+                  </a:extLst>
+                </a:gridCol>
+                <a:gridCol w="449481">
+                  <a:extLst>
+                    <a:ext uri="{9D8B030D-6E8A-4147-A177-3AD203B41FA5}">
+                      <a16:colId xmlns:a16="http://schemas.microsoft.com/office/drawing/2014/main" val="44611417"/>
+                    </a:ext>
+                  </a:extLst>
+                </a:gridCol>
+                <a:gridCol w="449481">
+                  <a:extLst>
+                    <a:ext uri="{9D8B030D-6E8A-4147-A177-3AD203B41FA5}">
+                      <a16:colId xmlns:a16="http://schemas.microsoft.com/office/drawing/2014/main" val="1171354407"/>
+                    </a:ext>
+                  </a:extLst>
+                </a:gridCol>
+                <a:gridCol w="449481">
+                  <a:extLst>
+                    <a:ext uri="{9D8B030D-6E8A-4147-A177-3AD203B41FA5}">
+                      <a16:colId xmlns:a16="http://schemas.microsoft.com/office/drawing/2014/main" val="3200233054"/>
+                    </a:ext>
+                  </a:extLst>
+                </a:gridCol>
+                <a:gridCol w="449481">
+                  <a:extLst>
+                    <a:ext uri="{9D8B030D-6E8A-4147-A177-3AD203B41FA5}">
+                      <a16:colId xmlns:a16="http://schemas.microsoft.com/office/drawing/2014/main" val="3462578737"/>
+                    </a:ext>
+                  </a:extLst>
+                </a:gridCol>
+                <a:gridCol w="449481">
+                  <a:extLst>
+                    <a:ext uri="{9D8B030D-6E8A-4147-A177-3AD203B41FA5}">
+                      <a16:colId xmlns:a16="http://schemas.microsoft.com/office/drawing/2014/main" val="3703710805"/>
+                    </a:ext>
+                  </a:extLst>
+                </a:gridCol>
+                <a:gridCol w="449481">
+                  <a:extLst>
+                    <a:ext uri="{9D8B030D-6E8A-4147-A177-3AD203B41FA5}">
+                      <a16:colId xmlns:a16="http://schemas.microsoft.com/office/drawing/2014/main" val="2544285163"/>
+                    </a:ext>
+                  </a:extLst>
+                </a:gridCol>
+                <a:gridCol w="449481">
+                  <a:extLst>
+                    <a:ext uri="{9D8B030D-6E8A-4147-A177-3AD203B41FA5}">
+                      <a16:colId xmlns:a16="http://schemas.microsoft.com/office/drawing/2014/main" val="4074572629"/>
+                    </a:ext>
+                  </a:extLst>
+                </a:gridCol>
+                <a:gridCol w="449481">
+                  <a:extLst>
+                    <a:ext uri="{9D8B030D-6E8A-4147-A177-3AD203B41FA5}">
+                      <a16:colId xmlns:a16="http://schemas.microsoft.com/office/drawing/2014/main" val="3101274770"/>
+                    </a:ext>
+                  </a:extLst>
+                </a:gridCol>
+                <a:gridCol w="449481">
+                  <a:extLst>
+                    <a:ext uri="{9D8B030D-6E8A-4147-A177-3AD203B41FA5}">
+                      <a16:colId xmlns:a16="http://schemas.microsoft.com/office/drawing/2014/main" val="1477910368"/>
+                    </a:ext>
+                  </a:extLst>
+                </a:gridCol>
+                <a:gridCol w="449481">
+                  <a:extLst>
+                    <a:ext uri="{9D8B030D-6E8A-4147-A177-3AD203B41FA5}">
+                      <a16:colId xmlns:a16="http://schemas.microsoft.com/office/drawing/2014/main" val="4179428661"/>
+                    </a:ext>
+                  </a:extLst>
+                </a:gridCol>
+              </a:tblGrid>
+              <a:tr h="370840">
+                <a:tc>
+                  <a:txBody>
+                    <a:bodyPr/>
+                    <a:lstStyle/>
+                    <a:p>
+                      <a:pPr algn="ctr" latinLnBrk="1"/>
+                      <a:r>
+                        <a:rPr lang="en-US" altLang="ko-KR" sz="1200" dirty="0">
+                          <a:solidFill>
+                            <a:schemeClr val="tx1"/>
+                          </a:solidFill>
+                        </a:rPr>
+                        <a:t>-</a:t>
+                      </a:r>
+                      <a:endParaRPr lang="ko-KR" altLang="en-US" sz="1200" dirty="0">
+                        <a:solidFill>
+                          <a:schemeClr val="tx1"/>
+                        </a:solidFill>
+                      </a:endParaRPr>
+                    </a:p>
+                  </a:txBody>
+                  <a:tcPr anchor="ctr">
+                    <a:lnL w="12700" cap="flat" cmpd="sng" algn="ctr">
+                      <a:solidFill>
+                        <a:schemeClr val="tx1"/>
+                      </a:solidFill>
+                      <a:prstDash val="solid"/>
+                      <a:round/>
+                      <a:headEnd type="none" w="med" len="med"/>
+                      <a:tailEnd type="none" w="med" len="med"/>
+                    </a:lnL>
+                    <a:lnR w="12700" cap="flat" cmpd="sng" algn="ctr">
+                      <a:solidFill>
+                        <a:schemeClr val="tx1"/>
+                      </a:solidFill>
+                      <a:prstDash val="solid"/>
+                      <a:round/>
+                      <a:headEnd type="none" w="med" len="med"/>
+                      <a:tailEnd type="none" w="med" len="med"/>
+                    </a:lnR>
+                    <a:lnT w="12700" cap="flat" cmpd="sng" algn="ctr">
+                      <a:solidFill>
+                        <a:schemeClr val="tx1"/>
+                      </a:solidFill>
+                      <a:prstDash val="solid"/>
+                      <a:round/>
+                      <a:headEnd type="none" w="med" len="med"/>
+                      <a:tailEnd type="none" w="med" len="med"/>
+                    </a:lnT>
+                    <a:lnB w="12700" cap="flat" cmpd="sng" algn="ctr">
+                      <a:solidFill>
+                        <a:schemeClr val="tx1"/>
+                      </a:solidFill>
+                      <a:prstDash val="solid"/>
+                      <a:round/>
+                      <a:headEnd type="none" w="med" len="med"/>
+                      <a:tailEnd type="none" w="med" len="med"/>
+                    </a:lnB>
+                  </a:tcPr>
+                </a:tc>
+                <a:tc>
+                  <a:txBody>
+                    <a:bodyPr/>
+                    <a:lstStyle/>
+                    <a:p>
+                      <a:pPr algn="ctr" latinLnBrk="1"/>
+                      <a:r>
+                        <a:rPr lang="en-US" altLang="ko-KR" sz="1200" dirty="0">
+                          <a:solidFill>
+                            <a:schemeClr val="tx1"/>
+                          </a:solidFill>
+                        </a:rPr>
+                        <a:t>-</a:t>
+                      </a:r>
+                      <a:endParaRPr lang="ko-KR" altLang="en-US" sz="1200" dirty="0">
+                        <a:solidFill>
+                          <a:schemeClr val="tx1"/>
+                        </a:solidFill>
+                      </a:endParaRPr>
+                    </a:p>
+                  </a:txBody>
+                  <a:tcPr anchor="ctr">
+                    <a:lnL w="12700" cap="flat" cmpd="sng" algn="ctr">
+                      <a:solidFill>
+                        <a:schemeClr val="tx1"/>
+                      </a:solidFill>
+                      <a:prstDash val="solid"/>
+                      <a:round/>
+                      <a:headEnd type="none" w="med" len="med"/>
+                      <a:tailEnd type="none" w="med" len="med"/>
+                    </a:lnL>
+                    <a:lnR w="12700" cap="flat" cmpd="sng" algn="ctr">
+                      <a:solidFill>
+                        <a:schemeClr val="tx1"/>
+                      </a:solidFill>
+                      <a:prstDash val="solid"/>
+                      <a:round/>
+                      <a:headEnd type="none" w="med" len="med"/>
+                      <a:tailEnd type="none" w="med" len="med"/>
+                    </a:lnR>
+                    <a:lnT w="12700" cap="flat" cmpd="sng" algn="ctr">
+                      <a:solidFill>
+                        <a:schemeClr val="tx1"/>
+                      </a:solidFill>
+                      <a:prstDash val="solid"/>
+                      <a:round/>
+                      <a:headEnd type="none" w="med" len="med"/>
+                      <a:tailEnd type="none" w="med" len="med"/>
+                    </a:lnT>
+                    <a:lnB w="12700" cap="flat" cmpd="sng" algn="ctr">
+                      <a:solidFill>
+                        <a:schemeClr val="tx1"/>
+                      </a:solidFill>
+                      <a:prstDash val="solid"/>
+                      <a:round/>
+                      <a:headEnd type="none" w="med" len="med"/>
+                      <a:tailEnd type="none" w="med" len="med"/>
+                    </a:lnB>
+                  </a:tcPr>
+                </a:tc>
+                <a:tc>
+                  <a:txBody>
+                    <a:bodyPr/>
+                    <a:lstStyle/>
+                    <a:p>
+                      <a:pPr algn="ctr" latinLnBrk="1"/>
+                      <a:r>
+                        <a:rPr lang="en-US" altLang="ko-KR" sz="1200" dirty="0">
+                          <a:solidFill>
+                            <a:schemeClr val="tx1"/>
+                          </a:solidFill>
+                        </a:rPr>
+                        <a:t>-</a:t>
+                      </a:r>
+                      <a:endParaRPr lang="ko-KR" altLang="en-US" sz="1200" dirty="0">
+                        <a:solidFill>
+                          <a:schemeClr val="tx1"/>
+                        </a:solidFill>
+                      </a:endParaRPr>
+                    </a:p>
+                  </a:txBody>
+                  <a:tcPr anchor="ctr">
+                    <a:lnL w="12700" cap="flat" cmpd="sng" algn="ctr">
+                      <a:solidFill>
+                        <a:schemeClr val="tx1"/>
+                      </a:solidFill>
+                      <a:prstDash val="solid"/>
+                      <a:round/>
+                      <a:headEnd type="none" w="med" len="med"/>
+                      <a:tailEnd type="none" w="med" len="med"/>
+                    </a:lnL>
+                    <a:lnR w="12700" cap="flat" cmpd="sng" algn="ctr">
+                      <a:solidFill>
+                        <a:schemeClr val="tx1"/>
+                      </a:solidFill>
+                      <a:prstDash val="solid"/>
+                      <a:round/>
+                      <a:headEnd type="none" w="med" len="med"/>
+                      <a:tailEnd type="none" w="med" len="med"/>
+                    </a:lnR>
+                    <a:lnT w="12700" cap="flat" cmpd="sng" algn="ctr">
+                      <a:solidFill>
+                        <a:schemeClr val="tx1"/>
+                      </a:solidFill>
+                      <a:prstDash val="solid"/>
+                      <a:round/>
+                      <a:headEnd type="none" w="med" len="med"/>
+                      <a:tailEnd type="none" w="med" len="med"/>
+                    </a:lnT>
+                    <a:lnB w="12700" cap="flat" cmpd="sng" algn="ctr">
+                      <a:solidFill>
+                        <a:schemeClr val="tx1"/>
+                      </a:solidFill>
+                      <a:prstDash val="solid"/>
+                      <a:round/>
+                      <a:headEnd type="none" w="med" len="med"/>
+                      <a:tailEnd type="none" w="med" len="med"/>
+                    </a:lnB>
+                  </a:tcPr>
+                </a:tc>
+                <a:tc>
+                  <a:txBody>
+                    <a:bodyPr/>
+                    <a:lstStyle/>
+                    <a:p>
+                      <a:pPr algn="ctr" latinLnBrk="1"/>
+                      <a:r>
+                        <a:rPr lang="en-US" altLang="ko-KR" sz="1200" dirty="0">
+                          <a:solidFill>
+                            <a:schemeClr val="tx1"/>
+                          </a:solidFill>
+                        </a:rPr>
+                        <a:t>-</a:t>
+                      </a:r>
+                      <a:endParaRPr lang="ko-KR" altLang="en-US" sz="1200" dirty="0">
+                        <a:solidFill>
+                          <a:schemeClr val="tx1"/>
+                        </a:solidFill>
+                      </a:endParaRPr>
+                    </a:p>
+                  </a:txBody>
+                  <a:tcPr anchor="ctr">
+                    <a:lnL w="12700" cap="flat" cmpd="sng" algn="ctr">
+                      <a:solidFill>
+                        <a:schemeClr val="tx1"/>
+                      </a:solidFill>
+                      <a:prstDash val="solid"/>
+                      <a:round/>
+                      <a:headEnd type="none" w="med" len="med"/>
+                      <a:tailEnd type="none" w="med" len="med"/>
+                    </a:lnL>
+                    <a:lnR w="12700" cap="flat" cmpd="sng" algn="ctr">
+                      <a:solidFill>
+                        <a:schemeClr val="tx1"/>
+                      </a:solidFill>
+                      <a:prstDash val="solid"/>
+                      <a:round/>
+                      <a:headEnd type="none" w="med" len="med"/>
+                      <a:tailEnd type="none" w="med" len="med"/>
+                    </a:lnR>
+                    <a:lnT w="12700" cap="flat" cmpd="sng" algn="ctr">
+                      <a:solidFill>
+                        <a:schemeClr val="tx1"/>
+                      </a:solidFill>
+                      <a:prstDash val="solid"/>
+                      <a:round/>
+                      <a:headEnd type="none" w="med" len="med"/>
+                      <a:tailEnd type="none" w="med" len="med"/>
+                    </a:lnT>
+                    <a:lnB w="12700" cap="flat" cmpd="sng" algn="ctr">
+                      <a:solidFill>
+                        <a:schemeClr val="tx1"/>
+                      </a:solidFill>
+                      <a:prstDash val="solid"/>
+                      <a:round/>
+                      <a:headEnd type="none" w="med" len="med"/>
+                      <a:tailEnd type="none" w="med" len="med"/>
+                    </a:lnB>
+                  </a:tcPr>
+                </a:tc>
+                <a:tc>
+                  <a:txBody>
+                    <a:bodyPr/>
+                    <a:lstStyle/>
+                    <a:p>
+                      <a:pPr algn="ctr" latinLnBrk="1"/>
+                      <a:r>
+                        <a:rPr lang="en-US" altLang="ko-KR" sz="1200" dirty="0">
+                          <a:solidFill>
+                            <a:schemeClr val="tx1"/>
+                          </a:solidFill>
+                        </a:rPr>
+                        <a:t>-</a:t>
+                      </a:r>
+                      <a:endParaRPr lang="ko-KR" altLang="en-US" sz="1200" dirty="0">
+                        <a:solidFill>
+                          <a:schemeClr val="tx1"/>
+                        </a:solidFill>
+                      </a:endParaRPr>
+                    </a:p>
+                  </a:txBody>
+                  <a:tcPr anchor="ctr">
+                    <a:lnL w="12700" cap="flat" cmpd="sng" algn="ctr">
+                      <a:solidFill>
+                        <a:schemeClr val="tx1"/>
+                      </a:solidFill>
+                      <a:prstDash val="solid"/>
+                      <a:round/>
+                      <a:headEnd type="none" w="med" len="med"/>
+                      <a:tailEnd type="none" w="med" len="med"/>
+                    </a:lnL>
+                    <a:lnR w="12700" cap="flat" cmpd="sng" algn="ctr">
+                      <a:solidFill>
+                        <a:schemeClr val="tx1"/>
+                      </a:solidFill>
+                      <a:prstDash val="solid"/>
+                      <a:round/>
+                      <a:headEnd type="none" w="med" len="med"/>
+                      <a:tailEnd type="none" w="med" len="med"/>
+                    </a:lnR>
+                    <a:lnT w="12700" cap="flat" cmpd="sng" algn="ctr">
+                      <a:solidFill>
+                        <a:schemeClr val="tx1"/>
+                      </a:solidFill>
+                      <a:prstDash val="solid"/>
+                      <a:round/>
+                      <a:headEnd type="none" w="med" len="med"/>
+                      <a:tailEnd type="none" w="med" len="med"/>
+                    </a:lnT>
+                    <a:lnB w="12700" cap="flat" cmpd="sng" algn="ctr">
+                      <a:solidFill>
+                        <a:schemeClr val="tx1"/>
+                      </a:solidFill>
+                      <a:prstDash val="solid"/>
+                      <a:round/>
+                      <a:headEnd type="none" w="med" len="med"/>
+                      <a:tailEnd type="none" w="med" len="med"/>
+                    </a:lnB>
+                  </a:tcPr>
+                </a:tc>
+                <a:tc>
+                  <a:txBody>
+                    <a:bodyPr/>
+                    <a:lstStyle/>
+                    <a:p>
+                      <a:pPr algn="ctr" latinLnBrk="1"/>
+                      <a:r>
+                        <a:rPr lang="en-US" altLang="ko-KR" sz="1100" dirty="0">
+                          <a:solidFill>
+                            <a:schemeClr val="tx1"/>
+                          </a:solidFill>
+                        </a:rPr>
+                        <a:t>-</a:t>
+                      </a:r>
+                      <a:endParaRPr lang="ko-KR" altLang="en-US" sz="1100" dirty="0">
+                        <a:solidFill>
+                          <a:schemeClr val="tx1"/>
+                        </a:solidFill>
+                      </a:endParaRPr>
+                    </a:p>
+                  </a:txBody>
+                  <a:tcPr anchor="ctr">
+                    <a:lnL w="12700" cap="flat" cmpd="sng" algn="ctr">
+                      <a:solidFill>
+                        <a:schemeClr val="tx1"/>
+                      </a:solidFill>
+                      <a:prstDash val="solid"/>
+                      <a:round/>
+                      <a:headEnd type="none" w="med" len="med"/>
+                      <a:tailEnd type="none" w="med" len="med"/>
+                    </a:lnL>
+                    <a:lnR w="12700" cap="flat" cmpd="sng" algn="ctr">
+                      <a:solidFill>
+                        <a:schemeClr val="tx1"/>
+                      </a:solidFill>
+                      <a:prstDash val="solid"/>
+                      <a:round/>
+                      <a:headEnd type="none" w="med" len="med"/>
+                      <a:tailEnd type="none" w="med" len="med"/>
+                    </a:lnR>
+                    <a:lnT w="12700" cap="flat" cmpd="sng" algn="ctr">
+                      <a:solidFill>
+                        <a:schemeClr val="tx1"/>
+                      </a:solidFill>
+                      <a:prstDash val="solid"/>
+                      <a:round/>
+                      <a:headEnd type="none" w="med" len="med"/>
+                      <a:tailEnd type="none" w="med" len="med"/>
+                    </a:lnT>
+                    <a:lnB w="12700" cap="flat" cmpd="sng" algn="ctr">
+                      <a:solidFill>
+                        <a:schemeClr val="tx1"/>
+                      </a:solidFill>
+                      <a:prstDash val="solid"/>
+                      <a:round/>
+                      <a:headEnd type="none" w="med" len="med"/>
+                      <a:tailEnd type="none" w="med" len="med"/>
+                    </a:lnB>
+                  </a:tcPr>
+                </a:tc>
+                <a:tc>
+                  <a:txBody>
+                    <a:bodyPr/>
+                    <a:lstStyle/>
+                    <a:p>
+                      <a:pPr algn="ctr" latinLnBrk="1"/>
+                      <a:r>
+                        <a:rPr lang="en-US" altLang="ko-KR" sz="1100" dirty="0">
+                          <a:solidFill>
+                            <a:schemeClr val="tx1"/>
+                          </a:solidFill>
+                        </a:rPr>
+                        <a:t>-</a:t>
+                      </a:r>
+                      <a:endParaRPr lang="ko-KR" altLang="en-US" sz="1100" dirty="0">
+                        <a:solidFill>
+                          <a:schemeClr val="tx1"/>
+                        </a:solidFill>
+                      </a:endParaRPr>
+                    </a:p>
+                  </a:txBody>
+                  <a:tcPr anchor="ctr">
+                    <a:lnL w="12700" cap="flat" cmpd="sng" algn="ctr">
+                      <a:solidFill>
+                        <a:schemeClr val="tx1"/>
+                      </a:solidFill>
+                      <a:prstDash val="solid"/>
+                      <a:round/>
+                      <a:headEnd type="none" w="med" len="med"/>
+                      <a:tailEnd type="none" w="med" len="med"/>
+                    </a:lnL>
+                    <a:lnR w="12700" cap="flat" cmpd="sng" algn="ctr">
+                      <a:solidFill>
+                        <a:schemeClr val="tx1"/>
+                      </a:solidFill>
+                      <a:prstDash val="solid"/>
+                      <a:round/>
+                      <a:headEnd type="none" w="med" len="med"/>
+                      <a:tailEnd type="none" w="med" len="med"/>
+                    </a:lnR>
+                    <a:lnT w="12700" cap="flat" cmpd="sng" algn="ctr">
+                      <a:solidFill>
+                        <a:schemeClr val="tx1"/>
+                      </a:solidFill>
+                      <a:prstDash val="solid"/>
+                      <a:round/>
+                      <a:headEnd type="none" w="med" len="med"/>
+                      <a:tailEnd type="none" w="med" len="med"/>
+                    </a:lnT>
+                    <a:lnB w="12700" cap="flat" cmpd="sng" algn="ctr">
+                      <a:solidFill>
+                        <a:schemeClr val="tx1"/>
+                      </a:solidFill>
+                      <a:prstDash val="solid"/>
+                      <a:round/>
+                      <a:headEnd type="none" w="med" len="med"/>
+                      <a:tailEnd type="none" w="med" len="med"/>
+                    </a:lnB>
+                  </a:tcPr>
+                </a:tc>
+                <a:tc>
+                  <a:txBody>
+                    <a:bodyPr/>
+                    <a:lstStyle/>
+                    <a:p>
+                      <a:pPr algn="ctr" latinLnBrk="1"/>
+                      <a:r>
+                        <a:rPr lang="en-US" altLang="ko-KR" sz="1200" dirty="0">
+                          <a:solidFill>
+                            <a:schemeClr val="tx1"/>
+                          </a:solidFill>
+                        </a:rPr>
+                        <a:t>b</a:t>
+                      </a:r>
+                      <a:endParaRPr lang="ko-KR" altLang="en-US" sz="1200" dirty="0">
+                        <a:solidFill>
+                          <a:schemeClr val="tx1"/>
+                        </a:solidFill>
+                      </a:endParaRPr>
+                    </a:p>
+                  </a:txBody>
+                  <a:tcPr anchor="ctr">
+                    <a:lnL w="12700" cap="flat" cmpd="sng" algn="ctr">
+                      <a:solidFill>
+                        <a:schemeClr val="tx1"/>
+                      </a:solidFill>
+                      <a:prstDash val="solid"/>
+                      <a:round/>
+                      <a:headEnd type="none" w="med" len="med"/>
+                      <a:tailEnd type="none" w="med" len="med"/>
+                    </a:lnL>
+                    <a:lnR w="12700" cap="flat" cmpd="sng" algn="ctr">
+                      <a:solidFill>
+                        <a:schemeClr val="tx1"/>
+                      </a:solidFill>
+                      <a:prstDash val="solid"/>
+                      <a:round/>
+                      <a:headEnd type="none" w="med" len="med"/>
+                      <a:tailEnd type="none" w="med" len="med"/>
+                    </a:lnR>
+                    <a:lnT w="12700" cap="flat" cmpd="sng" algn="ctr">
+                      <a:solidFill>
+                        <a:schemeClr val="tx1"/>
+                      </a:solidFill>
+                      <a:prstDash val="solid"/>
+                      <a:round/>
+                      <a:headEnd type="none" w="med" len="med"/>
+                      <a:tailEnd type="none" w="med" len="med"/>
+                    </a:lnT>
+                    <a:lnB w="12700" cap="flat" cmpd="sng" algn="ctr">
+                      <a:solidFill>
+                        <a:schemeClr val="tx1"/>
+                      </a:solidFill>
+                      <a:prstDash val="solid"/>
+                      <a:round/>
+                      <a:headEnd type="none" w="med" len="med"/>
+                      <a:tailEnd type="none" w="med" len="med"/>
+                    </a:lnB>
+                  </a:tcPr>
+                </a:tc>
+                <a:tc>
+                  <a:txBody>
+                    <a:bodyPr/>
+                    <a:lstStyle/>
+                    <a:p>
+                      <a:pPr algn="ctr" latinLnBrk="1"/>
+                      <a:r>
+                        <a:rPr lang="en-US" altLang="ko-KR" sz="1200" dirty="0">
+                          <a:solidFill>
+                            <a:schemeClr val="tx1"/>
+                          </a:solidFill>
+                        </a:rPr>
+                        <a:t>a</a:t>
+                      </a:r>
+                      <a:endParaRPr lang="ko-KR" altLang="en-US" sz="1200" dirty="0">
+                        <a:solidFill>
+                          <a:schemeClr val="tx1"/>
+                        </a:solidFill>
+                      </a:endParaRPr>
+                    </a:p>
+                  </a:txBody>
+                  <a:tcPr anchor="ctr">
+                    <a:lnL w="12700" cap="flat" cmpd="sng" algn="ctr">
+                      <a:solidFill>
+                        <a:schemeClr val="tx1"/>
+                      </a:solidFill>
+                      <a:prstDash val="solid"/>
+                      <a:round/>
+                      <a:headEnd type="none" w="med" len="med"/>
+                      <a:tailEnd type="none" w="med" len="med"/>
+                    </a:lnL>
+                    <a:lnR w="12700" cap="flat" cmpd="sng" algn="ctr">
+                      <a:solidFill>
+                        <a:schemeClr val="tx1"/>
+                      </a:solidFill>
+                      <a:prstDash val="solid"/>
+                      <a:round/>
+                      <a:headEnd type="none" w="med" len="med"/>
+                      <a:tailEnd type="none" w="med" len="med"/>
+                    </a:lnR>
+                    <a:lnT w="12700" cap="flat" cmpd="sng" algn="ctr">
+                      <a:solidFill>
+                        <a:schemeClr val="tx1"/>
+                      </a:solidFill>
+                      <a:prstDash val="solid"/>
+                      <a:round/>
+                      <a:headEnd type="none" w="med" len="med"/>
+                      <a:tailEnd type="none" w="med" len="med"/>
+                    </a:lnT>
+                    <a:lnB w="12700" cap="flat" cmpd="sng" algn="ctr">
+                      <a:solidFill>
+                        <a:schemeClr val="tx1"/>
+                      </a:solidFill>
+                      <a:prstDash val="solid"/>
+                      <a:round/>
+                      <a:headEnd type="none" w="med" len="med"/>
+                      <a:tailEnd type="none" w="med" len="med"/>
+                    </a:lnB>
+                  </a:tcPr>
+                </a:tc>
+                <a:tc>
+                  <a:txBody>
+                    <a:bodyPr/>
+                    <a:lstStyle/>
+                    <a:p>
+                      <a:pPr algn="ctr" latinLnBrk="1"/>
+                      <a:r>
+                        <a:rPr lang="en-US" altLang="ko-KR" sz="1200" dirty="0">
+                          <a:solidFill>
+                            <a:schemeClr val="tx1"/>
+                          </a:solidFill>
+                        </a:rPr>
+                        <a:t>c</a:t>
+                      </a:r>
+                      <a:endParaRPr lang="ko-KR" altLang="en-US" sz="1200" dirty="0">
+                        <a:solidFill>
+                          <a:schemeClr val="tx1"/>
+                        </a:solidFill>
+                      </a:endParaRPr>
+                    </a:p>
+                  </a:txBody>
+                  <a:tcPr anchor="ctr">
+                    <a:lnL w="12700" cap="flat" cmpd="sng" algn="ctr">
+                      <a:solidFill>
+                        <a:schemeClr val="tx1"/>
+                      </a:solidFill>
+                      <a:prstDash val="solid"/>
+                      <a:round/>
+                      <a:headEnd type="none" w="med" len="med"/>
+                      <a:tailEnd type="none" w="med" len="med"/>
+                    </a:lnL>
+                    <a:lnR w="12700" cap="flat" cmpd="sng" algn="ctr">
+                      <a:solidFill>
+                        <a:schemeClr val="tx1"/>
+                      </a:solidFill>
+                      <a:prstDash val="solid"/>
+                      <a:round/>
+                      <a:headEnd type="none" w="med" len="med"/>
+                      <a:tailEnd type="none" w="med" len="med"/>
+                    </a:lnR>
+                    <a:lnT w="12700" cap="flat" cmpd="sng" algn="ctr">
+                      <a:solidFill>
+                        <a:schemeClr val="tx1"/>
+                      </a:solidFill>
+                      <a:prstDash val="solid"/>
+                      <a:round/>
+                      <a:headEnd type="none" w="med" len="med"/>
+                      <a:tailEnd type="none" w="med" len="med"/>
+                    </a:lnT>
+                    <a:lnB w="12700" cap="flat" cmpd="sng" algn="ctr">
+                      <a:solidFill>
+                        <a:schemeClr val="tx1"/>
+                      </a:solidFill>
+                      <a:prstDash val="solid"/>
+                      <a:round/>
+                      <a:headEnd type="none" w="med" len="med"/>
+                      <a:tailEnd type="none" w="med" len="med"/>
+                    </a:lnB>
+                  </a:tcPr>
+                </a:tc>
+                <a:tc>
+                  <a:txBody>
+                    <a:bodyPr/>
+                    <a:lstStyle/>
+                    <a:p>
+                      <a:pPr algn="ctr" latinLnBrk="1"/>
+                      <a:r>
+                        <a:rPr lang="en-US" altLang="ko-KR" sz="1200" dirty="0">
+                          <a:solidFill>
+                            <a:schemeClr val="tx1"/>
+                          </a:solidFill>
+                        </a:rPr>
+                        <a:t>d</a:t>
+                      </a:r>
+                      <a:endParaRPr lang="ko-KR" altLang="en-US" sz="1200" dirty="0">
+                        <a:solidFill>
+                          <a:schemeClr val="tx1"/>
+                        </a:solidFill>
+                      </a:endParaRPr>
+                    </a:p>
+                  </a:txBody>
+                  <a:tcPr anchor="ctr">
+                    <a:lnL w="12700" cap="flat" cmpd="sng" algn="ctr">
+                      <a:solidFill>
+                        <a:schemeClr val="tx1"/>
+                      </a:solidFill>
+                      <a:prstDash val="solid"/>
+                      <a:round/>
+                      <a:headEnd type="none" w="med" len="med"/>
+                      <a:tailEnd type="none" w="med" len="med"/>
+                    </a:lnL>
+                    <a:lnR w="12700" cap="flat" cmpd="sng" algn="ctr">
+                      <a:solidFill>
+                        <a:schemeClr val="tx1"/>
+                      </a:solidFill>
+                      <a:prstDash val="solid"/>
+                      <a:round/>
+                      <a:headEnd type="none" w="med" len="med"/>
+                      <a:tailEnd type="none" w="med" len="med"/>
+                    </a:lnR>
+                    <a:lnT w="12700" cap="flat" cmpd="sng" algn="ctr">
+                      <a:solidFill>
+                        <a:schemeClr val="tx1"/>
+                      </a:solidFill>
+                      <a:prstDash val="solid"/>
+                      <a:round/>
+                      <a:headEnd type="none" w="med" len="med"/>
+                      <a:tailEnd type="none" w="med" len="med"/>
+                    </a:lnT>
+                    <a:lnB w="12700" cap="flat" cmpd="sng" algn="ctr">
+                      <a:solidFill>
+                        <a:schemeClr val="tx1"/>
+                      </a:solidFill>
+                      <a:prstDash val="solid"/>
+                      <a:round/>
+                      <a:headEnd type="none" w="med" len="med"/>
+                      <a:tailEnd type="none" w="med" len="med"/>
+                    </a:lnB>
+                  </a:tcPr>
+                </a:tc>
+                <a:extLst>
+                  <a:ext uri="{0D108BD9-81ED-4DB2-BD59-A6C34878D82A}">
+                    <a16:rowId xmlns:a16="http://schemas.microsoft.com/office/drawing/2014/main" val="1529628667"/>
+                  </a:ext>
+                </a:extLst>
+              </a:tr>
+              <a:tr h="370840">
+                <a:tc>
+                  <a:txBody>
+                    <a:bodyPr/>
+                    <a:lstStyle/>
+                    <a:p>
+                      <a:pPr algn="ctr" latinLnBrk="1"/>
+                      <a:r>
+                        <a:rPr lang="en-US" altLang="ko-KR" sz="1100" dirty="0">
+                          <a:solidFill>
+                            <a:schemeClr val="tx1"/>
+                          </a:solidFill>
+                        </a:rPr>
+                        <a:t>11</a:t>
+                      </a:r>
+                      <a:endParaRPr lang="ko-KR" altLang="en-US" sz="1100" dirty="0">
+                        <a:solidFill>
+                          <a:schemeClr val="tx1"/>
+                        </a:solidFill>
+                      </a:endParaRPr>
+                    </a:p>
+                  </a:txBody>
+                  <a:tcPr anchor="ctr">
+                    <a:lnL w="12700" cmpd="sng">
+                      <a:noFill/>
+                    </a:lnL>
+                    <a:lnR w="12700" cmpd="sng">
+                      <a:noFill/>
+                    </a:lnR>
+                    <a:lnT w="12700" cap="flat" cmpd="sng" algn="ctr">
+                      <a:solidFill>
+                        <a:schemeClr val="tx1"/>
+                      </a:solidFill>
+                      <a:prstDash val="solid"/>
+                      <a:round/>
+                      <a:headEnd type="none" w="med" len="med"/>
+                      <a:tailEnd type="none" w="med" len="med"/>
+                    </a:lnT>
+                    <a:lnB w="12700" cap="flat" cmpd="sng" algn="ctr">
+                      <a:noFill/>
+                      <a:prstDash val="solid"/>
+                      <a:round/>
+                      <a:headEnd type="none" w="med" len="med"/>
+                      <a:tailEnd type="none" w="med" len="med"/>
+                    </a:lnB>
+                    <a:lnTlToBr w="12700" cmpd="sng">
+                      <a:noFill/>
+                      <a:prstDash val="solid"/>
+                    </a:lnTlToBr>
+                    <a:lnBlToTr w="12700" cmpd="sng">
+                      <a:noFill/>
+                      <a:prstDash val="solid"/>
+                    </a:lnBlToTr>
+                  </a:tcPr>
+                </a:tc>
+                <a:tc>
+                  <a:txBody>
+                    <a:bodyPr/>
+                    <a:lstStyle/>
+                    <a:p>
+                      <a:pPr algn="ctr" latinLnBrk="1"/>
+                      <a:r>
+                        <a:rPr lang="en-US" altLang="ko-KR" sz="1100" dirty="0">
+                          <a:solidFill>
+                            <a:schemeClr val="tx1"/>
+                          </a:solidFill>
+                        </a:rPr>
+                        <a:t>10</a:t>
+                      </a:r>
+                      <a:endParaRPr lang="ko-KR" altLang="en-US" sz="1100" dirty="0">
+                        <a:solidFill>
+                          <a:schemeClr val="tx1"/>
+                        </a:solidFill>
+                      </a:endParaRPr>
+                    </a:p>
+                  </a:txBody>
+                  <a:tcPr anchor="ctr">
+                    <a:lnL w="12700" cmpd="sng">
+                      <a:noFill/>
+                    </a:lnL>
+                    <a:lnR w="12700" cmpd="sng">
+                      <a:noFill/>
+                    </a:lnR>
+                    <a:lnT w="12700" cap="flat" cmpd="sng" algn="ctr">
+                      <a:solidFill>
+                        <a:schemeClr val="tx1"/>
+                      </a:solidFill>
+                      <a:prstDash val="solid"/>
+                      <a:round/>
+                      <a:headEnd type="none" w="med" len="med"/>
+                      <a:tailEnd type="none" w="med" len="med"/>
+                    </a:lnT>
+                    <a:lnB w="12700" cap="flat" cmpd="sng" algn="ctr">
+                      <a:noFill/>
+                      <a:prstDash val="solid"/>
+                      <a:round/>
+                      <a:headEnd type="none" w="med" len="med"/>
+                      <a:tailEnd type="none" w="med" len="med"/>
+                    </a:lnB>
+                    <a:lnTlToBr w="12700" cmpd="sng">
+                      <a:noFill/>
+                      <a:prstDash val="solid"/>
+                    </a:lnTlToBr>
+                    <a:lnBlToTr w="12700" cmpd="sng">
+                      <a:noFill/>
+                      <a:prstDash val="solid"/>
+                    </a:lnBlToTr>
+                  </a:tcPr>
+                </a:tc>
+                <a:tc>
+                  <a:txBody>
+                    <a:bodyPr/>
+                    <a:lstStyle/>
+                    <a:p>
+                      <a:pPr algn="ctr" latinLnBrk="1"/>
+                      <a:r>
+                        <a:rPr lang="en-US" altLang="ko-KR" sz="1100" dirty="0">
+                          <a:solidFill>
+                            <a:schemeClr val="tx1"/>
+                          </a:solidFill>
+                        </a:rPr>
+                        <a:t>9</a:t>
+                      </a:r>
+                      <a:endParaRPr lang="ko-KR" altLang="en-US" sz="1100" dirty="0">
+                        <a:solidFill>
+                          <a:schemeClr val="tx1"/>
+                        </a:solidFill>
+                      </a:endParaRPr>
+                    </a:p>
+                  </a:txBody>
+                  <a:tcPr anchor="ctr">
+                    <a:lnL w="12700" cmpd="sng">
+                      <a:noFill/>
+                    </a:lnL>
+                    <a:lnR w="12700" cmpd="sng">
+                      <a:noFill/>
+                    </a:lnR>
+                    <a:lnT w="12700" cap="flat" cmpd="sng" algn="ctr">
+                      <a:solidFill>
+                        <a:schemeClr val="tx1"/>
+                      </a:solidFill>
+                      <a:prstDash val="solid"/>
+                      <a:round/>
+                      <a:headEnd type="none" w="med" len="med"/>
+                      <a:tailEnd type="none" w="med" len="med"/>
+                    </a:lnT>
+                    <a:lnB w="12700" cap="flat" cmpd="sng" algn="ctr">
+                      <a:noFill/>
+                      <a:prstDash val="solid"/>
+                      <a:round/>
+                      <a:headEnd type="none" w="med" len="med"/>
+                      <a:tailEnd type="none" w="med" len="med"/>
+                    </a:lnB>
+                    <a:lnTlToBr w="12700" cmpd="sng">
+                      <a:noFill/>
+                      <a:prstDash val="solid"/>
+                    </a:lnTlToBr>
+                    <a:lnBlToTr w="12700" cmpd="sng">
+                      <a:noFill/>
+                      <a:prstDash val="solid"/>
+                    </a:lnBlToTr>
+                  </a:tcPr>
+                </a:tc>
+                <a:tc>
+                  <a:txBody>
+                    <a:bodyPr/>
+                    <a:lstStyle/>
+                    <a:p>
+                      <a:pPr algn="ctr" latinLnBrk="1"/>
+                      <a:r>
+                        <a:rPr lang="en-US" altLang="ko-KR" sz="1100" dirty="0">
+                          <a:solidFill>
+                            <a:schemeClr val="tx1"/>
+                          </a:solidFill>
+                        </a:rPr>
+                        <a:t>…</a:t>
+                      </a:r>
+                      <a:endParaRPr lang="ko-KR" altLang="en-US" sz="1100" dirty="0">
+                        <a:solidFill>
+                          <a:schemeClr val="tx1"/>
+                        </a:solidFill>
+                      </a:endParaRPr>
+                    </a:p>
+                  </a:txBody>
+                  <a:tcPr anchor="ctr">
+                    <a:lnL w="12700" cmpd="sng">
+                      <a:noFill/>
+                    </a:lnL>
+                    <a:lnR w="12700" cmpd="sng">
+                      <a:noFill/>
+                    </a:lnR>
+                    <a:lnT w="12700" cap="flat" cmpd="sng" algn="ctr">
+                      <a:solidFill>
+                        <a:schemeClr val="tx1"/>
+                      </a:solidFill>
+                      <a:prstDash val="solid"/>
+                      <a:round/>
+                      <a:headEnd type="none" w="med" len="med"/>
+                      <a:tailEnd type="none" w="med" len="med"/>
+                    </a:lnT>
+                    <a:lnB w="12700" cap="flat" cmpd="sng" algn="ctr">
+                      <a:noFill/>
+                      <a:prstDash val="solid"/>
+                      <a:round/>
+                      <a:headEnd type="none" w="med" len="med"/>
+                      <a:tailEnd type="none" w="med" len="med"/>
+                    </a:lnB>
+                    <a:lnTlToBr w="12700" cmpd="sng">
+                      <a:noFill/>
+                      <a:prstDash val="solid"/>
+                    </a:lnTlToBr>
+                    <a:lnBlToTr w="12700" cmpd="sng">
+                      <a:noFill/>
+                      <a:prstDash val="solid"/>
+                    </a:lnBlToTr>
+                  </a:tcPr>
+                </a:tc>
+                <a:tc>
+                  <a:txBody>
+                    <a:bodyPr/>
+                    <a:lstStyle/>
+                    <a:p>
+                      <a:pPr algn="ctr" latinLnBrk="1"/>
+                      <a:r>
+                        <a:rPr lang="en-US" altLang="ko-KR" sz="1100" dirty="0">
+                          <a:solidFill>
+                            <a:schemeClr val="tx1"/>
+                          </a:solidFill>
+                        </a:rPr>
+                        <a:t>…</a:t>
+                      </a:r>
+                      <a:endParaRPr lang="ko-KR" altLang="en-US" sz="1100" dirty="0">
+                        <a:solidFill>
+                          <a:schemeClr val="tx1"/>
+                        </a:solidFill>
+                      </a:endParaRPr>
+                    </a:p>
+                  </a:txBody>
+                  <a:tcPr anchor="ctr">
+                    <a:lnL w="12700" cmpd="sng">
+                      <a:noFill/>
+                    </a:lnL>
+                    <a:lnR w="12700" cmpd="sng">
+                      <a:noFill/>
+                    </a:lnR>
+                    <a:lnT w="12700" cap="flat" cmpd="sng" algn="ctr">
+                      <a:solidFill>
+                        <a:schemeClr val="tx1"/>
+                      </a:solidFill>
+                      <a:prstDash val="solid"/>
+                      <a:round/>
+                      <a:headEnd type="none" w="med" len="med"/>
+                      <a:tailEnd type="none" w="med" len="med"/>
+                    </a:lnT>
+                    <a:lnB w="12700" cap="flat" cmpd="sng" algn="ctr">
+                      <a:noFill/>
+                      <a:prstDash val="solid"/>
+                      <a:round/>
+                      <a:headEnd type="none" w="med" len="med"/>
+                      <a:tailEnd type="none" w="med" len="med"/>
+                    </a:lnB>
+                    <a:lnTlToBr w="12700" cmpd="sng">
+                      <a:noFill/>
+                      <a:prstDash val="solid"/>
+                    </a:lnTlToBr>
+                    <a:lnBlToTr w="12700" cmpd="sng">
+                      <a:noFill/>
+                      <a:prstDash val="solid"/>
+                    </a:lnBlToTr>
+                  </a:tcPr>
+                </a:tc>
+                <a:tc>
+                  <a:txBody>
+                    <a:bodyPr/>
+                    <a:lstStyle/>
+                    <a:p>
+                      <a:pPr algn="ctr" latinLnBrk="1"/>
+                      <a:r>
+                        <a:rPr lang="en-US" altLang="ko-KR" sz="1100" dirty="0">
+                          <a:solidFill>
+                            <a:schemeClr val="tx1"/>
+                          </a:solidFill>
+                        </a:rPr>
+                        <a:t>…</a:t>
+                      </a:r>
+                      <a:endParaRPr lang="ko-KR" altLang="en-US" sz="1100" dirty="0">
+                        <a:solidFill>
+                          <a:schemeClr val="tx1"/>
+                        </a:solidFill>
+                      </a:endParaRPr>
+                    </a:p>
+                  </a:txBody>
+                  <a:tcPr anchor="ctr">
+                    <a:lnL w="12700" cmpd="sng">
+                      <a:noFill/>
+                    </a:lnL>
+                    <a:lnR w="12700" cmpd="sng">
+                      <a:noFill/>
+                    </a:lnR>
+                    <a:lnT w="12700" cap="flat" cmpd="sng" algn="ctr">
+                      <a:solidFill>
+                        <a:schemeClr val="tx1"/>
+                      </a:solidFill>
+                      <a:prstDash val="solid"/>
+                      <a:round/>
+                      <a:headEnd type="none" w="med" len="med"/>
+                      <a:tailEnd type="none" w="med" len="med"/>
+                    </a:lnT>
+                    <a:lnB w="12700" cap="flat" cmpd="sng" algn="ctr">
+                      <a:noFill/>
+                      <a:prstDash val="solid"/>
+                      <a:round/>
+                      <a:headEnd type="none" w="med" len="med"/>
+                      <a:tailEnd type="none" w="med" len="med"/>
+                    </a:lnB>
+                    <a:lnTlToBr w="12700" cmpd="sng">
+                      <a:noFill/>
+                      <a:prstDash val="solid"/>
+                    </a:lnTlToBr>
+                    <a:lnBlToTr w="12700" cmpd="sng">
+                      <a:noFill/>
+                      <a:prstDash val="solid"/>
+                    </a:lnBlToTr>
+                  </a:tcPr>
+                </a:tc>
+                <a:tc>
+                  <a:txBody>
+                    <a:bodyPr/>
+                    <a:lstStyle/>
+                    <a:p>
+                      <a:pPr algn="ctr" latinLnBrk="1"/>
+                      <a:r>
+                        <a:rPr lang="en-US" altLang="ko-KR" sz="1100" dirty="0">
+                          <a:solidFill>
+                            <a:schemeClr val="tx1"/>
+                          </a:solidFill>
+                        </a:rPr>
+                        <a:t>4</a:t>
+                      </a:r>
+                      <a:endParaRPr lang="ko-KR" altLang="en-US" sz="1100" dirty="0">
+                        <a:solidFill>
+                          <a:schemeClr val="tx1"/>
+                        </a:solidFill>
+                      </a:endParaRPr>
+                    </a:p>
+                  </a:txBody>
+                  <a:tcPr anchor="ctr">
+                    <a:lnL w="12700" cmpd="sng">
+                      <a:noFill/>
+                    </a:lnL>
+                    <a:lnR w="12700" cmpd="sng">
+                      <a:noFill/>
+                    </a:lnR>
+                    <a:lnT w="12700" cap="flat" cmpd="sng" algn="ctr">
+                      <a:solidFill>
+                        <a:schemeClr val="tx1"/>
+                      </a:solidFill>
+                      <a:prstDash val="solid"/>
+                      <a:round/>
+                      <a:headEnd type="none" w="med" len="med"/>
+                      <a:tailEnd type="none" w="med" len="med"/>
+                    </a:lnT>
+                    <a:lnB w="12700" cap="flat" cmpd="sng" algn="ctr">
+                      <a:noFill/>
+                      <a:prstDash val="solid"/>
+                      <a:round/>
+                      <a:headEnd type="none" w="med" len="med"/>
+                      <a:tailEnd type="none" w="med" len="med"/>
+                    </a:lnB>
+                    <a:lnTlToBr w="12700" cmpd="sng">
+                      <a:noFill/>
+                      <a:prstDash val="solid"/>
+                    </a:lnTlToBr>
+                    <a:lnBlToTr w="12700" cmpd="sng">
+                      <a:noFill/>
+                      <a:prstDash val="solid"/>
+                    </a:lnBlToTr>
+                  </a:tcPr>
+                </a:tc>
+                <a:tc>
+                  <a:txBody>
+                    <a:bodyPr/>
+                    <a:lstStyle/>
+                    <a:p>
+                      <a:pPr algn="ctr" latinLnBrk="1"/>
+                      <a:r>
+                        <a:rPr lang="en-US" altLang="ko-KR" sz="1100" dirty="0">
+                          <a:solidFill>
+                            <a:schemeClr val="tx1"/>
+                          </a:solidFill>
+                        </a:rPr>
+                        <a:t>3</a:t>
+                      </a:r>
+                      <a:endParaRPr lang="ko-KR" altLang="en-US" sz="1100" dirty="0">
+                        <a:solidFill>
+                          <a:schemeClr val="tx1"/>
+                        </a:solidFill>
+                      </a:endParaRPr>
+                    </a:p>
+                  </a:txBody>
+                  <a:tcPr anchor="ctr">
+                    <a:lnL w="12700" cmpd="sng">
+                      <a:noFill/>
+                    </a:lnL>
+                    <a:lnR w="12700" cmpd="sng">
+                      <a:noFill/>
+                    </a:lnR>
+                    <a:lnT w="12700" cap="flat" cmpd="sng" algn="ctr">
+                      <a:solidFill>
+                        <a:schemeClr val="tx1"/>
+                      </a:solidFill>
+                      <a:prstDash val="solid"/>
+                      <a:round/>
+                      <a:headEnd type="none" w="med" len="med"/>
+                      <a:tailEnd type="none" w="med" len="med"/>
+                    </a:lnT>
+                    <a:lnB w="12700" cap="flat" cmpd="sng" algn="ctr">
+                      <a:noFill/>
+                      <a:prstDash val="solid"/>
+                      <a:round/>
+                      <a:headEnd type="none" w="med" len="med"/>
+                      <a:tailEnd type="none" w="med" len="med"/>
+                    </a:lnB>
+                    <a:lnTlToBr w="12700" cmpd="sng">
+                      <a:noFill/>
+                      <a:prstDash val="solid"/>
+                    </a:lnTlToBr>
+                    <a:lnBlToTr w="12700" cmpd="sng">
+                      <a:noFill/>
+                      <a:prstDash val="solid"/>
+                    </a:lnBlToTr>
+                  </a:tcPr>
+                </a:tc>
+                <a:tc>
+                  <a:txBody>
+                    <a:bodyPr/>
+                    <a:lstStyle/>
+                    <a:p>
+                      <a:pPr algn="ctr" latinLnBrk="1"/>
+                      <a:r>
+                        <a:rPr lang="en-US" altLang="ko-KR" sz="1100" dirty="0">
+                          <a:solidFill>
+                            <a:schemeClr val="tx1"/>
+                          </a:solidFill>
+                        </a:rPr>
+                        <a:t>2</a:t>
+                      </a:r>
+                      <a:endParaRPr lang="ko-KR" altLang="en-US" sz="1100" dirty="0">
+                        <a:solidFill>
+                          <a:schemeClr val="tx1"/>
+                        </a:solidFill>
+                      </a:endParaRPr>
+                    </a:p>
+                  </a:txBody>
+                  <a:tcPr anchor="ctr">
+                    <a:lnL w="12700" cmpd="sng">
+                      <a:noFill/>
+                    </a:lnL>
+                    <a:lnR w="12700" cmpd="sng">
+                      <a:noFill/>
+                    </a:lnR>
+                    <a:lnT w="12700" cap="flat" cmpd="sng" algn="ctr">
+                      <a:solidFill>
+                        <a:schemeClr val="tx1"/>
+                      </a:solidFill>
+                      <a:prstDash val="solid"/>
+                      <a:round/>
+                      <a:headEnd type="none" w="med" len="med"/>
+                      <a:tailEnd type="none" w="med" len="med"/>
+                    </a:lnT>
+                    <a:lnB w="12700" cap="flat" cmpd="sng" algn="ctr">
+                      <a:noFill/>
+                      <a:prstDash val="solid"/>
+                      <a:round/>
+                      <a:headEnd type="none" w="med" len="med"/>
+                      <a:tailEnd type="none" w="med" len="med"/>
+                    </a:lnB>
+                    <a:lnTlToBr w="12700" cmpd="sng">
+                      <a:noFill/>
+                      <a:prstDash val="solid"/>
+                    </a:lnTlToBr>
+                    <a:lnBlToTr w="12700" cmpd="sng">
+                      <a:noFill/>
+                      <a:prstDash val="solid"/>
+                    </a:lnBlToTr>
+                  </a:tcPr>
+                </a:tc>
+                <a:tc>
+                  <a:txBody>
+                    <a:bodyPr/>
+                    <a:lstStyle/>
+                    <a:p>
+                      <a:pPr algn="ctr" latinLnBrk="1"/>
+                      <a:r>
+                        <a:rPr lang="en-US" altLang="ko-KR" sz="1100" dirty="0">
+                          <a:solidFill>
+                            <a:schemeClr val="tx1"/>
+                          </a:solidFill>
+                        </a:rPr>
+                        <a:t>1</a:t>
+                      </a:r>
+                      <a:endParaRPr lang="ko-KR" altLang="en-US" sz="1100" dirty="0">
+                        <a:solidFill>
+                          <a:schemeClr val="tx1"/>
+                        </a:solidFill>
+                      </a:endParaRPr>
+                    </a:p>
+                  </a:txBody>
+                  <a:tcPr anchor="ctr">
+                    <a:lnL w="12700" cmpd="sng">
+                      <a:noFill/>
+                    </a:lnL>
+                    <a:lnR w="12700" cmpd="sng">
+                      <a:noFill/>
+                    </a:lnR>
+                    <a:lnT w="12700" cap="flat" cmpd="sng" algn="ctr">
+                      <a:solidFill>
+                        <a:schemeClr val="tx1"/>
+                      </a:solidFill>
+                      <a:prstDash val="solid"/>
+                      <a:round/>
+                      <a:headEnd type="none" w="med" len="med"/>
+                      <a:tailEnd type="none" w="med" len="med"/>
+                    </a:lnT>
+                    <a:lnB w="12700" cap="flat" cmpd="sng" algn="ctr">
+                      <a:noFill/>
+                      <a:prstDash val="solid"/>
+                      <a:round/>
+                      <a:headEnd type="none" w="med" len="med"/>
+                      <a:tailEnd type="none" w="med" len="med"/>
+                    </a:lnB>
+                    <a:lnTlToBr w="12700" cmpd="sng">
+                      <a:noFill/>
+                      <a:prstDash val="solid"/>
+                    </a:lnTlToBr>
+                    <a:lnBlToTr w="12700" cmpd="sng">
+                      <a:noFill/>
+                      <a:prstDash val="solid"/>
+                    </a:lnBlToTr>
+                  </a:tcPr>
+                </a:tc>
+                <a:tc>
+                  <a:txBody>
+                    <a:bodyPr/>
+                    <a:lstStyle/>
+                    <a:p>
+                      <a:pPr algn="ctr" latinLnBrk="1"/>
+                      <a:r>
+                        <a:rPr lang="en-US" altLang="ko-KR" sz="1100" dirty="0">
+                          <a:solidFill>
+                            <a:schemeClr val="tx1"/>
+                          </a:solidFill>
+                        </a:rPr>
+                        <a:t>0</a:t>
+                      </a:r>
+                      <a:endParaRPr lang="ko-KR" altLang="en-US" sz="1100" dirty="0">
+                        <a:solidFill>
+                          <a:schemeClr val="tx1"/>
+                        </a:solidFill>
+                      </a:endParaRPr>
+                    </a:p>
+                  </a:txBody>
+                  <a:tcPr anchor="ctr">
+                    <a:lnL w="12700" cmpd="sng">
+                      <a:noFill/>
+                    </a:lnL>
+                    <a:lnR w="12700" cmpd="sng">
+                      <a:noFill/>
+                    </a:lnR>
+                    <a:lnT w="12700" cap="flat" cmpd="sng" algn="ctr">
+                      <a:solidFill>
+                        <a:schemeClr val="tx1"/>
+                      </a:solidFill>
+                      <a:prstDash val="solid"/>
+                      <a:round/>
+                      <a:headEnd type="none" w="med" len="med"/>
+                      <a:tailEnd type="none" w="med" len="med"/>
+                    </a:lnT>
+                    <a:lnB w="12700" cap="flat" cmpd="sng" algn="ctr">
+                      <a:noFill/>
+                      <a:prstDash val="solid"/>
+                      <a:round/>
+                      <a:headEnd type="none" w="med" len="med"/>
+                      <a:tailEnd type="none" w="med" len="med"/>
+                    </a:lnB>
+                    <a:lnTlToBr w="12700" cmpd="sng">
+                      <a:noFill/>
+                      <a:prstDash val="solid"/>
+                    </a:lnTlToBr>
+                    <a:lnBlToTr w="12700" cmpd="sng">
+                      <a:noFill/>
+                      <a:prstDash val="solid"/>
+                    </a:lnBlToTr>
+                  </a:tcPr>
+                </a:tc>
+                <a:extLst>
+                  <a:ext uri="{0D108BD9-81ED-4DB2-BD59-A6C34878D82A}">
+                    <a16:rowId xmlns:a16="http://schemas.microsoft.com/office/drawing/2014/main" val="4192724126"/>
+                  </a:ext>
+                </a:extLst>
+              </a:tr>
+            </a:tbl>
+          </a:graphicData>
+        </a:graphic>
+      </p:graphicFrame>
+      <p:sp>
+        <p:nvSpPr>
+          <p:cNvPr id="47" name="직사각형 46">
+            <a:extLst>
+              <a:ext uri="{FF2B5EF4-FFF2-40B4-BE49-F238E27FC236}">
+                <a16:creationId xmlns:a16="http://schemas.microsoft.com/office/drawing/2014/main" id="{8F2CCD50-D16D-4D71-9D48-448F85F44E9B}"/>
+              </a:ext>
+            </a:extLst>
+          </p:cNvPr>
+          <p:cNvSpPr/>
+          <p:nvPr/>
+        </p:nvSpPr>
+        <p:spPr>
+          <a:xfrm>
+            <a:off x="361415" y="4632530"/>
+            <a:ext cx="4728173" cy="388488"/>
+          </a:xfrm>
+          <a:prstGeom prst="rect">
+            <a:avLst/>
+          </a:prstGeom>
+          <a:noFill/>
+          <a:ln>
+            <a:noFill/>
+          </a:ln>
+        </p:spPr>
+        <p:style>
+          <a:lnRef idx="2">
+            <a:schemeClr val="accent1">
+              <a:shade val="50000"/>
+            </a:schemeClr>
+          </a:lnRef>
+          <a:fillRef idx="1">
+            <a:schemeClr val="accent1"/>
+          </a:fillRef>
+          <a:effectRef idx="0">
+            <a:schemeClr val="accent1"/>
+          </a:effectRef>
+          <a:fontRef idx="minor">
+            <a:schemeClr val="lt1"/>
+          </a:fontRef>
+        </p:style>
+        <p:txBody>
+          <a:bodyPr rtlCol="0" anchor="ctr"/>
+          <a:lstStyle/>
+          <a:p>
+            <a:pPr algn="r"/>
+            <a:r>
+              <a:rPr lang="en-US" altLang="ko-KR" sz="1600" dirty="0">
+                <a:solidFill>
+                  <a:schemeClr val="tx1"/>
+                </a:solidFill>
+              </a:rPr>
+              <a:t>b * 25</a:t>
+            </a:r>
+            <a:r>
+              <a:rPr lang="en-US" altLang="ko-KR" sz="1600" baseline="30000" dirty="0">
+                <a:solidFill>
+                  <a:schemeClr val="tx1"/>
+                </a:solidFill>
+              </a:rPr>
+              <a:t>3 </a:t>
+            </a:r>
+            <a:r>
+              <a:rPr lang="en-US" altLang="ko-KR" sz="1600" dirty="0">
+                <a:solidFill>
+                  <a:schemeClr val="tx1"/>
+                </a:solidFill>
+              </a:rPr>
+              <a:t>+ a * 25</a:t>
+            </a:r>
+            <a:r>
+              <a:rPr lang="en-US" altLang="ko-KR" sz="1600" baseline="30000" dirty="0">
+                <a:solidFill>
+                  <a:schemeClr val="tx1"/>
+                </a:solidFill>
+              </a:rPr>
+              <a:t>2</a:t>
+            </a:r>
+            <a:r>
+              <a:rPr lang="en-US" altLang="ko-KR" sz="1600" dirty="0">
+                <a:solidFill>
+                  <a:schemeClr val="tx1"/>
+                </a:solidFill>
+              </a:rPr>
+              <a:t>  + c * 25</a:t>
+            </a:r>
+            <a:r>
+              <a:rPr lang="en-US" altLang="ko-KR" sz="1600" baseline="30000" dirty="0">
+                <a:solidFill>
+                  <a:schemeClr val="tx1"/>
+                </a:solidFill>
+              </a:rPr>
+              <a:t>1</a:t>
+            </a:r>
+            <a:r>
+              <a:rPr lang="en-US" altLang="ko-KR" sz="1600" dirty="0">
+                <a:solidFill>
+                  <a:schemeClr val="tx1"/>
+                </a:solidFill>
+              </a:rPr>
+              <a:t> + d * 25</a:t>
+            </a:r>
+            <a:r>
+              <a:rPr lang="en-US" altLang="ko-KR" sz="1600" baseline="30000" dirty="0">
+                <a:solidFill>
+                  <a:schemeClr val="tx1"/>
+                </a:solidFill>
+              </a:rPr>
+              <a:t>0</a:t>
+            </a:r>
+            <a:r>
+              <a:rPr lang="en-US" altLang="ko-KR" sz="1600" dirty="0">
+                <a:solidFill>
+                  <a:schemeClr val="tx1"/>
+                </a:solidFill>
+              </a:rPr>
+              <a:t> </a:t>
+            </a:r>
+            <a:endParaRPr lang="ko-KR" altLang="en-US" sz="1600" dirty="0">
+              <a:solidFill>
+                <a:schemeClr val="tx1"/>
+              </a:solidFill>
+            </a:endParaRPr>
+          </a:p>
+        </p:txBody>
+      </p:sp>
+      <p:sp>
+        <p:nvSpPr>
+          <p:cNvPr id="48" name="직사각형 47">
+            <a:extLst>
+              <a:ext uri="{FF2B5EF4-FFF2-40B4-BE49-F238E27FC236}">
+                <a16:creationId xmlns:a16="http://schemas.microsoft.com/office/drawing/2014/main" id="{65327E67-88BD-42C7-A751-0690B704625E}"/>
+              </a:ext>
+            </a:extLst>
+          </p:cNvPr>
+          <p:cNvSpPr/>
+          <p:nvPr/>
+        </p:nvSpPr>
+        <p:spPr>
+          <a:xfrm>
+            <a:off x="3731913" y="2917064"/>
+            <a:ext cx="4728173" cy="388488"/>
+          </a:xfrm>
+          <a:prstGeom prst="rect">
+            <a:avLst/>
+          </a:prstGeom>
+          <a:noFill/>
+          <a:ln>
+            <a:noFill/>
+          </a:ln>
+        </p:spPr>
+        <p:style>
+          <a:lnRef idx="2">
+            <a:schemeClr val="accent1">
+              <a:shade val="50000"/>
+            </a:schemeClr>
+          </a:lnRef>
+          <a:fillRef idx="1">
+            <a:schemeClr val="accent1"/>
+          </a:fillRef>
+          <a:effectRef idx="0">
+            <a:schemeClr val="accent1"/>
+          </a:effectRef>
+          <a:fontRef idx="minor">
+            <a:schemeClr val="lt1"/>
+          </a:fontRef>
+        </p:style>
+        <p:txBody>
+          <a:bodyPr rtlCol="0" anchor="ctr"/>
+          <a:lstStyle/>
+          <a:p>
+            <a:r>
+              <a:rPr lang="en-US" altLang="ko-KR" sz="1600" dirty="0" err="1">
+                <a:solidFill>
+                  <a:schemeClr val="tx1"/>
+                </a:solidFill>
+              </a:rPr>
+              <a:t>abc</a:t>
+            </a:r>
+            <a:r>
+              <a:rPr lang="en-US" altLang="ko-KR" sz="1600" dirty="0">
+                <a:solidFill>
+                  <a:schemeClr val="tx1"/>
+                </a:solidFill>
+              </a:rPr>
+              <a:t> &lt; b </a:t>
+            </a:r>
+            <a:r>
+              <a:rPr lang="ko-KR" altLang="en-US" sz="1600" dirty="0">
+                <a:solidFill>
+                  <a:schemeClr val="tx1"/>
+                </a:solidFill>
+              </a:rPr>
+              <a:t>인 관계 형성 필요 </a:t>
+            </a:r>
+            <a:r>
+              <a:rPr lang="en-US" altLang="ko-KR" sz="1600" dirty="0">
+                <a:solidFill>
+                  <a:schemeClr val="tx1"/>
+                </a:solidFill>
+                <a:sym typeface="Wingdings" panose="05000000000000000000" pitchFamily="2" charset="2"/>
+              </a:rPr>
+              <a:t> </a:t>
+            </a:r>
+            <a:r>
+              <a:rPr lang="ko-KR" altLang="en-US" sz="1600" dirty="0">
+                <a:solidFill>
+                  <a:schemeClr val="tx1"/>
+                </a:solidFill>
+                <a:sym typeface="Wingdings" panose="05000000000000000000" pitchFamily="2" charset="2"/>
+              </a:rPr>
+              <a:t>문자 정렬 時</a:t>
+            </a:r>
+            <a:endParaRPr lang="ko-KR" altLang="en-US" sz="1600" dirty="0">
+              <a:solidFill>
+                <a:schemeClr val="tx1"/>
+              </a:solidFill>
+            </a:endParaRPr>
+          </a:p>
+        </p:txBody>
+      </p:sp>
+      <p:sp>
+        <p:nvSpPr>
+          <p:cNvPr id="50" name="직사각형 49">
+            <a:extLst>
+              <a:ext uri="{FF2B5EF4-FFF2-40B4-BE49-F238E27FC236}">
+                <a16:creationId xmlns:a16="http://schemas.microsoft.com/office/drawing/2014/main" id="{4E9BAD22-283C-4816-8782-D3AB7CA7BFD3}"/>
+              </a:ext>
+            </a:extLst>
+          </p:cNvPr>
+          <p:cNvSpPr/>
+          <p:nvPr/>
+        </p:nvSpPr>
+        <p:spPr>
+          <a:xfrm>
+            <a:off x="2737876" y="1748124"/>
+            <a:ext cx="455956" cy="251736"/>
+          </a:xfrm>
+          <a:prstGeom prst="rect">
+            <a:avLst/>
+          </a:prstGeom>
+          <a:noFill/>
+          <a:ln>
+            <a:noFill/>
+          </a:ln>
+        </p:spPr>
+        <p:style>
+          <a:lnRef idx="2">
+            <a:schemeClr val="accent1">
+              <a:shade val="50000"/>
+            </a:schemeClr>
+          </a:lnRef>
+          <a:fillRef idx="1">
+            <a:schemeClr val="accent1"/>
+          </a:fillRef>
+          <a:effectRef idx="0">
+            <a:schemeClr val="accent1"/>
+          </a:effectRef>
+          <a:fontRef idx="minor">
+            <a:schemeClr val="lt1"/>
+          </a:fontRef>
+        </p:style>
+        <p:txBody>
+          <a:bodyPr rtlCol="0" anchor="ctr"/>
+          <a:lstStyle/>
+          <a:p>
+            <a:r>
+              <a:rPr lang="en-US" altLang="ko-KR" sz="1400" dirty="0">
+                <a:solidFill>
+                  <a:schemeClr val="tx1"/>
+                </a:solidFill>
+              </a:rPr>
+              <a:t>1)</a:t>
+            </a:r>
+            <a:endParaRPr lang="ko-KR" altLang="en-US" sz="1400" dirty="0">
+              <a:solidFill>
+                <a:schemeClr val="tx1"/>
+              </a:solidFill>
+            </a:endParaRPr>
+          </a:p>
+        </p:txBody>
+      </p:sp>
+      <p:sp>
+        <p:nvSpPr>
+          <p:cNvPr id="51" name="직사각형 50">
+            <a:extLst>
+              <a:ext uri="{FF2B5EF4-FFF2-40B4-BE49-F238E27FC236}">
+                <a16:creationId xmlns:a16="http://schemas.microsoft.com/office/drawing/2014/main" id="{C1150A53-2447-428E-B543-6859D4380DE6}"/>
+              </a:ext>
+            </a:extLst>
+          </p:cNvPr>
+          <p:cNvSpPr/>
+          <p:nvPr/>
+        </p:nvSpPr>
+        <p:spPr>
+          <a:xfrm>
+            <a:off x="2737876" y="2985440"/>
+            <a:ext cx="455956" cy="251736"/>
+          </a:xfrm>
+          <a:prstGeom prst="rect">
+            <a:avLst/>
+          </a:prstGeom>
+          <a:noFill/>
+          <a:ln>
+            <a:noFill/>
+          </a:ln>
+        </p:spPr>
+        <p:style>
+          <a:lnRef idx="2">
+            <a:schemeClr val="accent1">
+              <a:shade val="50000"/>
+            </a:schemeClr>
+          </a:lnRef>
+          <a:fillRef idx="1">
+            <a:schemeClr val="accent1"/>
+          </a:fillRef>
+          <a:effectRef idx="0">
+            <a:schemeClr val="accent1"/>
+          </a:effectRef>
+          <a:fontRef idx="minor">
+            <a:schemeClr val="lt1"/>
+          </a:fontRef>
+        </p:style>
+        <p:txBody>
+          <a:bodyPr rtlCol="0" anchor="ctr"/>
+          <a:lstStyle/>
+          <a:p>
+            <a:r>
+              <a:rPr lang="en-US" altLang="ko-KR" sz="1400" dirty="0">
+                <a:solidFill>
+                  <a:schemeClr val="tx1"/>
+                </a:solidFill>
+              </a:rPr>
+              <a:t>2)</a:t>
+            </a:r>
+            <a:endParaRPr lang="ko-KR" altLang="en-US" sz="1400" dirty="0">
+              <a:solidFill>
+                <a:schemeClr val="tx1"/>
+              </a:solidFill>
+            </a:endParaRPr>
+          </a:p>
+        </p:txBody>
+      </p:sp>
+      <p:sp>
+        <p:nvSpPr>
+          <p:cNvPr id="52" name="더하기 기호 51">
+            <a:extLst>
+              <a:ext uri="{FF2B5EF4-FFF2-40B4-BE49-F238E27FC236}">
+                <a16:creationId xmlns:a16="http://schemas.microsoft.com/office/drawing/2014/main" id="{D2914974-507D-48F8-A9AD-37F00B0F3FF2}"/>
+              </a:ext>
+            </a:extLst>
+          </p:cNvPr>
+          <p:cNvSpPr/>
+          <p:nvPr/>
+        </p:nvSpPr>
+        <p:spPr>
+          <a:xfrm rot="2628785">
+            <a:off x="4949321" y="3406835"/>
+            <a:ext cx="766059" cy="762000"/>
+          </a:xfrm>
+          <a:prstGeom prst="mathPlus">
+            <a:avLst>
+              <a:gd name="adj1" fmla="val 12599"/>
+            </a:avLst>
+          </a:prstGeom>
+          <a:solidFill>
+            <a:srgbClr val="FF0000"/>
+          </a:solidFill>
+          <a:ln>
+            <a:solidFill>
+              <a:srgbClr val="FF0000"/>
+            </a:solidFill>
+          </a:ln>
+        </p:spPr>
+        <p:style>
+          <a:lnRef idx="2">
+            <a:schemeClr val="accent1">
+              <a:shade val="50000"/>
+            </a:schemeClr>
+          </a:lnRef>
+          <a:fillRef idx="1">
+            <a:schemeClr val="accent1"/>
+          </a:fillRef>
+          <a:effectRef idx="0">
+            <a:schemeClr val="accent1"/>
+          </a:effectRef>
+          <a:fontRef idx="minor">
+            <a:schemeClr val="lt1"/>
+          </a:fontRef>
+        </p:style>
+        <p:txBody>
+          <a:bodyPr rtlCol="0" anchor="ctr"/>
+          <a:lstStyle/>
+          <a:p>
+            <a:pPr algn="ctr"/>
+            <a:endParaRPr lang="ko-KR" altLang="en-US"/>
+          </a:p>
+        </p:txBody>
+      </p:sp>
+      <p:sp>
+        <p:nvSpPr>
+          <p:cNvPr id="53" name="원형: 비어 있음 52">
+            <a:extLst>
+              <a:ext uri="{FF2B5EF4-FFF2-40B4-BE49-F238E27FC236}">
+                <a16:creationId xmlns:a16="http://schemas.microsoft.com/office/drawing/2014/main" id="{899EBFE0-DC42-4E04-8590-A739DB0915A1}"/>
+              </a:ext>
+            </a:extLst>
+          </p:cNvPr>
+          <p:cNvSpPr/>
+          <p:nvPr/>
+        </p:nvSpPr>
+        <p:spPr>
+          <a:xfrm>
+            <a:off x="11498634" y="3492230"/>
+            <a:ext cx="589280" cy="570450"/>
+          </a:xfrm>
+          <a:prstGeom prst="donut">
+            <a:avLst>
+              <a:gd name="adj" fmla="val 15917"/>
+            </a:avLst>
+          </a:prstGeom>
+        </p:spPr>
+        <p:style>
+          <a:lnRef idx="2">
+            <a:schemeClr val="accent1">
+              <a:shade val="50000"/>
+            </a:schemeClr>
+          </a:lnRef>
+          <a:fillRef idx="1">
+            <a:schemeClr val="accent1"/>
+          </a:fillRef>
+          <a:effectRef idx="0">
+            <a:schemeClr val="accent1"/>
+          </a:effectRef>
+          <a:fontRef idx="minor">
+            <a:schemeClr val="lt1"/>
+          </a:fontRef>
+        </p:style>
+        <p:txBody>
+          <a:bodyPr rot="0" spcFirstLastPara="0" vertOverflow="overflow" horzOverflow="overflow" vert="horz" wrap="square" lIns="91440" tIns="45720" rIns="91440" bIns="45720" numCol="1" spcCol="0" rtlCol="0" fromWordArt="0" anchor="ctr" anchorCtr="0" forceAA="0" compatLnSpc="1">
+            <a:prstTxWarp prst="textNoShape">
+              <a:avLst/>
+            </a:prstTxWarp>
+            <a:noAutofit/>
+          </a:bodyPr>
+          <a:lstStyle/>
+          <a:p>
+            <a:pPr algn="ctr"/>
+            <a:endParaRPr lang="ko-KR" altLang="en-US">
+              <a:solidFill>
+                <a:schemeClr val="tx1"/>
+              </a:solidFill>
+            </a:endParaRPr>
+          </a:p>
+        </p:txBody>
+      </p:sp>
+      <p:graphicFrame>
+        <p:nvGraphicFramePr>
+          <p:cNvPr id="54" name="표 53">
+            <a:extLst>
+              <a:ext uri="{FF2B5EF4-FFF2-40B4-BE49-F238E27FC236}">
+                <a16:creationId xmlns:a16="http://schemas.microsoft.com/office/drawing/2014/main" id="{4F6C667D-A0D7-4DF2-B2FA-12EE9F5245B1}"/>
+              </a:ext>
+            </a:extLst>
+          </p:cNvPr>
+          <p:cNvGraphicFramePr>
+            <a:graphicFrameLocks noGrp="1"/>
+          </p:cNvGraphicFramePr>
+          <p:nvPr>
+            <p:extLst>
+              <p:ext uri="{D42A27DB-BD31-4B8C-83A1-F6EECF244321}">
+                <p14:modId xmlns:p14="http://schemas.microsoft.com/office/powerpoint/2010/main" val="4117970935"/>
+              </p:ext>
+            </p:extLst>
+          </p:nvPr>
+        </p:nvGraphicFramePr>
+        <p:xfrm>
+          <a:off x="6714823" y="5480239"/>
+          <a:ext cx="4944291" cy="741680"/>
+        </p:xfrm>
+        <a:graphic>
+          <a:graphicData uri="http://schemas.openxmlformats.org/drawingml/2006/table">
+            <a:tbl>
+              <a:tblPr firstRow="1" bandRow="1">
+                <a:tableStyleId>{5940675A-B579-460E-94D1-54222C63F5DA}</a:tableStyleId>
+              </a:tblPr>
+              <a:tblGrid>
+                <a:gridCol w="449481">
+                  <a:extLst>
+                    <a:ext uri="{9D8B030D-6E8A-4147-A177-3AD203B41FA5}">
+                      <a16:colId xmlns:a16="http://schemas.microsoft.com/office/drawing/2014/main" val="1454722992"/>
+                    </a:ext>
+                  </a:extLst>
+                </a:gridCol>
+                <a:gridCol w="449481">
+                  <a:extLst>
+                    <a:ext uri="{9D8B030D-6E8A-4147-A177-3AD203B41FA5}">
+                      <a16:colId xmlns:a16="http://schemas.microsoft.com/office/drawing/2014/main" val="44611417"/>
+                    </a:ext>
+                  </a:extLst>
+                </a:gridCol>
+                <a:gridCol w="449481">
+                  <a:extLst>
+                    <a:ext uri="{9D8B030D-6E8A-4147-A177-3AD203B41FA5}">
+                      <a16:colId xmlns:a16="http://schemas.microsoft.com/office/drawing/2014/main" val="1171354407"/>
+                    </a:ext>
+                  </a:extLst>
+                </a:gridCol>
+                <a:gridCol w="449481">
+                  <a:extLst>
+                    <a:ext uri="{9D8B030D-6E8A-4147-A177-3AD203B41FA5}">
+                      <a16:colId xmlns:a16="http://schemas.microsoft.com/office/drawing/2014/main" val="3200233054"/>
+                    </a:ext>
+                  </a:extLst>
+                </a:gridCol>
+                <a:gridCol w="449481">
+                  <a:extLst>
+                    <a:ext uri="{9D8B030D-6E8A-4147-A177-3AD203B41FA5}">
+                      <a16:colId xmlns:a16="http://schemas.microsoft.com/office/drawing/2014/main" val="3462578737"/>
+                    </a:ext>
+                  </a:extLst>
+                </a:gridCol>
+                <a:gridCol w="449481">
+                  <a:extLst>
+                    <a:ext uri="{9D8B030D-6E8A-4147-A177-3AD203B41FA5}">
+                      <a16:colId xmlns:a16="http://schemas.microsoft.com/office/drawing/2014/main" val="3703710805"/>
+                    </a:ext>
+                  </a:extLst>
+                </a:gridCol>
+                <a:gridCol w="449481">
+                  <a:extLst>
+                    <a:ext uri="{9D8B030D-6E8A-4147-A177-3AD203B41FA5}">
+                      <a16:colId xmlns:a16="http://schemas.microsoft.com/office/drawing/2014/main" val="2544285163"/>
+                    </a:ext>
+                  </a:extLst>
+                </a:gridCol>
+                <a:gridCol w="449481">
+                  <a:extLst>
+                    <a:ext uri="{9D8B030D-6E8A-4147-A177-3AD203B41FA5}">
+                      <a16:colId xmlns:a16="http://schemas.microsoft.com/office/drawing/2014/main" val="4074572629"/>
+                    </a:ext>
+                  </a:extLst>
+                </a:gridCol>
+                <a:gridCol w="449481">
+                  <a:extLst>
+                    <a:ext uri="{9D8B030D-6E8A-4147-A177-3AD203B41FA5}">
+                      <a16:colId xmlns:a16="http://schemas.microsoft.com/office/drawing/2014/main" val="3101274770"/>
+                    </a:ext>
+                  </a:extLst>
+                </a:gridCol>
+                <a:gridCol w="449481">
+                  <a:extLst>
+                    <a:ext uri="{9D8B030D-6E8A-4147-A177-3AD203B41FA5}">
+                      <a16:colId xmlns:a16="http://schemas.microsoft.com/office/drawing/2014/main" val="1477910368"/>
+                    </a:ext>
+                  </a:extLst>
+                </a:gridCol>
+                <a:gridCol w="449481">
+                  <a:extLst>
+                    <a:ext uri="{9D8B030D-6E8A-4147-A177-3AD203B41FA5}">
+                      <a16:colId xmlns:a16="http://schemas.microsoft.com/office/drawing/2014/main" val="4179428661"/>
+                    </a:ext>
+                  </a:extLst>
+                </a:gridCol>
+              </a:tblGrid>
+              <a:tr h="370840">
+                <a:tc>
+                  <a:txBody>
+                    <a:bodyPr/>
+                    <a:lstStyle/>
+                    <a:p>
+                      <a:pPr algn="ctr" latinLnBrk="1"/>
+                      <a:r>
+                        <a:rPr lang="en-US" altLang="ko-KR" sz="1200" dirty="0">
+                          <a:solidFill>
+                            <a:schemeClr val="tx1"/>
+                          </a:solidFill>
+                        </a:rPr>
+                        <a:t>b</a:t>
+                      </a:r>
+                      <a:endParaRPr lang="ko-KR" altLang="en-US" sz="1200" dirty="0">
+                        <a:solidFill>
+                          <a:schemeClr val="tx1"/>
+                        </a:solidFill>
+                      </a:endParaRPr>
+                    </a:p>
+                  </a:txBody>
+                  <a:tcPr anchor="ctr">
+                    <a:lnL w="12700" cap="flat" cmpd="sng" algn="ctr">
+                      <a:solidFill>
+                        <a:schemeClr val="tx1"/>
+                      </a:solidFill>
+                      <a:prstDash val="solid"/>
+                      <a:round/>
+                      <a:headEnd type="none" w="med" len="med"/>
+                      <a:tailEnd type="none" w="med" len="med"/>
+                    </a:lnL>
+                    <a:lnR w="12700" cap="flat" cmpd="sng" algn="ctr">
+                      <a:solidFill>
+                        <a:schemeClr val="tx1"/>
+                      </a:solidFill>
+                      <a:prstDash val="solid"/>
+                      <a:round/>
+                      <a:headEnd type="none" w="med" len="med"/>
+                      <a:tailEnd type="none" w="med" len="med"/>
+                    </a:lnR>
+                    <a:lnT w="12700" cap="flat" cmpd="sng" algn="ctr">
+                      <a:solidFill>
+                        <a:schemeClr val="tx1"/>
+                      </a:solidFill>
+                      <a:prstDash val="solid"/>
+                      <a:round/>
+                      <a:headEnd type="none" w="med" len="med"/>
+                      <a:tailEnd type="none" w="med" len="med"/>
+                    </a:lnT>
+                    <a:lnB w="12700" cap="flat" cmpd="sng" algn="ctr">
+                      <a:solidFill>
+                        <a:schemeClr val="tx1"/>
+                      </a:solidFill>
+                      <a:prstDash val="solid"/>
+                      <a:round/>
+                      <a:headEnd type="none" w="med" len="med"/>
+                      <a:tailEnd type="none" w="med" len="med"/>
+                    </a:lnB>
+                  </a:tcPr>
+                </a:tc>
+                <a:tc>
+                  <a:txBody>
+                    <a:bodyPr/>
+                    <a:lstStyle/>
+                    <a:p>
+                      <a:pPr algn="ctr" latinLnBrk="1"/>
+                      <a:r>
+                        <a:rPr lang="en-US" altLang="ko-KR" sz="1200" dirty="0">
+                          <a:solidFill>
+                            <a:schemeClr val="tx1"/>
+                          </a:solidFill>
+                        </a:rPr>
+                        <a:t>a</a:t>
+                      </a:r>
+                      <a:endParaRPr lang="ko-KR" altLang="en-US" sz="1200" dirty="0">
+                        <a:solidFill>
+                          <a:schemeClr val="tx1"/>
+                        </a:solidFill>
+                      </a:endParaRPr>
+                    </a:p>
+                  </a:txBody>
+                  <a:tcPr anchor="ctr">
+                    <a:lnL w="12700" cap="flat" cmpd="sng" algn="ctr">
+                      <a:solidFill>
+                        <a:schemeClr val="tx1"/>
+                      </a:solidFill>
+                      <a:prstDash val="solid"/>
+                      <a:round/>
+                      <a:headEnd type="none" w="med" len="med"/>
+                      <a:tailEnd type="none" w="med" len="med"/>
+                    </a:lnL>
+                    <a:lnR w="12700" cap="flat" cmpd="sng" algn="ctr">
+                      <a:solidFill>
+                        <a:schemeClr val="tx1"/>
+                      </a:solidFill>
+                      <a:prstDash val="solid"/>
+                      <a:round/>
+                      <a:headEnd type="none" w="med" len="med"/>
+                      <a:tailEnd type="none" w="med" len="med"/>
+                    </a:lnR>
+                    <a:lnT w="12700" cap="flat" cmpd="sng" algn="ctr">
+                      <a:solidFill>
+                        <a:schemeClr val="tx1"/>
+                      </a:solidFill>
+                      <a:prstDash val="solid"/>
+                      <a:round/>
+                      <a:headEnd type="none" w="med" len="med"/>
+                      <a:tailEnd type="none" w="med" len="med"/>
+                    </a:lnT>
+                    <a:lnB w="12700" cap="flat" cmpd="sng" algn="ctr">
+                      <a:solidFill>
+                        <a:schemeClr val="tx1"/>
+                      </a:solidFill>
+                      <a:prstDash val="solid"/>
+                      <a:round/>
+                      <a:headEnd type="none" w="med" len="med"/>
+                      <a:tailEnd type="none" w="med" len="med"/>
+                    </a:lnB>
+                  </a:tcPr>
+                </a:tc>
+                <a:tc>
+                  <a:txBody>
+                    <a:bodyPr/>
+                    <a:lstStyle/>
+                    <a:p>
+                      <a:pPr algn="ctr" latinLnBrk="1"/>
+                      <a:r>
+                        <a:rPr lang="en-US" altLang="ko-KR" sz="1200" dirty="0">
+                          <a:solidFill>
+                            <a:schemeClr val="tx1"/>
+                          </a:solidFill>
+                        </a:rPr>
+                        <a:t>c</a:t>
+                      </a:r>
+                      <a:endParaRPr lang="ko-KR" altLang="en-US" sz="1200" dirty="0">
+                        <a:solidFill>
+                          <a:schemeClr val="tx1"/>
+                        </a:solidFill>
+                      </a:endParaRPr>
+                    </a:p>
+                  </a:txBody>
+                  <a:tcPr anchor="ctr">
+                    <a:lnL w="12700" cap="flat" cmpd="sng" algn="ctr">
+                      <a:solidFill>
+                        <a:schemeClr val="tx1"/>
+                      </a:solidFill>
+                      <a:prstDash val="solid"/>
+                      <a:round/>
+                      <a:headEnd type="none" w="med" len="med"/>
+                      <a:tailEnd type="none" w="med" len="med"/>
+                    </a:lnL>
+                    <a:lnR w="12700" cap="flat" cmpd="sng" algn="ctr">
+                      <a:solidFill>
+                        <a:schemeClr val="tx1"/>
+                      </a:solidFill>
+                      <a:prstDash val="solid"/>
+                      <a:round/>
+                      <a:headEnd type="none" w="med" len="med"/>
+                      <a:tailEnd type="none" w="med" len="med"/>
+                    </a:lnR>
+                    <a:lnT w="12700" cap="flat" cmpd="sng" algn="ctr">
+                      <a:solidFill>
+                        <a:schemeClr val="tx1"/>
+                      </a:solidFill>
+                      <a:prstDash val="solid"/>
+                      <a:round/>
+                      <a:headEnd type="none" w="med" len="med"/>
+                      <a:tailEnd type="none" w="med" len="med"/>
+                    </a:lnT>
+                    <a:lnB w="12700" cap="flat" cmpd="sng" algn="ctr">
+                      <a:solidFill>
+                        <a:schemeClr val="tx1"/>
+                      </a:solidFill>
+                      <a:prstDash val="solid"/>
+                      <a:round/>
+                      <a:headEnd type="none" w="med" len="med"/>
+                      <a:tailEnd type="none" w="med" len="med"/>
+                    </a:lnB>
+                  </a:tcPr>
+                </a:tc>
+                <a:tc>
+                  <a:txBody>
+                    <a:bodyPr/>
+                    <a:lstStyle/>
+                    <a:p>
+                      <a:pPr algn="ctr" latinLnBrk="1"/>
+                      <a:r>
+                        <a:rPr lang="en-US" altLang="ko-KR" sz="1200" dirty="0">
+                          <a:solidFill>
+                            <a:schemeClr val="tx1"/>
+                          </a:solidFill>
+                        </a:rPr>
+                        <a:t>d</a:t>
+                      </a:r>
+                      <a:endParaRPr lang="ko-KR" altLang="en-US" sz="1200" dirty="0">
+                        <a:solidFill>
+                          <a:schemeClr val="tx1"/>
+                        </a:solidFill>
+                      </a:endParaRPr>
+                    </a:p>
+                  </a:txBody>
+                  <a:tcPr anchor="ctr">
+                    <a:lnL w="12700" cap="flat" cmpd="sng" algn="ctr">
+                      <a:solidFill>
+                        <a:schemeClr val="tx1"/>
+                      </a:solidFill>
+                      <a:prstDash val="solid"/>
+                      <a:round/>
+                      <a:headEnd type="none" w="med" len="med"/>
+                      <a:tailEnd type="none" w="med" len="med"/>
+                    </a:lnL>
+                    <a:lnR w="12700" cap="flat" cmpd="sng" algn="ctr">
+                      <a:solidFill>
+                        <a:schemeClr val="tx1"/>
+                      </a:solidFill>
+                      <a:prstDash val="solid"/>
+                      <a:round/>
+                      <a:headEnd type="none" w="med" len="med"/>
+                      <a:tailEnd type="none" w="med" len="med"/>
+                    </a:lnR>
+                    <a:lnT w="12700" cap="flat" cmpd="sng" algn="ctr">
+                      <a:solidFill>
+                        <a:schemeClr val="tx1"/>
+                      </a:solidFill>
+                      <a:prstDash val="solid"/>
+                      <a:round/>
+                      <a:headEnd type="none" w="med" len="med"/>
+                      <a:tailEnd type="none" w="med" len="med"/>
+                    </a:lnT>
+                    <a:lnB w="12700" cap="flat" cmpd="sng" algn="ctr">
+                      <a:solidFill>
+                        <a:schemeClr val="tx1"/>
+                      </a:solidFill>
+                      <a:prstDash val="solid"/>
+                      <a:round/>
+                      <a:headEnd type="none" w="med" len="med"/>
+                      <a:tailEnd type="none" w="med" len="med"/>
+                    </a:lnB>
+                  </a:tcPr>
+                </a:tc>
+                <a:tc>
+                  <a:txBody>
+                    <a:bodyPr/>
+                    <a:lstStyle/>
+                    <a:p>
+                      <a:pPr algn="ctr" latinLnBrk="1"/>
+                      <a:r>
+                        <a:rPr lang="en-US" altLang="ko-KR" sz="1200" dirty="0">
+                          <a:solidFill>
+                            <a:schemeClr val="tx1"/>
+                          </a:solidFill>
+                        </a:rPr>
+                        <a:t>-</a:t>
+                      </a:r>
+                      <a:endParaRPr lang="ko-KR" altLang="en-US" sz="1200" dirty="0">
+                        <a:solidFill>
+                          <a:schemeClr val="tx1"/>
+                        </a:solidFill>
+                      </a:endParaRPr>
+                    </a:p>
+                  </a:txBody>
+                  <a:tcPr anchor="ctr">
+                    <a:lnL w="12700" cap="flat" cmpd="sng" algn="ctr">
+                      <a:solidFill>
+                        <a:schemeClr val="tx1"/>
+                      </a:solidFill>
+                      <a:prstDash val="solid"/>
+                      <a:round/>
+                      <a:headEnd type="none" w="med" len="med"/>
+                      <a:tailEnd type="none" w="med" len="med"/>
+                    </a:lnL>
+                    <a:lnR w="12700" cap="flat" cmpd="sng" algn="ctr">
+                      <a:solidFill>
+                        <a:schemeClr val="tx1"/>
+                      </a:solidFill>
+                      <a:prstDash val="solid"/>
+                      <a:round/>
+                      <a:headEnd type="none" w="med" len="med"/>
+                      <a:tailEnd type="none" w="med" len="med"/>
+                    </a:lnR>
+                    <a:lnT w="12700" cap="flat" cmpd="sng" algn="ctr">
+                      <a:solidFill>
+                        <a:schemeClr val="tx1"/>
+                      </a:solidFill>
+                      <a:prstDash val="solid"/>
+                      <a:round/>
+                      <a:headEnd type="none" w="med" len="med"/>
+                      <a:tailEnd type="none" w="med" len="med"/>
+                    </a:lnT>
+                    <a:lnB w="12700" cap="flat" cmpd="sng" algn="ctr">
+                      <a:solidFill>
+                        <a:schemeClr val="tx1"/>
+                      </a:solidFill>
+                      <a:prstDash val="solid"/>
+                      <a:round/>
+                      <a:headEnd type="none" w="med" len="med"/>
+                      <a:tailEnd type="none" w="med" len="med"/>
+                    </a:lnB>
+                  </a:tcPr>
+                </a:tc>
+                <a:tc>
+                  <a:txBody>
+                    <a:bodyPr/>
+                    <a:lstStyle/>
+                    <a:p>
+                      <a:pPr algn="ctr" latinLnBrk="1"/>
+                      <a:r>
+                        <a:rPr lang="en-US" altLang="ko-KR" sz="1100" dirty="0">
+                          <a:solidFill>
+                            <a:schemeClr val="tx1"/>
+                          </a:solidFill>
+                        </a:rPr>
+                        <a:t>-</a:t>
+                      </a:r>
+                      <a:endParaRPr lang="ko-KR" altLang="en-US" sz="1100" dirty="0">
+                        <a:solidFill>
+                          <a:schemeClr val="tx1"/>
+                        </a:solidFill>
+                      </a:endParaRPr>
+                    </a:p>
+                  </a:txBody>
+                  <a:tcPr anchor="ctr">
+                    <a:lnL w="12700" cap="flat" cmpd="sng" algn="ctr">
+                      <a:solidFill>
+                        <a:schemeClr val="tx1"/>
+                      </a:solidFill>
+                      <a:prstDash val="solid"/>
+                      <a:round/>
+                      <a:headEnd type="none" w="med" len="med"/>
+                      <a:tailEnd type="none" w="med" len="med"/>
+                    </a:lnL>
+                    <a:lnR w="12700" cap="flat" cmpd="sng" algn="ctr">
+                      <a:solidFill>
+                        <a:schemeClr val="tx1"/>
+                      </a:solidFill>
+                      <a:prstDash val="solid"/>
+                      <a:round/>
+                      <a:headEnd type="none" w="med" len="med"/>
+                      <a:tailEnd type="none" w="med" len="med"/>
+                    </a:lnR>
+                    <a:lnT w="12700" cap="flat" cmpd="sng" algn="ctr">
+                      <a:solidFill>
+                        <a:schemeClr val="tx1"/>
+                      </a:solidFill>
+                      <a:prstDash val="solid"/>
+                      <a:round/>
+                      <a:headEnd type="none" w="med" len="med"/>
+                      <a:tailEnd type="none" w="med" len="med"/>
+                    </a:lnT>
+                    <a:lnB w="12700" cap="flat" cmpd="sng" algn="ctr">
+                      <a:solidFill>
+                        <a:schemeClr val="tx1"/>
+                      </a:solidFill>
+                      <a:prstDash val="solid"/>
+                      <a:round/>
+                      <a:headEnd type="none" w="med" len="med"/>
+                      <a:tailEnd type="none" w="med" len="med"/>
+                    </a:lnB>
+                  </a:tcPr>
+                </a:tc>
+                <a:tc>
+                  <a:txBody>
+                    <a:bodyPr/>
+                    <a:lstStyle/>
+                    <a:p>
+                      <a:pPr algn="ctr" latinLnBrk="1"/>
+                      <a:r>
+                        <a:rPr lang="en-US" altLang="ko-KR" sz="1100" dirty="0">
+                          <a:solidFill>
+                            <a:schemeClr val="tx1"/>
+                          </a:solidFill>
+                        </a:rPr>
+                        <a:t>-</a:t>
+                      </a:r>
+                      <a:endParaRPr lang="ko-KR" altLang="en-US" sz="1100" dirty="0">
+                        <a:solidFill>
+                          <a:schemeClr val="tx1"/>
+                        </a:solidFill>
+                      </a:endParaRPr>
+                    </a:p>
+                  </a:txBody>
+                  <a:tcPr anchor="ctr">
+                    <a:lnL w="12700" cap="flat" cmpd="sng" algn="ctr">
+                      <a:solidFill>
+                        <a:schemeClr val="tx1"/>
+                      </a:solidFill>
+                      <a:prstDash val="solid"/>
+                      <a:round/>
+                      <a:headEnd type="none" w="med" len="med"/>
+                      <a:tailEnd type="none" w="med" len="med"/>
+                    </a:lnL>
+                    <a:lnR w="12700" cap="flat" cmpd="sng" algn="ctr">
+                      <a:solidFill>
+                        <a:schemeClr val="tx1"/>
+                      </a:solidFill>
+                      <a:prstDash val="solid"/>
+                      <a:round/>
+                      <a:headEnd type="none" w="med" len="med"/>
+                      <a:tailEnd type="none" w="med" len="med"/>
+                    </a:lnR>
+                    <a:lnT w="12700" cap="flat" cmpd="sng" algn="ctr">
+                      <a:solidFill>
+                        <a:schemeClr val="tx1"/>
+                      </a:solidFill>
+                      <a:prstDash val="solid"/>
+                      <a:round/>
+                      <a:headEnd type="none" w="med" len="med"/>
+                      <a:tailEnd type="none" w="med" len="med"/>
+                    </a:lnT>
+                    <a:lnB w="12700" cap="flat" cmpd="sng" algn="ctr">
+                      <a:solidFill>
+                        <a:schemeClr val="tx1"/>
+                      </a:solidFill>
+                      <a:prstDash val="solid"/>
+                      <a:round/>
+                      <a:headEnd type="none" w="med" len="med"/>
+                      <a:tailEnd type="none" w="med" len="med"/>
+                    </a:lnB>
+                  </a:tcPr>
+                </a:tc>
+                <a:tc>
+                  <a:txBody>
+                    <a:bodyPr/>
+                    <a:lstStyle/>
+                    <a:p>
+                      <a:pPr algn="ctr" latinLnBrk="1"/>
+                      <a:r>
+                        <a:rPr lang="en-US" altLang="ko-KR" sz="1100" dirty="0">
+                          <a:solidFill>
+                            <a:schemeClr val="tx1"/>
+                          </a:solidFill>
+                        </a:rPr>
+                        <a:t>-</a:t>
+                      </a:r>
+                      <a:endParaRPr lang="ko-KR" altLang="en-US" sz="1100" dirty="0">
+                        <a:solidFill>
+                          <a:schemeClr val="tx1"/>
+                        </a:solidFill>
+                      </a:endParaRPr>
+                    </a:p>
+                  </a:txBody>
+                  <a:tcPr anchor="ctr">
+                    <a:lnL w="12700" cap="flat" cmpd="sng" algn="ctr">
+                      <a:solidFill>
+                        <a:schemeClr val="tx1"/>
+                      </a:solidFill>
+                      <a:prstDash val="solid"/>
+                      <a:round/>
+                      <a:headEnd type="none" w="med" len="med"/>
+                      <a:tailEnd type="none" w="med" len="med"/>
+                    </a:lnL>
+                    <a:lnR w="12700" cap="flat" cmpd="sng" algn="ctr">
+                      <a:solidFill>
+                        <a:schemeClr val="tx1"/>
+                      </a:solidFill>
+                      <a:prstDash val="solid"/>
+                      <a:round/>
+                      <a:headEnd type="none" w="med" len="med"/>
+                      <a:tailEnd type="none" w="med" len="med"/>
+                    </a:lnR>
+                    <a:lnT w="12700" cap="flat" cmpd="sng" algn="ctr">
+                      <a:solidFill>
+                        <a:schemeClr val="tx1"/>
+                      </a:solidFill>
+                      <a:prstDash val="solid"/>
+                      <a:round/>
+                      <a:headEnd type="none" w="med" len="med"/>
+                      <a:tailEnd type="none" w="med" len="med"/>
+                    </a:lnT>
+                    <a:lnB w="12700" cap="flat" cmpd="sng" algn="ctr">
+                      <a:solidFill>
+                        <a:schemeClr val="tx1"/>
+                      </a:solidFill>
+                      <a:prstDash val="solid"/>
+                      <a:round/>
+                      <a:headEnd type="none" w="med" len="med"/>
+                      <a:tailEnd type="none" w="med" len="med"/>
+                    </a:lnB>
+                  </a:tcPr>
+                </a:tc>
+                <a:tc>
+                  <a:txBody>
+                    <a:bodyPr/>
+                    <a:lstStyle/>
+                    <a:p>
+                      <a:pPr algn="ctr" latinLnBrk="1"/>
+                      <a:r>
+                        <a:rPr lang="en-US" altLang="ko-KR" sz="1100" dirty="0">
+                          <a:solidFill>
+                            <a:schemeClr val="tx1"/>
+                          </a:solidFill>
+                        </a:rPr>
+                        <a:t>-</a:t>
+                      </a:r>
+                      <a:endParaRPr lang="ko-KR" altLang="en-US" sz="1100" dirty="0">
+                        <a:solidFill>
+                          <a:schemeClr val="tx1"/>
+                        </a:solidFill>
+                      </a:endParaRPr>
+                    </a:p>
+                  </a:txBody>
+                  <a:tcPr anchor="ctr">
+                    <a:lnL w="12700" cap="flat" cmpd="sng" algn="ctr">
+                      <a:solidFill>
+                        <a:schemeClr val="tx1"/>
+                      </a:solidFill>
+                      <a:prstDash val="solid"/>
+                      <a:round/>
+                      <a:headEnd type="none" w="med" len="med"/>
+                      <a:tailEnd type="none" w="med" len="med"/>
+                    </a:lnL>
+                    <a:lnR w="12700" cap="flat" cmpd="sng" algn="ctr">
+                      <a:solidFill>
+                        <a:schemeClr val="tx1"/>
+                      </a:solidFill>
+                      <a:prstDash val="solid"/>
+                      <a:round/>
+                      <a:headEnd type="none" w="med" len="med"/>
+                      <a:tailEnd type="none" w="med" len="med"/>
+                    </a:lnR>
+                    <a:lnT w="12700" cap="flat" cmpd="sng" algn="ctr">
+                      <a:solidFill>
+                        <a:schemeClr val="tx1"/>
+                      </a:solidFill>
+                      <a:prstDash val="solid"/>
+                      <a:round/>
+                      <a:headEnd type="none" w="med" len="med"/>
+                      <a:tailEnd type="none" w="med" len="med"/>
+                    </a:lnT>
+                    <a:lnB w="12700" cap="flat" cmpd="sng" algn="ctr">
+                      <a:solidFill>
+                        <a:schemeClr val="tx1"/>
+                      </a:solidFill>
+                      <a:prstDash val="solid"/>
+                      <a:round/>
+                      <a:headEnd type="none" w="med" len="med"/>
+                      <a:tailEnd type="none" w="med" len="med"/>
+                    </a:lnB>
+                  </a:tcPr>
+                </a:tc>
+                <a:tc>
+                  <a:txBody>
+                    <a:bodyPr/>
+                    <a:lstStyle/>
+                    <a:p>
+                      <a:pPr algn="ctr" latinLnBrk="1"/>
+                      <a:r>
+                        <a:rPr lang="en-US" altLang="ko-KR" sz="1100" dirty="0">
+                          <a:solidFill>
+                            <a:schemeClr val="tx1"/>
+                          </a:solidFill>
+                        </a:rPr>
+                        <a:t>-</a:t>
+                      </a:r>
+                      <a:endParaRPr lang="ko-KR" altLang="en-US" sz="1100" dirty="0">
+                        <a:solidFill>
+                          <a:schemeClr val="tx1"/>
+                        </a:solidFill>
+                      </a:endParaRPr>
+                    </a:p>
+                  </a:txBody>
+                  <a:tcPr anchor="ctr">
+                    <a:lnL w="12700" cap="flat" cmpd="sng" algn="ctr">
+                      <a:solidFill>
+                        <a:schemeClr val="tx1"/>
+                      </a:solidFill>
+                      <a:prstDash val="solid"/>
+                      <a:round/>
+                      <a:headEnd type="none" w="med" len="med"/>
+                      <a:tailEnd type="none" w="med" len="med"/>
+                    </a:lnL>
+                    <a:lnR w="12700" cap="flat" cmpd="sng" algn="ctr">
+                      <a:solidFill>
+                        <a:schemeClr val="tx1"/>
+                      </a:solidFill>
+                      <a:prstDash val="solid"/>
+                      <a:round/>
+                      <a:headEnd type="none" w="med" len="med"/>
+                      <a:tailEnd type="none" w="med" len="med"/>
+                    </a:lnR>
+                    <a:lnT w="12700" cap="flat" cmpd="sng" algn="ctr">
+                      <a:solidFill>
+                        <a:schemeClr val="tx1"/>
+                      </a:solidFill>
+                      <a:prstDash val="solid"/>
+                      <a:round/>
+                      <a:headEnd type="none" w="med" len="med"/>
+                      <a:tailEnd type="none" w="med" len="med"/>
+                    </a:lnT>
+                    <a:lnB w="12700" cap="flat" cmpd="sng" algn="ctr">
+                      <a:solidFill>
+                        <a:schemeClr val="tx1"/>
+                      </a:solidFill>
+                      <a:prstDash val="solid"/>
+                      <a:round/>
+                      <a:headEnd type="none" w="med" len="med"/>
+                      <a:tailEnd type="none" w="med" len="med"/>
+                    </a:lnB>
+                  </a:tcPr>
+                </a:tc>
+                <a:tc>
+                  <a:txBody>
+                    <a:bodyPr/>
+                    <a:lstStyle/>
+                    <a:p>
+                      <a:pPr algn="ctr" latinLnBrk="1"/>
+                      <a:r>
+                        <a:rPr lang="en-US" altLang="ko-KR" sz="1100" dirty="0">
+                          <a:solidFill>
+                            <a:schemeClr val="tx1"/>
+                          </a:solidFill>
+                        </a:rPr>
+                        <a:t>-</a:t>
+                      </a:r>
+                      <a:endParaRPr lang="ko-KR" altLang="en-US" sz="1100" dirty="0">
+                        <a:solidFill>
+                          <a:schemeClr val="tx1"/>
+                        </a:solidFill>
+                      </a:endParaRPr>
+                    </a:p>
+                  </a:txBody>
+                  <a:tcPr anchor="ctr">
+                    <a:lnL w="12700" cap="flat" cmpd="sng" algn="ctr">
+                      <a:solidFill>
+                        <a:schemeClr val="tx1"/>
+                      </a:solidFill>
+                      <a:prstDash val="solid"/>
+                      <a:round/>
+                      <a:headEnd type="none" w="med" len="med"/>
+                      <a:tailEnd type="none" w="med" len="med"/>
+                    </a:lnL>
+                    <a:lnR w="12700" cap="flat" cmpd="sng" algn="ctr">
+                      <a:solidFill>
+                        <a:schemeClr val="tx1"/>
+                      </a:solidFill>
+                      <a:prstDash val="solid"/>
+                      <a:round/>
+                      <a:headEnd type="none" w="med" len="med"/>
+                      <a:tailEnd type="none" w="med" len="med"/>
+                    </a:lnR>
+                    <a:lnT w="12700" cap="flat" cmpd="sng" algn="ctr">
+                      <a:solidFill>
+                        <a:schemeClr val="tx1"/>
+                      </a:solidFill>
+                      <a:prstDash val="solid"/>
+                      <a:round/>
+                      <a:headEnd type="none" w="med" len="med"/>
+                      <a:tailEnd type="none" w="med" len="med"/>
+                    </a:lnT>
+                    <a:lnB w="12700" cap="flat" cmpd="sng" algn="ctr">
+                      <a:solidFill>
+                        <a:schemeClr val="tx1"/>
+                      </a:solidFill>
+                      <a:prstDash val="solid"/>
+                      <a:round/>
+                      <a:headEnd type="none" w="med" len="med"/>
+                      <a:tailEnd type="none" w="med" len="med"/>
+                    </a:lnB>
+                  </a:tcPr>
+                </a:tc>
+                <a:extLst>
+                  <a:ext uri="{0D108BD9-81ED-4DB2-BD59-A6C34878D82A}">
+                    <a16:rowId xmlns:a16="http://schemas.microsoft.com/office/drawing/2014/main" val="1529628667"/>
+                  </a:ext>
+                </a:extLst>
+              </a:tr>
+              <a:tr h="370840">
+                <a:tc>
+                  <a:txBody>
+                    <a:bodyPr/>
+                    <a:lstStyle/>
+                    <a:p>
+                      <a:pPr algn="ctr" latinLnBrk="1"/>
+                      <a:r>
+                        <a:rPr lang="en-US" altLang="ko-KR" sz="1100" dirty="0">
+                          <a:solidFill>
+                            <a:schemeClr val="tx1"/>
+                          </a:solidFill>
+                        </a:rPr>
+                        <a:t>11</a:t>
+                      </a:r>
+                      <a:endParaRPr lang="ko-KR" altLang="en-US" sz="1100" dirty="0">
+                        <a:solidFill>
+                          <a:schemeClr val="tx1"/>
+                        </a:solidFill>
+                      </a:endParaRPr>
+                    </a:p>
+                  </a:txBody>
+                  <a:tcPr anchor="ctr">
+                    <a:lnL w="12700" cmpd="sng">
+                      <a:noFill/>
+                    </a:lnL>
+                    <a:lnR w="12700" cmpd="sng">
+                      <a:noFill/>
+                    </a:lnR>
+                    <a:lnT w="12700" cap="flat" cmpd="sng" algn="ctr">
+                      <a:solidFill>
+                        <a:schemeClr val="tx1"/>
+                      </a:solidFill>
+                      <a:prstDash val="solid"/>
+                      <a:round/>
+                      <a:headEnd type="none" w="med" len="med"/>
+                      <a:tailEnd type="none" w="med" len="med"/>
+                    </a:lnT>
+                    <a:lnB w="12700" cap="flat" cmpd="sng" algn="ctr">
+                      <a:noFill/>
+                      <a:prstDash val="solid"/>
+                      <a:round/>
+                      <a:headEnd type="none" w="med" len="med"/>
+                      <a:tailEnd type="none" w="med" len="med"/>
+                    </a:lnB>
+                    <a:lnTlToBr w="12700" cmpd="sng">
+                      <a:noFill/>
+                      <a:prstDash val="solid"/>
+                    </a:lnTlToBr>
+                    <a:lnBlToTr w="12700" cmpd="sng">
+                      <a:noFill/>
+                      <a:prstDash val="solid"/>
+                    </a:lnBlToTr>
+                  </a:tcPr>
+                </a:tc>
+                <a:tc>
+                  <a:txBody>
+                    <a:bodyPr/>
+                    <a:lstStyle/>
+                    <a:p>
+                      <a:pPr algn="ctr" latinLnBrk="1"/>
+                      <a:r>
+                        <a:rPr lang="en-US" altLang="ko-KR" sz="1100" dirty="0">
+                          <a:solidFill>
+                            <a:schemeClr val="tx1"/>
+                          </a:solidFill>
+                        </a:rPr>
+                        <a:t>10</a:t>
+                      </a:r>
+                      <a:endParaRPr lang="ko-KR" altLang="en-US" sz="1100" dirty="0">
+                        <a:solidFill>
+                          <a:schemeClr val="tx1"/>
+                        </a:solidFill>
+                      </a:endParaRPr>
+                    </a:p>
+                  </a:txBody>
+                  <a:tcPr anchor="ctr">
+                    <a:lnL w="12700" cmpd="sng">
+                      <a:noFill/>
+                    </a:lnL>
+                    <a:lnR w="12700" cmpd="sng">
+                      <a:noFill/>
+                    </a:lnR>
+                    <a:lnT w="12700" cap="flat" cmpd="sng" algn="ctr">
+                      <a:solidFill>
+                        <a:schemeClr val="tx1"/>
+                      </a:solidFill>
+                      <a:prstDash val="solid"/>
+                      <a:round/>
+                      <a:headEnd type="none" w="med" len="med"/>
+                      <a:tailEnd type="none" w="med" len="med"/>
+                    </a:lnT>
+                    <a:lnB w="12700" cap="flat" cmpd="sng" algn="ctr">
+                      <a:noFill/>
+                      <a:prstDash val="solid"/>
+                      <a:round/>
+                      <a:headEnd type="none" w="med" len="med"/>
+                      <a:tailEnd type="none" w="med" len="med"/>
+                    </a:lnB>
+                    <a:lnTlToBr w="12700" cmpd="sng">
+                      <a:noFill/>
+                      <a:prstDash val="solid"/>
+                    </a:lnTlToBr>
+                    <a:lnBlToTr w="12700" cmpd="sng">
+                      <a:noFill/>
+                      <a:prstDash val="solid"/>
+                    </a:lnBlToTr>
+                  </a:tcPr>
+                </a:tc>
+                <a:tc>
+                  <a:txBody>
+                    <a:bodyPr/>
+                    <a:lstStyle/>
+                    <a:p>
+                      <a:pPr algn="ctr" latinLnBrk="1"/>
+                      <a:r>
+                        <a:rPr lang="en-US" altLang="ko-KR" sz="1100" dirty="0">
+                          <a:solidFill>
+                            <a:schemeClr val="tx1"/>
+                          </a:solidFill>
+                        </a:rPr>
+                        <a:t>9</a:t>
+                      </a:r>
+                      <a:endParaRPr lang="ko-KR" altLang="en-US" sz="1100" dirty="0">
+                        <a:solidFill>
+                          <a:schemeClr val="tx1"/>
+                        </a:solidFill>
+                      </a:endParaRPr>
+                    </a:p>
+                  </a:txBody>
+                  <a:tcPr anchor="ctr">
+                    <a:lnL w="12700" cmpd="sng">
+                      <a:noFill/>
+                    </a:lnL>
+                    <a:lnR w="12700" cmpd="sng">
+                      <a:noFill/>
+                    </a:lnR>
+                    <a:lnT w="12700" cap="flat" cmpd="sng" algn="ctr">
+                      <a:solidFill>
+                        <a:schemeClr val="tx1"/>
+                      </a:solidFill>
+                      <a:prstDash val="solid"/>
+                      <a:round/>
+                      <a:headEnd type="none" w="med" len="med"/>
+                      <a:tailEnd type="none" w="med" len="med"/>
+                    </a:lnT>
+                    <a:lnB w="12700" cap="flat" cmpd="sng" algn="ctr">
+                      <a:noFill/>
+                      <a:prstDash val="solid"/>
+                      <a:round/>
+                      <a:headEnd type="none" w="med" len="med"/>
+                      <a:tailEnd type="none" w="med" len="med"/>
+                    </a:lnB>
+                    <a:lnTlToBr w="12700" cmpd="sng">
+                      <a:noFill/>
+                      <a:prstDash val="solid"/>
+                    </a:lnTlToBr>
+                    <a:lnBlToTr w="12700" cmpd="sng">
+                      <a:noFill/>
+                      <a:prstDash val="solid"/>
+                    </a:lnBlToTr>
+                  </a:tcPr>
+                </a:tc>
+                <a:tc>
+                  <a:txBody>
+                    <a:bodyPr/>
+                    <a:lstStyle/>
+                    <a:p>
+                      <a:pPr algn="ctr" latinLnBrk="1"/>
+                      <a:r>
+                        <a:rPr lang="en-US" altLang="ko-KR" sz="1100" dirty="0">
+                          <a:solidFill>
+                            <a:schemeClr val="tx1"/>
+                          </a:solidFill>
+                        </a:rPr>
+                        <a:t>8</a:t>
+                      </a:r>
+                      <a:endParaRPr lang="ko-KR" altLang="en-US" sz="1100" dirty="0">
+                        <a:solidFill>
+                          <a:schemeClr val="tx1"/>
+                        </a:solidFill>
+                      </a:endParaRPr>
+                    </a:p>
+                  </a:txBody>
+                  <a:tcPr anchor="ctr">
+                    <a:lnL w="12700" cmpd="sng">
+                      <a:noFill/>
+                    </a:lnL>
+                    <a:lnR w="12700" cmpd="sng">
+                      <a:noFill/>
+                    </a:lnR>
+                    <a:lnT w="12700" cap="flat" cmpd="sng" algn="ctr">
+                      <a:solidFill>
+                        <a:schemeClr val="tx1"/>
+                      </a:solidFill>
+                      <a:prstDash val="solid"/>
+                      <a:round/>
+                      <a:headEnd type="none" w="med" len="med"/>
+                      <a:tailEnd type="none" w="med" len="med"/>
+                    </a:lnT>
+                    <a:lnB w="12700" cap="flat" cmpd="sng" algn="ctr">
+                      <a:noFill/>
+                      <a:prstDash val="solid"/>
+                      <a:round/>
+                      <a:headEnd type="none" w="med" len="med"/>
+                      <a:tailEnd type="none" w="med" len="med"/>
+                    </a:lnB>
+                    <a:lnTlToBr w="12700" cmpd="sng">
+                      <a:noFill/>
+                      <a:prstDash val="solid"/>
+                    </a:lnTlToBr>
+                    <a:lnBlToTr w="12700" cmpd="sng">
+                      <a:noFill/>
+                      <a:prstDash val="solid"/>
+                    </a:lnBlToTr>
+                  </a:tcPr>
+                </a:tc>
+                <a:tc>
+                  <a:txBody>
+                    <a:bodyPr/>
+                    <a:lstStyle/>
+                    <a:p>
+                      <a:pPr algn="ctr" latinLnBrk="1"/>
+                      <a:r>
+                        <a:rPr lang="en-US" altLang="ko-KR" sz="1100" dirty="0">
+                          <a:solidFill>
+                            <a:schemeClr val="tx1"/>
+                          </a:solidFill>
+                        </a:rPr>
+                        <a:t>7</a:t>
+                      </a:r>
+                      <a:endParaRPr lang="ko-KR" altLang="en-US" sz="1100" dirty="0">
+                        <a:solidFill>
+                          <a:schemeClr val="tx1"/>
+                        </a:solidFill>
+                      </a:endParaRPr>
+                    </a:p>
+                  </a:txBody>
+                  <a:tcPr anchor="ctr">
+                    <a:lnL w="12700" cmpd="sng">
+                      <a:noFill/>
+                    </a:lnL>
+                    <a:lnR w="12700" cmpd="sng">
+                      <a:noFill/>
+                    </a:lnR>
+                    <a:lnT w="12700" cap="flat" cmpd="sng" algn="ctr">
+                      <a:solidFill>
+                        <a:schemeClr val="tx1"/>
+                      </a:solidFill>
+                      <a:prstDash val="solid"/>
+                      <a:round/>
+                      <a:headEnd type="none" w="med" len="med"/>
+                      <a:tailEnd type="none" w="med" len="med"/>
+                    </a:lnT>
+                    <a:lnB w="12700" cap="flat" cmpd="sng" algn="ctr">
+                      <a:noFill/>
+                      <a:prstDash val="solid"/>
+                      <a:round/>
+                      <a:headEnd type="none" w="med" len="med"/>
+                      <a:tailEnd type="none" w="med" len="med"/>
+                    </a:lnB>
+                    <a:lnTlToBr w="12700" cmpd="sng">
+                      <a:noFill/>
+                      <a:prstDash val="solid"/>
+                    </a:lnTlToBr>
+                    <a:lnBlToTr w="12700" cmpd="sng">
+                      <a:noFill/>
+                      <a:prstDash val="solid"/>
+                    </a:lnBlToTr>
+                  </a:tcPr>
+                </a:tc>
+                <a:tc>
+                  <a:txBody>
+                    <a:bodyPr/>
+                    <a:lstStyle/>
+                    <a:p>
+                      <a:pPr algn="ctr" latinLnBrk="1"/>
+                      <a:r>
+                        <a:rPr lang="en-US" altLang="ko-KR" sz="1100" dirty="0">
+                          <a:solidFill>
+                            <a:schemeClr val="tx1"/>
+                          </a:solidFill>
+                        </a:rPr>
+                        <a:t>6</a:t>
+                      </a:r>
+                      <a:endParaRPr lang="ko-KR" altLang="en-US" sz="1100" dirty="0">
+                        <a:solidFill>
+                          <a:schemeClr val="tx1"/>
+                        </a:solidFill>
+                      </a:endParaRPr>
+                    </a:p>
+                  </a:txBody>
+                  <a:tcPr anchor="ctr">
+                    <a:lnL w="12700" cmpd="sng">
+                      <a:noFill/>
+                    </a:lnL>
+                    <a:lnR w="12700" cmpd="sng">
+                      <a:noFill/>
+                    </a:lnR>
+                    <a:lnT w="12700" cap="flat" cmpd="sng" algn="ctr">
+                      <a:solidFill>
+                        <a:schemeClr val="tx1"/>
+                      </a:solidFill>
+                      <a:prstDash val="solid"/>
+                      <a:round/>
+                      <a:headEnd type="none" w="med" len="med"/>
+                      <a:tailEnd type="none" w="med" len="med"/>
+                    </a:lnT>
+                    <a:lnB w="12700" cap="flat" cmpd="sng" algn="ctr">
+                      <a:noFill/>
+                      <a:prstDash val="solid"/>
+                      <a:round/>
+                      <a:headEnd type="none" w="med" len="med"/>
+                      <a:tailEnd type="none" w="med" len="med"/>
+                    </a:lnB>
+                    <a:lnTlToBr w="12700" cmpd="sng">
+                      <a:noFill/>
+                      <a:prstDash val="solid"/>
+                    </a:lnTlToBr>
+                    <a:lnBlToTr w="12700" cmpd="sng">
+                      <a:noFill/>
+                      <a:prstDash val="solid"/>
+                    </a:lnBlToTr>
+                  </a:tcPr>
+                </a:tc>
+                <a:tc>
+                  <a:txBody>
+                    <a:bodyPr/>
+                    <a:lstStyle/>
+                    <a:p>
+                      <a:pPr algn="ctr" latinLnBrk="1"/>
+                      <a:r>
+                        <a:rPr lang="en-US" altLang="ko-KR" sz="1100" dirty="0">
+                          <a:solidFill>
+                            <a:schemeClr val="tx1"/>
+                          </a:solidFill>
+                        </a:rPr>
+                        <a:t>5</a:t>
+                      </a:r>
+                      <a:endParaRPr lang="ko-KR" altLang="en-US" sz="1100" dirty="0">
+                        <a:solidFill>
+                          <a:schemeClr val="tx1"/>
+                        </a:solidFill>
+                      </a:endParaRPr>
+                    </a:p>
+                  </a:txBody>
+                  <a:tcPr anchor="ctr">
+                    <a:lnL w="12700" cmpd="sng">
+                      <a:noFill/>
+                    </a:lnL>
+                    <a:lnR w="12700" cmpd="sng">
+                      <a:noFill/>
+                    </a:lnR>
+                    <a:lnT w="12700" cap="flat" cmpd="sng" algn="ctr">
+                      <a:solidFill>
+                        <a:schemeClr val="tx1"/>
+                      </a:solidFill>
+                      <a:prstDash val="solid"/>
+                      <a:round/>
+                      <a:headEnd type="none" w="med" len="med"/>
+                      <a:tailEnd type="none" w="med" len="med"/>
+                    </a:lnT>
+                    <a:lnB w="12700" cap="flat" cmpd="sng" algn="ctr">
+                      <a:noFill/>
+                      <a:prstDash val="solid"/>
+                      <a:round/>
+                      <a:headEnd type="none" w="med" len="med"/>
+                      <a:tailEnd type="none" w="med" len="med"/>
+                    </a:lnB>
+                    <a:lnTlToBr w="12700" cmpd="sng">
+                      <a:noFill/>
+                      <a:prstDash val="solid"/>
+                    </a:lnTlToBr>
+                    <a:lnBlToTr w="12700" cmpd="sng">
+                      <a:noFill/>
+                      <a:prstDash val="solid"/>
+                    </a:lnBlToTr>
+                  </a:tcPr>
+                </a:tc>
+                <a:tc>
+                  <a:txBody>
+                    <a:bodyPr/>
+                    <a:lstStyle/>
+                    <a:p>
+                      <a:pPr algn="ctr" latinLnBrk="1"/>
+                      <a:r>
+                        <a:rPr lang="en-US" altLang="ko-KR" sz="1100" dirty="0">
+                          <a:solidFill>
+                            <a:schemeClr val="tx1"/>
+                          </a:solidFill>
+                        </a:rPr>
+                        <a:t>…</a:t>
+                      </a:r>
+                      <a:endParaRPr lang="ko-KR" altLang="en-US" sz="1100" dirty="0">
+                        <a:solidFill>
+                          <a:schemeClr val="tx1"/>
+                        </a:solidFill>
+                      </a:endParaRPr>
+                    </a:p>
+                  </a:txBody>
+                  <a:tcPr anchor="ctr">
+                    <a:lnL w="12700" cmpd="sng">
+                      <a:noFill/>
+                    </a:lnL>
+                    <a:lnR w="12700" cmpd="sng">
+                      <a:noFill/>
+                    </a:lnR>
+                    <a:lnT w="12700" cap="flat" cmpd="sng" algn="ctr">
+                      <a:solidFill>
+                        <a:schemeClr val="tx1"/>
+                      </a:solidFill>
+                      <a:prstDash val="solid"/>
+                      <a:round/>
+                      <a:headEnd type="none" w="med" len="med"/>
+                      <a:tailEnd type="none" w="med" len="med"/>
+                    </a:lnT>
+                    <a:lnB w="12700" cap="flat" cmpd="sng" algn="ctr">
+                      <a:noFill/>
+                      <a:prstDash val="solid"/>
+                      <a:round/>
+                      <a:headEnd type="none" w="med" len="med"/>
+                      <a:tailEnd type="none" w="med" len="med"/>
+                    </a:lnB>
+                    <a:lnTlToBr w="12700" cmpd="sng">
+                      <a:noFill/>
+                      <a:prstDash val="solid"/>
+                    </a:lnTlToBr>
+                    <a:lnBlToTr w="12700" cmpd="sng">
+                      <a:noFill/>
+                      <a:prstDash val="solid"/>
+                    </a:lnBlToTr>
+                  </a:tcPr>
+                </a:tc>
+                <a:tc>
+                  <a:txBody>
+                    <a:bodyPr/>
+                    <a:lstStyle/>
+                    <a:p>
+                      <a:pPr algn="ctr" latinLnBrk="1"/>
+                      <a:r>
+                        <a:rPr lang="en-US" altLang="ko-KR" sz="1100" dirty="0">
+                          <a:solidFill>
+                            <a:schemeClr val="tx1"/>
+                          </a:solidFill>
+                        </a:rPr>
+                        <a:t>…</a:t>
+                      </a:r>
+                      <a:endParaRPr lang="ko-KR" altLang="en-US" sz="1100" dirty="0">
+                        <a:solidFill>
+                          <a:schemeClr val="tx1"/>
+                        </a:solidFill>
+                      </a:endParaRPr>
+                    </a:p>
+                  </a:txBody>
+                  <a:tcPr anchor="ctr">
+                    <a:lnL w="12700" cmpd="sng">
+                      <a:noFill/>
+                    </a:lnL>
+                    <a:lnR w="12700" cmpd="sng">
+                      <a:noFill/>
+                    </a:lnR>
+                    <a:lnT w="12700" cap="flat" cmpd="sng" algn="ctr">
+                      <a:solidFill>
+                        <a:schemeClr val="tx1"/>
+                      </a:solidFill>
+                      <a:prstDash val="solid"/>
+                      <a:round/>
+                      <a:headEnd type="none" w="med" len="med"/>
+                      <a:tailEnd type="none" w="med" len="med"/>
+                    </a:lnT>
+                    <a:lnB w="12700" cap="flat" cmpd="sng" algn="ctr">
+                      <a:noFill/>
+                      <a:prstDash val="solid"/>
+                      <a:round/>
+                      <a:headEnd type="none" w="med" len="med"/>
+                      <a:tailEnd type="none" w="med" len="med"/>
+                    </a:lnB>
+                    <a:lnTlToBr w="12700" cmpd="sng">
+                      <a:noFill/>
+                      <a:prstDash val="solid"/>
+                    </a:lnTlToBr>
+                    <a:lnBlToTr w="12700" cmpd="sng">
+                      <a:noFill/>
+                      <a:prstDash val="solid"/>
+                    </a:lnBlToTr>
+                  </a:tcPr>
+                </a:tc>
+                <a:tc>
+                  <a:txBody>
+                    <a:bodyPr/>
+                    <a:lstStyle/>
+                    <a:p>
+                      <a:pPr algn="ctr" latinLnBrk="1"/>
+                      <a:r>
+                        <a:rPr lang="en-US" altLang="ko-KR" sz="1100" dirty="0">
+                          <a:solidFill>
+                            <a:schemeClr val="tx1"/>
+                          </a:solidFill>
+                        </a:rPr>
+                        <a:t>1</a:t>
+                      </a:r>
+                      <a:endParaRPr lang="ko-KR" altLang="en-US" sz="1100" dirty="0">
+                        <a:solidFill>
+                          <a:schemeClr val="tx1"/>
+                        </a:solidFill>
+                      </a:endParaRPr>
+                    </a:p>
+                  </a:txBody>
+                  <a:tcPr anchor="ctr">
+                    <a:lnL w="12700" cmpd="sng">
+                      <a:noFill/>
+                    </a:lnL>
+                    <a:lnR w="12700" cmpd="sng">
+                      <a:noFill/>
+                    </a:lnR>
+                    <a:lnT w="12700" cap="flat" cmpd="sng" algn="ctr">
+                      <a:solidFill>
+                        <a:schemeClr val="tx1"/>
+                      </a:solidFill>
+                      <a:prstDash val="solid"/>
+                      <a:round/>
+                      <a:headEnd type="none" w="med" len="med"/>
+                      <a:tailEnd type="none" w="med" len="med"/>
+                    </a:lnT>
+                    <a:lnB w="12700" cap="flat" cmpd="sng" algn="ctr">
+                      <a:noFill/>
+                      <a:prstDash val="solid"/>
+                      <a:round/>
+                      <a:headEnd type="none" w="med" len="med"/>
+                      <a:tailEnd type="none" w="med" len="med"/>
+                    </a:lnB>
+                    <a:lnTlToBr w="12700" cmpd="sng">
+                      <a:noFill/>
+                      <a:prstDash val="solid"/>
+                    </a:lnTlToBr>
+                    <a:lnBlToTr w="12700" cmpd="sng">
+                      <a:noFill/>
+                      <a:prstDash val="solid"/>
+                    </a:lnBlToTr>
+                  </a:tcPr>
+                </a:tc>
+                <a:tc>
+                  <a:txBody>
+                    <a:bodyPr/>
+                    <a:lstStyle/>
+                    <a:p>
+                      <a:pPr algn="ctr" latinLnBrk="1"/>
+                      <a:r>
+                        <a:rPr lang="en-US" altLang="ko-KR" sz="1100" dirty="0">
+                          <a:solidFill>
+                            <a:schemeClr val="tx1"/>
+                          </a:solidFill>
+                        </a:rPr>
+                        <a:t>0</a:t>
+                      </a:r>
+                      <a:endParaRPr lang="ko-KR" altLang="en-US" sz="1100" dirty="0">
+                        <a:solidFill>
+                          <a:schemeClr val="tx1"/>
+                        </a:solidFill>
+                      </a:endParaRPr>
+                    </a:p>
+                  </a:txBody>
+                  <a:tcPr anchor="ctr">
+                    <a:lnL w="12700" cmpd="sng">
+                      <a:noFill/>
+                    </a:lnL>
+                    <a:lnR w="12700" cmpd="sng">
+                      <a:noFill/>
+                    </a:lnR>
+                    <a:lnT w="12700" cap="flat" cmpd="sng" algn="ctr">
+                      <a:solidFill>
+                        <a:schemeClr val="tx1"/>
+                      </a:solidFill>
+                      <a:prstDash val="solid"/>
+                      <a:round/>
+                      <a:headEnd type="none" w="med" len="med"/>
+                      <a:tailEnd type="none" w="med" len="med"/>
+                    </a:lnT>
+                    <a:lnB w="12700" cap="flat" cmpd="sng" algn="ctr">
+                      <a:noFill/>
+                      <a:prstDash val="solid"/>
+                      <a:round/>
+                      <a:headEnd type="none" w="med" len="med"/>
+                      <a:tailEnd type="none" w="med" len="med"/>
+                    </a:lnB>
+                    <a:lnTlToBr w="12700" cmpd="sng">
+                      <a:noFill/>
+                      <a:prstDash val="solid"/>
+                    </a:lnTlToBr>
+                    <a:lnBlToTr w="12700" cmpd="sng">
+                      <a:noFill/>
+                      <a:prstDash val="solid"/>
+                    </a:lnBlToTr>
+                  </a:tcPr>
+                </a:tc>
+                <a:extLst>
+                  <a:ext uri="{0D108BD9-81ED-4DB2-BD59-A6C34878D82A}">
+                    <a16:rowId xmlns:a16="http://schemas.microsoft.com/office/drawing/2014/main" val="4192724126"/>
+                  </a:ext>
+                </a:extLst>
+              </a:tr>
+            </a:tbl>
+          </a:graphicData>
+        </a:graphic>
+      </p:graphicFrame>
+      <p:sp>
+        <p:nvSpPr>
+          <p:cNvPr id="55" name="직사각형 54">
+            <a:extLst>
+              <a:ext uri="{FF2B5EF4-FFF2-40B4-BE49-F238E27FC236}">
+                <a16:creationId xmlns:a16="http://schemas.microsoft.com/office/drawing/2014/main" id="{24FE2FD8-2974-4A7B-9A05-45D194D5AED1}"/>
+              </a:ext>
+            </a:extLst>
+          </p:cNvPr>
+          <p:cNvSpPr/>
+          <p:nvPr/>
+        </p:nvSpPr>
+        <p:spPr>
+          <a:xfrm>
+            <a:off x="3688524" y="6169341"/>
+            <a:ext cx="7970590" cy="388488"/>
+          </a:xfrm>
+          <a:prstGeom prst="rect">
+            <a:avLst/>
+          </a:prstGeom>
+          <a:noFill/>
+          <a:ln>
+            <a:noFill/>
+          </a:ln>
+        </p:spPr>
+        <p:style>
+          <a:lnRef idx="2">
+            <a:schemeClr val="accent1">
+              <a:shade val="50000"/>
+            </a:schemeClr>
+          </a:lnRef>
+          <a:fillRef idx="1">
+            <a:schemeClr val="accent1"/>
+          </a:fillRef>
+          <a:effectRef idx="0">
+            <a:schemeClr val="accent1"/>
+          </a:effectRef>
+          <a:fontRef idx="minor">
+            <a:schemeClr val="lt1"/>
+          </a:fontRef>
+        </p:style>
+        <p:txBody>
+          <a:bodyPr rtlCol="0" anchor="ctr"/>
+          <a:lstStyle/>
+          <a:p>
+            <a:pPr algn="r"/>
+            <a:r>
+              <a:rPr lang="en-US" altLang="ko-KR" sz="1600" dirty="0">
+                <a:solidFill>
+                  <a:schemeClr val="tx1"/>
+                </a:solidFill>
+              </a:rPr>
+              <a:t>b * 26</a:t>
+            </a:r>
+            <a:r>
+              <a:rPr lang="en-US" altLang="ko-KR" sz="1600" baseline="30000" dirty="0">
+                <a:solidFill>
+                  <a:schemeClr val="tx1"/>
+                </a:solidFill>
+              </a:rPr>
+              <a:t>11 </a:t>
+            </a:r>
+            <a:r>
+              <a:rPr lang="en-US" altLang="ko-KR" sz="1600" dirty="0">
+                <a:solidFill>
+                  <a:schemeClr val="tx1"/>
+                </a:solidFill>
+              </a:rPr>
+              <a:t>+ a * 26</a:t>
+            </a:r>
+            <a:r>
+              <a:rPr lang="en-US" altLang="ko-KR" sz="1600" baseline="30000" dirty="0">
+                <a:solidFill>
+                  <a:schemeClr val="tx1"/>
+                </a:solidFill>
+              </a:rPr>
+              <a:t>10</a:t>
+            </a:r>
+            <a:r>
+              <a:rPr lang="en-US" altLang="ko-KR" sz="1600" dirty="0">
+                <a:solidFill>
+                  <a:schemeClr val="tx1"/>
+                </a:solidFill>
+              </a:rPr>
+              <a:t>  + c * 26</a:t>
+            </a:r>
+            <a:r>
+              <a:rPr lang="en-US" altLang="ko-KR" sz="1600" baseline="30000" dirty="0">
+                <a:solidFill>
+                  <a:schemeClr val="tx1"/>
+                </a:solidFill>
+              </a:rPr>
+              <a:t>9</a:t>
+            </a:r>
+            <a:r>
+              <a:rPr lang="en-US" altLang="ko-KR" sz="1600" dirty="0">
+                <a:solidFill>
+                  <a:schemeClr val="tx1"/>
+                </a:solidFill>
+              </a:rPr>
+              <a:t> + d * 26</a:t>
+            </a:r>
+            <a:r>
+              <a:rPr lang="en-US" altLang="ko-KR" sz="1600" baseline="30000" dirty="0">
+                <a:solidFill>
+                  <a:schemeClr val="tx1"/>
+                </a:solidFill>
+              </a:rPr>
+              <a:t>8</a:t>
+            </a:r>
+            <a:r>
+              <a:rPr lang="en-US" altLang="ko-KR" sz="1600" dirty="0">
+                <a:solidFill>
+                  <a:schemeClr val="tx1"/>
+                </a:solidFill>
+              </a:rPr>
+              <a:t> + nil * 26</a:t>
+            </a:r>
+            <a:r>
+              <a:rPr lang="en-US" altLang="ko-KR" sz="1600" baseline="30000" dirty="0">
+                <a:solidFill>
+                  <a:schemeClr val="tx1"/>
+                </a:solidFill>
+              </a:rPr>
+              <a:t>7</a:t>
+            </a:r>
+            <a:r>
+              <a:rPr lang="en-US" altLang="ko-KR" sz="1600" dirty="0">
+                <a:solidFill>
+                  <a:schemeClr val="tx1"/>
+                </a:solidFill>
+              </a:rPr>
+              <a:t> + nil * 26</a:t>
+            </a:r>
+            <a:r>
+              <a:rPr lang="en-US" altLang="ko-KR" sz="1600" baseline="30000" dirty="0">
+                <a:solidFill>
+                  <a:schemeClr val="tx1"/>
+                </a:solidFill>
+              </a:rPr>
+              <a:t>6</a:t>
+            </a:r>
+            <a:r>
+              <a:rPr lang="en-US" altLang="ko-KR" sz="1600" dirty="0">
+                <a:solidFill>
+                  <a:schemeClr val="tx1"/>
+                </a:solidFill>
+              </a:rPr>
+              <a:t> + … + nil * 26</a:t>
+            </a:r>
+            <a:r>
+              <a:rPr lang="en-US" altLang="ko-KR" sz="1600" baseline="30000" dirty="0">
+                <a:solidFill>
+                  <a:schemeClr val="tx1"/>
+                </a:solidFill>
+              </a:rPr>
+              <a:t>0</a:t>
+            </a:r>
+            <a:r>
+              <a:rPr lang="en-US" altLang="ko-KR" sz="1600" dirty="0">
+                <a:solidFill>
+                  <a:schemeClr val="tx1"/>
+                </a:solidFill>
+              </a:rPr>
+              <a:t> </a:t>
+            </a:r>
+            <a:endParaRPr lang="ko-KR" altLang="en-US" sz="1600" dirty="0">
+              <a:solidFill>
+                <a:schemeClr val="tx1"/>
+              </a:solidFill>
+            </a:endParaRPr>
+          </a:p>
+        </p:txBody>
+      </p:sp>
+      <p:sp>
+        <p:nvSpPr>
+          <p:cNvPr id="58" name="직사각형 57">
+            <a:extLst>
+              <a:ext uri="{FF2B5EF4-FFF2-40B4-BE49-F238E27FC236}">
+                <a16:creationId xmlns:a16="http://schemas.microsoft.com/office/drawing/2014/main" id="{4AB5DD13-7D09-4273-9464-8151C10520F7}"/>
+              </a:ext>
+            </a:extLst>
+          </p:cNvPr>
+          <p:cNvSpPr/>
+          <p:nvPr/>
+        </p:nvSpPr>
+        <p:spPr>
+          <a:xfrm>
+            <a:off x="6732154" y="3509260"/>
+            <a:ext cx="2684016" cy="251736"/>
+          </a:xfrm>
+          <a:prstGeom prst="rect">
+            <a:avLst/>
+          </a:prstGeom>
+          <a:noFill/>
+          <a:ln>
+            <a:noFill/>
+          </a:ln>
+        </p:spPr>
+        <p:style>
+          <a:lnRef idx="2">
+            <a:schemeClr val="accent1">
+              <a:shade val="50000"/>
+            </a:schemeClr>
+          </a:lnRef>
+          <a:fillRef idx="1">
+            <a:schemeClr val="accent1"/>
+          </a:fillRef>
+          <a:effectRef idx="0">
+            <a:schemeClr val="accent1"/>
+          </a:effectRef>
+          <a:fontRef idx="minor">
+            <a:schemeClr val="lt1"/>
+          </a:fontRef>
+        </p:style>
+        <p:txBody>
+          <a:bodyPr rtlCol="0" anchor="ctr"/>
+          <a:lstStyle/>
+          <a:p>
+            <a:r>
+              <a:rPr lang="en-US" altLang="ko-KR" sz="1400" b="1" dirty="0">
+                <a:solidFill>
+                  <a:schemeClr val="accent1"/>
+                </a:solidFill>
+              </a:rPr>
+              <a:t>25</a:t>
+            </a:r>
+            <a:r>
+              <a:rPr lang="ko-KR" altLang="en-US" sz="1400" b="1" dirty="0">
+                <a:solidFill>
+                  <a:schemeClr val="accent1"/>
+                </a:solidFill>
+              </a:rPr>
+              <a:t>개 알파벳 소문자로 구성</a:t>
+            </a:r>
+          </a:p>
+        </p:txBody>
+      </p:sp>
+      <p:sp>
+        <p:nvSpPr>
+          <p:cNvPr id="59" name="직사각형 58">
+            <a:extLst>
+              <a:ext uri="{FF2B5EF4-FFF2-40B4-BE49-F238E27FC236}">
+                <a16:creationId xmlns:a16="http://schemas.microsoft.com/office/drawing/2014/main" id="{1DFC2441-0CA1-4513-8E1C-534E9323B50F}"/>
+              </a:ext>
+            </a:extLst>
+          </p:cNvPr>
+          <p:cNvSpPr/>
+          <p:nvPr/>
+        </p:nvSpPr>
+        <p:spPr>
+          <a:xfrm>
+            <a:off x="6710466" y="5122183"/>
+            <a:ext cx="4475693" cy="251736"/>
+          </a:xfrm>
+          <a:prstGeom prst="rect">
+            <a:avLst/>
+          </a:prstGeom>
+          <a:noFill/>
+          <a:ln>
+            <a:noFill/>
+          </a:ln>
+        </p:spPr>
+        <p:style>
+          <a:lnRef idx="2">
+            <a:schemeClr val="accent1">
+              <a:shade val="50000"/>
+            </a:schemeClr>
+          </a:lnRef>
+          <a:fillRef idx="1">
+            <a:schemeClr val="accent1"/>
+          </a:fillRef>
+          <a:effectRef idx="0">
+            <a:schemeClr val="accent1"/>
+          </a:effectRef>
+          <a:fontRef idx="minor">
+            <a:schemeClr val="lt1"/>
+          </a:fontRef>
+        </p:style>
+        <p:txBody>
+          <a:bodyPr rtlCol="0" anchor="ctr"/>
+          <a:lstStyle/>
+          <a:p>
+            <a:r>
+              <a:rPr lang="en-US" altLang="ko-KR" sz="1400" b="1" dirty="0">
+                <a:solidFill>
+                  <a:schemeClr val="accent1"/>
+                </a:solidFill>
+              </a:rPr>
+              <a:t>25</a:t>
+            </a:r>
+            <a:r>
+              <a:rPr lang="ko-KR" altLang="en-US" sz="1400" b="1" dirty="0">
+                <a:solidFill>
+                  <a:schemeClr val="accent1"/>
+                </a:solidFill>
+              </a:rPr>
+              <a:t>개 알파벳 소문자와 공백문자로 구성 </a:t>
+            </a:r>
+            <a:r>
+              <a:rPr lang="en-US" altLang="ko-KR" sz="1400" b="1" dirty="0">
+                <a:solidFill>
+                  <a:schemeClr val="accent1"/>
+                </a:solidFill>
+                <a:sym typeface="Wingdings" panose="05000000000000000000" pitchFamily="2" charset="2"/>
+              </a:rPr>
+              <a:t> 26</a:t>
+            </a:r>
+            <a:r>
+              <a:rPr lang="ko-KR" altLang="en-US" sz="1400" b="1" dirty="0">
+                <a:solidFill>
+                  <a:schemeClr val="accent1"/>
+                </a:solidFill>
+                <a:sym typeface="Wingdings" panose="05000000000000000000" pitchFamily="2" charset="2"/>
+              </a:rPr>
+              <a:t>개 문자</a:t>
+            </a:r>
+            <a:endParaRPr lang="ko-KR" altLang="en-US" sz="1400" b="1" dirty="0">
+              <a:solidFill>
+                <a:schemeClr val="accent1"/>
+              </a:solidFill>
+            </a:endParaRPr>
+          </a:p>
+        </p:txBody>
+      </p:sp>
+      <p:sp>
+        <p:nvSpPr>
+          <p:cNvPr id="60" name="직사각형 59">
+            <a:extLst>
+              <a:ext uri="{FF2B5EF4-FFF2-40B4-BE49-F238E27FC236}">
+                <a16:creationId xmlns:a16="http://schemas.microsoft.com/office/drawing/2014/main" id="{648C4CC9-AF55-4BB6-8712-1E1823ACA107}"/>
+              </a:ext>
+            </a:extLst>
+          </p:cNvPr>
+          <p:cNvSpPr/>
+          <p:nvPr/>
+        </p:nvSpPr>
+        <p:spPr>
+          <a:xfrm>
+            <a:off x="11596074" y="5133148"/>
+            <a:ext cx="456655" cy="388488"/>
+          </a:xfrm>
+          <a:prstGeom prst="rect">
+            <a:avLst/>
+          </a:prstGeom>
+          <a:noFill/>
+          <a:ln>
+            <a:noFill/>
+          </a:ln>
+        </p:spPr>
+        <p:style>
+          <a:lnRef idx="2">
+            <a:schemeClr val="accent1">
+              <a:shade val="50000"/>
+            </a:schemeClr>
+          </a:lnRef>
+          <a:fillRef idx="1">
+            <a:schemeClr val="accent1"/>
+          </a:fillRef>
+          <a:effectRef idx="0">
+            <a:schemeClr val="accent1"/>
+          </a:effectRef>
+          <a:fontRef idx="minor">
+            <a:schemeClr val="lt1"/>
+          </a:fontRef>
+        </p:style>
+        <p:txBody>
+          <a:bodyPr rtlCol="0" anchor="ctr"/>
+          <a:lstStyle/>
+          <a:p>
+            <a:pPr algn="ctr"/>
+            <a:r>
+              <a:rPr lang="en-US" altLang="ko-KR" sz="5400" b="1" dirty="0">
+                <a:solidFill>
+                  <a:schemeClr val="accent1"/>
+                </a:solidFill>
+              </a:rPr>
+              <a:t>?</a:t>
+            </a:r>
+            <a:endParaRPr lang="ko-KR" altLang="en-US" sz="5400" b="1" dirty="0">
+              <a:solidFill>
+                <a:schemeClr val="accent1"/>
+              </a:solidFill>
+            </a:endParaRPr>
           </a:p>
         </p:txBody>
       </p:sp>
@@ -15849,26 +22108,76 @@
           <a:lstStyle/>
           <a:p>
             <a:r>
+              <a:rPr lang="ko-KR" altLang="en-US" sz="2400" b="1" dirty="0"/>
+              <a:t>첨부</a:t>
+            </a:r>
+            <a:r>
               <a:rPr lang="en-US" altLang="ko-KR" sz="2400" b="1" dirty="0"/>
-              <a:t>4. “Bitwise Operation </a:t>
+              <a:t>. c/</a:t>
+            </a:r>
+            <a:r>
+              <a:rPr lang="en-US" altLang="ko-KR" sz="2400" b="1" dirty="0" err="1"/>
+              <a:t>c++</a:t>
             </a:r>
             <a:r>
               <a:rPr lang="ko-KR" altLang="en-US" sz="2400" b="1" dirty="0"/>
-              <a:t>결과</a:t>
+              <a:t> </a:t>
             </a:r>
             <a:r>
               <a:rPr lang="en-US" altLang="ko-KR" sz="2400" b="1" dirty="0"/>
-              <a:t>”</a:t>
+              <a:t>unsinged</a:t>
             </a:r>
             <a:r>
               <a:rPr lang="ko-KR" altLang="en-US" sz="2400" b="1" dirty="0"/>
-              <a:t>의 </a:t>
+              <a:t> 자료형을 </a:t>
             </a:r>
             <a:r>
               <a:rPr lang="en-US" altLang="ko-KR" sz="2400" b="1" dirty="0"/>
-              <a:t>Concatenation</a:t>
-            </a:r>
-            <a:endParaRPr lang="ko-KR" altLang="en-US" sz="2400" b="1" dirty="0"/>
+              <a:t>java </a:t>
+            </a:r>
+            <a:r>
+              <a:rPr lang="ko-KR" altLang="en-US" sz="2400" b="1" dirty="0"/>
+              <a:t>에서 다루기</a:t>
+            </a:r>
+          </a:p>
+        </p:txBody>
+      </p:sp>
+      <p:sp>
+        <p:nvSpPr>
+          <p:cNvPr id="2" name="직사각형 1">
+            <a:extLst>
+              <a:ext uri="{FF2B5EF4-FFF2-40B4-BE49-F238E27FC236}">
+                <a16:creationId xmlns:a16="http://schemas.microsoft.com/office/drawing/2014/main" id="{575C03AB-B05D-4A56-89F5-9A4DA7D16A4C}"/>
+              </a:ext>
+            </a:extLst>
+          </p:cNvPr>
+          <p:cNvSpPr/>
+          <p:nvPr/>
+        </p:nvSpPr>
+        <p:spPr>
+          <a:xfrm>
+            <a:off x="7335521" y="38220"/>
+            <a:ext cx="4811754" cy="307777"/>
+          </a:xfrm>
+          <a:prstGeom prst="rect">
+            <a:avLst/>
+          </a:prstGeom>
+        </p:spPr>
+        <p:txBody>
+          <a:bodyPr wrap="square">
+            <a:spAutoFit/>
+          </a:bodyPr>
+          <a:lstStyle/>
+          <a:p>
+            <a:pPr algn="r"/>
+            <a:r>
+              <a:rPr lang="en-US" altLang="ko-KR" sz="1400" dirty="0"/>
+              <a:t>Ref.</a:t>
+            </a:r>
+            <a:r>
+              <a:rPr lang="ko-KR" altLang="en-US" sz="1400" dirty="0"/>
+              <a:t>https://gs.saro.me/#!m=elec&amp;jn=628</a:t>
+            </a:r>
           </a:p>
         </p:txBody>
       </p:sp>
@@ -19837,10 +26146,10 @@
           </a:fontRef>
         </p:style>
         <p:txBody>
-          <a:bodyPr rtlCol="0" anchor="t"/>
-          <a:lstStyle/>
-          <a:p>
-            <a:pPr>
+          <a:bodyPr rtlCol="0" anchor="ctr"/>
+          <a:lstStyle/>
+          <a:p>
+            <a:pPr algn="ctr">
               <a:lnSpc>
                 <a:spcPct val="150000"/>
               </a:lnSpc>
@@ -19855,7 +26164,7 @@
             </a:r>
           </a:p>
           <a:p>
-            <a:pPr>
+            <a:pPr algn="ctr">
               <a:lnSpc>
                 <a:spcPct val="150000"/>
               </a:lnSpc>
@@ -19899,7 +26208,7 @@
             </a:endParaRPr>
           </a:p>
           <a:p>
-            <a:pPr>
+            <a:pPr algn="ctr">
               <a:lnSpc>
                 <a:spcPct val="150000"/>
               </a:lnSpc>
@@ -20023,25 +26332,13 @@
               <a:t>배 이상</a:t>
             </a:r>
             <a:r>
-              <a:rPr lang="en-US" altLang="ko-KR" b="1">
+              <a:rPr lang="en-US" altLang="ko-KR" b="1" dirty="0">
                 <a:solidFill>
                   <a:srgbClr val="0070C0"/>
                 </a:solidFill>
               </a:rPr>
               <a:t>↓</a:t>
             </a:r>
-          </a:p>
-          <a:p>
-            <a:pPr algn="ctr">
-              <a:lnSpc>
-                <a:spcPct val="150000"/>
-              </a:lnSpc>
-            </a:pPr>
-            <a:endParaRPr lang="en-US" altLang="ko-KR" b="1" dirty="0">
-              <a:solidFill>
-                <a:srgbClr val="0070C0"/>
-              </a:solidFill>
-            </a:endParaRPr>
           </a:p>
         </p:txBody>
       </p:sp>
@@ -30713,58 +37010,6 @@
       </p:grpSpPr>
       <p:sp>
         <p:nvSpPr>
-          <p:cNvPr id="4" name="제목 1">
-            <a:extLst>
-              <a:ext uri="{FF2B5EF4-FFF2-40B4-BE49-F238E27FC236}">
-                <a16:creationId xmlns:a16="http://schemas.microsoft.com/office/drawing/2014/main" id="{07C6A488-7927-4CBB-B93A-549F915C2AF6}"/>
-              </a:ext>
-            </a:extLst>
-          </p:cNvPr>
-          <p:cNvSpPr>
-            <a:spLocks noGrp="1"/>
-          </p:cNvSpPr>
-          <p:nvPr>
-            <p:ph type="title"/>
-          </p:nvPr>
-        </p:nvSpPr>
-        <p:spPr>
-          <a:xfrm>
-            <a:off x="838200" y="202566"/>
-            <a:ext cx="10515600" cy="714738"/>
-          </a:xfrm>
-        </p:spPr>
-        <p:txBody>
-          <a:bodyPr>
-            <a:normAutofit/>
-          </a:bodyPr>
-          <a:lstStyle/>
-          <a:p>
-            <a:r>
-              <a:rPr lang="en-US" altLang="ko-KR" sz="2400" b="1" dirty="0"/>
-              <a:t>4. “Bitwise Operation </a:t>
-            </a:r>
-            <a:r>
-              <a:rPr lang="ko-KR" altLang="en-US" sz="2400" b="1" dirty="0"/>
-              <a:t>결과</a:t>
-            </a:r>
-            <a:r>
-              <a:rPr lang="en-US" altLang="ko-KR" sz="2400" b="1" dirty="0"/>
-              <a:t>”</a:t>
-            </a:r>
-            <a:r>
-              <a:rPr lang="ko-KR" altLang="en-US" sz="2400" b="1" dirty="0"/>
-              <a:t>의 </a:t>
-            </a:r>
-            <a:r>
-              <a:rPr lang="en-US" altLang="ko-KR" sz="2400" b="1" dirty="0"/>
-              <a:t>Concatenation</a:t>
-            </a:r>
-            <a:endParaRPr lang="ko-KR" altLang="en-US" sz="2400" b="1" dirty="0"/>
-          </a:p>
-        </p:txBody>
-      </p:sp>
-      <p:sp>
-        <p:nvSpPr>
           <p:cNvPr id="3" name="직사각형 2">
             <a:extLst>
               <a:ext uri="{FF2B5EF4-FFF2-40B4-BE49-F238E27FC236}">
@@ -32874,6 +39119,74 @@
           </a:fontRef>
         </p:style>
       </p:cxnSp>
+      <p:sp>
+        <p:nvSpPr>
+          <p:cNvPr id="43" name="제목 1">
+            <a:extLst>
+              <a:ext uri="{FF2B5EF4-FFF2-40B4-BE49-F238E27FC236}">
+                <a16:creationId xmlns:a16="http://schemas.microsoft.com/office/drawing/2014/main" id="{CEB95871-3ED6-4269-8043-B1ACC7BE1342}"/>
+              </a:ext>
+            </a:extLst>
+          </p:cNvPr>
+          <p:cNvSpPr>
+            <a:spLocks noGrp="1"/>
+          </p:cNvSpPr>
+          <p:nvPr>
+            <p:ph type="title"/>
+          </p:nvPr>
+        </p:nvSpPr>
+        <p:spPr>
+          <a:xfrm>
+            <a:off x="838200" y="202566"/>
+            <a:ext cx="10515600" cy="714738"/>
+          </a:xfrm>
+        </p:spPr>
+        <p:txBody>
+          <a:bodyPr>
+            <a:normAutofit/>
+          </a:bodyPr>
+          <a:lstStyle/>
+          <a:p>
+            <a:r>
+              <a:rPr lang="en-US" altLang="ko-KR" sz="2400" b="1" dirty="0"/>
+              <a:t>6. “</a:t>
+            </a:r>
+            <a:r>
+              <a:rPr lang="ko-KR" altLang="en-US" sz="2400" b="1" dirty="0"/>
+              <a:t>인덱스 통한 간접 참조</a:t>
+            </a:r>
+            <a:r>
+              <a:rPr lang="en-US" altLang="ko-KR" sz="2400" b="1" dirty="0"/>
+              <a:t>”</a:t>
+            </a:r>
+            <a:r>
+              <a:rPr lang="ko-KR" altLang="en-US" sz="2400" b="1" dirty="0"/>
+              <a:t>와 </a:t>
+            </a:r>
+            <a:r>
+              <a:rPr lang="en-US" altLang="ko-KR" sz="2400" b="1" dirty="0"/>
+              <a:t>“</a:t>
+            </a:r>
+            <a:r>
+              <a:rPr lang="ko-KR" altLang="en-US" sz="2400" b="1" dirty="0"/>
+              <a:t>객체 직접 참조</a:t>
+            </a:r>
+            <a:r>
+              <a:rPr lang="en-US" altLang="ko-KR" sz="2400" b="1" dirty="0"/>
+              <a:t>”</a:t>
+            </a:r>
+            <a:r>
+              <a:rPr lang="ko-KR" altLang="en-US" sz="2400" b="1" dirty="0"/>
+              <a:t> 선정 판단 오류 </a:t>
+            </a:r>
+            <a:r>
+              <a:rPr lang="en-US" altLang="ko-KR" sz="2400" b="1" dirty="0"/>
+              <a:t>(2/2)</a:t>
+            </a:r>
+            <a:endParaRPr lang="ko-KR" altLang="en-US" sz="2400" b="1" dirty="0"/>
+          </a:p>
+        </p:txBody>
+      </p:sp>
     </p:spTree>
     <p:extLst>
       <p:ext uri="{BB962C8B-B14F-4D97-AF65-F5344CB8AC3E}">

--- a/MidExcersize/오답노트.pptx
+++ b/MidExcersize/오답노트.pptx
@@ -19,8 +19,9 @@
     <p:sldId id="266" r:id="rId13"/>
     <p:sldId id="267" r:id="rId14"/>
     <p:sldId id="268" r:id="rId15"/>
-    <p:sldId id="269" r:id="rId16"/>
-    <p:sldId id="270" r:id="rId17"/>
+    <p:sldId id="272" r:id="rId16"/>
+    <p:sldId id="269" r:id="rId17"/>
+    <p:sldId id="270" r:id="rId18"/>
   </p:sldIdLst>
   <p:sldSz cx="12192000" cy="6858000"/>
   <p:notesSz cx="6858000" cy="9144000"/>
@@ -285,7 +286,7 @@
           <a:p>
             <a:fld id="{3231851B-82A6-4CD5-867A-F35BFADAEA43}" type="datetimeFigureOut">
               <a:rPr lang="ko-KR" altLang="en-US" smtClean="0"/>
-              <a:t>2018-05-26</a:t>
+              <a:t>2018-07-14</a:t>
             </a:fld>
             <a:endParaRPr lang="ko-KR" altLang="en-US"/>
           </a:p>
@@ -483,7 +484,7 @@
           <a:p>
             <a:fld id="{3231851B-82A6-4CD5-867A-F35BFADAEA43}" type="datetimeFigureOut">
               <a:rPr lang="ko-KR" altLang="en-US" smtClean="0"/>
-              <a:t>2018-05-26</a:t>
+              <a:t>2018-07-14</a:t>
             </a:fld>
             <a:endParaRPr lang="ko-KR" altLang="en-US"/>
           </a:p>
@@ -691,7 +692,7 @@
           <a:p>
             <a:fld id="{3231851B-82A6-4CD5-867A-F35BFADAEA43}" type="datetimeFigureOut">
               <a:rPr lang="ko-KR" altLang="en-US" smtClean="0"/>
-              <a:t>2018-05-26</a:t>
+              <a:t>2018-07-14</a:t>
             </a:fld>
             <a:endParaRPr lang="ko-KR" altLang="en-US"/>
           </a:p>
@@ -889,7 +890,7 @@
           <a:p>
             <a:fld id="{3231851B-82A6-4CD5-867A-F35BFADAEA43}" type="datetimeFigureOut">
               <a:rPr lang="ko-KR" altLang="en-US" smtClean="0"/>
-              <a:t>2018-05-26</a:t>
+              <a:t>2018-07-14</a:t>
             </a:fld>
             <a:endParaRPr lang="ko-KR" altLang="en-US"/>
           </a:p>
@@ -1164,7 +1165,7 @@
           <a:p>
             <a:fld id="{3231851B-82A6-4CD5-867A-F35BFADAEA43}" type="datetimeFigureOut">
               <a:rPr lang="ko-KR" altLang="en-US" smtClean="0"/>
-              <a:t>2018-05-26</a:t>
+              <a:t>2018-07-14</a:t>
             </a:fld>
             <a:endParaRPr lang="ko-KR" altLang="en-US"/>
           </a:p>
@@ -1429,7 +1430,7 @@
           <a:p>
             <a:fld id="{3231851B-82A6-4CD5-867A-F35BFADAEA43}" type="datetimeFigureOut">
               <a:rPr lang="ko-KR" altLang="en-US" smtClean="0"/>
-              <a:t>2018-05-26</a:t>
+              <a:t>2018-07-14</a:t>
             </a:fld>
             <a:endParaRPr lang="ko-KR" altLang="en-US"/>
           </a:p>
@@ -1841,7 +1842,7 @@
           <a:p>
             <a:fld id="{3231851B-82A6-4CD5-867A-F35BFADAEA43}" type="datetimeFigureOut">
               <a:rPr lang="ko-KR" altLang="en-US" smtClean="0"/>
-              <a:t>2018-05-26</a:t>
+              <a:t>2018-07-14</a:t>
             </a:fld>
             <a:endParaRPr lang="ko-KR" altLang="en-US"/>
           </a:p>
@@ -1982,7 +1983,7 @@
           <a:p>
             <a:fld id="{3231851B-82A6-4CD5-867A-F35BFADAEA43}" type="datetimeFigureOut">
               <a:rPr lang="ko-KR" altLang="en-US" smtClean="0"/>
-              <a:t>2018-05-26</a:t>
+              <a:t>2018-07-14</a:t>
             </a:fld>
             <a:endParaRPr lang="ko-KR" altLang="en-US"/>
           </a:p>
@@ -2095,7 +2096,7 @@
           <a:p>
             <a:fld id="{3231851B-82A6-4CD5-867A-F35BFADAEA43}" type="datetimeFigureOut">
               <a:rPr lang="ko-KR" altLang="en-US" smtClean="0"/>
-              <a:t>2018-05-26</a:t>
+              <a:t>2018-07-14</a:t>
             </a:fld>
             <a:endParaRPr lang="ko-KR" altLang="en-US"/>
           </a:p>
@@ -2406,7 +2407,7 @@
           <a:p>
             <a:fld id="{3231851B-82A6-4CD5-867A-F35BFADAEA43}" type="datetimeFigureOut">
               <a:rPr lang="ko-KR" altLang="en-US" smtClean="0"/>
-              <a:t>2018-05-26</a:t>
+              <a:t>2018-07-14</a:t>
             </a:fld>
             <a:endParaRPr lang="ko-KR" altLang="en-US"/>
           </a:p>
@@ -2694,7 +2695,7 @@
           <a:p>
             <a:fld id="{3231851B-82A6-4CD5-867A-F35BFADAEA43}" type="datetimeFigureOut">
               <a:rPr lang="ko-KR" altLang="en-US" smtClean="0"/>
-              <a:t>2018-05-26</a:t>
+              <a:t>2018-07-14</a:t>
             </a:fld>
             <a:endParaRPr lang="ko-KR" altLang="en-US"/>
           </a:p>
@@ -2935,7 +2936,7 @@
           <a:p>
             <a:fld id="{3231851B-82A6-4CD5-867A-F35BFADAEA43}" type="datetimeFigureOut">
               <a:rPr lang="ko-KR" altLang="en-US" smtClean="0"/>
-              <a:t>2018-05-26</a:t>
+              <a:t>2018-07-14</a:t>
             </a:fld>
             <a:endParaRPr lang="ko-KR" altLang="en-US"/>
           </a:p>
@@ -3368,9 +3369,16 @@
             <p:ph type="ctrTitle"/>
           </p:nvPr>
         </p:nvSpPr>
-        <p:spPr/>
+        <p:spPr>
+          <a:xfrm>
+            <a:off x="1524000" y="1122363"/>
+            <a:ext cx="9144000" cy="1350871"/>
+          </a:xfrm>
+        </p:spPr>
         <p:txBody>
-          <a:bodyPr anchor="t"/>
+          <a:bodyPr anchor="t">
+            <a:normAutofit fontScale="90000"/>
+          </a:bodyPr>
           <a:lstStyle/>
           <a:p>
             <a:r>
@@ -3384,7 +3392,7 @@
               <a:rPr lang="en-US" altLang="ko-KR" sz="1000" dirty="0"/>
             </a:br>
             <a:r>
-              <a:rPr lang="en-US" altLang="ko-KR" sz="4000" dirty="0">
+              <a:rPr lang="en-US" altLang="ko-KR" sz="2400" dirty="0">
                 <a:solidFill>
                   <a:schemeClr val="tx1">
                     <a:lumMod val="50000"/>
@@ -3395,7 +3403,7 @@
               <a:t>(</a:t>
             </a:r>
             <a:r>
-              <a:rPr lang="ko-KR" altLang="en-US" sz="4000" dirty="0">
+              <a:rPr lang="ko-KR" altLang="en-US" sz="2400" dirty="0">
                 <a:solidFill>
                   <a:schemeClr val="tx1">
                     <a:lumMod val="50000"/>
@@ -3406,7 +3414,7 @@
               <a:t>왜 그런지 맨날 틀리는 생각들</a:t>
             </a:r>
             <a:r>
-              <a:rPr lang="en-US" altLang="ko-KR" sz="4000" dirty="0">
+              <a:rPr lang="en-US" altLang="ko-KR" sz="2400" dirty="0">
                 <a:solidFill>
                   <a:schemeClr val="tx1">
                     <a:lumMod val="50000"/>
@@ -22108,12 +22116,8 @@
           <a:lstStyle/>
           <a:p>
             <a:r>
-              <a:rPr lang="ko-KR" altLang="en-US" sz="2400" b="1" dirty="0"/>
-              <a:t>첨부</a:t>
-            </a:r>
-            <a:r>
               <a:rPr lang="en-US" altLang="ko-KR" sz="2400" b="1" dirty="0"/>
-              <a:t>. c/</a:t>
+              <a:t>7. c/</a:t>
             </a:r>
             <a:r>
               <a:rPr lang="en-US" altLang="ko-KR" sz="2400" b="1" dirty="0" err="1"/>
@@ -22137,8 +22141,13 @@
             </a:r>
             <a:r>
               <a:rPr lang="ko-KR" altLang="en-US" sz="2400" b="1" dirty="0"/>
-              <a:t>에서 다루기</a:t>
-            </a:r>
+              <a:t>에서 다루기 </a:t>
+            </a:r>
+            <a:r>
+              <a:rPr lang="en-US" altLang="ko-KR" sz="2400" b="1" dirty="0"/>
+              <a:t>(1/2)</a:t>
+            </a:r>
+            <a:endParaRPr lang="ko-KR" altLang="en-US" sz="2400" b="1" dirty="0"/>
           </a:p>
         </p:txBody>
       </p:sp>
@@ -22178,6 +22187,464 @@
               <a:rPr lang="ko-KR" altLang="en-US" sz="1400" dirty="0"/>
               <a:t>https://gs.saro.me/#!m=elec&amp;jn=628</a:t>
             </a:r>
+          </a:p>
+        </p:txBody>
+      </p:sp>
+      <p:pic>
+        <p:nvPicPr>
+          <p:cNvPr id="3" name="그림 2">
+            <a:extLst>
+              <a:ext uri="{FF2B5EF4-FFF2-40B4-BE49-F238E27FC236}">
+                <a16:creationId xmlns:a16="http://schemas.microsoft.com/office/drawing/2014/main" id="{9EB44E06-641E-465C-9B6A-05402C44F7F5}"/>
+              </a:ext>
+            </a:extLst>
+          </p:cNvPr>
+          <p:cNvPicPr>
+            <a:picLocks noChangeAspect="1"/>
+          </p:cNvPicPr>
+          <p:nvPr/>
+        </p:nvPicPr>
+        <p:blipFill>
+          <a:blip r:embed="rId2"/>
+          <a:stretch>
+            <a:fillRect/>
+          </a:stretch>
+        </p:blipFill>
+        <p:spPr>
+          <a:xfrm>
+            <a:off x="0" y="917304"/>
+            <a:ext cx="6499188" cy="1588226"/>
+          </a:xfrm>
+          <a:prstGeom prst="rect">
+            <a:avLst/>
+          </a:prstGeom>
+        </p:spPr>
+      </p:pic>
+      <p:pic>
+        <p:nvPicPr>
+          <p:cNvPr id="5" name="그림 4">
+            <a:extLst>
+              <a:ext uri="{FF2B5EF4-FFF2-40B4-BE49-F238E27FC236}">
+                <a16:creationId xmlns:a16="http://schemas.microsoft.com/office/drawing/2014/main" id="{675A752E-AEBF-437C-A2E3-D7D1DE8B1F1C}"/>
+              </a:ext>
+            </a:extLst>
+          </p:cNvPr>
+          <p:cNvPicPr>
+            <a:picLocks noChangeAspect="1"/>
+          </p:cNvPicPr>
+          <p:nvPr/>
+        </p:nvPicPr>
+        <p:blipFill>
+          <a:blip r:embed="rId3"/>
+          <a:stretch>
+            <a:fillRect/>
+          </a:stretch>
+        </p:blipFill>
+        <p:spPr>
+          <a:xfrm>
+            <a:off x="0" y="2931136"/>
+            <a:ext cx="6851955" cy="1223972"/>
+          </a:xfrm>
+          <a:prstGeom prst="rect">
+            <a:avLst/>
+          </a:prstGeom>
+        </p:spPr>
+      </p:pic>
+      <p:pic>
+        <p:nvPicPr>
+          <p:cNvPr id="6" name="그림 5">
+            <a:extLst>
+              <a:ext uri="{FF2B5EF4-FFF2-40B4-BE49-F238E27FC236}">
+                <a16:creationId xmlns:a16="http://schemas.microsoft.com/office/drawing/2014/main" id="{4739D5E9-EB3B-4734-962C-CFC5662CD110}"/>
+              </a:ext>
+            </a:extLst>
+          </p:cNvPr>
+          <p:cNvPicPr>
+            <a:picLocks noChangeAspect="1"/>
+          </p:cNvPicPr>
+          <p:nvPr/>
+        </p:nvPicPr>
+        <p:blipFill>
+          <a:blip r:embed="rId4"/>
+          <a:stretch>
+            <a:fillRect/>
+          </a:stretch>
+        </p:blipFill>
+        <p:spPr>
+          <a:xfrm>
+            <a:off x="266427" y="2797785"/>
+            <a:ext cx="2683179" cy="338419"/>
+          </a:xfrm>
+          <a:prstGeom prst="rect">
+            <a:avLst/>
+          </a:prstGeom>
+        </p:spPr>
+      </p:pic>
+      <p:cxnSp>
+        <p:nvCxnSpPr>
+          <p:cNvPr id="9" name="직선 연결선 8">
+            <a:extLst>
+              <a:ext uri="{FF2B5EF4-FFF2-40B4-BE49-F238E27FC236}">
+                <a16:creationId xmlns:a16="http://schemas.microsoft.com/office/drawing/2014/main" id="{C2E346E1-514E-4A4C-9153-EF63B33AA697}"/>
+              </a:ext>
+            </a:extLst>
+          </p:cNvPr>
+          <p:cNvCxnSpPr/>
+          <p:nvPr/>
+        </p:nvCxnSpPr>
+        <p:spPr>
+          <a:xfrm>
+            <a:off x="1541417" y="1856043"/>
+            <a:ext cx="3692434" cy="0"/>
+          </a:xfrm>
+          <a:prstGeom prst="line">
+            <a:avLst/>
+          </a:prstGeom>
+          <a:ln w="19050">
+            <a:solidFill>
+              <a:srgbClr val="FF0000"/>
+            </a:solidFill>
+          </a:ln>
+        </p:spPr>
+        <p:style>
+          <a:lnRef idx="1">
+            <a:schemeClr val="accent1"/>
+          </a:lnRef>
+          <a:fillRef idx="0">
+            <a:schemeClr val="accent1"/>
+          </a:fillRef>
+          <a:effectRef idx="0">
+            <a:schemeClr val="accent1"/>
+          </a:effectRef>
+          <a:fontRef idx="minor">
+            <a:schemeClr val="tx1"/>
+          </a:fontRef>
+        </p:style>
+      </p:cxnSp>
+      <p:cxnSp>
+        <p:nvCxnSpPr>
+          <p:cNvPr id="10" name="직선 연결선 9">
+            <a:extLst>
+              <a:ext uri="{FF2B5EF4-FFF2-40B4-BE49-F238E27FC236}">
+                <a16:creationId xmlns:a16="http://schemas.microsoft.com/office/drawing/2014/main" id="{509DEA53-CC30-4398-9FED-C4EC67C28378}"/>
+              </a:ext>
+            </a:extLst>
+          </p:cNvPr>
+          <p:cNvCxnSpPr>
+            <a:cxnSpLocks/>
+          </p:cNvCxnSpPr>
+          <p:nvPr/>
+        </p:nvCxnSpPr>
+        <p:spPr>
+          <a:xfrm>
+            <a:off x="2251160" y="3567268"/>
+            <a:ext cx="3061069" cy="0"/>
+          </a:xfrm>
+          <a:prstGeom prst="line">
+            <a:avLst/>
+          </a:prstGeom>
+          <a:ln w="19050">
+            <a:solidFill>
+              <a:srgbClr val="FF0000"/>
+            </a:solidFill>
+          </a:ln>
+        </p:spPr>
+        <p:style>
+          <a:lnRef idx="1">
+            <a:schemeClr val="accent1"/>
+          </a:lnRef>
+          <a:fillRef idx="0">
+            <a:schemeClr val="accent1"/>
+          </a:fillRef>
+          <a:effectRef idx="0">
+            <a:schemeClr val="accent1"/>
+          </a:effectRef>
+          <a:fontRef idx="minor">
+            <a:schemeClr val="tx1"/>
+          </a:fontRef>
+        </p:style>
+      </p:cxnSp>
+      <p:sp>
+        <p:nvSpPr>
+          <p:cNvPr id="12" name="직사각형 11">
+            <a:extLst>
+              <a:ext uri="{FF2B5EF4-FFF2-40B4-BE49-F238E27FC236}">
+                <a16:creationId xmlns:a16="http://schemas.microsoft.com/office/drawing/2014/main" id="{BA3927B2-8E16-44EC-879B-6B88A9B992D8}"/>
+              </a:ext>
+            </a:extLst>
+          </p:cNvPr>
+          <p:cNvSpPr/>
+          <p:nvPr/>
+        </p:nvSpPr>
+        <p:spPr>
+          <a:xfrm>
+            <a:off x="6958148" y="1081650"/>
+            <a:ext cx="5233852" cy="792480"/>
+          </a:xfrm>
+          <a:prstGeom prst="rect">
+            <a:avLst/>
+          </a:prstGeom>
+          <a:noFill/>
+          <a:ln>
+            <a:noFill/>
+          </a:ln>
+        </p:spPr>
+        <p:style>
+          <a:lnRef idx="2">
+            <a:schemeClr val="accent1">
+              <a:shade val="50000"/>
+            </a:schemeClr>
+          </a:lnRef>
+          <a:fillRef idx="1">
+            <a:schemeClr val="accent1"/>
+          </a:fillRef>
+          <a:effectRef idx="0">
+            <a:schemeClr val="accent1"/>
+          </a:effectRef>
+          <a:fontRef idx="minor">
+            <a:schemeClr val="lt1"/>
+          </a:fontRef>
+        </p:style>
+        <p:txBody>
+          <a:bodyPr rtlCol="0" anchor="ctr"/>
+          <a:lstStyle/>
+          <a:p>
+            <a:pPr marL="285750" indent="-285750">
+              <a:buFont typeface="Arial" panose="020B0604020202020204" pitchFamily="34" charset="0"/>
+              <a:buChar char="•"/>
+            </a:pPr>
+            <a:r>
+              <a:rPr lang="ko-KR" altLang="en-US" sz="1400" dirty="0">
+                <a:solidFill>
+                  <a:schemeClr val="tx1"/>
+                </a:solidFill>
+              </a:rPr>
+              <a:t>양수</a:t>
+            </a:r>
+            <a:r>
+              <a:rPr lang="en-US" altLang="ko-KR" sz="1400" dirty="0">
+                <a:solidFill>
+                  <a:schemeClr val="tx1"/>
+                </a:solidFill>
+              </a:rPr>
+              <a:t>, </a:t>
+            </a:r>
+            <a:r>
+              <a:rPr lang="ko-KR" altLang="en-US" sz="1400" dirty="0">
+                <a:solidFill>
+                  <a:schemeClr val="tx1"/>
+                </a:solidFill>
+              </a:rPr>
+              <a:t>음수에 따라 최종 값이 달라짐</a:t>
+            </a:r>
+          </a:p>
+        </p:txBody>
+      </p:sp>
+      <p:cxnSp>
+        <p:nvCxnSpPr>
+          <p:cNvPr id="14" name="직선 화살표 연결선 13">
+            <a:extLst>
+              <a:ext uri="{FF2B5EF4-FFF2-40B4-BE49-F238E27FC236}">
+                <a16:creationId xmlns:a16="http://schemas.microsoft.com/office/drawing/2014/main" id="{080DCFD4-C169-4FAC-953F-F603BE06A168}"/>
+              </a:ext>
+            </a:extLst>
+          </p:cNvPr>
+          <p:cNvCxnSpPr>
+            <a:cxnSpLocks/>
+          </p:cNvCxnSpPr>
+          <p:nvPr/>
+        </p:nvCxnSpPr>
+        <p:spPr>
+          <a:xfrm>
+            <a:off x="4672149" y="1862720"/>
+            <a:ext cx="2307771" cy="396240"/>
+          </a:xfrm>
+          <a:prstGeom prst="straightConnector1">
+            <a:avLst/>
+          </a:prstGeom>
+          <a:ln>
+            <a:tailEnd type="triangle"/>
+          </a:ln>
+        </p:spPr>
+        <p:style>
+          <a:lnRef idx="1">
+            <a:schemeClr val="accent1"/>
+          </a:lnRef>
+          <a:fillRef idx="0">
+            <a:schemeClr val="accent1"/>
+          </a:fillRef>
+          <a:effectRef idx="0">
+            <a:schemeClr val="accent1"/>
+          </a:effectRef>
+          <a:fontRef idx="minor">
+            <a:schemeClr val="tx1"/>
+          </a:fontRef>
+        </p:style>
+      </p:cxnSp>
+      <p:cxnSp>
+        <p:nvCxnSpPr>
+          <p:cNvPr id="15" name="직선 화살표 연결선 14">
+            <a:extLst>
+              <a:ext uri="{FF2B5EF4-FFF2-40B4-BE49-F238E27FC236}">
+                <a16:creationId xmlns:a16="http://schemas.microsoft.com/office/drawing/2014/main" id="{B9EDAC62-59E6-461A-A7AD-510FD1ACE9D6}"/>
+              </a:ext>
+            </a:extLst>
+          </p:cNvPr>
+          <p:cNvCxnSpPr>
+            <a:cxnSpLocks/>
+          </p:cNvCxnSpPr>
+          <p:nvPr/>
+        </p:nvCxnSpPr>
+        <p:spPr>
+          <a:xfrm flipV="1">
+            <a:off x="4824549" y="2258960"/>
+            <a:ext cx="2155371" cy="1314986"/>
+          </a:xfrm>
+          <a:prstGeom prst="straightConnector1">
+            <a:avLst/>
+          </a:prstGeom>
+          <a:ln>
+            <a:tailEnd type="triangle"/>
+          </a:ln>
+        </p:spPr>
+        <p:style>
+          <a:lnRef idx="1">
+            <a:schemeClr val="accent1"/>
+          </a:lnRef>
+          <a:fillRef idx="0">
+            <a:schemeClr val="accent1"/>
+          </a:fillRef>
+          <a:effectRef idx="0">
+            <a:schemeClr val="accent1"/>
+          </a:effectRef>
+          <a:fontRef idx="minor">
+            <a:schemeClr val="tx1"/>
+          </a:fontRef>
+        </p:style>
+      </p:cxnSp>
+      <p:sp>
+        <p:nvSpPr>
+          <p:cNvPr id="18" name="직사각형 17">
+            <a:extLst>
+              <a:ext uri="{FF2B5EF4-FFF2-40B4-BE49-F238E27FC236}">
+                <a16:creationId xmlns:a16="http://schemas.microsoft.com/office/drawing/2014/main" id="{1E979CC0-8F4E-4D4B-81D7-01E2860C442D}"/>
+              </a:ext>
+            </a:extLst>
+          </p:cNvPr>
+          <p:cNvSpPr/>
+          <p:nvPr/>
+        </p:nvSpPr>
+        <p:spPr>
+          <a:xfrm>
+            <a:off x="78377" y="4580714"/>
+            <a:ext cx="5233852" cy="792480"/>
+          </a:xfrm>
+          <a:prstGeom prst="rect">
+            <a:avLst/>
+          </a:prstGeom>
+          <a:noFill/>
+          <a:ln>
+            <a:noFill/>
+          </a:ln>
+        </p:spPr>
+        <p:style>
+          <a:lnRef idx="2">
+            <a:schemeClr val="accent1">
+              <a:shade val="50000"/>
+            </a:schemeClr>
+          </a:lnRef>
+          <a:fillRef idx="1">
+            <a:schemeClr val="accent1"/>
+          </a:fillRef>
+          <a:effectRef idx="0">
+            <a:schemeClr val="accent1"/>
+          </a:effectRef>
+          <a:fontRef idx="minor">
+            <a:schemeClr val="lt1"/>
+          </a:fontRef>
+        </p:style>
+        <p:txBody>
+          <a:bodyPr rtlCol="0" anchor="ctr"/>
+          <a:lstStyle/>
+          <a:p>
+            <a:pPr marL="285750" indent="-285750">
+              <a:buFont typeface="Arial" panose="020B0604020202020204" pitchFamily="34" charset="0"/>
+              <a:buChar char="•"/>
+            </a:pPr>
+            <a:r>
+              <a:rPr lang="ko-KR" altLang="en-US" sz="1400" dirty="0">
+                <a:solidFill>
+                  <a:schemeClr val="tx1"/>
+                </a:solidFill>
+              </a:rPr>
+              <a:t>양수</a:t>
+            </a:r>
+            <a:r>
+              <a:rPr lang="en-US" altLang="ko-KR" sz="1400" dirty="0">
+                <a:solidFill>
+                  <a:schemeClr val="tx1"/>
+                </a:solidFill>
+              </a:rPr>
+              <a:t>, </a:t>
+            </a:r>
+            <a:r>
+              <a:rPr lang="ko-KR" altLang="en-US" sz="1400" dirty="0">
+                <a:solidFill>
+                  <a:schemeClr val="tx1"/>
+                </a:solidFill>
+              </a:rPr>
+              <a:t>음수에 따라 최종 값이 달라짐</a:t>
+            </a:r>
+          </a:p>
+        </p:txBody>
+      </p:sp>
+      <p:sp>
+        <p:nvSpPr>
+          <p:cNvPr id="19" name="직사각형 18">
+            <a:extLst>
+              <a:ext uri="{FF2B5EF4-FFF2-40B4-BE49-F238E27FC236}">
+                <a16:creationId xmlns:a16="http://schemas.microsoft.com/office/drawing/2014/main" id="{0EFAE107-F190-41FC-9B39-5AB0F1921446}"/>
+              </a:ext>
+            </a:extLst>
+          </p:cNvPr>
+          <p:cNvSpPr/>
+          <p:nvPr/>
+        </p:nvSpPr>
+        <p:spPr>
+          <a:xfrm>
+            <a:off x="8368937" y="3239589"/>
+            <a:ext cx="2155371" cy="1744282"/>
+          </a:xfrm>
+          <a:prstGeom prst="rect">
+            <a:avLst/>
+          </a:prstGeom>
+        </p:spPr>
+        <p:style>
+          <a:lnRef idx="2">
+            <a:schemeClr val="accent1">
+              <a:shade val="50000"/>
+            </a:schemeClr>
+          </a:lnRef>
+          <a:fillRef idx="1">
+            <a:schemeClr val="accent1"/>
+          </a:fillRef>
+          <a:effectRef idx="0">
+            <a:schemeClr val="accent1"/>
+          </a:effectRef>
+          <a:fontRef idx="minor">
+            <a:schemeClr val="lt1"/>
+          </a:fontRef>
+        </p:style>
+        <p:txBody>
+          <a:bodyPr rtlCol="0" anchor="ctr"/>
+          <a:lstStyle/>
+          <a:p>
+            <a:pPr algn="ctr"/>
+            <a:r>
+              <a:rPr lang="en-US" altLang="ko-KR" sz="8000" dirty="0"/>
+              <a:t>?</a:t>
+            </a:r>
+            <a:endParaRPr lang="ko-KR" altLang="en-US" sz="8000" dirty="0"/>
           </a:p>
         </p:txBody>
       </p:sp>
@@ -22241,25 +22708,7328 @@
           <a:p>
             <a:r>
               <a:rPr lang="en-US" altLang="ko-KR" sz="2400" b="1" dirty="0"/>
-              <a:t>4. “Bitwise Operation </a:t>
+              <a:t>7. c/</a:t>
+            </a:r>
+            <a:r>
+              <a:rPr lang="en-US" altLang="ko-KR" sz="2400" b="1" dirty="0" err="1"/>
+              <a:t>c++</a:t>
             </a:r>
             <a:r>
               <a:rPr lang="ko-KR" altLang="en-US" sz="2400" b="1" dirty="0"/>
-              <a:t>결과</a:t>
+              <a:t> </a:t>
             </a:r>
             <a:r>
               <a:rPr lang="en-US" altLang="ko-KR" sz="2400" b="1" dirty="0"/>
-              <a:t>”</a:t>
+              <a:t>unsinged</a:t>
             </a:r>
             <a:r>
               <a:rPr lang="ko-KR" altLang="en-US" sz="2400" b="1" dirty="0"/>
-              <a:t>의 </a:t>
+              <a:t> 자료형을 </a:t>
             </a:r>
             <a:r>
               <a:rPr lang="en-US" altLang="ko-KR" sz="2400" b="1" dirty="0"/>
-              <a:t>Concatenation</a:t>
+              <a:t>java </a:t>
+            </a:r>
+            <a:r>
+              <a:rPr lang="ko-KR" altLang="en-US" sz="2400" b="1" dirty="0"/>
+              <a:t>에서 다루기 </a:t>
+            </a:r>
+            <a:r>
+              <a:rPr lang="en-US" altLang="ko-KR" sz="2400" b="1" dirty="0"/>
+              <a:t>(2/2)</a:t>
             </a:r>
             <a:endParaRPr lang="ko-KR" altLang="en-US" sz="2400" b="1" dirty="0"/>
+          </a:p>
+        </p:txBody>
+      </p:sp>
+      <p:sp>
+        <p:nvSpPr>
+          <p:cNvPr id="2" name="직사각형 1">
+            <a:extLst>
+              <a:ext uri="{FF2B5EF4-FFF2-40B4-BE49-F238E27FC236}">
+                <a16:creationId xmlns:a16="http://schemas.microsoft.com/office/drawing/2014/main" id="{575C03AB-B05D-4A56-89F5-9A4DA7D16A4C}"/>
+              </a:ext>
+            </a:extLst>
+          </p:cNvPr>
+          <p:cNvSpPr/>
+          <p:nvPr/>
+        </p:nvSpPr>
+        <p:spPr>
+          <a:xfrm>
+            <a:off x="7335521" y="38220"/>
+            <a:ext cx="4811754" cy="307777"/>
+          </a:xfrm>
+          <a:prstGeom prst="rect">
+            <a:avLst/>
+          </a:prstGeom>
+        </p:spPr>
+        <p:txBody>
+          <a:bodyPr wrap="square">
+            <a:spAutoFit/>
+          </a:bodyPr>
+          <a:lstStyle/>
+          <a:p>
+            <a:pPr algn="r"/>
+            <a:r>
+              <a:rPr lang="en-US" altLang="ko-KR" sz="1400" dirty="0"/>
+              <a:t>Ref.</a:t>
+            </a:r>
+            <a:r>
+              <a:rPr lang="ko-KR" altLang="en-US" sz="1400" dirty="0"/>
+              <a:t>https://gs.saro.me/#!m=elec&amp;jn=628</a:t>
+            </a:r>
+          </a:p>
+        </p:txBody>
+      </p:sp>
+      <p:sp>
+        <p:nvSpPr>
+          <p:cNvPr id="18" name="직사각형 17">
+            <a:extLst>
+              <a:ext uri="{FF2B5EF4-FFF2-40B4-BE49-F238E27FC236}">
+                <a16:creationId xmlns:a16="http://schemas.microsoft.com/office/drawing/2014/main" id="{1E979CC0-8F4E-4D4B-81D7-01E2860C442D}"/>
+              </a:ext>
+            </a:extLst>
+          </p:cNvPr>
+          <p:cNvSpPr/>
+          <p:nvPr/>
+        </p:nvSpPr>
+        <p:spPr>
+          <a:xfrm>
+            <a:off x="95794" y="1184371"/>
+            <a:ext cx="5233852" cy="418006"/>
+          </a:xfrm>
+          <a:prstGeom prst="rect">
+            <a:avLst/>
+          </a:prstGeom>
+          <a:noFill/>
+          <a:ln>
+            <a:noFill/>
+          </a:ln>
+        </p:spPr>
+        <p:style>
+          <a:lnRef idx="2">
+            <a:schemeClr val="accent1">
+              <a:shade val="50000"/>
+            </a:schemeClr>
+          </a:lnRef>
+          <a:fillRef idx="1">
+            <a:schemeClr val="accent1"/>
+          </a:fillRef>
+          <a:effectRef idx="0">
+            <a:schemeClr val="accent1"/>
+          </a:effectRef>
+          <a:fontRef idx="minor">
+            <a:schemeClr val="lt1"/>
+          </a:fontRef>
+        </p:style>
+        <p:txBody>
+          <a:bodyPr rtlCol="0" anchor="ctr"/>
+          <a:lstStyle/>
+          <a:p>
+            <a:pPr marL="285750" indent="-285750">
+              <a:buFont typeface="Arial" panose="020B0604020202020204" pitchFamily="34" charset="0"/>
+              <a:buChar char="•"/>
+            </a:pPr>
+            <a:r>
+              <a:rPr lang="en-US" altLang="ko-KR" b="1" dirty="0">
+                <a:solidFill>
+                  <a:srgbClr val="0070C0"/>
+                </a:solidFill>
+              </a:rPr>
+              <a:t>2 </a:t>
+            </a:r>
+            <a:r>
+              <a:rPr lang="ko-KR" altLang="en-US" b="1" dirty="0">
+                <a:solidFill>
+                  <a:srgbClr val="0070C0"/>
+                </a:solidFill>
+              </a:rPr>
+              <a:t>진수에서의 음수 표현 법</a:t>
+            </a:r>
+          </a:p>
+        </p:txBody>
+      </p:sp>
+      <p:sp>
+        <p:nvSpPr>
+          <p:cNvPr id="13" name="직사각형 12">
+            <a:extLst>
+              <a:ext uri="{FF2B5EF4-FFF2-40B4-BE49-F238E27FC236}">
+                <a16:creationId xmlns:a16="http://schemas.microsoft.com/office/drawing/2014/main" id="{9E1834B3-E819-4553-8773-EAEC3B63BCB4}"/>
+              </a:ext>
+            </a:extLst>
+          </p:cNvPr>
+          <p:cNvSpPr/>
+          <p:nvPr/>
+        </p:nvSpPr>
+        <p:spPr>
+          <a:xfrm>
+            <a:off x="474617" y="1713503"/>
+            <a:ext cx="5233852" cy="3206840"/>
+          </a:xfrm>
+          <a:prstGeom prst="rect">
+            <a:avLst/>
+          </a:prstGeom>
+          <a:noFill/>
+          <a:ln>
+            <a:noFill/>
+          </a:ln>
+        </p:spPr>
+        <p:style>
+          <a:lnRef idx="2">
+            <a:schemeClr val="accent1">
+              <a:shade val="50000"/>
+            </a:schemeClr>
+          </a:lnRef>
+          <a:fillRef idx="1">
+            <a:schemeClr val="accent1"/>
+          </a:fillRef>
+          <a:effectRef idx="0">
+            <a:schemeClr val="accent1"/>
+          </a:effectRef>
+          <a:fontRef idx="minor">
+            <a:schemeClr val="lt1"/>
+          </a:fontRef>
+        </p:style>
+        <p:txBody>
+          <a:bodyPr rtlCol="0" anchor="t"/>
+          <a:lstStyle/>
+          <a:p>
+            <a:r>
+              <a:rPr lang="en-US" altLang="ko-KR" sz="1400" b="1" dirty="0">
+                <a:solidFill>
+                  <a:schemeClr val="tx1"/>
+                </a:solidFill>
+              </a:rPr>
+              <a:t>[1</a:t>
+            </a:r>
+            <a:r>
+              <a:rPr lang="ko-KR" altLang="en-US" sz="1400" b="1" dirty="0">
+                <a:solidFill>
+                  <a:schemeClr val="tx1"/>
+                </a:solidFill>
+              </a:rPr>
+              <a:t>의 보수 표현 </a:t>
+            </a:r>
+            <a:r>
+              <a:rPr lang="en-US" altLang="ko-KR" sz="1400" b="1" dirty="0">
+                <a:solidFill>
+                  <a:schemeClr val="tx1"/>
+                </a:solidFill>
+              </a:rPr>
+              <a:t>: </a:t>
+            </a:r>
+            <a:r>
+              <a:rPr lang="ko-KR" altLang="en-US" sz="1400" b="1" dirty="0">
+                <a:solidFill>
+                  <a:schemeClr val="tx1"/>
+                </a:solidFill>
+              </a:rPr>
+              <a:t>예</a:t>
+            </a:r>
+            <a:r>
+              <a:rPr lang="en-US" altLang="ko-KR" sz="1400" b="1" dirty="0">
+                <a:solidFill>
+                  <a:schemeClr val="tx1"/>
+                </a:solidFill>
+              </a:rPr>
+              <a:t>)</a:t>
+            </a:r>
+            <a:r>
+              <a:rPr lang="ko-KR" altLang="en-US" sz="1400" b="1" dirty="0">
+                <a:solidFill>
+                  <a:schemeClr val="tx1"/>
+                </a:solidFill>
+              </a:rPr>
+              <a:t> </a:t>
+            </a:r>
+            <a:r>
+              <a:rPr lang="en-US" altLang="ko-KR" sz="1400" b="1" dirty="0">
+                <a:solidFill>
+                  <a:schemeClr val="tx1"/>
+                </a:solidFill>
+              </a:rPr>
+              <a:t>8</a:t>
+            </a:r>
+            <a:r>
+              <a:rPr lang="ko-KR" altLang="en-US" sz="1400" b="1" dirty="0">
+                <a:solidFill>
+                  <a:schemeClr val="tx1"/>
+                </a:solidFill>
+              </a:rPr>
+              <a:t>비트 </a:t>
+            </a:r>
+            <a:r>
+              <a:rPr lang="en-US" altLang="ko-KR" sz="1400" b="1" dirty="0">
+                <a:solidFill>
+                  <a:schemeClr val="tx1"/>
+                </a:solidFill>
+              </a:rPr>
+              <a:t>-11 </a:t>
+            </a:r>
+            <a:r>
+              <a:rPr lang="ko-KR" altLang="en-US" sz="1400" b="1" dirty="0">
+                <a:solidFill>
+                  <a:schemeClr val="tx1"/>
+                </a:solidFill>
+              </a:rPr>
+              <a:t>표현</a:t>
+            </a:r>
+            <a:r>
+              <a:rPr lang="en-US" altLang="ko-KR" sz="1400" b="1" dirty="0">
+                <a:solidFill>
+                  <a:schemeClr val="tx1"/>
+                </a:solidFill>
+              </a:rPr>
+              <a:t>]</a:t>
+            </a:r>
+          </a:p>
+          <a:p>
+            <a:endParaRPr lang="en-US" altLang="ko-KR" sz="1400" dirty="0">
+              <a:solidFill>
+                <a:schemeClr val="tx1"/>
+              </a:solidFill>
+            </a:endParaRPr>
+          </a:p>
+          <a:p>
+            <a:pPr marL="285750" indent="-285750">
+              <a:lnSpc>
+                <a:spcPct val="150000"/>
+              </a:lnSpc>
+              <a:buFontTx/>
+              <a:buChar char="-"/>
+            </a:pPr>
+            <a:r>
+              <a:rPr lang="ko-KR" altLang="en-US" sz="1400" dirty="0">
+                <a:solidFill>
+                  <a:schemeClr val="tx1"/>
+                </a:solidFill>
+              </a:rPr>
+              <a:t>십진수 </a:t>
+            </a:r>
+            <a:r>
+              <a:rPr lang="en-US" altLang="ko-KR" sz="1400" dirty="0">
+                <a:solidFill>
+                  <a:schemeClr val="tx1"/>
+                </a:solidFill>
+              </a:rPr>
+              <a:t>’11’ </a:t>
+            </a:r>
+            <a:r>
+              <a:rPr lang="ko-KR" altLang="en-US" sz="1400" dirty="0">
+                <a:solidFill>
+                  <a:schemeClr val="tx1"/>
+                </a:solidFill>
+              </a:rPr>
+              <a:t>을 이진수 로 표현  </a:t>
+            </a:r>
+            <a:r>
+              <a:rPr lang="en-US" altLang="ko-KR" sz="1400" dirty="0">
+                <a:solidFill>
+                  <a:schemeClr val="tx1"/>
+                </a:solidFill>
+                <a:sym typeface="Wingdings" panose="05000000000000000000" pitchFamily="2" charset="2"/>
+              </a:rPr>
+              <a:t>   </a:t>
+            </a:r>
+            <a:r>
+              <a:rPr lang="en-US" altLang="ko-KR" sz="1400" dirty="0">
+                <a:solidFill>
+                  <a:schemeClr val="tx1"/>
+                </a:solidFill>
+              </a:rPr>
+              <a:t>‘00001011’ </a:t>
+            </a:r>
+          </a:p>
+          <a:p>
+            <a:pPr marL="285750" indent="-285750">
+              <a:lnSpc>
+                <a:spcPct val="150000"/>
+              </a:lnSpc>
+              <a:buFontTx/>
+              <a:buChar char="-"/>
+            </a:pPr>
+            <a:r>
+              <a:rPr lang="ko-KR" altLang="en-US" sz="1400" dirty="0">
+                <a:solidFill>
+                  <a:schemeClr val="tx1"/>
+                </a:solidFill>
+              </a:rPr>
+              <a:t>비트 반전                            </a:t>
+            </a:r>
+            <a:r>
+              <a:rPr lang="en-US" altLang="ko-KR" sz="1400" dirty="0">
+                <a:solidFill>
+                  <a:schemeClr val="tx1"/>
+                </a:solidFill>
+                <a:sym typeface="Wingdings" panose="05000000000000000000" pitchFamily="2" charset="2"/>
+              </a:rPr>
+              <a:t>   ‘11110100’</a:t>
+            </a:r>
+          </a:p>
+          <a:p>
+            <a:pPr marL="285750" indent="-285750">
+              <a:buFontTx/>
+              <a:buChar char="-"/>
+            </a:pPr>
+            <a:endParaRPr lang="en-US" altLang="ko-KR" sz="1400" dirty="0">
+              <a:solidFill>
+                <a:schemeClr val="tx1"/>
+              </a:solidFill>
+              <a:sym typeface="Wingdings" panose="05000000000000000000" pitchFamily="2" charset="2"/>
+            </a:endParaRPr>
+          </a:p>
+          <a:p>
+            <a:endParaRPr lang="en-US" altLang="ko-KR" sz="1400" dirty="0">
+              <a:solidFill>
+                <a:schemeClr val="tx1"/>
+              </a:solidFill>
+            </a:endParaRPr>
+          </a:p>
+          <a:p>
+            <a:endParaRPr lang="en-US" altLang="ko-KR" sz="1400" dirty="0">
+              <a:solidFill>
+                <a:schemeClr val="tx1"/>
+              </a:solidFill>
+            </a:endParaRPr>
+          </a:p>
+          <a:p>
+            <a:r>
+              <a:rPr lang="en-US" altLang="ko-KR" sz="1400" b="1" dirty="0">
+                <a:solidFill>
+                  <a:schemeClr val="tx1"/>
+                </a:solidFill>
+              </a:rPr>
+              <a:t>[1</a:t>
+            </a:r>
+            <a:r>
+              <a:rPr lang="ko-KR" altLang="en-US" sz="1400" b="1" dirty="0">
+                <a:solidFill>
+                  <a:schemeClr val="tx1"/>
+                </a:solidFill>
+              </a:rPr>
+              <a:t>의 보수 연산 </a:t>
+            </a:r>
+            <a:r>
+              <a:rPr lang="en-US" altLang="ko-KR" sz="1400" b="1" dirty="0">
+                <a:solidFill>
+                  <a:schemeClr val="tx1"/>
+                </a:solidFill>
+              </a:rPr>
+              <a:t>: </a:t>
+            </a:r>
+            <a:r>
+              <a:rPr lang="ko-KR" altLang="en-US" sz="1400" b="1" dirty="0">
+                <a:solidFill>
+                  <a:schemeClr val="tx1"/>
+                </a:solidFill>
+              </a:rPr>
+              <a:t>예</a:t>
+            </a:r>
+            <a:r>
+              <a:rPr lang="en-US" altLang="ko-KR" sz="1400" b="1" dirty="0">
+                <a:solidFill>
+                  <a:schemeClr val="tx1"/>
+                </a:solidFill>
+              </a:rPr>
+              <a:t>) -10 -11 = -21]</a:t>
+            </a:r>
+          </a:p>
+          <a:p>
+            <a:endParaRPr lang="en-US" altLang="ko-KR" sz="1400" dirty="0">
+              <a:solidFill>
+                <a:schemeClr val="tx1"/>
+              </a:solidFill>
+            </a:endParaRPr>
+          </a:p>
+          <a:p>
+            <a:pPr marL="285750" indent="-285750">
+              <a:lnSpc>
+                <a:spcPct val="150000"/>
+              </a:lnSpc>
+              <a:buFontTx/>
+              <a:buChar char="-"/>
+            </a:pPr>
+            <a:r>
+              <a:rPr lang="en-US" altLang="ko-KR" sz="1400" dirty="0">
+                <a:solidFill>
+                  <a:schemeClr val="tx1"/>
+                </a:solidFill>
+              </a:rPr>
+              <a:t>10 </a:t>
+            </a:r>
+            <a:r>
+              <a:rPr lang="en-US" altLang="ko-KR" sz="1400" dirty="0">
+                <a:solidFill>
+                  <a:schemeClr val="tx1"/>
+                </a:solidFill>
+                <a:sym typeface="Wingdings" panose="05000000000000000000" pitchFamily="2" charset="2"/>
+              </a:rPr>
+              <a:t> 00001010  11110101</a:t>
+            </a:r>
+          </a:p>
+          <a:p>
+            <a:pPr marL="285750" indent="-285750">
+              <a:lnSpc>
+                <a:spcPct val="150000"/>
+              </a:lnSpc>
+              <a:buFontTx/>
+              <a:buChar char="-"/>
+            </a:pPr>
+            <a:r>
+              <a:rPr lang="en-US" altLang="ko-KR" sz="1400" dirty="0">
+                <a:solidFill>
+                  <a:schemeClr val="tx1"/>
+                </a:solidFill>
+                <a:sym typeface="Wingdings" panose="05000000000000000000" pitchFamily="2" charset="2"/>
+              </a:rPr>
+              <a:t>11  00001011  11110100</a:t>
+            </a:r>
+          </a:p>
+          <a:p>
+            <a:endParaRPr lang="ko-KR" altLang="en-US" sz="1400" dirty="0">
+              <a:solidFill>
+                <a:schemeClr val="tx1"/>
+              </a:solidFill>
+            </a:endParaRPr>
+          </a:p>
+        </p:txBody>
+      </p:sp>
+      <p:graphicFrame>
+        <p:nvGraphicFramePr>
+          <p:cNvPr id="8" name="표 7">
+            <a:extLst>
+              <a:ext uri="{FF2B5EF4-FFF2-40B4-BE49-F238E27FC236}">
+                <a16:creationId xmlns:a16="http://schemas.microsoft.com/office/drawing/2014/main" id="{912FA28F-C08B-44D3-AF43-CC5A7DF2DB35}"/>
+              </a:ext>
+            </a:extLst>
+          </p:cNvPr>
+          <p:cNvGraphicFramePr>
+            <a:graphicFrameLocks noGrp="1"/>
+          </p:cNvGraphicFramePr>
+          <p:nvPr>
+            <p:extLst>
+              <p:ext uri="{D42A27DB-BD31-4B8C-83A1-F6EECF244321}">
+                <p14:modId xmlns:p14="http://schemas.microsoft.com/office/powerpoint/2010/main" val="4024048335"/>
+              </p:ext>
+            </p:extLst>
+          </p:nvPr>
+        </p:nvGraphicFramePr>
+        <p:xfrm>
+          <a:off x="647333" y="4800612"/>
+          <a:ext cx="4682313" cy="1854200"/>
+        </p:xfrm>
+        <a:graphic>
+          <a:graphicData uri="http://schemas.openxmlformats.org/drawingml/2006/table">
+            <a:tbl>
+              <a:tblPr firstRow="1" bandRow="1">
+                <a:tableStyleId>{5940675A-B579-460E-94D1-54222C63F5DA}</a:tableStyleId>
+              </a:tblPr>
+              <a:tblGrid>
+                <a:gridCol w="520257">
+                  <a:extLst>
+                    <a:ext uri="{9D8B030D-6E8A-4147-A177-3AD203B41FA5}">
+                      <a16:colId xmlns:a16="http://schemas.microsoft.com/office/drawing/2014/main" val="958186379"/>
+                    </a:ext>
+                  </a:extLst>
+                </a:gridCol>
+                <a:gridCol w="520257">
+                  <a:extLst>
+                    <a:ext uri="{9D8B030D-6E8A-4147-A177-3AD203B41FA5}">
+                      <a16:colId xmlns:a16="http://schemas.microsoft.com/office/drawing/2014/main" val="3863151364"/>
+                    </a:ext>
+                  </a:extLst>
+                </a:gridCol>
+                <a:gridCol w="520257">
+                  <a:extLst>
+                    <a:ext uri="{9D8B030D-6E8A-4147-A177-3AD203B41FA5}">
+                      <a16:colId xmlns:a16="http://schemas.microsoft.com/office/drawing/2014/main" val="1337134152"/>
+                    </a:ext>
+                  </a:extLst>
+                </a:gridCol>
+                <a:gridCol w="520257">
+                  <a:extLst>
+                    <a:ext uri="{9D8B030D-6E8A-4147-A177-3AD203B41FA5}">
+                      <a16:colId xmlns:a16="http://schemas.microsoft.com/office/drawing/2014/main" val="1586288356"/>
+                    </a:ext>
+                  </a:extLst>
+                </a:gridCol>
+                <a:gridCol w="520257">
+                  <a:extLst>
+                    <a:ext uri="{9D8B030D-6E8A-4147-A177-3AD203B41FA5}">
+                      <a16:colId xmlns:a16="http://schemas.microsoft.com/office/drawing/2014/main" val="3495055112"/>
+                    </a:ext>
+                  </a:extLst>
+                </a:gridCol>
+                <a:gridCol w="520257">
+                  <a:extLst>
+                    <a:ext uri="{9D8B030D-6E8A-4147-A177-3AD203B41FA5}">
+                      <a16:colId xmlns:a16="http://schemas.microsoft.com/office/drawing/2014/main" val="588715602"/>
+                    </a:ext>
+                  </a:extLst>
+                </a:gridCol>
+                <a:gridCol w="520257">
+                  <a:extLst>
+                    <a:ext uri="{9D8B030D-6E8A-4147-A177-3AD203B41FA5}">
+                      <a16:colId xmlns:a16="http://schemas.microsoft.com/office/drawing/2014/main" val="2031435028"/>
+                    </a:ext>
+                  </a:extLst>
+                </a:gridCol>
+                <a:gridCol w="520257">
+                  <a:extLst>
+                    <a:ext uri="{9D8B030D-6E8A-4147-A177-3AD203B41FA5}">
+                      <a16:colId xmlns:a16="http://schemas.microsoft.com/office/drawing/2014/main" val="837824100"/>
+                    </a:ext>
+                  </a:extLst>
+                </a:gridCol>
+                <a:gridCol w="520257">
+                  <a:extLst>
+                    <a:ext uri="{9D8B030D-6E8A-4147-A177-3AD203B41FA5}">
+                      <a16:colId xmlns:a16="http://schemas.microsoft.com/office/drawing/2014/main" val="2353971002"/>
+                    </a:ext>
+                  </a:extLst>
+                </a:gridCol>
+              </a:tblGrid>
+              <a:tr h="370840">
+                <a:tc>
+                  <a:txBody>
+                    <a:bodyPr/>
+                    <a:lstStyle/>
+                    <a:p>
+                      <a:pPr algn="ctr" latinLnBrk="1"/>
+                      <a:endParaRPr lang="ko-KR" altLang="en-US" sz="1100" dirty="0"/>
+                    </a:p>
+                  </a:txBody>
+                  <a:tcPr anchor="ctr">
+                    <a:lnL w="12700" cap="flat" cmpd="sng" algn="ctr">
+                      <a:noFill/>
+                      <a:prstDash val="solid"/>
+                      <a:round/>
+                      <a:headEnd type="none" w="med" len="med"/>
+                      <a:tailEnd type="none" w="med" len="med"/>
+                    </a:lnL>
+                    <a:lnR w="12700" cap="flat" cmpd="sng" algn="ctr">
+                      <a:noFill/>
+                      <a:prstDash val="solid"/>
+                      <a:round/>
+                      <a:headEnd type="none" w="med" len="med"/>
+                      <a:tailEnd type="none" w="med" len="med"/>
+                    </a:lnR>
+                    <a:lnT w="12700" cap="flat" cmpd="sng" algn="ctr">
+                      <a:noFill/>
+                      <a:prstDash val="solid"/>
+                      <a:round/>
+                      <a:headEnd type="none" w="med" len="med"/>
+                      <a:tailEnd type="none" w="med" len="med"/>
+                    </a:lnT>
+                    <a:lnB w="12700" cap="flat" cmpd="sng" algn="ctr">
+                      <a:noFill/>
+                      <a:prstDash val="solid"/>
+                      <a:round/>
+                      <a:headEnd type="none" w="med" len="med"/>
+                      <a:tailEnd type="none" w="med" len="med"/>
+                    </a:lnB>
+                    <a:lnTlToBr w="12700" cmpd="sng">
+                      <a:noFill/>
+                      <a:prstDash val="solid"/>
+                    </a:lnTlToBr>
+                    <a:lnBlToTr w="12700" cmpd="sng">
+                      <a:noFill/>
+                      <a:prstDash val="solid"/>
+                    </a:lnBlToTr>
+                  </a:tcPr>
+                </a:tc>
+                <a:tc>
+                  <a:txBody>
+                    <a:bodyPr/>
+                    <a:lstStyle/>
+                    <a:p>
+                      <a:pPr algn="ctr" latinLnBrk="1"/>
+                      <a:r>
+                        <a:rPr lang="en-US" altLang="ko-KR" sz="1100" dirty="0"/>
+                        <a:t>1</a:t>
+                      </a:r>
+                      <a:endParaRPr lang="ko-KR" altLang="en-US" sz="1100" dirty="0"/>
+                    </a:p>
+                  </a:txBody>
+                  <a:tcPr anchor="ctr">
+                    <a:lnL w="12700" cap="flat" cmpd="sng" algn="ctr">
+                      <a:noFill/>
+                      <a:prstDash val="solid"/>
+                      <a:round/>
+                      <a:headEnd type="none" w="med" len="med"/>
+                      <a:tailEnd type="none" w="med" len="med"/>
+                    </a:lnL>
+                    <a:lnR w="12700" cap="flat" cmpd="sng" algn="ctr">
+                      <a:noFill/>
+                      <a:prstDash val="solid"/>
+                      <a:round/>
+                      <a:headEnd type="none" w="med" len="med"/>
+                      <a:tailEnd type="none" w="med" len="med"/>
+                    </a:lnR>
+                    <a:lnT w="12700" cap="flat" cmpd="sng" algn="ctr">
+                      <a:noFill/>
+                      <a:prstDash val="solid"/>
+                      <a:round/>
+                      <a:headEnd type="none" w="med" len="med"/>
+                      <a:tailEnd type="none" w="med" len="med"/>
+                    </a:lnT>
+                    <a:lnB w="12700" cap="flat" cmpd="sng" algn="ctr">
+                      <a:noFill/>
+                      <a:prstDash val="solid"/>
+                      <a:round/>
+                      <a:headEnd type="none" w="med" len="med"/>
+                      <a:tailEnd type="none" w="med" len="med"/>
+                    </a:lnB>
+                    <a:lnTlToBr w="12700" cmpd="sng">
+                      <a:noFill/>
+                      <a:prstDash val="solid"/>
+                    </a:lnTlToBr>
+                    <a:lnBlToTr w="12700" cmpd="sng">
+                      <a:noFill/>
+                      <a:prstDash val="solid"/>
+                    </a:lnBlToTr>
+                  </a:tcPr>
+                </a:tc>
+                <a:tc>
+                  <a:txBody>
+                    <a:bodyPr/>
+                    <a:lstStyle/>
+                    <a:p>
+                      <a:pPr algn="ctr" latinLnBrk="1"/>
+                      <a:r>
+                        <a:rPr lang="en-US" altLang="ko-KR" sz="1100" dirty="0"/>
+                        <a:t>1</a:t>
+                      </a:r>
+                      <a:endParaRPr lang="ko-KR" altLang="en-US" sz="1100" dirty="0"/>
+                    </a:p>
+                  </a:txBody>
+                  <a:tcPr anchor="ctr">
+                    <a:lnL w="12700" cap="flat" cmpd="sng" algn="ctr">
+                      <a:noFill/>
+                      <a:prstDash val="solid"/>
+                      <a:round/>
+                      <a:headEnd type="none" w="med" len="med"/>
+                      <a:tailEnd type="none" w="med" len="med"/>
+                    </a:lnL>
+                    <a:lnR w="12700" cap="flat" cmpd="sng" algn="ctr">
+                      <a:noFill/>
+                      <a:prstDash val="solid"/>
+                      <a:round/>
+                      <a:headEnd type="none" w="med" len="med"/>
+                      <a:tailEnd type="none" w="med" len="med"/>
+                    </a:lnR>
+                    <a:lnT w="12700" cap="flat" cmpd="sng" algn="ctr">
+                      <a:noFill/>
+                      <a:prstDash val="solid"/>
+                      <a:round/>
+                      <a:headEnd type="none" w="med" len="med"/>
+                      <a:tailEnd type="none" w="med" len="med"/>
+                    </a:lnT>
+                    <a:lnB w="12700" cap="flat" cmpd="sng" algn="ctr">
+                      <a:noFill/>
+                      <a:prstDash val="solid"/>
+                      <a:round/>
+                      <a:headEnd type="none" w="med" len="med"/>
+                      <a:tailEnd type="none" w="med" len="med"/>
+                    </a:lnB>
+                    <a:lnTlToBr w="12700" cmpd="sng">
+                      <a:noFill/>
+                      <a:prstDash val="solid"/>
+                    </a:lnTlToBr>
+                    <a:lnBlToTr w="12700" cmpd="sng">
+                      <a:noFill/>
+                      <a:prstDash val="solid"/>
+                    </a:lnBlToTr>
+                  </a:tcPr>
+                </a:tc>
+                <a:tc>
+                  <a:txBody>
+                    <a:bodyPr/>
+                    <a:lstStyle/>
+                    <a:p>
+                      <a:pPr algn="ctr" latinLnBrk="1"/>
+                      <a:r>
+                        <a:rPr lang="en-US" altLang="ko-KR" sz="1100" dirty="0"/>
+                        <a:t>1</a:t>
+                      </a:r>
+                      <a:endParaRPr lang="ko-KR" altLang="en-US" sz="1100" dirty="0"/>
+                    </a:p>
+                  </a:txBody>
+                  <a:tcPr anchor="ctr">
+                    <a:lnL w="12700" cap="flat" cmpd="sng" algn="ctr">
+                      <a:noFill/>
+                      <a:prstDash val="solid"/>
+                      <a:round/>
+                      <a:headEnd type="none" w="med" len="med"/>
+                      <a:tailEnd type="none" w="med" len="med"/>
+                    </a:lnL>
+                    <a:lnR w="12700" cap="flat" cmpd="sng" algn="ctr">
+                      <a:noFill/>
+                      <a:prstDash val="solid"/>
+                      <a:round/>
+                      <a:headEnd type="none" w="med" len="med"/>
+                      <a:tailEnd type="none" w="med" len="med"/>
+                    </a:lnR>
+                    <a:lnT w="12700" cap="flat" cmpd="sng" algn="ctr">
+                      <a:noFill/>
+                      <a:prstDash val="solid"/>
+                      <a:round/>
+                      <a:headEnd type="none" w="med" len="med"/>
+                      <a:tailEnd type="none" w="med" len="med"/>
+                    </a:lnT>
+                    <a:lnB w="12700" cap="flat" cmpd="sng" algn="ctr">
+                      <a:noFill/>
+                      <a:prstDash val="solid"/>
+                      <a:round/>
+                      <a:headEnd type="none" w="med" len="med"/>
+                      <a:tailEnd type="none" w="med" len="med"/>
+                    </a:lnB>
+                    <a:lnTlToBr w="12700" cmpd="sng">
+                      <a:noFill/>
+                      <a:prstDash val="solid"/>
+                    </a:lnTlToBr>
+                    <a:lnBlToTr w="12700" cmpd="sng">
+                      <a:noFill/>
+                      <a:prstDash val="solid"/>
+                    </a:lnBlToTr>
+                  </a:tcPr>
+                </a:tc>
+                <a:tc>
+                  <a:txBody>
+                    <a:bodyPr/>
+                    <a:lstStyle/>
+                    <a:p>
+                      <a:pPr algn="ctr" latinLnBrk="1"/>
+                      <a:r>
+                        <a:rPr lang="en-US" altLang="ko-KR" sz="1100" dirty="0"/>
+                        <a:t>1</a:t>
+                      </a:r>
+                      <a:endParaRPr lang="ko-KR" altLang="en-US" sz="1100" dirty="0"/>
+                    </a:p>
+                  </a:txBody>
+                  <a:tcPr anchor="ctr">
+                    <a:lnL w="12700" cap="flat" cmpd="sng" algn="ctr">
+                      <a:noFill/>
+                      <a:prstDash val="solid"/>
+                      <a:round/>
+                      <a:headEnd type="none" w="med" len="med"/>
+                      <a:tailEnd type="none" w="med" len="med"/>
+                    </a:lnL>
+                    <a:lnR w="12700" cap="flat" cmpd="sng" algn="ctr">
+                      <a:noFill/>
+                      <a:prstDash val="solid"/>
+                      <a:round/>
+                      <a:headEnd type="none" w="med" len="med"/>
+                      <a:tailEnd type="none" w="med" len="med"/>
+                    </a:lnR>
+                    <a:lnT w="12700" cap="flat" cmpd="sng" algn="ctr">
+                      <a:noFill/>
+                      <a:prstDash val="solid"/>
+                      <a:round/>
+                      <a:headEnd type="none" w="med" len="med"/>
+                      <a:tailEnd type="none" w="med" len="med"/>
+                    </a:lnT>
+                    <a:lnB w="12700" cap="flat" cmpd="sng" algn="ctr">
+                      <a:noFill/>
+                      <a:prstDash val="solid"/>
+                      <a:round/>
+                      <a:headEnd type="none" w="med" len="med"/>
+                      <a:tailEnd type="none" w="med" len="med"/>
+                    </a:lnB>
+                    <a:lnTlToBr w="12700" cmpd="sng">
+                      <a:noFill/>
+                      <a:prstDash val="solid"/>
+                    </a:lnTlToBr>
+                    <a:lnBlToTr w="12700" cmpd="sng">
+                      <a:noFill/>
+                      <a:prstDash val="solid"/>
+                    </a:lnBlToTr>
+                  </a:tcPr>
+                </a:tc>
+                <a:tc>
+                  <a:txBody>
+                    <a:bodyPr/>
+                    <a:lstStyle/>
+                    <a:p>
+                      <a:pPr algn="ctr" latinLnBrk="1"/>
+                      <a:r>
+                        <a:rPr lang="en-US" altLang="ko-KR" sz="1100" dirty="0"/>
+                        <a:t>0</a:t>
+                      </a:r>
+                      <a:endParaRPr lang="ko-KR" altLang="en-US" sz="1100" dirty="0"/>
+                    </a:p>
+                  </a:txBody>
+                  <a:tcPr anchor="ctr">
+                    <a:lnL w="12700" cap="flat" cmpd="sng" algn="ctr">
+                      <a:noFill/>
+                      <a:prstDash val="solid"/>
+                      <a:round/>
+                      <a:headEnd type="none" w="med" len="med"/>
+                      <a:tailEnd type="none" w="med" len="med"/>
+                    </a:lnL>
+                    <a:lnR w="12700" cap="flat" cmpd="sng" algn="ctr">
+                      <a:noFill/>
+                      <a:prstDash val="solid"/>
+                      <a:round/>
+                      <a:headEnd type="none" w="med" len="med"/>
+                      <a:tailEnd type="none" w="med" len="med"/>
+                    </a:lnR>
+                    <a:lnT w="12700" cap="flat" cmpd="sng" algn="ctr">
+                      <a:noFill/>
+                      <a:prstDash val="solid"/>
+                      <a:round/>
+                      <a:headEnd type="none" w="med" len="med"/>
+                      <a:tailEnd type="none" w="med" len="med"/>
+                    </a:lnT>
+                    <a:lnB w="12700" cap="flat" cmpd="sng" algn="ctr">
+                      <a:noFill/>
+                      <a:prstDash val="solid"/>
+                      <a:round/>
+                      <a:headEnd type="none" w="med" len="med"/>
+                      <a:tailEnd type="none" w="med" len="med"/>
+                    </a:lnB>
+                    <a:lnTlToBr w="12700" cmpd="sng">
+                      <a:noFill/>
+                      <a:prstDash val="solid"/>
+                    </a:lnTlToBr>
+                    <a:lnBlToTr w="12700" cmpd="sng">
+                      <a:noFill/>
+                      <a:prstDash val="solid"/>
+                    </a:lnBlToTr>
+                  </a:tcPr>
+                </a:tc>
+                <a:tc>
+                  <a:txBody>
+                    <a:bodyPr/>
+                    <a:lstStyle/>
+                    <a:p>
+                      <a:pPr algn="ctr" latinLnBrk="1"/>
+                      <a:r>
+                        <a:rPr lang="en-US" altLang="ko-KR" sz="1100" dirty="0"/>
+                        <a:t>1</a:t>
+                      </a:r>
+                      <a:endParaRPr lang="ko-KR" altLang="en-US" sz="1100" dirty="0"/>
+                    </a:p>
+                  </a:txBody>
+                  <a:tcPr anchor="ctr">
+                    <a:lnL w="12700" cap="flat" cmpd="sng" algn="ctr">
+                      <a:noFill/>
+                      <a:prstDash val="solid"/>
+                      <a:round/>
+                      <a:headEnd type="none" w="med" len="med"/>
+                      <a:tailEnd type="none" w="med" len="med"/>
+                    </a:lnL>
+                    <a:lnR w="12700" cap="flat" cmpd="sng" algn="ctr">
+                      <a:noFill/>
+                      <a:prstDash val="solid"/>
+                      <a:round/>
+                      <a:headEnd type="none" w="med" len="med"/>
+                      <a:tailEnd type="none" w="med" len="med"/>
+                    </a:lnR>
+                    <a:lnT w="12700" cap="flat" cmpd="sng" algn="ctr">
+                      <a:noFill/>
+                      <a:prstDash val="solid"/>
+                      <a:round/>
+                      <a:headEnd type="none" w="med" len="med"/>
+                      <a:tailEnd type="none" w="med" len="med"/>
+                    </a:lnT>
+                    <a:lnB w="12700" cap="flat" cmpd="sng" algn="ctr">
+                      <a:noFill/>
+                      <a:prstDash val="solid"/>
+                      <a:round/>
+                      <a:headEnd type="none" w="med" len="med"/>
+                      <a:tailEnd type="none" w="med" len="med"/>
+                    </a:lnB>
+                    <a:lnTlToBr w="12700" cmpd="sng">
+                      <a:noFill/>
+                      <a:prstDash val="solid"/>
+                    </a:lnTlToBr>
+                    <a:lnBlToTr w="12700" cmpd="sng">
+                      <a:noFill/>
+                      <a:prstDash val="solid"/>
+                    </a:lnBlToTr>
+                  </a:tcPr>
+                </a:tc>
+                <a:tc>
+                  <a:txBody>
+                    <a:bodyPr/>
+                    <a:lstStyle/>
+                    <a:p>
+                      <a:pPr algn="ctr" latinLnBrk="1"/>
+                      <a:r>
+                        <a:rPr lang="en-US" altLang="ko-KR" sz="1100" dirty="0"/>
+                        <a:t>0</a:t>
+                      </a:r>
+                      <a:endParaRPr lang="ko-KR" altLang="en-US" sz="1100" dirty="0"/>
+                    </a:p>
+                  </a:txBody>
+                  <a:tcPr anchor="ctr">
+                    <a:lnL w="12700" cap="flat" cmpd="sng" algn="ctr">
+                      <a:noFill/>
+                      <a:prstDash val="solid"/>
+                      <a:round/>
+                      <a:headEnd type="none" w="med" len="med"/>
+                      <a:tailEnd type="none" w="med" len="med"/>
+                    </a:lnL>
+                    <a:lnR w="12700" cap="flat" cmpd="sng" algn="ctr">
+                      <a:noFill/>
+                      <a:prstDash val="solid"/>
+                      <a:round/>
+                      <a:headEnd type="none" w="med" len="med"/>
+                      <a:tailEnd type="none" w="med" len="med"/>
+                    </a:lnR>
+                    <a:lnT w="12700" cap="flat" cmpd="sng" algn="ctr">
+                      <a:noFill/>
+                      <a:prstDash val="solid"/>
+                      <a:round/>
+                      <a:headEnd type="none" w="med" len="med"/>
+                      <a:tailEnd type="none" w="med" len="med"/>
+                    </a:lnT>
+                    <a:lnB w="12700" cap="flat" cmpd="sng" algn="ctr">
+                      <a:noFill/>
+                      <a:prstDash val="solid"/>
+                      <a:round/>
+                      <a:headEnd type="none" w="med" len="med"/>
+                      <a:tailEnd type="none" w="med" len="med"/>
+                    </a:lnB>
+                    <a:lnTlToBr w="12700" cmpd="sng">
+                      <a:noFill/>
+                      <a:prstDash val="solid"/>
+                    </a:lnTlToBr>
+                    <a:lnBlToTr w="12700" cmpd="sng">
+                      <a:noFill/>
+                      <a:prstDash val="solid"/>
+                    </a:lnBlToTr>
+                  </a:tcPr>
+                </a:tc>
+                <a:tc>
+                  <a:txBody>
+                    <a:bodyPr/>
+                    <a:lstStyle/>
+                    <a:p>
+                      <a:pPr algn="ctr" latinLnBrk="1"/>
+                      <a:r>
+                        <a:rPr lang="en-US" altLang="ko-KR" sz="1100" dirty="0"/>
+                        <a:t>1</a:t>
+                      </a:r>
+                      <a:endParaRPr lang="ko-KR" altLang="en-US" sz="1100" dirty="0"/>
+                    </a:p>
+                  </a:txBody>
+                  <a:tcPr anchor="ctr">
+                    <a:lnL w="12700" cap="flat" cmpd="sng" algn="ctr">
+                      <a:noFill/>
+                      <a:prstDash val="solid"/>
+                      <a:round/>
+                      <a:headEnd type="none" w="med" len="med"/>
+                      <a:tailEnd type="none" w="med" len="med"/>
+                    </a:lnL>
+                    <a:lnR w="12700" cap="flat" cmpd="sng" algn="ctr">
+                      <a:noFill/>
+                      <a:prstDash val="solid"/>
+                      <a:round/>
+                      <a:headEnd type="none" w="med" len="med"/>
+                      <a:tailEnd type="none" w="med" len="med"/>
+                    </a:lnR>
+                    <a:lnT w="12700" cap="flat" cmpd="sng" algn="ctr">
+                      <a:noFill/>
+                      <a:prstDash val="solid"/>
+                      <a:round/>
+                      <a:headEnd type="none" w="med" len="med"/>
+                      <a:tailEnd type="none" w="med" len="med"/>
+                    </a:lnT>
+                    <a:lnB w="12700" cap="flat" cmpd="sng" algn="ctr">
+                      <a:noFill/>
+                      <a:prstDash val="solid"/>
+                      <a:round/>
+                      <a:headEnd type="none" w="med" len="med"/>
+                      <a:tailEnd type="none" w="med" len="med"/>
+                    </a:lnB>
+                    <a:lnTlToBr w="12700" cmpd="sng">
+                      <a:noFill/>
+                      <a:prstDash val="solid"/>
+                    </a:lnTlToBr>
+                    <a:lnBlToTr w="12700" cmpd="sng">
+                      <a:noFill/>
+                      <a:prstDash val="solid"/>
+                    </a:lnBlToTr>
+                  </a:tcPr>
+                </a:tc>
+                <a:extLst>
+                  <a:ext uri="{0D108BD9-81ED-4DB2-BD59-A6C34878D82A}">
+                    <a16:rowId xmlns:a16="http://schemas.microsoft.com/office/drawing/2014/main" val="854797087"/>
+                  </a:ext>
+                </a:extLst>
+              </a:tr>
+              <a:tr h="370840">
+                <a:tc>
+                  <a:txBody>
+                    <a:bodyPr/>
+                    <a:lstStyle/>
+                    <a:p>
+                      <a:pPr algn="ctr" latinLnBrk="1"/>
+                      <a:r>
+                        <a:rPr lang="en-US" altLang="ko-KR" sz="1100" dirty="0"/>
+                        <a:t>+</a:t>
+                      </a:r>
+                      <a:endParaRPr lang="ko-KR" altLang="en-US" sz="1100" dirty="0"/>
+                    </a:p>
+                  </a:txBody>
+                  <a:tcPr anchor="ctr">
+                    <a:lnL w="12700" cap="flat" cmpd="sng" algn="ctr">
+                      <a:noFill/>
+                      <a:prstDash val="solid"/>
+                      <a:round/>
+                      <a:headEnd type="none" w="med" len="med"/>
+                      <a:tailEnd type="none" w="med" len="med"/>
+                    </a:lnL>
+                    <a:lnR w="12700" cap="flat" cmpd="sng" algn="ctr">
+                      <a:noFill/>
+                      <a:prstDash val="solid"/>
+                      <a:round/>
+                      <a:headEnd type="none" w="med" len="med"/>
+                      <a:tailEnd type="none" w="med" len="med"/>
+                    </a:lnR>
+                    <a:lnT w="12700" cap="flat" cmpd="sng" algn="ctr">
+                      <a:noFill/>
+                      <a:prstDash val="solid"/>
+                      <a:round/>
+                      <a:headEnd type="none" w="med" len="med"/>
+                      <a:tailEnd type="none" w="med" len="med"/>
+                    </a:lnT>
+                    <a:lnB w="12700" cap="flat" cmpd="sng" algn="ctr">
+                      <a:solidFill>
+                        <a:schemeClr val="tx1"/>
+                      </a:solidFill>
+                      <a:prstDash val="solid"/>
+                      <a:round/>
+                      <a:headEnd type="none" w="med" len="med"/>
+                      <a:tailEnd type="none" w="med" len="med"/>
+                    </a:lnB>
+                    <a:lnTlToBr w="12700" cmpd="sng">
+                      <a:noFill/>
+                      <a:prstDash val="solid"/>
+                    </a:lnTlToBr>
+                    <a:lnBlToTr w="12700" cmpd="sng">
+                      <a:noFill/>
+                      <a:prstDash val="solid"/>
+                    </a:lnBlToTr>
+                  </a:tcPr>
+                </a:tc>
+                <a:tc>
+                  <a:txBody>
+                    <a:bodyPr/>
+                    <a:lstStyle/>
+                    <a:p>
+                      <a:pPr algn="ctr" latinLnBrk="1"/>
+                      <a:r>
+                        <a:rPr lang="en-US" altLang="ko-KR" sz="1100" dirty="0"/>
+                        <a:t>1</a:t>
+                      </a:r>
+                      <a:endParaRPr lang="ko-KR" altLang="en-US" sz="1100" dirty="0"/>
+                    </a:p>
+                  </a:txBody>
+                  <a:tcPr anchor="ctr">
+                    <a:lnL w="12700" cap="flat" cmpd="sng" algn="ctr">
+                      <a:noFill/>
+                      <a:prstDash val="solid"/>
+                      <a:round/>
+                      <a:headEnd type="none" w="med" len="med"/>
+                      <a:tailEnd type="none" w="med" len="med"/>
+                    </a:lnL>
+                    <a:lnR w="12700" cap="flat" cmpd="sng" algn="ctr">
+                      <a:noFill/>
+                      <a:prstDash val="solid"/>
+                      <a:round/>
+                      <a:headEnd type="none" w="med" len="med"/>
+                      <a:tailEnd type="none" w="med" len="med"/>
+                    </a:lnR>
+                    <a:lnT w="12700" cap="flat" cmpd="sng" algn="ctr">
+                      <a:noFill/>
+                      <a:prstDash val="solid"/>
+                      <a:round/>
+                      <a:headEnd type="none" w="med" len="med"/>
+                      <a:tailEnd type="none" w="med" len="med"/>
+                    </a:lnT>
+                    <a:lnB w="12700" cap="flat" cmpd="sng" algn="ctr">
+                      <a:solidFill>
+                        <a:schemeClr val="tx1"/>
+                      </a:solidFill>
+                      <a:prstDash val="solid"/>
+                      <a:round/>
+                      <a:headEnd type="none" w="med" len="med"/>
+                      <a:tailEnd type="none" w="med" len="med"/>
+                    </a:lnB>
+                    <a:lnTlToBr w="12700" cmpd="sng">
+                      <a:noFill/>
+                      <a:prstDash val="solid"/>
+                    </a:lnTlToBr>
+                    <a:lnBlToTr w="12700" cmpd="sng">
+                      <a:noFill/>
+                      <a:prstDash val="solid"/>
+                    </a:lnBlToTr>
+                  </a:tcPr>
+                </a:tc>
+                <a:tc>
+                  <a:txBody>
+                    <a:bodyPr/>
+                    <a:lstStyle/>
+                    <a:p>
+                      <a:pPr algn="ctr" latinLnBrk="1"/>
+                      <a:r>
+                        <a:rPr lang="en-US" altLang="ko-KR" sz="1100" dirty="0"/>
+                        <a:t>1</a:t>
+                      </a:r>
+                      <a:endParaRPr lang="ko-KR" altLang="en-US" sz="1100" dirty="0"/>
+                    </a:p>
+                  </a:txBody>
+                  <a:tcPr anchor="ctr">
+                    <a:lnL w="12700" cap="flat" cmpd="sng" algn="ctr">
+                      <a:noFill/>
+                      <a:prstDash val="solid"/>
+                      <a:round/>
+                      <a:headEnd type="none" w="med" len="med"/>
+                      <a:tailEnd type="none" w="med" len="med"/>
+                    </a:lnL>
+                    <a:lnR w="12700" cap="flat" cmpd="sng" algn="ctr">
+                      <a:noFill/>
+                      <a:prstDash val="solid"/>
+                      <a:round/>
+                      <a:headEnd type="none" w="med" len="med"/>
+                      <a:tailEnd type="none" w="med" len="med"/>
+                    </a:lnR>
+                    <a:lnT w="12700" cap="flat" cmpd="sng" algn="ctr">
+                      <a:noFill/>
+                      <a:prstDash val="solid"/>
+                      <a:round/>
+                      <a:headEnd type="none" w="med" len="med"/>
+                      <a:tailEnd type="none" w="med" len="med"/>
+                    </a:lnT>
+                    <a:lnB w="12700" cap="flat" cmpd="sng" algn="ctr">
+                      <a:solidFill>
+                        <a:schemeClr val="tx1"/>
+                      </a:solidFill>
+                      <a:prstDash val="solid"/>
+                      <a:round/>
+                      <a:headEnd type="none" w="med" len="med"/>
+                      <a:tailEnd type="none" w="med" len="med"/>
+                    </a:lnB>
+                    <a:lnTlToBr w="12700" cmpd="sng">
+                      <a:noFill/>
+                      <a:prstDash val="solid"/>
+                    </a:lnTlToBr>
+                    <a:lnBlToTr w="12700" cmpd="sng">
+                      <a:noFill/>
+                      <a:prstDash val="solid"/>
+                    </a:lnBlToTr>
+                  </a:tcPr>
+                </a:tc>
+                <a:tc>
+                  <a:txBody>
+                    <a:bodyPr/>
+                    <a:lstStyle/>
+                    <a:p>
+                      <a:pPr algn="ctr" latinLnBrk="1"/>
+                      <a:r>
+                        <a:rPr lang="en-US" altLang="ko-KR" sz="1100" dirty="0"/>
+                        <a:t>1</a:t>
+                      </a:r>
+                      <a:endParaRPr lang="ko-KR" altLang="en-US" sz="1100" dirty="0"/>
+                    </a:p>
+                  </a:txBody>
+                  <a:tcPr anchor="ctr">
+                    <a:lnL w="12700" cap="flat" cmpd="sng" algn="ctr">
+                      <a:noFill/>
+                      <a:prstDash val="solid"/>
+                      <a:round/>
+                      <a:headEnd type="none" w="med" len="med"/>
+                      <a:tailEnd type="none" w="med" len="med"/>
+                    </a:lnL>
+                    <a:lnR w="12700" cap="flat" cmpd="sng" algn="ctr">
+                      <a:noFill/>
+                      <a:prstDash val="solid"/>
+                      <a:round/>
+                      <a:headEnd type="none" w="med" len="med"/>
+                      <a:tailEnd type="none" w="med" len="med"/>
+                    </a:lnR>
+                    <a:lnT w="12700" cap="flat" cmpd="sng" algn="ctr">
+                      <a:noFill/>
+                      <a:prstDash val="solid"/>
+                      <a:round/>
+                      <a:headEnd type="none" w="med" len="med"/>
+                      <a:tailEnd type="none" w="med" len="med"/>
+                    </a:lnT>
+                    <a:lnB w="12700" cap="flat" cmpd="sng" algn="ctr">
+                      <a:solidFill>
+                        <a:schemeClr val="tx1"/>
+                      </a:solidFill>
+                      <a:prstDash val="solid"/>
+                      <a:round/>
+                      <a:headEnd type="none" w="med" len="med"/>
+                      <a:tailEnd type="none" w="med" len="med"/>
+                    </a:lnB>
+                    <a:lnTlToBr w="12700" cmpd="sng">
+                      <a:noFill/>
+                      <a:prstDash val="solid"/>
+                    </a:lnTlToBr>
+                    <a:lnBlToTr w="12700" cmpd="sng">
+                      <a:noFill/>
+                      <a:prstDash val="solid"/>
+                    </a:lnBlToTr>
+                  </a:tcPr>
+                </a:tc>
+                <a:tc>
+                  <a:txBody>
+                    <a:bodyPr/>
+                    <a:lstStyle/>
+                    <a:p>
+                      <a:pPr algn="ctr" latinLnBrk="1"/>
+                      <a:r>
+                        <a:rPr lang="en-US" altLang="ko-KR" sz="1100" dirty="0"/>
+                        <a:t>1</a:t>
+                      </a:r>
+                      <a:endParaRPr lang="ko-KR" altLang="en-US" sz="1100" dirty="0"/>
+                    </a:p>
+                  </a:txBody>
+                  <a:tcPr anchor="ctr">
+                    <a:lnL w="12700" cap="flat" cmpd="sng" algn="ctr">
+                      <a:noFill/>
+                      <a:prstDash val="solid"/>
+                      <a:round/>
+                      <a:headEnd type="none" w="med" len="med"/>
+                      <a:tailEnd type="none" w="med" len="med"/>
+                    </a:lnL>
+                    <a:lnR w="12700" cap="flat" cmpd="sng" algn="ctr">
+                      <a:noFill/>
+                      <a:prstDash val="solid"/>
+                      <a:round/>
+                      <a:headEnd type="none" w="med" len="med"/>
+                      <a:tailEnd type="none" w="med" len="med"/>
+                    </a:lnR>
+                    <a:lnT w="12700" cap="flat" cmpd="sng" algn="ctr">
+                      <a:noFill/>
+                      <a:prstDash val="solid"/>
+                      <a:round/>
+                      <a:headEnd type="none" w="med" len="med"/>
+                      <a:tailEnd type="none" w="med" len="med"/>
+                    </a:lnT>
+                    <a:lnB w="12700" cap="flat" cmpd="sng" algn="ctr">
+                      <a:solidFill>
+                        <a:schemeClr val="tx1"/>
+                      </a:solidFill>
+                      <a:prstDash val="solid"/>
+                      <a:round/>
+                      <a:headEnd type="none" w="med" len="med"/>
+                      <a:tailEnd type="none" w="med" len="med"/>
+                    </a:lnB>
+                    <a:lnTlToBr w="12700" cmpd="sng">
+                      <a:noFill/>
+                      <a:prstDash val="solid"/>
+                    </a:lnTlToBr>
+                    <a:lnBlToTr w="12700" cmpd="sng">
+                      <a:noFill/>
+                      <a:prstDash val="solid"/>
+                    </a:lnBlToTr>
+                  </a:tcPr>
+                </a:tc>
+                <a:tc>
+                  <a:txBody>
+                    <a:bodyPr/>
+                    <a:lstStyle/>
+                    <a:p>
+                      <a:pPr algn="ctr" latinLnBrk="1"/>
+                      <a:r>
+                        <a:rPr lang="en-US" altLang="ko-KR" sz="1100" dirty="0"/>
+                        <a:t>0</a:t>
+                      </a:r>
+                      <a:endParaRPr lang="ko-KR" altLang="en-US" sz="1100" dirty="0"/>
+                    </a:p>
+                  </a:txBody>
+                  <a:tcPr anchor="ctr">
+                    <a:lnL w="12700" cap="flat" cmpd="sng" algn="ctr">
+                      <a:noFill/>
+                      <a:prstDash val="solid"/>
+                      <a:round/>
+                      <a:headEnd type="none" w="med" len="med"/>
+                      <a:tailEnd type="none" w="med" len="med"/>
+                    </a:lnL>
+                    <a:lnR w="12700" cap="flat" cmpd="sng" algn="ctr">
+                      <a:noFill/>
+                      <a:prstDash val="solid"/>
+                      <a:round/>
+                      <a:headEnd type="none" w="med" len="med"/>
+                      <a:tailEnd type="none" w="med" len="med"/>
+                    </a:lnR>
+                    <a:lnT w="12700" cap="flat" cmpd="sng" algn="ctr">
+                      <a:noFill/>
+                      <a:prstDash val="solid"/>
+                      <a:round/>
+                      <a:headEnd type="none" w="med" len="med"/>
+                      <a:tailEnd type="none" w="med" len="med"/>
+                    </a:lnT>
+                    <a:lnB w="12700" cap="flat" cmpd="sng" algn="ctr">
+                      <a:solidFill>
+                        <a:schemeClr val="tx1"/>
+                      </a:solidFill>
+                      <a:prstDash val="solid"/>
+                      <a:round/>
+                      <a:headEnd type="none" w="med" len="med"/>
+                      <a:tailEnd type="none" w="med" len="med"/>
+                    </a:lnB>
+                    <a:lnTlToBr w="12700" cmpd="sng">
+                      <a:noFill/>
+                      <a:prstDash val="solid"/>
+                    </a:lnTlToBr>
+                    <a:lnBlToTr w="12700" cmpd="sng">
+                      <a:noFill/>
+                      <a:prstDash val="solid"/>
+                    </a:lnBlToTr>
+                  </a:tcPr>
+                </a:tc>
+                <a:tc>
+                  <a:txBody>
+                    <a:bodyPr/>
+                    <a:lstStyle/>
+                    <a:p>
+                      <a:pPr algn="ctr" latinLnBrk="1"/>
+                      <a:r>
+                        <a:rPr lang="en-US" altLang="ko-KR" sz="1100" dirty="0"/>
+                        <a:t>1</a:t>
+                      </a:r>
+                      <a:endParaRPr lang="ko-KR" altLang="en-US" sz="1100" dirty="0"/>
+                    </a:p>
+                  </a:txBody>
+                  <a:tcPr anchor="ctr">
+                    <a:lnL w="12700" cap="flat" cmpd="sng" algn="ctr">
+                      <a:noFill/>
+                      <a:prstDash val="solid"/>
+                      <a:round/>
+                      <a:headEnd type="none" w="med" len="med"/>
+                      <a:tailEnd type="none" w="med" len="med"/>
+                    </a:lnL>
+                    <a:lnR w="12700" cap="flat" cmpd="sng" algn="ctr">
+                      <a:noFill/>
+                      <a:prstDash val="solid"/>
+                      <a:round/>
+                      <a:headEnd type="none" w="med" len="med"/>
+                      <a:tailEnd type="none" w="med" len="med"/>
+                    </a:lnR>
+                    <a:lnT w="12700" cap="flat" cmpd="sng" algn="ctr">
+                      <a:noFill/>
+                      <a:prstDash val="solid"/>
+                      <a:round/>
+                      <a:headEnd type="none" w="med" len="med"/>
+                      <a:tailEnd type="none" w="med" len="med"/>
+                    </a:lnT>
+                    <a:lnB w="12700" cap="flat" cmpd="sng" algn="ctr">
+                      <a:solidFill>
+                        <a:schemeClr val="tx1"/>
+                      </a:solidFill>
+                      <a:prstDash val="solid"/>
+                      <a:round/>
+                      <a:headEnd type="none" w="med" len="med"/>
+                      <a:tailEnd type="none" w="med" len="med"/>
+                    </a:lnB>
+                    <a:lnTlToBr w="12700" cmpd="sng">
+                      <a:noFill/>
+                      <a:prstDash val="solid"/>
+                    </a:lnTlToBr>
+                    <a:lnBlToTr w="12700" cmpd="sng">
+                      <a:noFill/>
+                      <a:prstDash val="solid"/>
+                    </a:lnBlToTr>
+                  </a:tcPr>
+                </a:tc>
+                <a:tc>
+                  <a:txBody>
+                    <a:bodyPr/>
+                    <a:lstStyle/>
+                    <a:p>
+                      <a:pPr algn="ctr" latinLnBrk="1"/>
+                      <a:r>
+                        <a:rPr lang="en-US" altLang="ko-KR" sz="1100" dirty="0"/>
+                        <a:t>0</a:t>
+                      </a:r>
+                      <a:endParaRPr lang="ko-KR" altLang="en-US" sz="1100" dirty="0"/>
+                    </a:p>
+                  </a:txBody>
+                  <a:tcPr anchor="ctr">
+                    <a:lnL w="12700" cap="flat" cmpd="sng" algn="ctr">
+                      <a:noFill/>
+                      <a:prstDash val="solid"/>
+                      <a:round/>
+                      <a:headEnd type="none" w="med" len="med"/>
+                      <a:tailEnd type="none" w="med" len="med"/>
+                    </a:lnL>
+                    <a:lnR w="12700" cap="flat" cmpd="sng" algn="ctr">
+                      <a:noFill/>
+                      <a:prstDash val="solid"/>
+                      <a:round/>
+                      <a:headEnd type="none" w="med" len="med"/>
+                      <a:tailEnd type="none" w="med" len="med"/>
+                    </a:lnR>
+                    <a:lnT w="12700" cap="flat" cmpd="sng" algn="ctr">
+                      <a:noFill/>
+                      <a:prstDash val="solid"/>
+                      <a:round/>
+                      <a:headEnd type="none" w="med" len="med"/>
+                      <a:tailEnd type="none" w="med" len="med"/>
+                    </a:lnT>
+                    <a:lnB w="12700" cap="flat" cmpd="sng" algn="ctr">
+                      <a:solidFill>
+                        <a:schemeClr val="tx1"/>
+                      </a:solidFill>
+                      <a:prstDash val="solid"/>
+                      <a:round/>
+                      <a:headEnd type="none" w="med" len="med"/>
+                      <a:tailEnd type="none" w="med" len="med"/>
+                    </a:lnB>
+                    <a:lnTlToBr w="12700" cmpd="sng">
+                      <a:noFill/>
+                      <a:prstDash val="solid"/>
+                    </a:lnTlToBr>
+                    <a:lnBlToTr w="12700" cmpd="sng">
+                      <a:noFill/>
+                      <a:prstDash val="solid"/>
+                    </a:lnBlToTr>
+                  </a:tcPr>
+                </a:tc>
+                <a:tc>
+                  <a:txBody>
+                    <a:bodyPr/>
+                    <a:lstStyle/>
+                    <a:p>
+                      <a:pPr algn="ctr" latinLnBrk="1"/>
+                      <a:r>
+                        <a:rPr lang="en-US" altLang="ko-KR" sz="1100" dirty="0"/>
+                        <a:t>0</a:t>
+                      </a:r>
+                      <a:endParaRPr lang="ko-KR" altLang="en-US" sz="1100" dirty="0"/>
+                    </a:p>
+                  </a:txBody>
+                  <a:tcPr anchor="ctr">
+                    <a:lnL w="12700" cap="flat" cmpd="sng" algn="ctr">
+                      <a:noFill/>
+                      <a:prstDash val="solid"/>
+                      <a:round/>
+                      <a:headEnd type="none" w="med" len="med"/>
+                      <a:tailEnd type="none" w="med" len="med"/>
+                    </a:lnL>
+                    <a:lnR w="12700" cap="flat" cmpd="sng" algn="ctr">
+                      <a:noFill/>
+                      <a:prstDash val="solid"/>
+                      <a:round/>
+                      <a:headEnd type="none" w="med" len="med"/>
+                      <a:tailEnd type="none" w="med" len="med"/>
+                    </a:lnR>
+                    <a:lnT w="12700" cap="flat" cmpd="sng" algn="ctr">
+                      <a:noFill/>
+                      <a:prstDash val="solid"/>
+                      <a:round/>
+                      <a:headEnd type="none" w="med" len="med"/>
+                      <a:tailEnd type="none" w="med" len="med"/>
+                    </a:lnT>
+                    <a:lnB w="12700" cap="flat" cmpd="sng" algn="ctr">
+                      <a:solidFill>
+                        <a:schemeClr val="tx1"/>
+                      </a:solidFill>
+                      <a:prstDash val="solid"/>
+                      <a:round/>
+                      <a:headEnd type="none" w="med" len="med"/>
+                      <a:tailEnd type="none" w="med" len="med"/>
+                    </a:lnB>
+                    <a:lnTlToBr w="12700" cmpd="sng">
+                      <a:noFill/>
+                      <a:prstDash val="solid"/>
+                    </a:lnTlToBr>
+                    <a:lnBlToTr w="12700" cmpd="sng">
+                      <a:noFill/>
+                      <a:prstDash val="solid"/>
+                    </a:lnBlToTr>
+                  </a:tcPr>
+                </a:tc>
+                <a:extLst>
+                  <a:ext uri="{0D108BD9-81ED-4DB2-BD59-A6C34878D82A}">
+                    <a16:rowId xmlns:a16="http://schemas.microsoft.com/office/drawing/2014/main" val="2526188099"/>
+                  </a:ext>
+                </a:extLst>
+              </a:tr>
+              <a:tr h="370840">
+                <a:tc>
+                  <a:txBody>
+                    <a:bodyPr/>
+                    <a:lstStyle/>
+                    <a:p>
+                      <a:pPr algn="ctr" latinLnBrk="1"/>
+                      <a:r>
+                        <a:rPr lang="en-US" altLang="ko-KR" sz="1100" b="1" dirty="0">
+                          <a:solidFill>
+                            <a:srgbClr val="FF0000"/>
+                          </a:solidFill>
+                        </a:rPr>
+                        <a:t>1</a:t>
+                      </a:r>
+                      <a:endParaRPr lang="ko-KR" altLang="en-US" sz="1100" b="1" dirty="0">
+                        <a:solidFill>
+                          <a:srgbClr val="FF0000"/>
+                        </a:solidFill>
+                      </a:endParaRPr>
+                    </a:p>
+                  </a:txBody>
+                  <a:tcPr anchor="ctr">
+                    <a:lnL w="12700" cmpd="sng">
+                      <a:noFill/>
+                    </a:lnL>
+                    <a:lnR w="12700" cmpd="sng">
+                      <a:noFill/>
+                    </a:lnR>
+                    <a:lnT w="12700" cap="flat" cmpd="sng" algn="ctr">
+                      <a:solidFill>
+                        <a:schemeClr val="tx1"/>
+                      </a:solidFill>
+                      <a:prstDash val="solid"/>
+                      <a:round/>
+                      <a:headEnd type="none" w="med" len="med"/>
+                      <a:tailEnd type="none" w="med" len="med"/>
+                    </a:lnT>
+                    <a:lnB w="12700" cap="flat" cmpd="sng" algn="ctr">
+                      <a:noFill/>
+                      <a:prstDash val="solid"/>
+                      <a:round/>
+                      <a:headEnd type="none" w="med" len="med"/>
+                      <a:tailEnd type="none" w="med" len="med"/>
+                    </a:lnB>
+                    <a:lnTlToBr w="12700" cmpd="sng">
+                      <a:noFill/>
+                      <a:prstDash val="solid"/>
+                    </a:lnTlToBr>
+                    <a:lnBlToTr w="12700" cmpd="sng">
+                      <a:noFill/>
+                      <a:prstDash val="solid"/>
+                    </a:lnBlToTr>
+                  </a:tcPr>
+                </a:tc>
+                <a:tc>
+                  <a:txBody>
+                    <a:bodyPr/>
+                    <a:lstStyle/>
+                    <a:p>
+                      <a:pPr algn="ctr" latinLnBrk="1"/>
+                      <a:r>
+                        <a:rPr lang="en-US" altLang="ko-KR" sz="1100" dirty="0"/>
+                        <a:t>1</a:t>
+                      </a:r>
+                      <a:endParaRPr lang="ko-KR" altLang="en-US" sz="1100" dirty="0"/>
+                    </a:p>
+                  </a:txBody>
+                  <a:tcPr anchor="ctr">
+                    <a:lnL w="12700" cmpd="sng">
+                      <a:noFill/>
+                    </a:lnL>
+                    <a:lnR w="12700" cmpd="sng">
+                      <a:noFill/>
+                    </a:lnR>
+                    <a:lnT w="12700" cap="flat" cmpd="sng" algn="ctr">
+                      <a:solidFill>
+                        <a:schemeClr val="tx1"/>
+                      </a:solidFill>
+                      <a:prstDash val="solid"/>
+                      <a:round/>
+                      <a:headEnd type="none" w="med" len="med"/>
+                      <a:tailEnd type="none" w="med" len="med"/>
+                    </a:lnT>
+                    <a:lnB w="12700" cap="flat" cmpd="sng" algn="ctr">
+                      <a:noFill/>
+                      <a:prstDash val="solid"/>
+                      <a:round/>
+                      <a:headEnd type="none" w="med" len="med"/>
+                      <a:tailEnd type="none" w="med" len="med"/>
+                    </a:lnB>
+                    <a:lnTlToBr w="12700" cmpd="sng">
+                      <a:noFill/>
+                      <a:prstDash val="solid"/>
+                    </a:lnTlToBr>
+                    <a:lnBlToTr w="12700" cmpd="sng">
+                      <a:noFill/>
+                      <a:prstDash val="solid"/>
+                    </a:lnBlToTr>
+                  </a:tcPr>
+                </a:tc>
+                <a:tc>
+                  <a:txBody>
+                    <a:bodyPr/>
+                    <a:lstStyle/>
+                    <a:p>
+                      <a:pPr algn="ctr" latinLnBrk="1"/>
+                      <a:r>
+                        <a:rPr lang="en-US" altLang="ko-KR" sz="1100" dirty="0"/>
+                        <a:t>1</a:t>
+                      </a:r>
+                      <a:endParaRPr lang="ko-KR" altLang="en-US" sz="1100" dirty="0"/>
+                    </a:p>
+                  </a:txBody>
+                  <a:tcPr anchor="ctr">
+                    <a:lnL w="12700" cmpd="sng">
+                      <a:noFill/>
+                    </a:lnL>
+                    <a:lnR w="12700" cmpd="sng">
+                      <a:noFill/>
+                    </a:lnR>
+                    <a:lnT w="12700" cap="flat" cmpd="sng" algn="ctr">
+                      <a:solidFill>
+                        <a:schemeClr val="tx1"/>
+                      </a:solidFill>
+                      <a:prstDash val="solid"/>
+                      <a:round/>
+                      <a:headEnd type="none" w="med" len="med"/>
+                      <a:tailEnd type="none" w="med" len="med"/>
+                    </a:lnT>
+                    <a:lnB w="12700" cap="flat" cmpd="sng" algn="ctr">
+                      <a:noFill/>
+                      <a:prstDash val="solid"/>
+                      <a:round/>
+                      <a:headEnd type="none" w="med" len="med"/>
+                      <a:tailEnd type="none" w="med" len="med"/>
+                    </a:lnB>
+                    <a:lnTlToBr w="12700" cmpd="sng">
+                      <a:noFill/>
+                      <a:prstDash val="solid"/>
+                    </a:lnTlToBr>
+                    <a:lnBlToTr w="12700" cmpd="sng">
+                      <a:noFill/>
+                      <a:prstDash val="solid"/>
+                    </a:lnBlToTr>
+                  </a:tcPr>
+                </a:tc>
+                <a:tc>
+                  <a:txBody>
+                    <a:bodyPr/>
+                    <a:lstStyle/>
+                    <a:p>
+                      <a:pPr algn="ctr" latinLnBrk="1"/>
+                      <a:r>
+                        <a:rPr lang="en-US" altLang="ko-KR" sz="1100" dirty="0"/>
+                        <a:t>1</a:t>
+                      </a:r>
+                      <a:endParaRPr lang="ko-KR" altLang="en-US" sz="1100" dirty="0"/>
+                    </a:p>
+                  </a:txBody>
+                  <a:tcPr anchor="ctr">
+                    <a:lnL w="12700" cmpd="sng">
+                      <a:noFill/>
+                    </a:lnL>
+                    <a:lnR w="12700" cmpd="sng">
+                      <a:noFill/>
+                    </a:lnR>
+                    <a:lnT w="12700" cap="flat" cmpd="sng" algn="ctr">
+                      <a:solidFill>
+                        <a:schemeClr val="tx1"/>
+                      </a:solidFill>
+                      <a:prstDash val="solid"/>
+                      <a:round/>
+                      <a:headEnd type="none" w="med" len="med"/>
+                      <a:tailEnd type="none" w="med" len="med"/>
+                    </a:lnT>
+                    <a:lnB w="12700" cap="flat" cmpd="sng" algn="ctr">
+                      <a:noFill/>
+                      <a:prstDash val="solid"/>
+                      <a:round/>
+                      <a:headEnd type="none" w="med" len="med"/>
+                      <a:tailEnd type="none" w="med" len="med"/>
+                    </a:lnB>
+                    <a:lnTlToBr w="12700" cmpd="sng">
+                      <a:noFill/>
+                      <a:prstDash val="solid"/>
+                    </a:lnTlToBr>
+                    <a:lnBlToTr w="12700" cmpd="sng">
+                      <a:noFill/>
+                      <a:prstDash val="solid"/>
+                    </a:lnBlToTr>
+                  </a:tcPr>
+                </a:tc>
+                <a:tc>
+                  <a:txBody>
+                    <a:bodyPr/>
+                    <a:lstStyle/>
+                    <a:p>
+                      <a:pPr algn="ctr" latinLnBrk="1"/>
+                      <a:r>
+                        <a:rPr lang="en-US" altLang="ko-KR" sz="1100" dirty="0"/>
+                        <a:t>0</a:t>
+                      </a:r>
+                      <a:endParaRPr lang="ko-KR" altLang="en-US" sz="1100" dirty="0"/>
+                    </a:p>
+                  </a:txBody>
+                  <a:tcPr anchor="ctr">
+                    <a:lnL w="12700" cmpd="sng">
+                      <a:noFill/>
+                    </a:lnL>
+                    <a:lnR w="12700" cmpd="sng">
+                      <a:noFill/>
+                    </a:lnR>
+                    <a:lnT w="12700" cap="flat" cmpd="sng" algn="ctr">
+                      <a:solidFill>
+                        <a:schemeClr val="tx1"/>
+                      </a:solidFill>
+                      <a:prstDash val="solid"/>
+                      <a:round/>
+                      <a:headEnd type="none" w="med" len="med"/>
+                      <a:tailEnd type="none" w="med" len="med"/>
+                    </a:lnT>
+                    <a:lnB w="12700" cap="flat" cmpd="sng" algn="ctr">
+                      <a:noFill/>
+                      <a:prstDash val="solid"/>
+                      <a:round/>
+                      <a:headEnd type="none" w="med" len="med"/>
+                      <a:tailEnd type="none" w="med" len="med"/>
+                    </a:lnB>
+                    <a:lnTlToBr w="12700" cmpd="sng">
+                      <a:noFill/>
+                      <a:prstDash val="solid"/>
+                    </a:lnTlToBr>
+                    <a:lnBlToTr w="12700" cmpd="sng">
+                      <a:noFill/>
+                      <a:prstDash val="solid"/>
+                    </a:lnBlToTr>
+                  </a:tcPr>
+                </a:tc>
+                <a:tc>
+                  <a:txBody>
+                    <a:bodyPr/>
+                    <a:lstStyle/>
+                    <a:p>
+                      <a:pPr algn="ctr" latinLnBrk="1"/>
+                      <a:r>
+                        <a:rPr lang="en-US" altLang="ko-KR" sz="1100" dirty="0"/>
+                        <a:t>1</a:t>
+                      </a:r>
+                      <a:endParaRPr lang="ko-KR" altLang="en-US" sz="1100" dirty="0"/>
+                    </a:p>
+                  </a:txBody>
+                  <a:tcPr anchor="ctr">
+                    <a:lnL w="12700" cmpd="sng">
+                      <a:noFill/>
+                    </a:lnL>
+                    <a:lnR w="12700" cmpd="sng">
+                      <a:noFill/>
+                    </a:lnR>
+                    <a:lnT w="12700" cap="flat" cmpd="sng" algn="ctr">
+                      <a:solidFill>
+                        <a:schemeClr val="tx1"/>
+                      </a:solidFill>
+                      <a:prstDash val="solid"/>
+                      <a:round/>
+                      <a:headEnd type="none" w="med" len="med"/>
+                      <a:tailEnd type="none" w="med" len="med"/>
+                    </a:lnT>
+                    <a:lnB w="12700" cap="flat" cmpd="sng" algn="ctr">
+                      <a:noFill/>
+                      <a:prstDash val="solid"/>
+                      <a:round/>
+                      <a:headEnd type="none" w="med" len="med"/>
+                      <a:tailEnd type="none" w="med" len="med"/>
+                    </a:lnB>
+                    <a:lnTlToBr w="12700" cmpd="sng">
+                      <a:noFill/>
+                      <a:prstDash val="solid"/>
+                    </a:lnTlToBr>
+                    <a:lnBlToTr w="12700" cmpd="sng">
+                      <a:noFill/>
+                      <a:prstDash val="solid"/>
+                    </a:lnBlToTr>
+                  </a:tcPr>
+                </a:tc>
+                <a:tc>
+                  <a:txBody>
+                    <a:bodyPr/>
+                    <a:lstStyle/>
+                    <a:p>
+                      <a:pPr algn="ctr" latinLnBrk="1"/>
+                      <a:r>
+                        <a:rPr lang="en-US" altLang="ko-KR" sz="1100" dirty="0"/>
+                        <a:t>0</a:t>
+                      </a:r>
+                      <a:endParaRPr lang="ko-KR" altLang="en-US" sz="1100" dirty="0"/>
+                    </a:p>
+                  </a:txBody>
+                  <a:tcPr anchor="ctr">
+                    <a:lnL w="12700" cmpd="sng">
+                      <a:noFill/>
+                    </a:lnL>
+                    <a:lnR w="12700" cmpd="sng">
+                      <a:noFill/>
+                    </a:lnR>
+                    <a:lnT w="12700" cap="flat" cmpd="sng" algn="ctr">
+                      <a:solidFill>
+                        <a:schemeClr val="tx1"/>
+                      </a:solidFill>
+                      <a:prstDash val="solid"/>
+                      <a:round/>
+                      <a:headEnd type="none" w="med" len="med"/>
+                      <a:tailEnd type="none" w="med" len="med"/>
+                    </a:lnT>
+                    <a:lnB w="12700" cap="flat" cmpd="sng" algn="ctr">
+                      <a:noFill/>
+                      <a:prstDash val="solid"/>
+                      <a:round/>
+                      <a:headEnd type="none" w="med" len="med"/>
+                      <a:tailEnd type="none" w="med" len="med"/>
+                    </a:lnB>
+                    <a:lnTlToBr w="12700" cmpd="sng">
+                      <a:noFill/>
+                      <a:prstDash val="solid"/>
+                    </a:lnTlToBr>
+                    <a:lnBlToTr w="12700" cmpd="sng">
+                      <a:noFill/>
+                      <a:prstDash val="solid"/>
+                    </a:lnBlToTr>
+                  </a:tcPr>
+                </a:tc>
+                <a:tc>
+                  <a:txBody>
+                    <a:bodyPr/>
+                    <a:lstStyle/>
+                    <a:p>
+                      <a:pPr algn="ctr" latinLnBrk="1"/>
+                      <a:r>
+                        <a:rPr lang="en-US" altLang="ko-KR" sz="1100" dirty="0"/>
+                        <a:t>0</a:t>
+                      </a:r>
+                      <a:endParaRPr lang="ko-KR" altLang="en-US" sz="1100" dirty="0"/>
+                    </a:p>
+                  </a:txBody>
+                  <a:tcPr anchor="ctr">
+                    <a:lnL w="12700" cmpd="sng">
+                      <a:noFill/>
+                    </a:lnL>
+                    <a:lnR w="12700" cmpd="sng">
+                      <a:noFill/>
+                    </a:lnR>
+                    <a:lnT w="12700" cap="flat" cmpd="sng" algn="ctr">
+                      <a:solidFill>
+                        <a:schemeClr val="tx1"/>
+                      </a:solidFill>
+                      <a:prstDash val="solid"/>
+                      <a:round/>
+                      <a:headEnd type="none" w="med" len="med"/>
+                      <a:tailEnd type="none" w="med" len="med"/>
+                    </a:lnT>
+                    <a:lnB w="12700" cap="flat" cmpd="sng" algn="ctr">
+                      <a:noFill/>
+                      <a:prstDash val="solid"/>
+                      <a:round/>
+                      <a:headEnd type="none" w="med" len="med"/>
+                      <a:tailEnd type="none" w="med" len="med"/>
+                    </a:lnB>
+                    <a:lnTlToBr w="12700" cmpd="sng">
+                      <a:noFill/>
+                      <a:prstDash val="solid"/>
+                    </a:lnTlToBr>
+                    <a:lnBlToTr w="12700" cmpd="sng">
+                      <a:noFill/>
+                      <a:prstDash val="solid"/>
+                    </a:lnBlToTr>
+                  </a:tcPr>
+                </a:tc>
+                <a:tc>
+                  <a:txBody>
+                    <a:bodyPr/>
+                    <a:lstStyle/>
+                    <a:p>
+                      <a:pPr algn="ctr" latinLnBrk="1"/>
+                      <a:r>
+                        <a:rPr lang="en-US" altLang="ko-KR" sz="1100" dirty="0"/>
+                        <a:t>1</a:t>
+                      </a:r>
+                      <a:endParaRPr lang="ko-KR" altLang="en-US" sz="1100" dirty="0"/>
+                    </a:p>
+                  </a:txBody>
+                  <a:tcPr anchor="ctr">
+                    <a:lnL w="12700" cmpd="sng">
+                      <a:noFill/>
+                    </a:lnL>
+                    <a:lnR w="12700" cmpd="sng">
+                      <a:noFill/>
+                    </a:lnR>
+                    <a:lnT w="12700" cap="flat" cmpd="sng" algn="ctr">
+                      <a:solidFill>
+                        <a:schemeClr val="tx1"/>
+                      </a:solidFill>
+                      <a:prstDash val="solid"/>
+                      <a:round/>
+                      <a:headEnd type="none" w="med" len="med"/>
+                      <a:tailEnd type="none" w="med" len="med"/>
+                    </a:lnT>
+                    <a:lnB w="12700" cap="flat" cmpd="sng" algn="ctr">
+                      <a:noFill/>
+                      <a:prstDash val="solid"/>
+                      <a:round/>
+                      <a:headEnd type="none" w="med" len="med"/>
+                      <a:tailEnd type="none" w="med" len="med"/>
+                    </a:lnB>
+                    <a:lnTlToBr w="12700" cmpd="sng">
+                      <a:noFill/>
+                      <a:prstDash val="solid"/>
+                    </a:lnTlToBr>
+                    <a:lnBlToTr w="12700" cmpd="sng">
+                      <a:noFill/>
+                      <a:prstDash val="solid"/>
+                    </a:lnBlToTr>
+                  </a:tcPr>
+                </a:tc>
+                <a:extLst>
+                  <a:ext uri="{0D108BD9-81ED-4DB2-BD59-A6C34878D82A}">
+                    <a16:rowId xmlns:a16="http://schemas.microsoft.com/office/drawing/2014/main" val="2465978174"/>
+                  </a:ext>
+                </a:extLst>
+              </a:tr>
+              <a:tr h="370840">
+                <a:tc>
+                  <a:txBody>
+                    <a:bodyPr/>
+                    <a:lstStyle/>
+                    <a:p>
+                      <a:pPr algn="ctr" latinLnBrk="1"/>
+                      <a:endParaRPr lang="ko-KR" altLang="en-US" sz="1100" b="1" dirty="0">
+                        <a:solidFill>
+                          <a:srgbClr val="FF0000"/>
+                        </a:solidFill>
+                      </a:endParaRPr>
+                    </a:p>
+                  </a:txBody>
+                  <a:tcPr anchor="ctr">
+                    <a:lnL w="12700" cmpd="sng">
+                      <a:noFill/>
+                    </a:lnL>
+                    <a:lnR w="12700" cmpd="sng">
+                      <a:noFill/>
+                    </a:lnR>
+                    <a:lnT w="12700" cap="flat" cmpd="sng" algn="ctr">
+                      <a:noFill/>
+                      <a:prstDash val="solid"/>
+                      <a:round/>
+                      <a:headEnd type="none" w="med" len="med"/>
+                      <a:tailEnd type="none" w="med" len="med"/>
+                    </a:lnT>
+                    <a:lnB w="12700" cmpd="sng">
+                      <a:noFill/>
+                    </a:lnB>
+                    <a:lnTlToBr w="12700" cmpd="sng">
+                      <a:noFill/>
+                      <a:prstDash val="solid"/>
+                    </a:lnTlToBr>
+                    <a:lnBlToTr w="12700" cmpd="sng">
+                      <a:noFill/>
+                      <a:prstDash val="solid"/>
+                    </a:lnBlToTr>
+                  </a:tcPr>
+                </a:tc>
+                <a:tc>
+                  <a:txBody>
+                    <a:bodyPr/>
+                    <a:lstStyle/>
+                    <a:p>
+                      <a:pPr algn="ctr" latinLnBrk="1"/>
+                      <a:r>
+                        <a:rPr lang="en-US" altLang="ko-KR" sz="1100" dirty="0"/>
+                        <a:t>1</a:t>
+                      </a:r>
+                      <a:endParaRPr lang="ko-KR" altLang="en-US" sz="1100" dirty="0"/>
+                    </a:p>
+                  </a:txBody>
+                  <a:tcPr anchor="ctr">
+                    <a:lnL w="12700" cmpd="sng">
+                      <a:noFill/>
+                    </a:lnL>
+                    <a:lnR w="12700" cmpd="sng">
+                      <a:noFill/>
+                    </a:lnR>
+                    <a:lnT w="12700" cap="flat" cmpd="sng" algn="ctr">
+                      <a:noFill/>
+                      <a:prstDash val="solid"/>
+                      <a:round/>
+                      <a:headEnd type="none" w="med" len="med"/>
+                      <a:tailEnd type="none" w="med" len="med"/>
+                    </a:lnT>
+                    <a:lnB w="12700" cmpd="sng">
+                      <a:noFill/>
+                    </a:lnB>
+                    <a:lnTlToBr w="12700" cmpd="sng">
+                      <a:noFill/>
+                      <a:prstDash val="solid"/>
+                    </a:lnTlToBr>
+                    <a:lnBlToTr w="12700" cmpd="sng">
+                      <a:noFill/>
+                      <a:prstDash val="solid"/>
+                    </a:lnBlToTr>
+                  </a:tcPr>
+                </a:tc>
+                <a:tc>
+                  <a:txBody>
+                    <a:bodyPr/>
+                    <a:lstStyle/>
+                    <a:p>
+                      <a:pPr algn="ctr" latinLnBrk="1"/>
+                      <a:r>
+                        <a:rPr lang="en-US" altLang="ko-KR" sz="1100" dirty="0"/>
+                        <a:t>1</a:t>
+                      </a:r>
+                      <a:endParaRPr lang="ko-KR" altLang="en-US" sz="1100" dirty="0"/>
+                    </a:p>
+                  </a:txBody>
+                  <a:tcPr anchor="ctr">
+                    <a:lnL w="12700" cmpd="sng">
+                      <a:noFill/>
+                    </a:lnL>
+                    <a:lnR w="12700" cmpd="sng">
+                      <a:noFill/>
+                    </a:lnR>
+                    <a:lnT w="12700" cap="flat" cmpd="sng" algn="ctr">
+                      <a:noFill/>
+                      <a:prstDash val="solid"/>
+                      <a:round/>
+                      <a:headEnd type="none" w="med" len="med"/>
+                      <a:tailEnd type="none" w="med" len="med"/>
+                    </a:lnT>
+                    <a:lnB w="12700" cmpd="sng">
+                      <a:noFill/>
+                    </a:lnB>
+                    <a:lnTlToBr w="12700" cmpd="sng">
+                      <a:noFill/>
+                      <a:prstDash val="solid"/>
+                    </a:lnTlToBr>
+                    <a:lnBlToTr w="12700" cmpd="sng">
+                      <a:noFill/>
+                      <a:prstDash val="solid"/>
+                    </a:lnBlToTr>
+                  </a:tcPr>
+                </a:tc>
+                <a:tc>
+                  <a:txBody>
+                    <a:bodyPr/>
+                    <a:lstStyle/>
+                    <a:p>
+                      <a:pPr algn="ctr" latinLnBrk="1"/>
+                      <a:r>
+                        <a:rPr lang="en-US" altLang="ko-KR" sz="1100" dirty="0"/>
+                        <a:t>1</a:t>
+                      </a:r>
+                      <a:endParaRPr lang="ko-KR" altLang="en-US" sz="1100" dirty="0"/>
+                    </a:p>
+                  </a:txBody>
+                  <a:tcPr anchor="ctr">
+                    <a:lnL w="12700" cmpd="sng">
+                      <a:noFill/>
+                    </a:lnL>
+                    <a:lnR w="12700" cmpd="sng">
+                      <a:noFill/>
+                    </a:lnR>
+                    <a:lnT w="12700" cap="flat" cmpd="sng" algn="ctr">
+                      <a:noFill/>
+                      <a:prstDash val="solid"/>
+                      <a:round/>
+                      <a:headEnd type="none" w="med" len="med"/>
+                      <a:tailEnd type="none" w="med" len="med"/>
+                    </a:lnT>
+                    <a:lnB w="12700" cmpd="sng">
+                      <a:noFill/>
+                    </a:lnB>
+                    <a:lnTlToBr w="12700" cmpd="sng">
+                      <a:noFill/>
+                      <a:prstDash val="solid"/>
+                    </a:lnTlToBr>
+                    <a:lnBlToTr w="12700" cmpd="sng">
+                      <a:noFill/>
+                      <a:prstDash val="solid"/>
+                    </a:lnBlToTr>
+                  </a:tcPr>
+                </a:tc>
+                <a:tc>
+                  <a:txBody>
+                    <a:bodyPr/>
+                    <a:lstStyle/>
+                    <a:p>
+                      <a:pPr algn="ctr" latinLnBrk="1"/>
+                      <a:r>
+                        <a:rPr lang="en-US" altLang="ko-KR" sz="1100" dirty="0"/>
+                        <a:t>0</a:t>
+                      </a:r>
+                      <a:endParaRPr lang="ko-KR" altLang="en-US" sz="1100" dirty="0"/>
+                    </a:p>
+                  </a:txBody>
+                  <a:tcPr anchor="ctr">
+                    <a:lnL w="12700" cmpd="sng">
+                      <a:noFill/>
+                    </a:lnL>
+                    <a:lnR w="12700" cmpd="sng">
+                      <a:noFill/>
+                    </a:lnR>
+                    <a:lnT w="12700" cap="flat" cmpd="sng" algn="ctr">
+                      <a:noFill/>
+                      <a:prstDash val="solid"/>
+                      <a:round/>
+                      <a:headEnd type="none" w="med" len="med"/>
+                      <a:tailEnd type="none" w="med" len="med"/>
+                    </a:lnT>
+                    <a:lnB w="12700" cmpd="sng">
+                      <a:noFill/>
+                    </a:lnB>
+                    <a:lnTlToBr w="12700" cmpd="sng">
+                      <a:noFill/>
+                      <a:prstDash val="solid"/>
+                    </a:lnTlToBr>
+                    <a:lnBlToTr w="12700" cmpd="sng">
+                      <a:noFill/>
+                      <a:prstDash val="solid"/>
+                    </a:lnBlToTr>
+                  </a:tcPr>
+                </a:tc>
+                <a:tc>
+                  <a:txBody>
+                    <a:bodyPr/>
+                    <a:lstStyle/>
+                    <a:p>
+                      <a:pPr algn="ctr" latinLnBrk="1"/>
+                      <a:r>
+                        <a:rPr lang="en-US" altLang="ko-KR" sz="1100" dirty="0"/>
+                        <a:t>1</a:t>
+                      </a:r>
+                      <a:endParaRPr lang="ko-KR" altLang="en-US" sz="1100" dirty="0"/>
+                    </a:p>
+                  </a:txBody>
+                  <a:tcPr anchor="ctr">
+                    <a:lnL w="12700" cmpd="sng">
+                      <a:noFill/>
+                    </a:lnL>
+                    <a:lnR w="12700" cmpd="sng">
+                      <a:noFill/>
+                    </a:lnR>
+                    <a:lnT w="12700" cap="flat" cmpd="sng" algn="ctr">
+                      <a:noFill/>
+                      <a:prstDash val="solid"/>
+                      <a:round/>
+                      <a:headEnd type="none" w="med" len="med"/>
+                      <a:tailEnd type="none" w="med" len="med"/>
+                    </a:lnT>
+                    <a:lnB w="12700" cmpd="sng">
+                      <a:noFill/>
+                    </a:lnB>
+                    <a:lnTlToBr w="12700" cmpd="sng">
+                      <a:noFill/>
+                      <a:prstDash val="solid"/>
+                    </a:lnTlToBr>
+                    <a:lnBlToTr w="12700" cmpd="sng">
+                      <a:noFill/>
+                      <a:prstDash val="solid"/>
+                    </a:lnBlToTr>
+                  </a:tcPr>
+                </a:tc>
+                <a:tc>
+                  <a:txBody>
+                    <a:bodyPr/>
+                    <a:lstStyle/>
+                    <a:p>
+                      <a:pPr algn="ctr" latinLnBrk="1"/>
+                      <a:r>
+                        <a:rPr lang="en-US" altLang="ko-KR" sz="1100" dirty="0"/>
+                        <a:t>0</a:t>
+                      </a:r>
+                      <a:endParaRPr lang="ko-KR" altLang="en-US" sz="1100" dirty="0"/>
+                    </a:p>
+                  </a:txBody>
+                  <a:tcPr anchor="ctr">
+                    <a:lnL w="12700" cmpd="sng">
+                      <a:noFill/>
+                    </a:lnL>
+                    <a:lnR w="12700" cmpd="sng">
+                      <a:noFill/>
+                    </a:lnR>
+                    <a:lnT w="12700" cap="flat" cmpd="sng" algn="ctr">
+                      <a:noFill/>
+                      <a:prstDash val="solid"/>
+                      <a:round/>
+                      <a:headEnd type="none" w="med" len="med"/>
+                      <a:tailEnd type="none" w="med" len="med"/>
+                    </a:lnT>
+                    <a:lnB w="12700" cmpd="sng">
+                      <a:noFill/>
+                    </a:lnB>
+                    <a:lnTlToBr w="12700" cmpd="sng">
+                      <a:noFill/>
+                      <a:prstDash val="solid"/>
+                    </a:lnTlToBr>
+                    <a:lnBlToTr w="12700" cmpd="sng">
+                      <a:noFill/>
+                      <a:prstDash val="solid"/>
+                    </a:lnBlToTr>
+                  </a:tcPr>
+                </a:tc>
+                <a:tc>
+                  <a:txBody>
+                    <a:bodyPr/>
+                    <a:lstStyle/>
+                    <a:p>
+                      <a:pPr algn="ctr" latinLnBrk="1"/>
+                      <a:r>
+                        <a:rPr lang="en-US" altLang="ko-KR" sz="1100" b="1" dirty="0">
+                          <a:solidFill>
+                            <a:srgbClr val="FF0000"/>
+                          </a:solidFill>
+                        </a:rPr>
+                        <a:t>1</a:t>
+                      </a:r>
+                      <a:endParaRPr lang="ko-KR" altLang="en-US" sz="1100" b="1" dirty="0">
+                        <a:solidFill>
+                          <a:srgbClr val="FF0000"/>
+                        </a:solidFill>
+                      </a:endParaRPr>
+                    </a:p>
+                  </a:txBody>
+                  <a:tcPr anchor="ctr">
+                    <a:lnL w="12700" cmpd="sng">
+                      <a:noFill/>
+                    </a:lnL>
+                    <a:lnR w="12700" cmpd="sng">
+                      <a:noFill/>
+                    </a:lnR>
+                    <a:lnT w="12700" cap="flat" cmpd="sng" algn="ctr">
+                      <a:noFill/>
+                      <a:prstDash val="solid"/>
+                      <a:round/>
+                      <a:headEnd type="none" w="med" len="med"/>
+                      <a:tailEnd type="none" w="med" len="med"/>
+                    </a:lnT>
+                    <a:lnB w="12700" cmpd="sng">
+                      <a:noFill/>
+                    </a:lnB>
+                    <a:lnTlToBr w="12700" cmpd="sng">
+                      <a:noFill/>
+                      <a:prstDash val="solid"/>
+                    </a:lnTlToBr>
+                    <a:lnBlToTr w="12700" cmpd="sng">
+                      <a:noFill/>
+                      <a:prstDash val="solid"/>
+                    </a:lnBlToTr>
+                  </a:tcPr>
+                </a:tc>
+                <a:tc>
+                  <a:txBody>
+                    <a:bodyPr/>
+                    <a:lstStyle/>
+                    <a:p>
+                      <a:pPr algn="ctr" latinLnBrk="1"/>
+                      <a:r>
+                        <a:rPr lang="en-US" altLang="ko-KR" sz="1100" b="1" dirty="0">
+                          <a:solidFill>
+                            <a:srgbClr val="FF0000"/>
+                          </a:solidFill>
+                        </a:rPr>
+                        <a:t>0</a:t>
+                      </a:r>
+                      <a:endParaRPr lang="ko-KR" altLang="en-US" sz="1100" b="1" dirty="0">
+                        <a:solidFill>
+                          <a:srgbClr val="FF0000"/>
+                        </a:solidFill>
+                      </a:endParaRPr>
+                    </a:p>
+                  </a:txBody>
+                  <a:tcPr anchor="ctr">
+                    <a:lnL w="12700" cmpd="sng">
+                      <a:noFill/>
+                    </a:lnL>
+                    <a:lnR w="12700" cmpd="sng">
+                      <a:noFill/>
+                    </a:lnR>
+                    <a:lnT w="12700" cap="flat" cmpd="sng" algn="ctr">
+                      <a:noFill/>
+                      <a:prstDash val="solid"/>
+                      <a:round/>
+                      <a:headEnd type="none" w="med" len="med"/>
+                      <a:tailEnd type="none" w="med" len="med"/>
+                    </a:lnT>
+                    <a:lnB w="12700" cmpd="sng">
+                      <a:noFill/>
+                    </a:lnB>
+                    <a:lnTlToBr w="12700" cmpd="sng">
+                      <a:noFill/>
+                      <a:prstDash val="solid"/>
+                    </a:lnTlToBr>
+                    <a:lnBlToTr w="12700" cmpd="sng">
+                      <a:noFill/>
+                      <a:prstDash val="solid"/>
+                    </a:lnBlToTr>
+                  </a:tcPr>
+                </a:tc>
+                <a:extLst>
+                  <a:ext uri="{0D108BD9-81ED-4DB2-BD59-A6C34878D82A}">
+                    <a16:rowId xmlns:a16="http://schemas.microsoft.com/office/drawing/2014/main" val="3852016882"/>
+                  </a:ext>
+                </a:extLst>
+              </a:tr>
+              <a:tr h="370840">
+                <a:tc>
+                  <a:txBody>
+                    <a:bodyPr/>
+                    <a:lstStyle/>
+                    <a:p>
+                      <a:pPr algn="ctr" latinLnBrk="1"/>
+                      <a:endParaRPr lang="ko-KR" altLang="en-US" sz="1100" b="1" dirty="0">
+                        <a:solidFill>
+                          <a:srgbClr val="FF0000"/>
+                        </a:solidFill>
+                      </a:endParaRPr>
+                    </a:p>
+                  </a:txBody>
+                  <a:tcPr anchor="ctr">
+                    <a:lnL w="12700" cmpd="sng">
+                      <a:noFill/>
+                    </a:lnL>
+                    <a:lnR w="12700" cmpd="sng">
+                      <a:noFill/>
+                    </a:lnR>
+                    <a:lnT w="12700" cap="flat" cmpd="sng" algn="ctr">
+                      <a:noFill/>
+                      <a:prstDash val="solid"/>
+                      <a:round/>
+                      <a:headEnd type="none" w="med" len="med"/>
+                      <a:tailEnd type="none" w="med" len="med"/>
+                    </a:lnT>
+                    <a:lnB w="12700" cmpd="sng">
+                      <a:noFill/>
+                    </a:lnB>
+                    <a:lnTlToBr w="12700" cmpd="sng">
+                      <a:noFill/>
+                      <a:prstDash val="solid"/>
+                    </a:lnTlToBr>
+                    <a:lnBlToTr w="12700" cmpd="sng">
+                      <a:noFill/>
+                      <a:prstDash val="solid"/>
+                    </a:lnBlToTr>
+                  </a:tcPr>
+                </a:tc>
+                <a:tc>
+                  <a:txBody>
+                    <a:bodyPr/>
+                    <a:lstStyle/>
+                    <a:p>
+                      <a:pPr algn="ctr" latinLnBrk="1"/>
+                      <a:r>
+                        <a:rPr lang="en-US" altLang="ko-KR" sz="1100" dirty="0"/>
+                        <a:t>0</a:t>
+                      </a:r>
+                      <a:endParaRPr lang="ko-KR" altLang="en-US" sz="1100" dirty="0"/>
+                    </a:p>
+                  </a:txBody>
+                  <a:tcPr anchor="ctr">
+                    <a:lnL w="12700" cmpd="sng">
+                      <a:noFill/>
+                    </a:lnL>
+                    <a:lnR w="12700" cmpd="sng">
+                      <a:noFill/>
+                    </a:lnR>
+                    <a:lnT w="12700" cap="flat" cmpd="sng" algn="ctr">
+                      <a:noFill/>
+                      <a:prstDash val="solid"/>
+                      <a:round/>
+                      <a:headEnd type="none" w="med" len="med"/>
+                      <a:tailEnd type="none" w="med" len="med"/>
+                    </a:lnT>
+                    <a:lnB w="12700" cmpd="sng">
+                      <a:noFill/>
+                    </a:lnB>
+                    <a:lnTlToBr w="12700" cmpd="sng">
+                      <a:noFill/>
+                      <a:prstDash val="solid"/>
+                    </a:lnTlToBr>
+                    <a:lnBlToTr w="12700" cmpd="sng">
+                      <a:noFill/>
+                      <a:prstDash val="solid"/>
+                    </a:lnBlToTr>
+                  </a:tcPr>
+                </a:tc>
+                <a:tc>
+                  <a:txBody>
+                    <a:bodyPr/>
+                    <a:lstStyle/>
+                    <a:p>
+                      <a:pPr algn="ctr" latinLnBrk="1"/>
+                      <a:r>
+                        <a:rPr lang="en-US" altLang="ko-KR" sz="1100" dirty="0"/>
+                        <a:t>0</a:t>
+                      </a:r>
+                      <a:endParaRPr lang="ko-KR" altLang="en-US" sz="1100" dirty="0"/>
+                    </a:p>
+                  </a:txBody>
+                  <a:tcPr anchor="ctr">
+                    <a:lnL w="12700" cmpd="sng">
+                      <a:noFill/>
+                    </a:lnL>
+                    <a:lnR w="12700" cmpd="sng">
+                      <a:noFill/>
+                    </a:lnR>
+                    <a:lnT w="12700" cap="flat" cmpd="sng" algn="ctr">
+                      <a:noFill/>
+                      <a:prstDash val="solid"/>
+                      <a:round/>
+                      <a:headEnd type="none" w="med" len="med"/>
+                      <a:tailEnd type="none" w="med" len="med"/>
+                    </a:lnT>
+                    <a:lnB w="12700" cmpd="sng">
+                      <a:noFill/>
+                    </a:lnB>
+                    <a:lnTlToBr w="12700" cmpd="sng">
+                      <a:noFill/>
+                      <a:prstDash val="solid"/>
+                    </a:lnTlToBr>
+                    <a:lnBlToTr w="12700" cmpd="sng">
+                      <a:noFill/>
+                      <a:prstDash val="solid"/>
+                    </a:lnBlToTr>
+                  </a:tcPr>
+                </a:tc>
+                <a:tc>
+                  <a:txBody>
+                    <a:bodyPr/>
+                    <a:lstStyle/>
+                    <a:p>
+                      <a:pPr algn="ctr" latinLnBrk="1"/>
+                      <a:r>
+                        <a:rPr lang="en-US" altLang="ko-KR" sz="1100" dirty="0"/>
+                        <a:t>0</a:t>
+                      </a:r>
+                      <a:endParaRPr lang="ko-KR" altLang="en-US" sz="1100" dirty="0"/>
+                    </a:p>
+                  </a:txBody>
+                  <a:tcPr anchor="ctr">
+                    <a:lnL w="12700" cmpd="sng">
+                      <a:noFill/>
+                    </a:lnL>
+                    <a:lnR w="12700" cmpd="sng">
+                      <a:noFill/>
+                    </a:lnR>
+                    <a:lnT w="12700" cap="flat" cmpd="sng" algn="ctr">
+                      <a:noFill/>
+                      <a:prstDash val="solid"/>
+                      <a:round/>
+                      <a:headEnd type="none" w="med" len="med"/>
+                      <a:tailEnd type="none" w="med" len="med"/>
+                    </a:lnT>
+                    <a:lnB w="12700" cmpd="sng">
+                      <a:noFill/>
+                    </a:lnB>
+                    <a:lnTlToBr w="12700" cmpd="sng">
+                      <a:noFill/>
+                      <a:prstDash val="solid"/>
+                    </a:lnTlToBr>
+                    <a:lnBlToTr w="12700" cmpd="sng">
+                      <a:noFill/>
+                      <a:prstDash val="solid"/>
+                    </a:lnBlToTr>
+                  </a:tcPr>
+                </a:tc>
+                <a:tc>
+                  <a:txBody>
+                    <a:bodyPr/>
+                    <a:lstStyle/>
+                    <a:p>
+                      <a:pPr algn="ctr" latinLnBrk="1"/>
+                      <a:r>
+                        <a:rPr lang="en-US" altLang="ko-KR" sz="1100" dirty="0"/>
+                        <a:t>1</a:t>
+                      </a:r>
+                      <a:endParaRPr lang="ko-KR" altLang="en-US" sz="1100" dirty="0"/>
+                    </a:p>
+                  </a:txBody>
+                  <a:tcPr anchor="ctr">
+                    <a:lnL w="12700" cmpd="sng">
+                      <a:noFill/>
+                    </a:lnL>
+                    <a:lnR w="12700" cmpd="sng">
+                      <a:noFill/>
+                    </a:lnR>
+                    <a:lnT w="12700" cap="flat" cmpd="sng" algn="ctr">
+                      <a:noFill/>
+                      <a:prstDash val="solid"/>
+                      <a:round/>
+                      <a:headEnd type="none" w="med" len="med"/>
+                      <a:tailEnd type="none" w="med" len="med"/>
+                    </a:lnT>
+                    <a:lnB w="12700" cmpd="sng">
+                      <a:noFill/>
+                    </a:lnB>
+                    <a:lnTlToBr w="12700" cmpd="sng">
+                      <a:noFill/>
+                      <a:prstDash val="solid"/>
+                    </a:lnTlToBr>
+                    <a:lnBlToTr w="12700" cmpd="sng">
+                      <a:noFill/>
+                      <a:prstDash val="solid"/>
+                    </a:lnBlToTr>
+                  </a:tcPr>
+                </a:tc>
+                <a:tc>
+                  <a:txBody>
+                    <a:bodyPr/>
+                    <a:lstStyle/>
+                    <a:p>
+                      <a:pPr algn="ctr" latinLnBrk="1"/>
+                      <a:r>
+                        <a:rPr lang="en-US" altLang="ko-KR" sz="1100" dirty="0"/>
+                        <a:t>0</a:t>
+                      </a:r>
+                      <a:endParaRPr lang="ko-KR" altLang="en-US" sz="1100" dirty="0"/>
+                    </a:p>
+                  </a:txBody>
+                  <a:tcPr anchor="ctr">
+                    <a:lnL w="12700" cmpd="sng">
+                      <a:noFill/>
+                    </a:lnL>
+                    <a:lnR w="12700" cmpd="sng">
+                      <a:noFill/>
+                    </a:lnR>
+                    <a:lnT w="12700" cap="flat" cmpd="sng" algn="ctr">
+                      <a:noFill/>
+                      <a:prstDash val="solid"/>
+                      <a:round/>
+                      <a:headEnd type="none" w="med" len="med"/>
+                      <a:tailEnd type="none" w="med" len="med"/>
+                    </a:lnT>
+                    <a:lnB w="12700" cmpd="sng">
+                      <a:noFill/>
+                    </a:lnB>
+                    <a:lnTlToBr w="12700" cmpd="sng">
+                      <a:noFill/>
+                      <a:prstDash val="solid"/>
+                    </a:lnTlToBr>
+                    <a:lnBlToTr w="12700" cmpd="sng">
+                      <a:noFill/>
+                      <a:prstDash val="solid"/>
+                    </a:lnBlToTr>
+                  </a:tcPr>
+                </a:tc>
+                <a:tc>
+                  <a:txBody>
+                    <a:bodyPr/>
+                    <a:lstStyle/>
+                    <a:p>
+                      <a:pPr algn="ctr" latinLnBrk="1"/>
+                      <a:r>
+                        <a:rPr lang="en-US" altLang="ko-KR" sz="1100" dirty="0"/>
+                        <a:t>1</a:t>
+                      </a:r>
+                      <a:endParaRPr lang="ko-KR" altLang="en-US" sz="1100" dirty="0"/>
+                    </a:p>
+                  </a:txBody>
+                  <a:tcPr anchor="ctr">
+                    <a:lnL w="12700" cmpd="sng">
+                      <a:noFill/>
+                    </a:lnL>
+                    <a:lnR w="12700" cmpd="sng">
+                      <a:noFill/>
+                    </a:lnR>
+                    <a:lnT w="12700" cap="flat" cmpd="sng" algn="ctr">
+                      <a:noFill/>
+                      <a:prstDash val="solid"/>
+                      <a:round/>
+                      <a:headEnd type="none" w="med" len="med"/>
+                      <a:tailEnd type="none" w="med" len="med"/>
+                    </a:lnT>
+                    <a:lnB w="12700" cmpd="sng">
+                      <a:noFill/>
+                    </a:lnB>
+                    <a:lnTlToBr w="12700" cmpd="sng">
+                      <a:noFill/>
+                      <a:prstDash val="solid"/>
+                    </a:lnTlToBr>
+                    <a:lnBlToTr w="12700" cmpd="sng">
+                      <a:noFill/>
+                      <a:prstDash val="solid"/>
+                    </a:lnBlToTr>
+                  </a:tcPr>
+                </a:tc>
+                <a:tc>
+                  <a:txBody>
+                    <a:bodyPr/>
+                    <a:lstStyle/>
+                    <a:p>
+                      <a:pPr algn="ctr" latinLnBrk="1"/>
+                      <a:r>
+                        <a:rPr lang="en-US" altLang="ko-KR" sz="1100" b="0" dirty="0">
+                          <a:solidFill>
+                            <a:schemeClr val="tx1"/>
+                          </a:solidFill>
+                        </a:rPr>
+                        <a:t>0</a:t>
+                      </a:r>
+                      <a:endParaRPr lang="ko-KR" altLang="en-US" sz="1100" b="0" dirty="0">
+                        <a:solidFill>
+                          <a:schemeClr val="tx1"/>
+                        </a:solidFill>
+                      </a:endParaRPr>
+                    </a:p>
+                  </a:txBody>
+                  <a:tcPr anchor="ctr">
+                    <a:lnL w="12700" cmpd="sng">
+                      <a:noFill/>
+                    </a:lnL>
+                    <a:lnR w="12700" cmpd="sng">
+                      <a:noFill/>
+                    </a:lnR>
+                    <a:lnT w="12700" cap="flat" cmpd="sng" algn="ctr">
+                      <a:noFill/>
+                      <a:prstDash val="solid"/>
+                      <a:round/>
+                      <a:headEnd type="none" w="med" len="med"/>
+                      <a:tailEnd type="none" w="med" len="med"/>
+                    </a:lnT>
+                    <a:lnB w="12700" cmpd="sng">
+                      <a:noFill/>
+                    </a:lnB>
+                    <a:lnTlToBr w="12700" cmpd="sng">
+                      <a:noFill/>
+                      <a:prstDash val="solid"/>
+                    </a:lnTlToBr>
+                    <a:lnBlToTr w="12700" cmpd="sng">
+                      <a:noFill/>
+                      <a:prstDash val="solid"/>
+                    </a:lnBlToTr>
+                  </a:tcPr>
+                </a:tc>
+                <a:tc>
+                  <a:txBody>
+                    <a:bodyPr/>
+                    <a:lstStyle/>
+                    <a:p>
+                      <a:pPr algn="ctr" latinLnBrk="1"/>
+                      <a:r>
+                        <a:rPr lang="en-US" altLang="ko-KR" sz="1100" b="0" dirty="0">
+                          <a:solidFill>
+                            <a:schemeClr val="tx1"/>
+                          </a:solidFill>
+                        </a:rPr>
+                        <a:t>1</a:t>
+                      </a:r>
+                      <a:endParaRPr lang="ko-KR" altLang="en-US" sz="1100" b="0" dirty="0">
+                        <a:solidFill>
+                          <a:schemeClr val="tx1"/>
+                        </a:solidFill>
+                      </a:endParaRPr>
+                    </a:p>
+                  </a:txBody>
+                  <a:tcPr anchor="ctr">
+                    <a:lnL w="12700" cmpd="sng">
+                      <a:noFill/>
+                    </a:lnL>
+                    <a:lnR w="12700" cmpd="sng">
+                      <a:noFill/>
+                    </a:lnR>
+                    <a:lnT w="12700" cap="flat" cmpd="sng" algn="ctr">
+                      <a:noFill/>
+                      <a:prstDash val="solid"/>
+                      <a:round/>
+                      <a:headEnd type="none" w="med" len="med"/>
+                      <a:tailEnd type="none" w="med" len="med"/>
+                    </a:lnT>
+                    <a:lnB w="12700" cmpd="sng">
+                      <a:noFill/>
+                    </a:lnB>
+                    <a:lnTlToBr w="12700" cmpd="sng">
+                      <a:noFill/>
+                      <a:prstDash val="solid"/>
+                    </a:lnTlToBr>
+                    <a:lnBlToTr w="12700" cmpd="sng">
+                      <a:noFill/>
+                      <a:prstDash val="solid"/>
+                    </a:lnBlToTr>
+                  </a:tcPr>
+                </a:tc>
+                <a:extLst>
+                  <a:ext uri="{0D108BD9-81ED-4DB2-BD59-A6C34878D82A}">
+                    <a16:rowId xmlns:a16="http://schemas.microsoft.com/office/drawing/2014/main" val="3605355812"/>
+                  </a:ext>
+                </a:extLst>
+              </a:tr>
+            </a:tbl>
+          </a:graphicData>
+        </a:graphic>
+      </p:graphicFrame>
+      <p:sp>
+        <p:nvSpPr>
+          <p:cNvPr id="11" name="직사각형 10">
+            <a:extLst>
+              <a:ext uri="{FF2B5EF4-FFF2-40B4-BE49-F238E27FC236}">
+                <a16:creationId xmlns:a16="http://schemas.microsoft.com/office/drawing/2014/main" id="{82FE0666-8E28-4998-9460-9552ACF1A8CD}"/>
+              </a:ext>
+            </a:extLst>
+          </p:cNvPr>
+          <p:cNvSpPr/>
+          <p:nvPr/>
+        </p:nvSpPr>
+        <p:spPr>
+          <a:xfrm>
+            <a:off x="5329646" y="6320908"/>
+            <a:ext cx="631904" cy="307777"/>
+          </a:xfrm>
+          <a:prstGeom prst="rect">
+            <a:avLst/>
+          </a:prstGeom>
+        </p:spPr>
+        <p:txBody>
+          <a:bodyPr wrap="none">
+            <a:spAutoFit/>
+          </a:bodyPr>
+          <a:lstStyle/>
+          <a:p>
+            <a:r>
+              <a:rPr lang="en-US" altLang="ko-KR" sz="1400" b="1" dirty="0">
+                <a:sym typeface="Wingdings" panose="05000000000000000000" pitchFamily="2" charset="2"/>
+              </a:rPr>
+              <a:t> </a:t>
+            </a:r>
+            <a:r>
+              <a:rPr lang="en-US" altLang="ko-KR" sz="1400" b="1" dirty="0"/>
+              <a:t>21</a:t>
+            </a:r>
+            <a:endParaRPr lang="ko-KR" altLang="en-US" sz="1400" dirty="0"/>
+          </a:p>
+        </p:txBody>
+      </p:sp>
+      <p:sp>
+        <p:nvSpPr>
+          <p:cNvPr id="16" name="타원 15">
+            <a:extLst>
+              <a:ext uri="{FF2B5EF4-FFF2-40B4-BE49-F238E27FC236}">
+                <a16:creationId xmlns:a16="http://schemas.microsoft.com/office/drawing/2014/main" id="{ABE31067-E9E7-4022-958F-5BDC8D0EC955}"/>
+              </a:ext>
+            </a:extLst>
+          </p:cNvPr>
+          <p:cNvSpPr/>
+          <p:nvPr/>
+        </p:nvSpPr>
+        <p:spPr>
+          <a:xfrm>
+            <a:off x="647333" y="5608331"/>
+            <a:ext cx="537033" cy="252548"/>
+          </a:xfrm>
+          <a:prstGeom prst="ellipse">
+            <a:avLst/>
+          </a:prstGeom>
+          <a:noFill/>
+          <a:ln>
+            <a:prstDash val="sysDash"/>
+          </a:ln>
+        </p:spPr>
+        <p:style>
+          <a:lnRef idx="2">
+            <a:schemeClr val="accent1">
+              <a:shade val="50000"/>
+            </a:schemeClr>
+          </a:lnRef>
+          <a:fillRef idx="1">
+            <a:schemeClr val="accent1"/>
+          </a:fillRef>
+          <a:effectRef idx="0">
+            <a:schemeClr val="accent1"/>
+          </a:effectRef>
+          <a:fontRef idx="minor">
+            <a:schemeClr val="lt1"/>
+          </a:fontRef>
+        </p:style>
+        <p:txBody>
+          <a:bodyPr rtlCol="0" anchor="ctr"/>
+          <a:lstStyle/>
+          <a:p>
+            <a:pPr algn="ctr"/>
+            <a:endParaRPr lang="ko-KR" altLang="en-US"/>
+          </a:p>
+        </p:txBody>
+      </p:sp>
+      <p:sp>
+        <p:nvSpPr>
+          <p:cNvPr id="19" name="자유형: 도형 18">
+            <a:extLst>
+              <a:ext uri="{FF2B5EF4-FFF2-40B4-BE49-F238E27FC236}">
+                <a16:creationId xmlns:a16="http://schemas.microsoft.com/office/drawing/2014/main" id="{60B86363-E2A8-4952-BF44-A5408382CE08}"/>
+              </a:ext>
+            </a:extLst>
+          </p:cNvPr>
+          <p:cNvSpPr/>
+          <p:nvPr/>
+        </p:nvSpPr>
+        <p:spPr>
+          <a:xfrm>
+            <a:off x="647333" y="5870501"/>
+            <a:ext cx="3921307" cy="416180"/>
+          </a:xfrm>
+          <a:custGeom>
+            <a:avLst/>
+            <a:gdLst>
+              <a:gd name="connsiteX0" fmla="*/ 115661 w 3921307"/>
+              <a:gd name="connsiteY0" fmla="*/ 0 h 416180"/>
+              <a:gd name="connsiteX1" fmla="*/ 228872 w 3921307"/>
+              <a:gd name="connsiteY1" fmla="*/ 104503 h 416180"/>
+              <a:gd name="connsiteX2" fmla="*/ 2179592 w 3921307"/>
+              <a:gd name="connsiteY2" fmla="*/ 400594 h 416180"/>
+              <a:gd name="connsiteX3" fmla="*/ 3921307 w 3921307"/>
+              <a:gd name="connsiteY3" fmla="*/ 348343 h 416180"/>
+            </a:gdLst>
+            <a:ahLst/>
+            <a:cxnLst>
+              <a:cxn ang="0">
+                <a:pos x="connsiteX0" y="connsiteY0"/>
+              </a:cxn>
+              <a:cxn ang="0">
+                <a:pos x="connsiteX1" y="connsiteY1"/>
+              </a:cxn>
+              <a:cxn ang="0">
+                <a:pos x="connsiteX2" y="connsiteY2"/>
+              </a:cxn>
+              <a:cxn ang="0">
+                <a:pos x="connsiteX3" y="connsiteY3"/>
+              </a:cxn>
+            </a:cxnLst>
+            <a:rect l="l" t="t" r="r" b="b"/>
+            <a:pathLst>
+              <a:path w="3921307" h="416180">
+                <a:moveTo>
+                  <a:pt x="115661" y="0"/>
+                </a:moveTo>
+                <a:cubicBezTo>
+                  <a:pt x="272" y="18868"/>
+                  <a:pt x="-115116" y="37737"/>
+                  <a:pt x="228872" y="104503"/>
+                </a:cubicBezTo>
+                <a:cubicBezTo>
+                  <a:pt x="572860" y="171269"/>
+                  <a:pt x="1564186" y="359954"/>
+                  <a:pt x="2179592" y="400594"/>
+                </a:cubicBezTo>
+                <a:cubicBezTo>
+                  <a:pt x="2794998" y="441234"/>
+                  <a:pt x="3358152" y="394788"/>
+                  <a:pt x="3921307" y="348343"/>
+                </a:cubicBezTo>
+              </a:path>
+            </a:pathLst>
+          </a:custGeom>
+          <a:noFill/>
+          <a:ln>
+            <a:prstDash val="dash"/>
+            <a:headEnd type="none" w="med" len="med"/>
+            <a:tailEnd type="arrow" w="med" len="med"/>
+          </a:ln>
+        </p:spPr>
+        <p:style>
+          <a:lnRef idx="2">
+            <a:schemeClr val="accent1">
+              <a:shade val="50000"/>
+            </a:schemeClr>
+          </a:lnRef>
+          <a:fillRef idx="1">
+            <a:schemeClr val="accent1"/>
+          </a:fillRef>
+          <a:effectRef idx="0">
+            <a:schemeClr val="accent1"/>
+          </a:effectRef>
+          <a:fontRef idx="minor">
+            <a:schemeClr val="lt1"/>
+          </a:fontRef>
+        </p:style>
+        <p:txBody>
+          <a:bodyPr rtlCol="0" anchor="ctr"/>
+          <a:lstStyle/>
+          <a:p>
+            <a:pPr algn="ctr"/>
+            <a:endParaRPr lang="ko-KR" altLang="en-US"/>
+          </a:p>
+        </p:txBody>
+      </p:sp>
+      <p:sp>
+        <p:nvSpPr>
+          <p:cNvPr id="20" name="직사각형 19">
+            <a:extLst>
+              <a:ext uri="{FF2B5EF4-FFF2-40B4-BE49-F238E27FC236}">
+                <a16:creationId xmlns:a16="http://schemas.microsoft.com/office/drawing/2014/main" id="{33BAEDE0-36CE-4BBB-8BD7-023D8223EA6B}"/>
+              </a:ext>
+            </a:extLst>
+          </p:cNvPr>
+          <p:cNvSpPr/>
+          <p:nvPr/>
+        </p:nvSpPr>
+        <p:spPr>
+          <a:xfrm>
+            <a:off x="104503" y="6061173"/>
+            <a:ext cx="1002197" cy="461665"/>
+          </a:xfrm>
+          <a:prstGeom prst="rect">
+            <a:avLst/>
+          </a:prstGeom>
+        </p:spPr>
+        <p:txBody>
+          <a:bodyPr wrap="none">
+            <a:spAutoFit/>
+          </a:bodyPr>
+          <a:lstStyle/>
+          <a:p>
+            <a:r>
+              <a:rPr lang="ko-KR" altLang="en-US" sz="1200" b="1" dirty="0">
+                <a:solidFill>
+                  <a:srgbClr val="FF0000"/>
+                </a:solidFill>
+                <a:sym typeface="Wingdings" panose="05000000000000000000" pitchFamily="2" charset="2"/>
+              </a:rPr>
+              <a:t>캐리 발생 </a:t>
+            </a:r>
+            <a:endParaRPr lang="en-US" altLang="ko-KR" sz="1200" b="1" dirty="0">
+              <a:solidFill>
+                <a:srgbClr val="FF0000"/>
+              </a:solidFill>
+              <a:sym typeface="Wingdings" panose="05000000000000000000" pitchFamily="2" charset="2"/>
+            </a:endParaRPr>
+          </a:p>
+          <a:p>
+            <a:r>
+              <a:rPr lang="en-US" altLang="ko-KR" sz="1200" b="1" dirty="0">
+                <a:solidFill>
+                  <a:srgbClr val="FF0000"/>
+                </a:solidFill>
+                <a:sym typeface="Wingdings" panose="05000000000000000000" pitchFamily="2" charset="2"/>
+              </a:rPr>
+              <a:t>+ 1 </a:t>
+            </a:r>
+            <a:r>
+              <a:rPr lang="ko-KR" altLang="en-US" sz="1200" b="1" dirty="0">
+                <a:solidFill>
+                  <a:srgbClr val="FF0000"/>
+                </a:solidFill>
+                <a:sym typeface="Wingdings" panose="05000000000000000000" pitchFamily="2" charset="2"/>
+              </a:rPr>
+              <a:t>더해 줌</a:t>
+            </a:r>
+            <a:endParaRPr lang="ko-KR" altLang="en-US" sz="1200" b="1" dirty="0">
+              <a:solidFill>
+                <a:srgbClr val="FF0000"/>
+              </a:solidFill>
+            </a:endParaRPr>
+          </a:p>
+        </p:txBody>
+      </p:sp>
+      <p:sp>
+        <p:nvSpPr>
+          <p:cNvPr id="21" name="직사각형 20">
+            <a:extLst>
+              <a:ext uri="{FF2B5EF4-FFF2-40B4-BE49-F238E27FC236}">
+                <a16:creationId xmlns:a16="http://schemas.microsoft.com/office/drawing/2014/main" id="{BA59E4BA-B581-4A5E-94BC-624F6AC8EC19}"/>
+              </a:ext>
+            </a:extLst>
+          </p:cNvPr>
+          <p:cNvSpPr/>
+          <p:nvPr/>
+        </p:nvSpPr>
+        <p:spPr>
+          <a:xfrm>
+            <a:off x="6418217" y="1608187"/>
+            <a:ext cx="5233852" cy="3206840"/>
+          </a:xfrm>
+          <a:prstGeom prst="rect">
+            <a:avLst/>
+          </a:prstGeom>
+          <a:noFill/>
+          <a:ln>
+            <a:noFill/>
+          </a:ln>
+        </p:spPr>
+        <p:style>
+          <a:lnRef idx="2">
+            <a:schemeClr val="accent1">
+              <a:shade val="50000"/>
+            </a:schemeClr>
+          </a:lnRef>
+          <a:fillRef idx="1">
+            <a:schemeClr val="accent1"/>
+          </a:fillRef>
+          <a:effectRef idx="0">
+            <a:schemeClr val="accent1"/>
+          </a:effectRef>
+          <a:fontRef idx="minor">
+            <a:schemeClr val="lt1"/>
+          </a:fontRef>
+        </p:style>
+        <p:txBody>
+          <a:bodyPr rtlCol="0" anchor="t"/>
+          <a:lstStyle/>
+          <a:p>
+            <a:r>
+              <a:rPr lang="en-US" altLang="ko-KR" sz="1400" b="1" dirty="0">
+                <a:solidFill>
+                  <a:schemeClr val="tx1"/>
+                </a:solidFill>
+              </a:rPr>
+              <a:t>[2</a:t>
+            </a:r>
+            <a:r>
+              <a:rPr lang="ko-KR" altLang="en-US" sz="1400" b="1" dirty="0">
+                <a:solidFill>
+                  <a:schemeClr val="tx1"/>
+                </a:solidFill>
+              </a:rPr>
+              <a:t>의 보수 표현 </a:t>
+            </a:r>
+            <a:r>
+              <a:rPr lang="en-US" altLang="ko-KR" sz="1400" b="1" dirty="0">
+                <a:solidFill>
+                  <a:schemeClr val="tx1"/>
+                </a:solidFill>
+              </a:rPr>
+              <a:t>: </a:t>
+            </a:r>
+            <a:r>
+              <a:rPr lang="ko-KR" altLang="en-US" sz="1400" b="1" dirty="0">
+                <a:solidFill>
+                  <a:schemeClr val="tx1"/>
+                </a:solidFill>
+              </a:rPr>
+              <a:t>예</a:t>
+            </a:r>
+            <a:r>
+              <a:rPr lang="en-US" altLang="ko-KR" sz="1400" b="1" dirty="0">
+                <a:solidFill>
+                  <a:schemeClr val="tx1"/>
+                </a:solidFill>
+              </a:rPr>
+              <a:t>)</a:t>
+            </a:r>
+            <a:r>
+              <a:rPr lang="ko-KR" altLang="en-US" sz="1400" b="1" dirty="0">
+                <a:solidFill>
+                  <a:schemeClr val="tx1"/>
+                </a:solidFill>
+              </a:rPr>
+              <a:t> </a:t>
+            </a:r>
+            <a:r>
+              <a:rPr lang="en-US" altLang="ko-KR" sz="1400" b="1" dirty="0">
+                <a:solidFill>
+                  <a:schemeClr val="tx1"/>
+                </a:solidFill>
+              </a:rPr>
+              <a:t>8</a:t>
+            </a:r>
+            <a:r>
+              <a:rPr lang="ko-KR" altLang="en-US" sz="1400" b="1" dirty="0">
+                <a:solidFill>
+                  <a:schemeClr val="tx1"/>
+                </a:solidFill>
+              </a:rPr>
+              <a:t>비트 </a:t>
+            </a:r>
+            <a:r>
+              <a:rPr lang="en-US" altLang="ko-KR" sz="1400" b="1" dirty="0">
+                <a:solidFill>
+                  <a:schemeClr val="tx1"/>
+                </a:solidFill>
+              </a:rPr>
+              <a:t>-11 </a:t>
+            </a:r>
+            <a:r>
+              <a:rPr lang="ko-KR" altLang="en-US" sz="1400" b="1" dirty="0">
+                <a:solidFill>
+                  <a:schemeClr val="tx1"/>
+                </a:solidFill>
+              </a:rPr>
+              <a:t>표현</a:t>
+            </a:r>
+            <a:r>
+              <a:rPr lang="en-US" altLang="ko-KR" sz="1400" b="1" dirty="0">
+                <a:solidFill>
+                  <a:schemeClr val="tx1"/>
+                </a:solidFill>
+              </a:rPr>
+              <a:t>]</a:t>
+            </a:r>
+          </a:p>
+          <a:p>
+            <a:endParaRPr lang="en-US" altLang="ko-KR" sz="1400" dirty="0">
+              <a:solidFill>
+                <a:schemeClr val="tx1"/>
+              </a:solidFill>
+            </a:endParaRPr>
+          </a:p>
+          <a:p>
+            <a:pPr marL="285750" indent="-285750">
+              <a:lnSpc>
+                <a:spcPct val="150000"/>
+              </a:lnSpc>
+              <a:buFontTx/>
+              <a:buChar char="-"/>
+            </a:pPr>
+            <a:r>
+              <a:rPr lang="ko-KR" altLang="en-US" sz="1400" dirty="0">
+                <a:solidFill>
+                  <a:schemeClr val="tx1"/>
+                </a:solidFill>
+              </a:rPr>
+              <a:t>십진수 </a:t>
+            </a:r>
+            <a:r>
+              <a:rPr lang="en-US" altLang="ko-KR" sz="1400" dirty="0">
+                <a:solidFill>
+                  <a:schemeClr val="tx1"/>
+                </a:solidFill>
+              </a:rPr>
+              <a:t>’11’ </a:t>
+            </a:r>
+            <a:r>
+              <a:rPr lang="ko-KR" altLang="en-US" sz="1400" dirty="0">
+                <a:solidFill>
+                  <a:schemeClr val="tx1"/>
+                </a:solidFill>
+              </a:rPr>
+              <a:t>을 이진수 로 표현</a:t>
+            </a:r>
+            <a:r>
+              <a:rPr lang="en-US" altLang="ko-KR" sz="1400" dirty="0">
+                <a:solidFill>
+                  <a:schemeClr val="tx1"/>
+                </a:solidFill>
+              </a:rPr>
+              <a:t>	</a:t>
+            </a:r>
+            <a:r>
+              <a:rPr lang="en-US" altLang="ko-KR" sz="1400" dirty="0">
+                <a:solidFill>
+                  <a:schemeClr val="tx1"/>
+                </a:solidFill>
+                <a:sym typeface="Wingdings" panose="05000000000000000000" pitchFamily="2" charset="2"/>
+              </a:rPr>
+              <a:t>   </a:t>
+            </a:r>
+            <a:r>
+              <a:rPr lang="en-US" altLang="ko-KR" sz="1400" dirty="0">
+                <a:solidFill>
+                  <a:schemeClr val="tx1"/>
+                </a:solidFill>
+              </a:rPr>
+              <a:t>‘00001011’ </a:t>
+            </a:r>
+          </a:p>
+          <a:p>
+            <a:pPr marL="285750" indent="-285750">
+              <a:lnSpc>
+                <a:spcPct val="150000"/>
+              </a:lnSpc>
+              <a:buFontTx/>
+              <a:buChar char="-"/>
+            </a:pPr>
+            <a:r>
+              <a:rPr lang="ko-KR" altLang="en-US" sz="1400" dirty="0">
+                <a:solidFill>
+                  <a:schemeClr val="tx1"/>
+                </a:solidFill>
+              </a:rPr>
+              <a:t>비트 반전</a:t>
+            </a:r>
+            <a:r>
+              <a:rPr lang="en-US" altLang="ko-KR" sz="1400" dirty="0">
+                <a:solidFill>
+                  <a:schemeClr val="tx1"/>
+                </a:solidFill>
+              </a:rPr>
+              <a:t>		</a:t>
+            </a:r>
+            <a:r>
+              <a:rPr lang="en-US" altLang="ko-KR" sz="1400" dirty="0">
+                <a:solidFill>
+                  <a:schemeClr val="tx1"/>
+                </a:solidFill>
+                <a:sym typeface="Wingdings" panose="05000000000000000000" pitchFamily="2" charset="2"/>
+              </a:rPr>
+              <a:t>   ‘11110100’</a:t>
+            </a:r>
+          </a:p>
+          <a:p>
+            <a:pPr marL="285750" indent="-285750">
+              <a:lnSpc>
+                <a:spcPct val="150000"/>
+              </a:lnSpc>
+              <a:buFontTx/>
+              <a:buChar char="-"/>
+            </a:pPr>
+            <a:r>
+              <a:rPr lang="en-US" altLang="ko-KR" sz="1400" dirty="0">
+                <a:solidFill>
+                  <a:schemeClr val="tx1"/>
+                </a:solidFill>
+                <a:sym typeface="Wingdings" panose="05000000000000000000" pitchFamily="2" charset="2"/>
+              </a:rPr>
+              <a:t>1 </a:t>
+            </a:r>
+            <a:r>
+              <a:rPr lang="ko-KR" altLang="en-US" sz="1400" dirty="0">
+                <a:solidFill>
+                  <a:schemeClr val="tx1"/>
+                </a:solidFill>
+                <a:sym typeface="Wingdings" panose="05000000000000000000" pitchFamily="2" charset="2"/>
+              </a:rPr>
+              <a:t>을 더해 줌</a:t>
+            </a:r>
+            <a:r>
+              <a:rPr lang="en-US" altLang="ko-KR" sz="1400" dirty="0">
+                <a:solidFill>
+                  <a:schemeClr val="tx1"/>
+                </a:solidFill>
+                <a:sym typeface="Wingdings" panose="05000000000000000000" pitchFamily="2" charset="2"/>
+              </a:rPr>
+              <a:t>		   ‘11110101’ </a:t>
+            </a:r>
+          </a:p>
+          <a:p>
+            <a:pPr marL="285750" indent="-285750">
+              <a:buFontTx/>
+              <a:buChar char="-"/>
+            </a:pPr>
+            <a:endParaRPr lang="en-US" altLang="ko-KR" sz="1400" dirty="0">
+              <a:solidFill>
+                <a:schemeClr val="tx1"/>
+              </a:solidFill>
+              <a:sym typeface="Wingdings" panose="05000000000000000000" pitchFamily="2" charset="2"/>
+            </a:endParaRPr>
+          </a:p>
+          <a:p>
+            <a:endParaRPr lang="en-US" altLang="ko-KR" sz="1400" dirty="0">
+              <a:solidFill>
+                <a:schemeClr val="tx1"/>
+              </a:solidFill>
+            </a:endParaRPr>
+          </a:p>
+          <a:p>
+            <a:r>
+              <a:rPr lang="en-US" altLang="ko-KR" sz="1400" b="1" dirty="0">
+                <a:solidFill>
+                  <a:schemeClr val="tx1"/>
+                </a:solidFill>
+              </a:rPr>
+              <a:t>[2</a:t>
+            </a:r>
+            <a:r>
+              <a:rPr lang="ko-KR" altLang="en-US" sz="1400" b="1" dirty="0">
+                <a:solidFill>
+                  <a:schemeClr val="tx1"/>
+                </a:solidFill>
+              </a:rPr>
+              <a:t>의 보수 연산 </a:t>
+            </a:r>
+            <a:r>
+              <a:rPr lang="en-US" altLang="ko-KR" sz="1400" b="1" dirty="0">
+                <a:solidFill>
+                  <a:schemeClr val="tx1"/>
+                </a:solidFill>
+              </a:rPr>
+              <a:t>: </a:t>
+            </a:r>
+            <a:r>
+              <a:rPr lang="ko-KR" altLang="en-US" sz="1400" b="1" dirty="0">
+                <a:solidFill>
+                  <a:schemeClr val="tx1"/>
+                </a:solidFill>
+              </a:rPr>
+              <a:t>예</a:t>
+            </a:r>
+            <a:r>
+              <a:rPr lang="en-US" altLang="ko-KR" sz="1400" b="1" dirty="0">
+                <a:solidFill>
+                  <a:schemeClr val="tx1"/>
+                </a:solidFill>
+              </a:rPr>
+              <a:t>) -10 -11 = -21]</a:t>
+            </a:r>
+          </a:p>
+          <a:p>
+            <a:endParaRPr lang="en-US" altLang="ko-KR" sz="1400" dirty="0">
+              <a:solidFill>
+                <a:schemeClr val="tx1"/>
+              </a:solidFill>
+            </a:endParaRPr>
+          </a:p>
+          <a:p>
+            <a:pPr marL="285750" indent="-285750">
+              <a:lnSpc>
+                <a:spcPct val="150000"/>
+              </a:lnSpc>
+              <a:buFontTx/>
+              <a:buChar char="-"/>
+            </a:pPr>
+            <a:r>
+              <a:rPr lang="en-US" altLang="ko-KR" sz="1400" dirty="0">
+                <a:solidFill>
+                  <a:schemeClr val="tx1"/>
+                </a:solidFill>
+              </a:rPr>
+              <a:t>10 </a:t>
+            </a:r>
+            <a:r>
+              <a:rPr lang="en-US" altLang="ko-KR" sz="1400" dirty="0">
+                <a:solidFill>
+                  <a:schemeClr val="tx1"/>
+                </a:solidFill>
+                <a:sym typeface="Wingdings" panose="05000000000000000000" pitchFamily="2" charset="2"/>
+              </a:rPr>
+              <a:t> 00001010  11110101</a:t>
+            </a:r>
+          </a:p>
+          <a:p>
+            <a:pPr marL="285750" indent="-285750">
+              <a:lnSpc>
+                <a:spcPct val="150000"/>
+              </a:lnSpc>
+              <a:buFontTx/>
+              <a:buChar char="-"/>
+            </a:pPr>
+            <a:r>
+              <a:rPr lang="en-US" altLang="ko-KR" sz="1400" dirty="0">
+                <a:solidFill>
+                  <a:schemeClr val="tx1"/>
+                </a:solidFill>
+                <a:sym typeface="Wingdings" panose="05000000000000000000" pitchFamily="2" charset="2"/>
+              </a:rPr>
+              <a:t>11  00001011  11110101</a:t>
+            </a:r>
+          </a:p>
+          <a:p>
+            <a:endParaRPr lang="ko-KR" altLang="en-US" sz="1400" dirty="0">
+              <a:solidFill>
+                <a:schemeClr val="tx1"/>
+              </a:solidFill>
+            </a:endParaRPr>
+          </a:p>
+        </p:txBody>
+      </p:sp>
+      <p:graphicFrame>
+        <p:nvGraphicFramePr>
+          <p:cNvPr id="22" name="표 21">
+            <a:extLst>
+              <a:ext uri="{FF2B5EF4-FFF2-40B4-BE49-F238E27FC236}">
+                <a16:creationId xmlns:a16="http://schemas.microsoft.com/office/drawing/2014/main" id="{687284FB-CCC8-4E6C-9ACF-B05A700595D2}"/>
+              </a:ext>
+            </a:extLst>
+          </p:cNvPr>
+          <p:cNvGraphicFramePr>
+            <a:graphicFrameLocks noGrp="1"/>
+          </p:cNvGraphicFramePr>
+          <p:nvPr>
+            <p:extLst>
+              <p:ext uri="{D42A27DB-BD31-4B8C-83A1-F6EECF244321}">
+                <p14:modId xmlns:p14="http://schemas.microsoft.com/office/powerpoint/2010/main" val="3829213611"/>
+              </p:ext>
+            </p:extLst>
+          </p:nvPr>
+        </p:nvGraphicFramePr>
+        <p:xfrm>
+          <a:off x="6418217" y="4800612"/>
+          <a:ext cx="4682313" cy="1854200"/>
+        </p:xfrm>
+        <a:graphic>
+          <a:graphicData uri="http://schemas.openxmlformats.org/drawingml/2006/table">
+            <a:tbl>
+              <a:tblPr firstRow="1" bandRow="1">
+                <a:tableStyleId>{5940675A-B579-460E-94D1-54222C63F5DA}</a:tableStyleId>
+              </a:tblPr>
+              <a:tblGrid>
+                <a:gridCol w="520257">
+                  <a:extLst>
+                    <a:ext uri="{9D8B030D-6E8A-4147-A177-3AD203B41FA5}">
+                      <a16:colId xmlns:a16="http://schemas.microsoft.com/office/drawing/2014/main" val="958186379"/>
+                    </a:ext>
+                  </a:extLst>
+                </a:gridCol>
+                <a:gridCol w="520257">
+                  <a:extLst>
+                    <a:ext uri="{9D8B030D-6E8A-4147-A177-3AD203B41FA5}">
+                      <a16:colId xmlns:a16="http://schemas.microsoft.com/office/drawing/2014/main" val="3863151364"/>
+                    </a:ext>
+                  </a:extLst>
+                </a:gridCol>
+                <a:gridCol w="520257">
+                  <a:extLst>
+                    <a:ext uri="{9D8B030D-6E8A-4147-A177-3AD203B41FA5}">
+                      <a16:colId xmlns:a16="http://schemas.microsoft.com/office/drawing/2014/main" val="1337134152"/>
+                    </a:ext>
+                  </a:extLst>
+                </a:gridCol>
+                <a:gridCol w="520257">
+                  <a:extLst>
+                    <a:ext uri="{9D8B030D-6E8A-4147-A177-3AD203B41FA5}">
+                      <a16:colId xmlns:a16="http://schemas.microsoft.com/office/drawing/2014/main" val="1586288356"/>
+                    </a:ext>
+                  </a:extLst>
+                </a:gridCol>
+                <a:gridCol w="520257">
+                  <a:extLst>
+                    <a:ext uri="{9D8B030D-6E8A-4147-A177-3AD203B41FA5}">
+                      <a16:colId xmlns:a16="http://schemas.microsoft.com/office/drawing/2014/main" val="3495055112"/>
+                    </a:ext>
+                  </a:extLst>
+                </a:gridCol>
+                <a:gridCol w="520257">
+                  <a:extLst>
+                    <a:ext uri="{9D8B030D-6E8A-4147-A177-3AD203B41FA5}">
+                      <a16:colId xmlns:a16="http://schemas.microsoft.com/office/drawing/2014/main" val="588715602"/>
+                    </a:ext>
+                  </a:extLst>
+                </a:gridCol>
+                <a:gridCol w="520257">
+                  <a:extLst>
+                    <a:ext uri="{9D8B030D-6E8A-4147-A177-3AD203B41FA5}">
+                      <a16:colId xmlns:a16="http://schemas.microsoft.com/office/drawing/2014/main" val="2031435028"/>
+                    </a:ext>
+                  </a:extLst>
+                </a:gridCol>
+                <a:gridCol w="520257">
+                  <a:extLst>
+                    <a:ext uri="{9D8B030D-6E8A-4147-A177-3AD203B41FA5}">
+                      <a16:colId xmlns:a16="http://schemas.microsoft.com/office/drawing/2014/main" val="837824100"/>
+                    </a:ext>
+                  </a:extLst>
+                </a:gridCol>
+                <a:gridCol w="520257">
+                  <a:extLst>
+                    <a:ext uri="{9D8B030D-6E8A-4147-A177-3AD203B41FA5}">
+                      <a16:colId xmlns:a16="http://schemas.microsoft.com/office/drawing/2014/main" val="2353971002"/>
+                    </a:ext>
+                  </a:extLst>
+                </a:gridCol>
+              </a:tblGrid>
+              <a:tr h="370840">
+                <a:tc>
+                  <a:txBody>
+                    <a:bodyPr/>
+                    <a:lstStyle/>
+                    <a:p>
+                      <a:pPr algn="ctr" latinLnBrk="1"/>
+                      <a:endParaRPr lang="ko-KR" altLang="en-US" sz="1100" dirty="0"/>
+                    </a:p>
+                  </a:txBody>
+                  <a:tcPr anchor="ctr">
+                    <a:lnL w="12700" cap="flat" cmpd="sng" algn="ctr">
+                      <a:noFill/>
+                      <a:prstDash val="solid"/>
+                      <a:round/>
+                      <a:headEnd type="none" w="med" len="med"/>
+                      <a:tailEnd type="none" w="med" len="med"/>
+                    </a:lnL>
+                    <a:lnR w="12700" cap="flat" cmpd="sng" algn="ctr">
+                      <a:noFill/>
+                      <a:prstDash val="solid"/>
+                      <a:round/>
+                      <a:headEnd type="none" w="med" len="med"/>
+                      <a:tailEnd type="none" w="med" len="med"/>
+                    </a:lnR>
+                    <a:lnT w="12700" cap="flat" cmpd="sng" algn="ctr">
+                      <a:noFill/>
+                      <a:prstDash val="solid"/>
+                      <a:round/>
+                      <a:headEnd type="none" w="med" len="med"/>
+                      <a:tailEnd type="none" w="med" len="med"/>
+                    </a:lnT>
+                    <a:lnB w="12700" cap="flat" cmpd="sng" algn="ctr">
+                      <a:noFill/>
+                      <a:prstDash val="solid"/>
+                      <a:round/>
+                      <a:headEnd type="none" w="med" len="med"/>
+                      <a:tailEnd type="none" w="med" len="med"/>
+                    </a:lnB>
+                    <a:lnTlToBr w="12700" cmpd="sng">
+                      <a:noFill/>
+                      <a:prstDash val="solid"/>
+                    </a:lnTlToBr>
+                    <a:lnBlToTr w="12700" cmpd="sng">
+                      <a:noFill/>
+                      <a:prstDash val="solid"/>
+                    </a:lnBlToTr>
+                  </a:tcPr>
+                </a:tc>
+                <a:tc>
+                  <a:txBody>
+                    <a:bodyPr/>
+                    <a:lstStyle/>
+                    <a:p>
+                      <a:pPr algn="ctr" latinLnBrk="1"/>
+                      <a:r>
+                        <a:rPr lang="en-US" altLang="ko-KR" sz="1100" dirty="0"/>
+                        <a:t>1</a:t>
+                      </a:r>
+                      <a:endParaRPr lang="ko-KR" altLang="en-US" sz="1100" dirty="0"/>
+                    </a:p>
+                  </a:txBody>
+                  <a:tcPr anchor="ctr">
+                    <a:lnL w="12700" cap="flat" cmpd="sng" algn="ctr">
+                      <a:noFill/>
+                      <a:prstDash val="solid"/>
+                      <a:round/>
+                      <a:headEnd type="none" w="med" len="med"/>
+                      <a:tailEnd type="none" w="med" len="med"/>
+                    </a:lnL>
+                    <a:lnR w="12700" cap="flat" cmpd="sng" algn="ctr">
+                      <a:noFill/>
+                      <a:prstDash val="solid"/>
+                      <a:round/>
+                      <a:headEnd type="none" w="med" len="med"/>
+                      <a:tailEnd type="none" w="med" len="med"/>
+                    </a:lnR>
+                    <a:lnT w="12700" cap="flat" cmpd="sng" algn="ctr">
+                      <a:noFill/>
+                      <a:prstDash val="solid"/>
+                      <a:round/>
+                      <a:headEnd type="none" w="med" len="med"/>
+                      <a:tailEnd type="none" w="med" len="med"/>
+                    </a:lnT>
+                    <a:lnB w="12700" cap="flat" cmpd="sng" algn="ctr">
+                      <a:noFill/>
+                      <a:prstDash val="solid"/>
+                      <a:round/>
+                      <a:headEnd type="none" w="med" len="med"/>
+                      <a:tailEnd type="none" w="med" len="med"/>
+                    </a:lnB>
+                    <a:lnTlToBr w="12700" cmpd="sng">
+                      <a:noFill/>
+                      <a:prstDash val="solid"/>
+                    </a:lnTlToBr>
+                    <a:lnBlToTr w="12700" cmpd="sng">
+                      <a:noFill/>
+                      <a:prstDash val="solid"/>
+                    </a:lnBlToTr>
+                  </a:tcPr>
+                </a:tc>
+                <a:tc>
+                  <a:txBody>
+                    <a:bodyPr/>
+                    <a:lstStyle/>
+                    <a:p>
+                      <a:pPr algn="ctr" latinLnBrk="1"/>
+                      <a:r>
+                        <a:rPr lang="en-US" altLang="ko-KR" sz="1100" dirty="0"/>
+                        <a:t>1</a:t>
+                      </a:r>
+                      <a:endParaRPr lang="ko-KR" altLang="en-US" sz="1100" dirty="0"/>
+                    </a:p>
+                  </a:txBody>
+                  <a:tcPr anchor="ctr">
+                    <a:lnL w="12700" cap="flat" cmpd="sng" algn="ctr">
+                      <a:noFill/>
+                      <a:prstDash val="solid"/>
+                      <a:round/>
+                      <a:headEnd type="none" w="med" len="med"/>
+                      <a:tailEnd type="none" w="med" len="med"/>
+                    </a:lnL>
+                    <a:lnR w="12700" cap="flat" cmpd="sng" algn="ctr">
+                      <a:noFill/>
+                      <a:prstDash val="solid"/>
+                      <a:round/>
+                      <a:headEnd type="none" w="med" len="med"/>
+                      <a:tailEnd type="none" w="med" len="med"/>
+                    </a:lnR>
+                    <a:lnT w="12700" cap="flat" cmpd="sng" algn="ctr">
+                      <a:noFill/>
+                      <a:prstDash val="solid"/>
+                      <a:round/>
+                      <a:headEnd type="none" w="med" len="med"/>
+                      <a:tailEnd type="none" w="med" len="med"/>
+                    </a:lnT>
+                    <a:lnB w="12700" cap="flat" cmpd="sng" algn="ctr">
+                      <a:noFill/>
+                      <a:prstDash val="solid"/>
+                      <a:round/>
+                      <a:headEnd type="none" w="med" len="med"/>
+                      <a:tailEnd type="none" w="med" len="med"/>
+                    </a:lnB>
+                    <a:lnTlToBr w="12700" cmpd="sng">
+                      <a:noFill/>
+                      <a:prstDash val="solid"/>
+                    </a:lnTlToBr>
+                    <a:lnBlToTr w="12700" cmpd="sng">
+                      <a:noFill/>
+                      <a:prstDash val="solid"/>
+                    </a:lnBlToTr>
+                  </a:tcPr>
+                </a:tc>
+                <a:tc>
+                  <a:txBody>
+                    <a:bodyPr/>
+                    <a:lstStyle/>
+                    <a:p>
+                      <a:pPr algn="ctr" latinLnBrk="1"/>
+                      <a:r>
+                        <a:rPr lang="en-US" altLang="ko-KR" sz="1100" dirty="0"/>
+                        <a:t>1</a:t>
+                      </a:r>
+                      <a:endParaRPr lang="ko-KR" altLang="en-US" sz="1100" dirty="0"/>
+                    </a:p>
+                  </a:txBody>
+                  <a:tcPr anchor="ctr">
+                    <a:lnL w="12700" cap="flat" cmpd="sng" algn="ctr">
+                      <a:noFill/>
+                      <a:prstDash val="solid"/>
+                      <a:round/>
+                      <a:headEnd type="none" w="med" len="med"/>
+                      <a:tailEnd type="none" w="med" len="med"/>
+                    </a:lnL>
+                    <a:lnR w="12700" cap="flat" cmpd="sng" algn="ctr">
+                      <a:noFill/>
+                      <a:prstDash val="solid"/>
+                      <a:round/>
+                      <a:headEnd type="none" w="med" len="med"/>
+                      <a:tailEnd type="none" w="med" len="med"/>
+                    </a:lnR>
+                    <a:lnT w="12700" cap="flat" cmpd="sng" algn="ctr">
+                      <a:noFill/>
+                      <a:prstDash val="solid"/>
+                      <a:round/>
+                      <a:headEnd type="none" w="med" len="med"/>
+                      <a:tailEnd type="none" w="med" len="med"/>
+                    </a:lnT>
+                    <a:lnB w="12700" cap="flat" cmpd="sng" algn="ctr">
+                      <a:noFill/>
+                      <a:prstDash val="solid"/>
+                      <a:round/>
+                      <a:headEnd type="none" w="med" len="med"/>
+                      <a:tailEnd type="none" w="med" len="med"/>
+                    </a:lnB>
+                    <a:lnTlToBr w="12700" cmpd="sng">
+                      <a:noFill/>
+                      <a:prstDash val="solid"/>
+                    </a:lnTlToBr>
+                    <a:lnBlToTr w="12700" cmpd="sng">
+                      <a:noFill/>
+                      <a:prstDash val="solid"/>
+                    </a:lnBlToTr>
+                  </a:tcPr>
+                </a:tc>
+                <a:tc>
+                  <a:txBody>
+                    <a:bodyPr/>
+                    <a:lstStyle/>
+                    <a:p>
+                      <a:pPr algn="ctr" latinLnBrk="1"/>
+                      <a:r>
+                        <a:rPr lang="en-US" altLang="ko-KR" sz="1100" dirty="0"/>
+                        <a:t>1</a:t>
+                      </a:r>
+                      <a:endParaRPr lang="ko-KR" altLang="en-US" sz="1100" dirty="0"/>
+                    </a:p>
+                  </a:txBody>
+                  <a:tcPr anchor="ctr">
+                    <a:lnL w="12700" cap="flat" cmpd="sng" algn="ctr">
+                      <a:noFill/>
+                      <a:prstDash val="solid"/>
+                      <a:round/>
+                      <a:headEnd type="none" w="med" len="med"/>
+                      <a:tailEnd type="none" w="med" len="med"/>
+                    </a:lnL>
+                    <a:lnR w="12700" cap="flat" cmpd="sng" algn="ctr">
+                      <a:noFill/>
+                      <a:prstDash val="solid"/>
+                      <a:round/>
+                      <a:headEnd type="none" w="med" len="med"/>
+                      <a:tailEnd type="none" w="med" len="med"/>
+                    </a:lnR>
+                    <a:lnT w="12700" cap="flat" cmpd="sng" algn="ctr">
+                      <a:noFill/>
+                      <a:prstDash val="solid"/>
+                      <a:round/>
+                      <a:headEnd type="none" w="med" len="med"/>
+                      <a:tailEnd type="none" w="med" len="med"/>
+                    </a:lnT>
+                    <a:lnB w="12700" cap="flat" cmpd="sng" algn="ctr">
+                      <a:noFill/>
+                      <a:prstDash val="solid"/>
+                      <a:round/>
+                      <a:headEnd type="none" w="med" len="med"/>
+                      <a:tailEnd type="none" w="med" len="med"/>
+                    </a:lnB>
+                    <a:lnTlToBr w="12700" cmpd="sng">
+                      <a:noFill/>
+                      <a:prstDash val="solid"/>
+                    </a:lnTlToBr>
+                    <a:lnBlToTr w="12700" cmpd="sng">
+                      <a:noFill/>
+                      <a:prstDash val="solid"/>
+                    </a:lnBlToTr>
+                  </a:tcPr>
+                </a:tc>
+                <a:tc>
+                  <a:txBody>
+                    <a:bodyPr/>
+                    <a:lstStyle/>
+                    <a:p>
+                      <a:pPr algn="ctr" latinLnBrk="1"/>
+                      <a:r>
+                        <a:rPr lang="en-US" altLang="ko-KR" sz="1100" dirty="0"/>
+                        <a:t>0</a:t>
+                      </a:r>
+                      <a:endParaRPr lang="ko-KR" altLang="en-US" sz="1100" dirty="0"/>
+                    </a:p>
+                  </a:txBody>
+                  <a:tcPr anchor="ctr">
+                    <a:lnL w="12700" cap="flat" cmpd="sng" algn="ctr">
+                      <a:noFill/>
+                      <a:prstDash val="solid"/>
+                      <a:round/>
+                      <a:headEnd type="none" w="med" len="med"/>
+                      <a:tailEnd type="none" w="med" len="med"/>
+                    </a:lnL>
+                    <a:lnR w="12700" cap="flat" cmpd="sng" algn="ctr">
+                      <a:noFill/>
+                      <a:prstDash val="solid"/>
+                      <a:round/>
+                      <a:headEnd type="none" w="med" len="med"/>
+                      <a:tailEnd type="none" w="med" len="med"/>
+                    </a:lnR>
+                    <a:lnT w="12700" cap="flat" cmpd="sng" algn="ctr">
+                      <a:noFill/>
+                      <a:prstDash val="solid"/>
+                      <a:round/>
+                      <a:headEnd type="none" w="med" len="med"/>
+                      <a:tailEnd type="none" w="med" len="med"/>
+                    </a:lnT>
+                    <a:lnB w="12700" cap="flat" cmpd="sng" algn="ctr">
+                      <a:noFill/>
+                      <a:prstDash val="solid"/>
+                      <a:round/>
+                      <a:headEnd type="none" w="med" len="med"/>
+                      <a:tailEnd type="none" w="med" len="med"/>
+                    </a:lnB>
+                    <a:lnTlToBr w="12700" cmpd="sng">
+                      <a:noFill/>
+                      <a:prstDash val="solid"/>
+                    </a:lnTlToBr>
+                    <a:lnBlToTr w="12700" cmpd="sng">
+                      <a:noFill/>
+                      <a:prstDash val="solid"/>
+                    </a:lnBlToTr>
+                  </a:tcPr>
+                </a:tc>
+                <a:tc>
+                  <a:txBody>
+                    <a:bodyPr/>
+                    <a:lstStyle/>
+                    <a:p>
+                      <a:pPr algn="ctr" latinLnBrk="1"/>
+                      <a:r>
+                        <a:rPr lang="en-US" altLang="ko-KR" sz="1100" dirty="0"/>
+                        <a:t>1</a:t>
+                      </a:r>
+                      <a:endParaRPr lang="ko-KR" altLang="en-US" sz="1100" dirty="0"/>
+                    </a:p>
+                  </a:txBody>
+                  <a:tcPr anchor="ctr">
+                    <a:lnL w="12700" cap="flat" cmpd="sng" algn="ctr">
+                      <a:noFill/>
+                      <a:prstDash val="solid"/>
+                      <a:round/>
+                      <a:headEnd type="none" w="med" len="med"/>
+                      <a:tailEnd type="none" w="med" len="med"/>
+                    </a:lnL>
+                    <a:lnR w="12700" cap="flat" cmpd="sng" algn="ctr">
+                      <a:noFill/>
+                      <a:prstDash val="solid"/>
+                      <a:round/>
+                      <a:headEnd type="none" w="med" len="med"/>
+                      <a:tailEnd type="none" w="med" len="med"/>
+                    </a:lnR>
+                    <a:lnT w="12700" cap="flat" cmpd="sng" algn="ctr">
+                      <a:noFill/>
+                      <a:prstDash val="solid"/>
+                      <a:round/>
+                      <a:headEnd type="none" w="med" len="med"/>
+                      <a:tailEnd type="none" w="med" len="med"/>
+                    </a:lnT>
+                    <a:lnB w="12700" cap="flat" cmpd="sng" algn="ctr">
+                      <a:noFill/>
+                      <a:prstDash val="solid"/>
+                      <a:round/>
+                      <a:headEnd type="none" w="med" len="med"/>
+                      <a:tailEnd type="none" w="med" len="med"/>
+                    </a:lnB>
+                    <a:lnTlToBr w="12700" cmpd="sng">
+                      <a:noFill/>
+                      <a:prstDash val="solid"/>
+                    </a:lnTlToBr>
+                    <a:lnBlToTr w="12700" cmpd="sng">
+                      <a:noFill/>
+                      <a:prstDash val="solid"/>
+                    </a:lnBlToTr>
+                  </a:tcPr>
+                </a:tc>
+                <a:tc>
+                  <a:txBody>
+                    <a:bodyPr/>
+                    <a:lstStyle/>
+                    <a:p>
+                      <a:pPr algn="ctr" latinLnBrk="1"/>
+                      <a:r>
+                        <a:rPr lang="en-US" altLang="ko-KR" sz="1100" dirty="0"/>
+                        <a:t>0</a:t>
+                      </a:r>
+                      <a:endParaRPr lang="ko-KR" altLang="en-US" sz="1100" dirty="0"/>
+                    </a:p>
+                  </a:txBody>
+                  <a:tcPr anchor="ctr">
+                    <a:lnL w="12700" cap="flat" cmpd="sng" algn="ctr">
+                      <a:noFill/>
+                      <a:prstDash val="solid"/>
+                      <a:round/>
+                      <a:headEnd type="none" w="med" len="med"/>
+                      <a:tailEnd type="none" w="med" len="med"/>
+                    </a:lnL>
+                    <a:lnR w="12700" cap="flat" cmpd="sng" algn="ctr">
+                      <a:noFill/>
+                      <a:prstDash val="solid"/>
+                      <a:round/>
+                      <a:headEnd type="none" w="med" len="med"/>
+                      <a:tailEnd type="none" w="med" len="med"/>
+                    </a:lnR>
+                    <a:lnT w="12700" cap="flat" cmpd="sng" algn="ctr">
+                      <a:noFill/>
+                      <a:prstDash val="solid"/>
+                      <a:round/>
+                      <a:headEnd type="none" w="med" len="med"/>
+                      <a:tailEnd type="none" w="med" len="med"/>
+                    </a:lnT>
+                    <a:lnB w="12700" cap="flat" cmpd="sng" algn="ctr">
+                      <a:noFill/>
+                      <a:prstDash val="solid"/>
+                      <a:round/>
+                      <a:headEnd type="none" w="med" len="med"/>
+                      <a:tailEnd type="none" w="med" len="med"/>
+                    </a:lnB>
+                    <a:lnTlToBr w="12700" cmpd="sng">
+                      <a:noFill/>
+                      <a:prstDash val="solid"/>
+                    </a:lnTlToBr>
+                    <a:lnBlToTr w="12700" cmpd="sng">
+                      <a:noFill/>
+                      <a:prstDash val="solid"/>
+                    </a:lnBlToTr>
+                  </a:tcPr>
+                </a:tc>
+                <a:tc>
+                  <a:txBody>
+                    <a:bodyPr/>
+                    <a:lstStyle/>
+                    <a:p>
+                      <a:pPr algn="ctr" latinLnBrk="1"/>
+                      <a:r>
+                        <a:rPr lang="en-US" altLang="ko-KR" sz="1100" dirty="0"/>
+                        <a:t>1</a:t>
+                      </a:r>
+                      <a:endParaRPr lang="ko-KR" altLang="en-US" sz="1100" dirty="0"/>
+                    </a:p>
+                  </a:txBody>
+                  <a:tcPr anchor="ctr">
+                    <a:lnL w="12700" cap="flat" cmpd="sng" algn="ctr">
+                      <a:noFill/>
+                      <a:prstDash val="solid"/>
+                      <a:round/>
+                      <a:headEnd type="none" w="med" len="med"/>
+                      <a:tailEnd type="none" w="med" len="med"/>
+                    </a:lnL>
+                    <a:lnR w="12700" cap="flat" cmpd="sng" algn="ctr">
+                      <a:noFill/>
+                      <a:prstDash val="solid"/>
+                      <a:round/>
+                      <a:headEnd type="none" w="med" len="med"/>
+                      <a:tailEnd type="none" w="med" len="med"/>
+                    </a:lnR>
+                    <a:lnT w="12700" cap="flat" cmpd="sng" algn="ctr">
+                      <a:noFill/>
+                      <a:prstDash val="solid"/>
+                      <a:round/>
+                      <a:headEnd type="none" w="med" len="med"/>
+                      <a:tailEnd type="none" w="med" len="med"/>
+                    </a:lnT>
+                    <a:lnB w="12700" cap="flat" cmpd="sng" algn="ctr">
+                      <a:noFill/>
+                      <a:prstDash val="solid"/>
+                      <a:round/>
+                      <a:headEnd type="none" w="med" len="med"/>
+                      <a:tailEnd type="none" w="med" len="med"/>
+                    </a:lnB>
+                    <a:lnTlToBr w="12700" cmpd="sng">
+                      <a:noFill/>
+                      <a:prstDash val="solid"/>
+                    </a:lnTlToBr>
+                    <a:lnBlToTr w="12700" cmpd="sng">
+                      <a:noFill/>
+                      <a:prstDash val="solid"/>
+                    </a:lnBlToTr>
+                  </a:tcPr>
+                </a:tc>
+                <a:extLst>
+                  <a:ext uri="{0D108BD9-81ED-4DB2-BD59-A6C34878D82A}">
+                    <a16:rowId xmlns:a16="http://schemas.microsoft.com/office/drawing/2014/main" val="854797087"/>
+                  </a:ext>
+                </a:extLst>
+              </a:tr>
+              <a:tr h="370840">
+                <a:tc>
+                  <a:txBody>
+                    <a:bodyPr/>
+                    <a:lstStyle/>
+                    <a:p>
+                      <a:pPr algn="ctr" latinLnBrk="1"/>
+                      <a:r>
+                        <a:rPr lang="en-US" altLang="ko-KR" sz="1100" dirty="0"/>
+                        <a:t>+</a:t>
+                      </a:r>
+                      <a:endParaRPr lang="ko-KR" altLang="en-US" sz="1100" dirty="0"/>
+                    </a:p>
+                  </a:txBody>
+                  <a:tcPr anchor="ctr">
+                    <a:lnL w="12700" cap="flat" cmpd="sng" algn="ctr">
+                      <a:noFill/>
+                      <a:prstDash val="solid"/>
+                      <a:round/>
+                      <a:headEnd type="none" w="med" len="med"/>
+                      <a:tailEnd type="none" w="med" len="med"/>
+                    </a:lnL>
+                    <a:lnR w="12700" cap="flat" cmpd="sng" algn="ctr">
+                      <a:noFill/>
+                      <a:prstDash val="solid"/>
+                      <a:round/>
+                      <a:headEnd type="none" w="med" len="med"/>
+                      <a:tailEnd type="none" w="med" len="med"/>
+                    </a:lnR>
+                    <a:lnT w="12700" cap="flat" cmpd="sng" algn="ctr">
+                      <a:noFill/>
+                      <a:prstDash val="solid"/>
+                      <a:round/>
+                      <a:headEnd type="none" w="med" len="med"/>
+                      <a:tailEnd type="none" w="med" len="med"/>
+                    </a:lnT>
+                    <a:lnB w="12700" cap="flat" cmpd="sng" algn="ctr">
+                      <a:solidFill>
+                        <a:schemeClr val="tx1"/>
+                      </a:solidFill>
+                      <a:prstDash val="solid"/>
+                      <a:round/>
+                      <a:headEnd type="none" w="med" len="med"/>
+                      <a:tailEnd type="none" w="med" len="med"/>
+                    </a:lnB>
+                    <a:lnTlToBr w="12700" cmpd="sng">
+                      <a:noFill/>
+                      <a:prstDash val="solid"/>
+                    </a:lnTlToBr>
+                    <a:lnBlToTr w="12700" cmpd="sng">
+                      <a:noFill/>
+                      <a:prstDash val="solid"/>
+                    </a:lnBlToTr>
+                  </a:tcPr>
+                </a:tc>
+                <a:tc>
+                  <a:txBody>
+                    <a:bodyPr/>
+                    <a:lstStyle/>
+                    <a:p>
+                      <a:pPr algn="ctr" latinLnBrk="1"/>
+                      <a:r>
+                        <a:rPr lang="en-US" altLang="ko-KR" sz="1100" dirty="0"/>
+                        <a:t>1</a:t>
+                      </a:r>
+                      <a:endParaRPr lang="ko-KR" altLang="en-US" sz="1100" dirty="0"/>
+                    </a:p>
+                  </a:txBody>
+                  <a:tcPr anchor="ctr">
+                    <a:lnL w="12700" cap="flat" cmpd="sng" algn="ctr">
+                      <a:noFill/>
+                      <a:prstDash val="solid"/>
+                      <a:round/>
+                      <a:headEnd type="none" w="med" len="med"/>
+                      <a:tailEnd type="none" w="med" len="med"/>
+                    </a:lnL>
+                    <a:lnR w="12700" cap="flat" cmpd="sng" algn="ctr">
+                      <a:noFill/>
+                      <a:prstDash val="solid"/>
+                      <a:round/>
+                      <a:headEnd type="none" w="med" len="med"/>
+                      <a:tailEnd type="none" w="med" len="med"/>
+                    </a:lnR>
+                    <a:lnT w="12700" cap="flat" cmpd="sng" algn="ctr">
+                      <a:noFill/>
+                      <a:prstDash val="solid"/>
+                      <a:round/>
+                      <a:headEnd type="none" w="med" len="med"/>
+                      <a:tailEnd type="none" w="med" len="med"/>
+                    </a:lnT>
+                    <a:lnB w="12700" cap="flat" cmpd="sng" algn="ctr">
+                      <a:solidFill>
+                        <a:schemeClr val="tx1"/>
+                      </a:solidFill>
+                      <a:prstDash val="solid"/>
+                      <a:round/>
+                      <a:headEnd type="none" w="med" len="med"/>
+                      <a:tailEnd type="none" w="med" len="med"/>
+                    </a:lnB>
+                    <a:lnTlToBr w="12700" cmpd="sng">
+                      <a:noFill/>
+                      <a:prstDash val="solid"/>
+                    </a:lnTlToBr>
+                    <a:lnBlToTr w="12700" cmpd="sng">
+                      <a:noFill/>
+                      <a:prstDash val="solid"/>
+                    </a:lnBlToTr>
+                  </a:tcPr>
+                </a:tc>
+                <a:tc>
+                  <a:txBody>
+                    <a:bodyPr/>
+                    <a:lstStyle/>
+                    <a:p>
+                      <a:pPr algn="ctr" latinLnBrk="1"/>
+                      <a:r>
+                        <a:rPr lang="en-US" altLang="ko-KR" sz="1100" dirty="0"/>
+                        <a:t>1</a:t>
+                      </a:r>
+                      <a:endParaRPr lang="ko-KR" altLang="en-US" sz="1100" dirty="0"/>
+                    </a:p>
+                  </a:txBody>
+                  <a:tcPr anchor="ctr">
+                    <a:lnL w="12700" cap="flat" cmpd="sng" algn="ctr">
+                      <a:noFill/>
+                      <a:prstDash val="solid"/>
+                      <a:round/>
+                      <a:headEnd type="none" w="med" len="med"/>
+                      <a:tailEnd type="none" w="med" len="med"/>
+                    </a:lnL>
+                    <a:lnR w="12700" cap="flat" cmpd="sng" algn="ctr">
+                      <a:noFill/>
+                      <a:prstDash val="solid"/>
+                      <a:round/>
+                      <a:headEnd type="none" w="med" len="med"/>
+                      <a:tailEnd type="none" w="med" len="med"/>
+                    </a:lnR>
+                    <a:lnT w="12700" cap="flat" cmpd="sng" algn="ctr">
+                      <a:noFill/>
+                      <a:prstDash val="solid"/>
+                      <a:round/>
+                      <a:headEnd type="none" w="med" len="med"/>
+                      <a:tailEnd type="none" w="med" len="med"/>
+                    </a:lnT>
+                    <a:lnB w="12700" cap="flat" cmpd="sng" algn="ctr">
+                      <a:solidFill>
+                        <a:schemeClr val="tx1"/>
+                      </a:solidFill>
+                      <a:prstDash val="solid"/>
+                      <a:round/>
+                      <a:headEnd type="none" w="med" len="med"/>
+                      <a:tailEnd type="none" w="med" len="med"/>
+                    </a:lnB>
+                    <a:lnTlToBr w="12700" cmpd="sng">
+                      <a:noFill/>
+                      <a:prstDash val="solid"/>
+                    </a:lnTlToBr>
+                    <a:lnBlToTr w="12700" cmpd="sng">
+                      <a:noFill/>
+                      <a:prstDash val="solid"/>
+                    </a:lnBlToTr>
+                  </a:tcPr>
+                </a:tc>
+                <a:tc>
+                  <a:txBody>
+                    <a:bodyPr/>
+                    <a:lstStyle/>
+                    <a:p>
+                      <a:pPr algn="ctr" latinLnBrk="1"/>
+                      <a:r>
+                        <a:rPr lang="en-US" altLang="ko-KR" sz="1100" dirty="0"/>
+                        <a:t>1</a:t>
+                      </a:r>
+                      <a:endParaRPr lang="ko-KR" altLang="en-US" sz="1100" dirty="0"/>
+                    </a:p>
+                  </a:txBody>
+                  <a:tcPr anchor="ctr">
+                    <a:lnL w="12700" cap="flat" cmpd="sng" algn="ctr">
+                      <a:noFill/>
+                      <a:prstDash val="solid"/>
+                      <a:round/>
+                      <a:headEnd type="none" w="med" len="med"/>
+                      <a:tailEnd type="none" w="med" len="med"/>
+                    </a:lnL>
+                    <a:lnR w="12700" cap="flat" cmpd="sng" algn="ctr">
+                      <a:noFill/>
+                      <a:prstDash val="solid"/>
+                      <a:round/>
+                      <a:headEnd type="none" w="med" len="med"/>
+                      <a:tailEnd type="none" w="med" len="med"/>
+                    </a:lnR>
+                    <a:lnT w="12700" cap="flat" cmpd="sng" algn="ctr">
+                      <a:noFill/>
+                      <a:prstDash val="solid"/>
+                      <a:round/>
+                      <a:headEnd type="none" w="med" len="med"/>
+                      <a:tailEnd type="none" w="med" len="med"/>
+                    </a:lnT>
+                    <a:lnB w="12700" cap="flat" cmpd="sng" algn="ctr">
+                      <a:solidFill>
+                        <a:schemeClr val="tx1"/>
+                      </a:solidFill>
+                      <a:prstDash val="solid"/>
+                      <a:round/>
+                      <a:headEnd type="none" w="med" len="med"/>
+                      <a:tailEnd type="none" w="med" len="med"/>
+                    </a:lnB>
+                    <a:lnTlToBr w="12700" cmpd="sng">
+                      <a:noFill/>
+                      <a:prstDash val="solid"/>
+                    </a:lnTlToBr>
+                    <a:lnBlToTr w="12700" cmpd="sng">
+                      <a:noFill/>
+                      <a:prstDash val="solid"/>
+                    </a:lnBlToTr>
+                  </a:tcPr>
+                </a:tc>
+                <a:tc>
+                  <a:txBody>
+                    <a:bodyPr/>
+                    <a:lstStyle/>
+                    <a:p>
+                      <a:pPr algn="ctr" latinLnBrk="1"/>
+                      <a:r>
+                        <a:rPr lang="en-US" altLang="ko-KR" sz="1100" dirty="0"/>
+                        <a:t>1</a:t>
+                      </a:r>
+                      <a:endParaRPr lang="ko-KR" altLang="en-US" sz="1100" dirty="0"/>
+                    </a:p>
+                  </a:txBody>
+                  <a:tcPr anchor="ctr">
+                    <a:lnL w="12700" cap="flat" cmpd="sng" algn="ctr">
+                      <a:noFill/>
+                      <a:prstDash val="solid"/>
+                      <a:round/>
+                      <a:headEnd type="none" w="med" len="med"/>
+                      <a:tailEnd type="none" w="med" len="med"/>
+                    </a:lnL>
+                    <a:lnR w="12700" cap="flat" cmpd="sng" algn="ctr">
+                      <a:noFill/>
+                      <a:prstDash val="solid"/>
+                      <a:round/>
+                      <a:headEnd type="none" w="med" len="med"/>
+                      <a:tailEnd type="none" w="med" len="med"/>
+                    </a:lnR>
+                    <a:lnT w="12700" cap="flat" cmpd="sng" algn="ctr">
+                      <a:noFill/>
+                      <a:prstDash val="solid"/>
+                      <a:round/>
+                      <a:headEnd type="none" w="med" len="med"/>
+                      <a:tailEnd type="none" w="med" len="med"/>
+                    </a:lnT>
+                    <a:lnB w="12700" cap="flat" cmpd="sng" algn="ctr">
+                      <a:solidFill>
+                        <a:schemeClr val="tx1"/>
+                      </a:solidFill>
+                      <a:prstDash val="solid"/>
+                      <a:round/>
+                      <a:headEnd type="none" w="med" len="med"/>
+                      <a:tailEnd type="none" w="med" len="med"/>
+                    </a:lnB>
+                    <a:lnTlToBr w="12700" cmpd="sng">
+                      <a:noFill/>
+                      <a:prstDash val="solid"/>
+                    </a:lnTlToBr>
+                    <a:lnBlToTr w="12700" cmpd="sng">
+                      <a:noFill/>
+                      <a:prstDash val="solid"/>
+                    </a:lnBlToTr>
+                  </a:tcPr>
+                </a:tc>
+                <a:tc>
+                  <a:txBody>
+                    <a:bodyPr/>
+                    <a:lstStyle/>
+                    <a:p>
+                      <a:pPr algn="ctr" latinLnBrk="1"/>
+                      <a:r>
+                        <a:rPr lang="en-US" altLang="ko-KR" sz="1100" dirty="0"/>
+                        <a:t>0</a:t>
+                      </a:r>
+                      <a:endParaRPr lang="ko-KR" altLang="en-US" sz="1100" dirty="0"/>
+                    </a:p>
+                  </a:txBody>
+                  <a:tcPr anchor="ctr">
+                    <a:lnL w="12700" cap="flat" cmpd="sng" algn="ctr">
+                      <a:noFill/>
+                      <a:prstDash val="solid"/>
+                      <a:round/>
+                      <a:headEnd type="none" w="med" len="med"/>
+                      <a:tailEnd type="none" w="med" len="med"/>
+                    </a:lnL>
+                    <a:lnR w="12700" cap="flat" cmpd="sng" algn="ctr">
+                      <a:noFill/>
+                      <a:prstDash val="solid"/>
+                      <a:round/>
+                      <a:headEnd type="none" w="med" len="med"/>
+                      <a:tailEnd type="none" w="med" len="med"/>
+                    </a:lnR>
+                    <a:lnT w="12700" cap="flat" cmpd="sng" algn="ctr">
+                      <a:noFill/>
+                      <a:prstDash val="solid"/>
+                      <a:round/>
+                      <a:headEnd type="none" w="med" len="med"/>
+                      <a:tailEnd type="none" w="med" len="med"/>
+                    </a:lnT>
+                    <a:lnB w="12700" cap="flat" cmpd="sng" algn="ctr">
+                      <a:solidFill>
+                        <a:schemeClr val="tx1"/>
+                      </a:solidFill>
+                      <a:prstDash val="solid"/>
+                      <a:round/>
+                      <a:headEnd type="none" w="med" len="med"/>
+                      <a:tailEnd type="none" w="med" len="med"/>
+                    </a:lnB>
+                    <a:lnTlToBr w="12700" cmpd="sng">
+                      <a:noFill/>
+                      <a:prstDash val="solid"/>
+                    </a:lnTlToBr>
+                    <a:lnBlToTr w="12700" cmpd="sng">
+                      <a:noFill/>
+                      <a:prstDash val="solid"/>
+                    </a:lnBlToTr>
+                  </a:tcPr>
+                </a:tc>
+                <a:tc>
+                  <a:txBody>
+                    <a:bodyPr/>
+                    <a:lstStyle/>
+                    <a:p>
+                      <a:pPr algn="ctr" latinLnBrk="1"/>
+                      <a:r>
+                        <a:rPr lang="en-US" altLang="ko-KR" sz="1100" dirty="0"/>
+                        <a:t>1</a:t>
+                      </a:r>
+                      <a:endParaRPr lang="ko-KR" altLang="en-US" sz="1100" dirty="0"/>
+                    </a:p>
+                  </a:txBody>
+                  <a:tcPr anchor="ctr">
+                    <a:lnL w="12700" cap="flat" cmpd="sng" algn="ctr">
+                      <a:noFill/>
+                      <a:prstDash val="solid"/>
+                      <a:round/>
+                      <a:headEnd type="none" w="med" len="med"/>
+                      <a:tailEnd type="none" w="med" len="med"/>
+                    </a:lnL>
+                    <a:lnR w="12700" cap="flat" cmpd="sng" algn="ctr">
+                      <a:noFill/>
+                      <a:prstDash val="solid"/>
+                      <a:round/>
+                      <a:headEnd type="none" w="med" len="med"/>
+                      <a:tailEnd type="none" w="med" len="med"/>
+                    </a:lnR>
+                    <a:lnT w="12700" cap="flat" cmpd="sng" algn="ctr">
+                      <a:noFill/>
+                      <a:prstDash val="solid"/>
+                      <a:round/>
+                      <a:headEnd type="none" w="med" len="med"/>
+                      <a:tailEnd type="none" w="med" len="med"/>
+                    </a:lnT>
+                    <a:lnB w="12700" cap="flat" cmpd="sng" algn="ctr">
+                      <a:solidFill>
+                        <a:schemeClr val="tx1"/>
+                      </a:solidFill>
+                      <a:prstDash val="solid"/>
+                      <a:round/>
+                      <a:headEnd type="none" w="med" len="med"/>
+                      <a:tailEnd type="none" w="med" len="med"/>
+                    </a:lnB>
+                    <a:lnTlToBr w="12700" cmpd="sng">
+                      <a:noFill/>
+                      <a:prstDash val="solid"/>
+                    </a:lnTlToBr>
+                    <a:lnBlToTr w="12700" cmpd="sng">
+                      <a:noFill/>
+                      <a:prstDash val="solid"/>
+                    </a:lnBlToTr>
+                  </a:tcPr>
+                </a:tc>
+                <a:tc>
+                  <a:txBody>
+                    <a:bodyPr/>
+                    <a:lstStyle/>
+                    <a:p>
+                      <a:pPr algn="ctr" latinLnBrk="1"/>
+                      <a:r>
+                        <a:rPr lang="en-US" altLang="ko-KR" sz="1100" dirty="0"/>
+                        <a:t>0</a:t>
+                      </a:r>
+                      <a:endParaRPr lang="ko-KR" altLang="en-US" sz="1100" dirty="0"/>
+                    </a:p>
+                  </a:txBody>
+                  <a:tcPr anchor="ctr">
+                    <a:lnL w="12700" cap="flat" cmpd="sng" algn="ctr">
+                      <a:noFill/>
+                      <a:prstDash val="solid"/>
+                      <a:round/>
+                      <a:headEnd type="none" w="med" len="med"/>
+                      <a:tailEnd type="none" w="med" len="med"/>
+                    </a:lnL>
+                    <a:lnR w="12700" cap="flat" cmpd="sng" algn="ctr">
+                      <a:noFill/>
+                      <a:prstDash val="solid"/>
+                      <a:round/>
+                      <a:headEnd type="none" w="med" len="med"/>
+                      <a:tailEnd type="none" w="med" len="med"/>
+                    </a:lnR>
+                    <a:lnT w="12700" cap="flat" cmpd="sng" algn="ctr">
+                      <a:noFill/>
+                      <a:prstDash val="solid"/>
+                      <a:round/>
+                      <a:headEnd type="none" w="med" len="med"/>
+                      <a:tailEnd type="none" w="med" len="med"/>
+                    </a:lnT>
+                    <a:lnB w="12700" cap="flat" cmpd="sng" algn="ctr">
+                      <a:solidFill>
+                        <a:schemeClr val="tx1"/>
+                      </a:solidFill>
+                      <a:prstDash val="solid"/>
+                      <a:round/>
+                      <a:headEnd type="none" w="med" len="med"/>
+                      <a:tailEnd type="none" w="med" len="med"/>
+                    </a:lnB>
+                    <a:lnTlToBr w="12700" cmpd="sng">
+                      <a:noFill/>
+                      <a:prstDash val="solid"/>
+                    </a:lnTlToBr>
+                    <a:lnBlToTr w="12700" cmpd="sng">
+                      <a:noFill/>
+                      <a:prstDash val="solid"/>
+                    </a:lnBlToTr>
+                  </a:tcPr>
+                </a:tc>
+                <a:tc>
+                  <a:txBody>
+                    <a:bodyPr/>
+                    <a:lstStyle/>
+                    <a:p>
+                      <a:pPr algn="ctr" latinLnBrk="1"/>
+                      <a:r>
+                        <a:rPr lang="en-US" altLang="ko-KR" sz="1100" dirty="0"/>
+                        <a:t>1</a:t>
+                      </a:r>
+                      <a:endParaRPr lang="ko-KR" altLang="en-US" sz="1100" dirty="0"/>
+                    </a:p>
+                  </a:txBody>
+                  <a:tcPr anchor="ctr">
+                    <a:lnL w="12700" cap="flat" cmpd="sng" algn="ctr">
+                      <a:noFill/>
+                      <a:prstDash val="solid"/>
+                      <a:round/>
+                      <a:headEnd type="none" w="med" len="med"/>
+                      <a:tailEnd type="none" w="med" len="med"/>
+                    </a:lnL>
+                    <a:lnR w="12700" cap="flat" cmpd="sng" algn="ctr">
+                      <a:noFill/>
+                      <a:prstDash val="solid"/>
+                      <a:round/>
+                      <a:headEnd type="none" w="med" len="med"/>
+                      <a:tailEnd type="none" w="med" len="med"/>
+                    </a:lnR>
+                    <a:lnT w="12700" cap="flat" cmpd="sng" algn="ctr">
+                      <a:noFill/>
+                      <a:prstDash val="solid"/>
+                      <a:round/>
+                      <a:headEnd type="none" w="med" len="med"/>
+                      <a:tailEnd type="none" w="med" len="med"/>
+                    </a:lnT>
+                    <a:lnB w="12700" cap="flat" cmpd="sng" algn="ctr">
+                      <a:solidFill>
+                        <a:schemeClr val="tx1"/>
+                      </a:solidFill>
+                      <a:prstDash val="solid"/>
+                      <a:round/>
+                      <a:headEnd type="none" w="med" len="med"/>
+                      <a:tailEnd type="none" w="med" len="med"/>
+                    </a:lnB>
+                    <a:lnTlToBr w="12700" cmpd="sng">
+                      <a:noFill/>
+                      <a:prstDash val="solid"/>
+                    </a:lnTlToBr>
+                    <a:lnBlToTr w="12700" cmpd="sng">
+                      <a:noFill/>
+                      <a:prstDash val="solid"/>
+                    </a:lnBlToTr>
+                  </a:tcPr>
+                </a:tc>
+                <a:extLst>
+                  <a:ext uri="{0D108BD9-81ED-4DB2-BD59-A6C34878D82A}">
+                    <a16:rowId xmlns:a16="http://schemas.microsoft.com/office/drawing/2014/main" val="2526188099"/>
+                  </a:ext>
+                </a:extLst>
+              </a:tr>
+              <a:tr h="370840">
+                <a:tc>
+                  <a:txBody>
+                    <a:bodyPr/>
+                    <a:lstStyle/>
+                    <a:p>
+                      <a:pPr algn="ctr" latinLnBrk="1"/>
+                      <a:r>
+                        <a:rPr lang="en-US" altLang="ko-KR" sz="1100" b="1" dirty="0">
+                          <a:solidFill>
+                            <a:srgbClr val="FF0000"/>
+                          </a:solidFill>
+                        </a:rPr>
+                        <a:t>1</a:t>
+                      </a:r>
+                      <a:endParaRPr lang="ko-KR" altLang="en-US" sz="1100" b="1" dirty="0">
+                        <a:solidFill>
+                          <a:srgbClr val="FF0000"/>
+                        </a:solidFill>
+                      </a:endParaRPr>
+                    </a:p>
+                  </a:txBody>
+                  <a:tcPr anchor="ctr">
+                    <a:lnL w="12700" cmpd="sng">
+                      <a:noFill/>
+                    </a:lnL>
+                    <a:lnR w="12700" cmpd="sng">
+                      <a:noFill/>
+                    </a:lnR>
+                    <a:lnT w="12700" cap="flat" cmpd="sng" algn="ctr">
+                      <a:solidFill>
+                        <a:schemeClr val="tx1"/>
+                      </a:solidFill>
+                      <a:prstDash val="solid"/>
+                      <a:round/>
+                      <a:headEnd type="none" w="med" len="med"/>
+                      <a:tailEnd type="none" w="med" len="med"/>
+                    </a:lnT>
+                    <a:lnB w="12700" cap="flat" cmpd="sng" algn="ctr">
+                      <a:noFill/>
+                      <a:prstDash val="solid"/>
+                      <a:round/>
+                      <a:headEnd type="none" w="med" len="med"/>
+                      <a:tailEnd type="none" w="med" len="med"/>
+                    </a:lnB>
+                    <a:lnTlToBr w="12700" cmpd="sng">
+                      <a:noFill/>
+                      <a:prstDash val="solid"/>
+                    </a:lnTlToBr>
+                    <a:lnBlToTr w="12700" cmpd="sng">
+                      <a:noFill/>
+                      <a:prstDash val="solid"/>
+                    </a:lnBlToTr>
+                  </a:tcPr>
+                </a:tc>
+                <a:tc>
+                  <a:txBody>
+                    <a:bodyPr/>
+                    <a:lstStyle/>
+                    <a:p>
+                      <a:pPr algn="ctr" latinLnBrk="1"/>
+                      <a:r>
+                        <a:rPr lang="en-US" altLang="ko-KR" sz="1100" dirty="0"/>
+                        <a:t>1</a:t>
+                      </a:r>
+                      <a:endParaRPr lang="ko-KR" altLang="en-US" sz="1100" dirty="0"/>
+                    </a:p>
+                  </a:txBody>
+                  <a:tcPr anchor="ctr">
+                    <a:lnL w="12700" cmpd="sng">
+                      <a:noFill/>
+                    </a:lnL>
+                    <a:lnR w="12700" cmpd="sng">
+                      <a:noFill/>
+                    </a:lnR>
+                    <a:lnT w="12700" cap="flat" cmpd="sng" algn="ctr">
+                      <a:solidFill>
+                        <a:schemeClr val="tx1"/>
+                      </a:solidFill>
+                      <a:prstDash val="solid"/>
+                      <a:round/>
+                      <a:headEnd type="none" w="med" len="med"/>
+                      <a:tailEnd type="none" w="med" len="med"/>
+                    </a:lnT>
+                    <a:lnB w="12700" cap="flat" cmpd="sng" algn="ctr">
+                      <a:noFill/>
+                      <a:prstDash val="solid"/>
+                      <a:round/>
+                      <a:headEnd type="none" w="med" len="med"/>
+                      <a:tailEnd type="none" w="med" len="med"/>
+                    </a:lnB>
+                    <a:lnTlToBr w="12700" cmpd="sng">
+                      <a:noFill/>
+                      <a:prstDash val="solid"/>
+                    </a:lnTlToBr>
+                    <a:lnBlToTr w="12700" cmpd="sng">
+                      <a:noFill/>
+                      <a:prstDash val="solid"/>
+                    </a:lnBlToTr>
+                  </a:tcPr>
+                </a:tc>
+                <a:tc>
+                  <a:txBody>
+                    <a:bodyPr/>
+                    <a:lstStyle/>
+                    <a:p>
+                      <a:pPr algn="ctr" latinLnBrk="1"/>
+                      <a:r>
+                        <a:rPr lang="en-US" altLang="ko-KR" sz="1100" dirty="0"/>
+                        <a:t>1</a:t>
+                      </a:r>
+                      <a:endParaRPr lang="ko-KR" altLang="en-US" sz="1100" dirty="0"/>
+                    </a:p>
+                  </a:txBody>
+                  <a:tcPr anchor="ctr">
+                    <a:lnL w="12700" cmpd="sng">
+                      <a:noFill/>
+                    </a:lnL>
+                    <a:lnR w="12700" cmpd="sng">
+                      <a:noFill/>
+                    </a:lnR>
+                    <a:lnT w="12700" cap="flat" cmpd="sng" algn="ctr">
+                      <a:solidFill>
+                        <a:schemeClr val="tx1"/>
+                      </a:solidFill>
+                      <a:prstDash val="solid"/>
+                      <a:round/>
+                      <a:headEnd type="none" w="med" len="med"/>
+                      <a:tailEnd type="none" w="med" len="med"/>
+                    </a:lnT>
+                    <a:lnB w="12700" cap="flat" cmpd="sng" algn="ctr">
+                      <a:noFill/>
+                      <a:prstDash val="solid"/>
+                      <a:round/>
+                      <a:headEnd type="none" w="med" len="med"/>
+                      <a:tailEnd type="none" w="med" len="med"/>
+                    </a:lnB>
+                    <a:lnTlToBr w="12700" cmpd="sng">
+                      <a:noFill/>
+                      <a:prstDash val="solid"/>
+                    </a:lnTlToBr>
+                    <a:lnBlToTr w="12700" cmpd="sng">
+                      <a:noFill/>
+                      <a:prstDash val="solid"/>
+                    </a:lnBlToTr>
+                  </a:tcPr>
+                </a:tc>
+                <a:tc>
+                  <a:txBody>
+                    <a:bodyPr/>
+                    <a:lstStyle/>
+                    <a:p>
+                      <a:pPr algn="ctr" latinLnBrk="1"/>
+                      <a:r>
+                        <a:rPr lang="en-US" altLang="ko-KR" sz="1100" dirty="0"/>
+                        <a:t>1</a:t>
+                      </a:r>
+                      <a:endParaRPr lang="ko-KR" altLang="en-US" sz="1100" dirty="0"/>
+                    </a:p>
+                  </a:txBody>
+                  <a:tcPr anchor="ctr">
+                    <a:lnL w="12700" cmpd="sng">
+                      <a:noFill/>
+                    </a:lnL>
+                    <a:lnR w="12700" cmpd="sng">
+                      <a:noFill/>
+                    </a:lnR>
+                    <a:lnT w="12700" cap="flat" cmpd="sng" algn="ctr">
+                      <a:solidFill>
+                        <a:schemeClr val="tx1"/>
+                      </a:solidFill>
+                      <a:prstDash val="solid"/>
+                      <a:round/>
+                      <a:headEnd type="none" w="med" len="med"/>
+                      <a:tailEnd type="none" w="med" len="med"/>
+                    </a:lnT>
+                    <a:lnB w="12700" cap="flat" cmpd="sng" algn="ctr">
+                      <a:noFill/>
+                      <a:prstDash val="solid"/>
+                      <a:round/>
+                      <a:headEnd type="none" w="med" len="med"/>
+                      <a:tailEnd type="none" w="med" len="med"/>
+                    </a:lnB>
+                    <a:lnTlToBr w="12700" cmpd="sng">
+                      <a:noFill/>
+                      <a:prstDash val="solid"/>
+                    </a:lnTlToBr>
+                    <a:lnBlToTr w="12700" cmpd="sng">
+                      <a:noFill/>
+                      <a:prstDash val="solid"/>
+                    </a:lnBlToTr>
+                  </a:tcPr>
+                </a:tc>
+                <a:tc>
+                  <a:txBody>
+                    <a:bodyPr/>
+                    <a:lstStyle/>
+                    <a:p>
+                      <a:pPr algn="ctr" latinLnBrk="1"/>
+                      <a:r>
+                        <a:rPr lang="en-US" altLang="ko-KR" sz="1100" dirty="0"/>
+                        <a:t>0</a:t>
+                      </a:r>
+                      <a:endParaRPr lang="ko-KR" altLang="en-US" sz="1100" dirty="0"/>
+                    </a:p>
+                  </a:txBody>
+                  <a:tcPr anchor="ctr">
+                    <a:lnL w="12700" cmpd="sng">
+                      <a:noFill/>
+                    </a:lnL>
+                    <a:lnR w="12700" cmpd="sng">
+                      <a:noFill/>
+                    </a:lnR>
+                    <a:lnT w="12700" cap="flat" cmpd="sng" algn="ctr">
+                      <a:solidFill>
+                        <a:schemeClr val="tx1"/>
+                      </a:solidFill>
+                      <a:prstDash val="solid"/>
+                      <a:round/>
+                      <a:headEnd type="none" w="med" len="med"/>
+                      <a:tailEnd type="none" w="med" len="med"/>
+                    </a:lnT>
+                    <a:lnB w="12700" cap="flat" cmpd="sng" algn="ctr">
+                      <a:noFill/>
+                      <a:prstDash val="solid"/>
+                      <a:round/>
+                      <a:headEnd type="none" w="med" len="med"/>
+                      <a:tailEnd type="none" w="med" len="med"/>
+                    </a:lnB>
+                    <a:lnTlToBr w="12700" cmpd="sng">
+                      <a:noFill/>
+                      <a:prstDash val="solid"/>
+                    </a:lnTlToBr>
+                    <a:lnBlToTr w="12700" cmpd="sng">
+                      <a:noFill/>
+                      <a:prstDash val="solid"/>
+                    </a:lnBlToTr>
+                  </a:tcPr>
+                </a:tc>
+                <a:tc>
+                  <a:txBody>
+                    <a:bodyPr/>
+                    <a:lstStyle/>
+                    <a:p>
+                      <a:pPr algn="ctr" latinLnBrk="1"/>
+                      <a:r>
+                        <a:rPr lang="en-US" altLang="ko-KR" sz="1100" dirty="0"/>
+                        <a:t>1</a:t>
+                      </a:r>
+                      <a:endParaRPr lang="ko-KR" altLang="en-US" sz="1100" dirty="0"/>
+                    </a:p>
+                  </a:txBody>
+                  <a:tcPr anchor="ctr">
+                    <a:lnL w="12700" cmpd="sng">
+                      <a:noFill/>
+                    </a:lnL>
+                    <a:lnR w="12700" cmpd="sng">
+                      <a:noFill/>
+                    </a:lnR>
+                    <a:lnT w="12700" cap="flat" cmpd="sng" algn="ctr">
+                      <a:solidFill>
+                        <a:schemeClr val="tx1"/>
+                      </a:solidFill>
+                      <a:prstDash val="solid"/>
+                      <a:round/>
+                      <a:headEnd type="none" w="med" len="med"/>
+                      <a:tailEnd type="none" w="med" len="med"/>
+                    </a:lnT>
+                    <a:lnB w="12700" cap="flat" cmpd="sng" algn="ctr">
+                      <a:noFill/>
+                      <a:prstDash val="solid"/>
+                      <a:round/>
+                      <a:headEnd type="none" w="med" len="med"/>
+                      <a:tailEnd type="none" w="med" len="med"/>
+                    </a:lnB>
+                    <a:lnTlToBr w="12700" cmpd="sng">
+                      <a:noFill/>
+                      <a:prstDash val="solid"/>
+                    </a:lnTlToBr>
+                    <a:lnBlToTr w="12700" cmpd="sng">
+                      <a:noFill/>
+                      <a:prstDash val="solid"/>
+                    </a:lnBlToTr>
+                  </a:tcPr>
+                </a:tc>
+                <a:tc>
+                  <a:txBody>
+                    <a:bodyPr/>
+                    <a:lstStyle/>
+                    <a:p>
+                      <a:pPr algn="ctr" latinLnBrk="1"/>
+                      <a:r>
+                        <a:rPr lang="en-US" altLang="ko-KR" sz="1100" dirty="0"/>
+                        <a:t>0</a:t>
+                      </a:r>
+                      <a:endParaRPr lang="ko-KR" altLang="en-US" sz="1100" dirty="0"/>
+                    </a:p>
+                  </a:txBody>
+                  <a:tcPr anchor="ctr">
+                    <a:lnL w="12700" cmpd="sng">
+                      <a:noFill/>
+                    </a:lnL>
+                    <a:lnR w="12700" cmpd="sng">
+                      <a:noFill/>
+                    </a:lnR>
+                    <a:lnT w="12700" cap="flat" cmpd="sng" algn="ctr">
+                      <a:solidFill>
+                        <a:schemeClr val="tx1"/>
+                      </a:solidFill>
+                      <a:prstDash val="solid"/>
+                      <a:round/>
+                      <a:headEnd type="none" w="med" len="med"/>
+                      <a:tailEnd type="none" w="med" len="med"/>
+                    </a:lnT>
+                    <a:lnB w="12700" cap="flat" cmpd="sng" algn="ctr">
+                      <a:noFill/>
+                      <a:prstDash val="solid"/>
+                      <a:round/>
+                      <a:headEnd type="none" w="med" len="med"/>
+                      <a:tailEnd type="none" w="med" len="med"/>
+                    </a:lnB>
+                    <a:lnTlToBr w="12700" cmpd="sng">
+                      <a:noFill/>
+                      <a:prstDash val="solid"/>
+                    </a:lnTlToBr>
+                    <a:lnBlToTr w="12700" cmpd="sng">
+                      <a:noFill/>
+                      <a:prstDash val="solid"/>
+                    </a:lnBlToTr>
+                  </a:tcPr>
+                </a:tc>
+                <a:tc>
+                  <a:txBody>
+                    <a:bodyPr/>
+                    <a:lstStyle/>
+                    <a:p>
+                      <a:pPr algn="ctr" latinLnBrk="1"/>
+                      <a:r>
+                        <a:rPr lang="en-US" altLang="ko-KR" sz="1100" dirty="0"/>
+                        <a:t>1</a:t>
+                      </a:r>
+                      <a:endParaRPr lang="ko-KR" altLang="en-US" sz="1100" dirty="0"/>
+                    </a:p>
+                  </a:txBody>
+                  <a:tcPr anchor="ctr">
+                    <a:lnL w="12700" cmpd="sng">
+                      <a:noFill/>
+                    </a:lnL>
+                    <a:lnR w="12700" cmpd="sng">
+                      <a:noFill/>
+                    </a:lnR>
+                    <a:lnT w="12700" cap="flat" cmpd="sng" algn="ctr">
+                      <a:solidFill>
+                        <a:schemeClr val="tx1"/>
+                      </a:solidFill>
+                      <a:prstDash val="solid"/>
+                      <a:round/>
+                      <a:headEnd type="none" w="med" len="med"/>
+                      <a:tailEnd type="none" w="med" len="med"/>
+                    </a:lnT>
+                    <a:lnB w="12700" cap="flat" cmpd="sng" algn="ctr">
+                      <a:noFill/>
+                      <a:prstDash val="solid"/>
+                      <a:round/>
+                      <a:headEnd type="none" w="med" len="med"/>
+                      <a:tailEnd type="none" w="med" len="med"/>
+                    </a:lnB>
+                    <a:lnTlToBr w="12700" cmpd="sng">
+                      <a:noFill/>
+                      <a:prstDash val="solid"/>
+                    </a:lnTlToBr>
+                    <a:lnBlToTr w="12700" cmpd="sng">
+                      <a:noFill/>
+                      <a:prstDash val="solid"/>
+                    </a:lnBlToTr>
+                  </a:tcPr>
+                </a:tc>
+                <a:tc>
+                  <a:txBody>
+                    <a:bodyPr/>
+                    <a:lstStyle/>
+                    <a:p>
+                      <a:pPr algn="ctr" latinLnBrk="1"/>
+                      <a:r>
+                        <a:rPr lang="en-US" altLang="ko-KR" sz="1100" dirty="0"/>
+                        <a:t>0</a:t>
+                      </a:r>
+                      <a:endParaRPr lang="ko-KR" altLang="en-US" sz="1100" dirty="0"/>
+                    </a:p>
+                  </a:txBody>
+                  <a:tcPr anchor="ctr">
+                    <a:lnL w="12700" cmpd="sng">
+                      <a:noFill/>
+                    </a:lnL>
+                    <a:lnR w="12700" cmpd="sng">
+                      <a:noFill/>
+                    </a:lnR>
+                    <a:lnT w="12700" cap="flat" cmpd="sng" algn="ctr">
+                      <a:solidFill>
+                        <a:schemeClr val="tx1"/>
+                      </a:solidFill>
+                      <a:prstDash val="solid"/>
+                      <a:round/>
+                      <a:headEnd type="none" w="med" len="med"/>
+                      <a:tailEnd type="none" w="med" len="med"/>
+                    </a:lnT>
+                    <a:lnB w="12700" cap="flat" cmpd="sng" algn="ctr">
+                      <a:noFill/>
+                      <a:prstDash val="solid"/>
+                      <a:round/>
+                      <a:headEnd type="none" w="med" len="med"/>
+                      <a:tailEnd type="none" w="med" len="med"/>
+                    </a:lnB>
+                    <a:lnTlToBr w="12700" cmpd="sng">
+                      <a:noFill/>
+                      <a:prstDash val="solid"/>
+                    </a:lnTlToBr>
+                    <a:lnBlToTr w="12700" cmpd="sng">
+                      <a:noFill/>
+                      <a:prstDash val="solid"/>
+                    </a:lnBlToTr>
+                  </a:tcPr>
+                </a:tc>
+                <a:extLst>
+                  <a:ext uri="{0D108BD9-81ED-4DB2-BD59-A6C34878D82A}">
+                    <a16:rowId xmlns:a16="http://schemas.microsoft.com/office/drawing/2014/main" val="2465978174"/>
+                  </a:ext>
+                </a:extLst>
+              </a:tr>
+              <a:tr h="370840">
+                <a:tc>
+                  <a:txBody>
+                    <a:bodyPr/>
+                    <a:lstStyle/>
+                    <a:p>
+                      <a:pPr algn="ctr" latinLnBrk="1"/>
+                      <a:endParaRPr lang="ko-KR" altLang="en-US" sz="1100" b="1" dirty="0">
+                        <a:solidFill>
+                          <a:srgbClr val="FF0000"/>
+                        </a:solidFill>
+                      </a:endParaRPr>
+                    </a:p>
+                  </a:txBody>
+                  <a:tcPr anchor="ctr">
+                    <a:lnL w="12700" cmpd="sng">
+                      <a:noFill/>
+                    </a:lnL>
+                    <a:lnR w="12700" cmpd="sng">
+                      <a:noFill/>
+                    </a:lnR>
+                    <a:lnT w="12700" cap="flat" cmpd="sng" algn="ctr">
+                      <a:noFill/>
+                      <a:prstDash val="solid"/>
+                      <a:round/>
+                      <a:headEnd type="none" w="med" len="med"/>
+                      <a:tailEnd type="none" w="med" len="med"/>
+                    </a:lnT>
+                    <a:lnB w="12700" cmpd="sng">
+                      <a:noFill/>
+                    </a:lnB>
+                    <a:lnTlToBr w="12700" cmpd="sng">
+                      <a:noFill/>
+                      <a:prstDash val="solid"/>
+                    </a:lnTlToBr>
+                    <a:lnBlToTr w="12700" cmpd="sng">
+                      <a:noFill/>
+                      <a:prstDash val="solid"/>
+                    </a:lnBlToTr>
+                  </a:tcPr>
+                </a:tc>
+                <a:tc>
+                  <a:txBody>
+                    <a:bodyPr/>
+                    <a:lstStyle/>
+                    <a:p>
+                      <a:pPr algn="ctr" latinLnBrk="1"/>
+                      <a:r>
+                        <a:rPr lang="en-US" altLang="ko-KR" sz="1100" dirty="0"/>
+                        <a:t>0</a:t>
+                      </a:r>
+                      <a:endParaRPr lang="ko-KR" altLang="en-US" sz="1100" dirty="0"/>
+                    </a:p>
+                  </a:txBody>
+                  <a:tcPr anchor="ctr">
+                    <a:lnL w="12700" cmpd="sng">
+                      <a:noFill/>
+                    </a:lnL>
+                    <a:lnR w="12700" cmpd="sng">
+                      <a:noFill/>
+                    </a:lnR>
+                    <a:lnT w="12700" cap="flat" cmpd="sng" algn="ctr">
+                      <a:noFill/>
+                      <a:prstDash val="solid"/>
+                      <a:round/>
+                      <a:headEnd type="none" w="med" len="med"/>
+                      <a:tailEnd type="none" w="med" len="med"/>
+                    </a:lnT>
+                    <a:lnB w="12700" cmpd="sng">
+                      <a:noFill/>
+                    </a:lnB>
+                    <a:lnTlToBr w="12700" cmpd="sng">
+                      <a:noFill/>
+                      <a:prstDash val="solid"/>
+                    </a:lnTlToBr>
+                    <a:lnBlToTr w="12700" cmpd="sng">
+                      <a:noFill/>
+                      <a:prstDash val="solid"/>
+                    </a:lnBlToTr>
+                  </a:tcPr>
+                </a:tc>
+                <a:tc>
+                  <a:txBody>
+                    <a:bodyPr/>
+                    <a:lstStyle/>
+                    <a:p>
+                      <a:pPr algn="ctr" latinLnBrk="1"/>
+                      <a:r>
+                        <a:rPr lang="en-US" altLang="ko-KR" sz="1100" dirty="0"/>
+                        <a:t>0</a:t>
+                      </a:r>
+                      <a:endParaRPr lang="ko-KR" altLang="en-US" sz="1100" dirty="0"/>
+                    </a:p>
+                  </a:txBody>
+                  <a:tcPr anchor="ctr">
+                    <a:lnL w="12700" cmpd="sng">
+                      <a:noFill/>
+                    </a:lnL>
+                    <a:lnR w="12700" cmpd="sng">
+                      <a:noFill/>
+                    </a:lnR>
+                    <a:lnT w="12700" cap="flat" cmpd="sng" algn="ctr">
+                      <a:noFill/>
+                      <a:prstDash val="solid"/>
+                      <a:round/>
+                      <a:headEnd type="none" w="med" len="med"/>
+                      <a:tailEnd type="none" w="med" len="med"/>
+                    </a:lnT>
+                    <a:lnB w="12700" cmpd="sng">
+                      <a:noFill/>
+                    </a:lnB>
+                    <a:lnTlToBr w="12700" cmpd="sng">
+                      <a:noFill/>
+                      <a:prstDash val="solid"/>
+                    </a:lnTlToBr>
+                    <a:lnBlToTr w="12700" cmpd="sng">
+                      <a:noFill/>
+                      <a:prstDash val="solid"/>
+                    </a:lnBlToTr>
+                  </a:tcPr>
+                </a:tc>
+                <a:tc>
+                  <a:txBody>
+                    <a:bodyPr/>
+                    <a:lstStyle/>
+                    <a:p>
+                      <a:pPr algn="ctr" latinLnBrk="1"/>
+                      <a:r>
+                        <a:rPr lang="en-US" altLang="ko-KR" sz="1100" dirty="0"/>
+                        <a:t>0</a:t>
+                      </a:r>
+                      <a:endParaRPr lang="ko-KR" altLang="en-US" sz="1100" dirty="0"/>
+                    </a:p>
+                  </a:txBody>
+                  <a:tcPr anchor="ctr">
+                    <a:lnL w="12700" cmpd="sng">
+                      <a:noFill/>
+                    </a:lnL>
+                    <a:lnR w="12700" cmpd="sng">
+                      <a:noFill/>
+                    </a:lnR>
+                    <a:lnT w="12700" cap="flat" cmpd="sng" algn="ctr">
+                      <a:noFill/>
+                      <a:prstDash val="solid"/>
+                      <a:round/>
+                      <a:headEnd type="none" w="med" len="med"/>
+                      <a:tailEnd type="none" w="med" len="med"/>
+                    </a:lnT>
+                    <a:lnB w="12700" cmpd="sng">
+                      <a:noFill/>
+                    </a:lnB>
+                    <a:lnTlToBr w="12700" cmpd="sng">
+                      <a:noFill/>
+                      <a:prstDash val="solid"/>
+                    </a:lnTlToBr>
+                    <a:lnBlToTr w="12700" cmpd="sng">
+                      <a:noFill/>
+                      <a:prstDash val="solid"/>
+                    </a:lnBlToTr>
+                  </a:tcPr>
+                </a:tc>
+                <a:tc>
+                  <a:txBody>
+                    <a:bodyPr/>
+                    <a:lstStyle/>
+                    <a:p>
+                      <a:pPr algn="ctr" latinLnBrk="1"/>
+                      <a:r>
+                        <a:rPr lang="en-US" altLang="ko-KR" sz="1100" dirty="0"/>
+                        <a:t>1</a:t>
+                      </a:r>
+                      <a:endParaRPr lang="ko-KR" altLang="en-US" sz="1100" dirty="0"/>
+                    </a:p>
+                  </a:txBody>
+                  <a:tcPr anchor="ctr">
+                    <a:lnL w="12700" cmpd="sng">
+                      <a:noFill/>
+                    </a:lnL>
+                    <a:lnR w="12700" cmpd="sng">
+                      <a:noFill/>
+                    </a:lnR>
+                    <a:lnT w="12700" cap="flat" cmpd="sng" algn="ctr">
+                      <a:noFill/>
+                      <a:prstDash val="solid"/>
+                      <a:round/>
+                      <a:headEnd type="none" w="med" len="med"/>
+                      <a:tailEnd type="none" w="med" len="med"/>
+                    </a:lnT>
+                    <a:lnB w="12700" cmpd="sng">
+                      <a:noFill/>
+                    </a:lnB>
+                    <a:lnTlToBr w="12700" cmpd="sng">
+                      <a:noFill/>
+                      <a:prstDash val="solid"/>
+                    </a:lnTlToBr>
+                    <a:lnBlToTr w="12700" cmpd="sng">
+                      <a:noFill/>
+                      <a:prstDash val="solid"/>
+                    </a:lnBlToTr>
+                  </a:tcPr>
+                </a:tc>
+                <a:tc>
+                  <a:txBody>
+                    <a:bodyPr/>
+                    <a:lstStyle/>
+                    <a:p>
+                      <a:pPr algn="ctr" latinLnBrk="1"/>
+                      <a:r>
+                        <a:rPr lang="en-US" altLang="ko-KR" sz="1100" dirty="0"/>
+                        <a:t>0</a:t>
+                      </a:r>
+                      <a:endParaRPr lang="ko-KR" altLang="en-US" sz="1100" dirty="0"/>
+                    </a:p>
+                  </a:txBody>
+                  <a:tcPr anchor="ctr">
+                    <a:lnL w="12700" cmpd="sng">
+                      <a:noFill/>
+                    </a:lnL>
+                    <a:lnR w="12700" cmpd="sng">
+                      <a:noFill/>
+                    </a:lnR>
+                    <a:lnT w="12700" cap="flat" cmpd="sng" algn="ctr">
+                      <a:noFill/>
+                      <a:prstDash val="solid"/>
+                      <a:round/>
+                      <a:headEnd type="none" w="med" len="med"/>
+                      <a:tailEnd type="none" w="med" len="med"/>
+                    </a:lnT>
+                    <a:lnB w="12700" cmpd="sng">
+                      <a:noFill/>
+                    </a:lnB>
+                    <a:lnTlToBr w="12700" cmpd="sng">
+                      <a:noFill/>
+                      <a:prstDash val="solid"/>
+                    </a:lnTlToBr>
+                    <a:lnBlToTr w="12700" cmpd="sng">
+                      <a:noFill/>
+                      <a:prstDash val="solid"/>
+                    </a:lnBlToTr>
+                  </a:tcPr>
+                </a:tc>
+                <a:tc>
+                  <a:txBody>
+                    <a:bodyPr/>
+                    <a:lstStyle/>
+                    <a:p>
+                      <a:pPr algn="ctr" latinLnBrk="1"/>
+                      <a:r>
+                        <a:rPr lang="en-US" altLang="ko-KR" sz="1100" dirty="0"/>
+                        <a:t>1</a:t>
+                      </a:r>
+                      <a:endParaRPr lang="ko-KR" altLang="en-US" sz="1100" dirty="0"/>
+                    </a:p>
+                  </a:txBody>
+                  <a:tcPr anchor="ctr">
+                    <a:lnL w="12700" cmpd="sng">
+                      <a:noFill/>
+                    </a:lnL>
+                    <a:lnR w="12700" cmpd="sng">
+                      <a:noFill/>
+                    </a:lnR>
+                    <a:lnT w="12700" cap="flat" cmpd="sng" algn="ctr">
+                      <a:noFill/>
+                      <a:prstDash val="solid"/>
+                      <a:round/>
+                      <a:headEnd type="none" w="med" len="med"/>
+                      <a:tailEnd type="none" w="med" len="med"/>
+                    </a:lnT>
+                    <a:lnB w="12700" cmpd="sng">
+                      <a:noFill/>
+                    </a:lnB>
+                    <a:lnTlToBr w="12700" cmpd="sng">
+                      <a:noFill/>
+                      <a:prstDash val="solid"/>
+                    </a:lnTlToBr>
+                    <a:lnBlToTr w="12700" cmpd="sng">
+                      <a:noFill/>
+                      <a:prstDash val="solid"/>
+                    </a:lnBlToTr>
+                  </a:tcPr>
+                </a:tc>
+                <a:tc>
+                  <a:txBody>
+                    <a:bodyPr/>
+                    <a:lstStyle/>
+                    <a:p>
+                      <a:pPr algn="ctr" latinLnBrk="1"/>
+                      <a:r>
+                        <a:rPr lang="en-US" altLang="ko-KR" sz="1100" b="0" dirty="0">
+                          <a:solidFill>
+                            <a:schemeClr val="tx1"/>
+                          </a:solidFill>
+                        </a:rPr>
+                        <a:t>0</a:t>
+                      </a:r>
+                      <a:endParaRPr lang="ko-KR" altLang="en-US" sz="1100" b="0" dirty="0">
+                        <a:solidFill>
+                          <a:schemeClr val="tx1"/>
+                        </a:solidFill>
+                      </a:endParaRPr>
+                    </a:p>
+                  </a:txBody>
+                  <a:tcPr anchor="ctr">
+                    <a:lnL w="12700" cmpd="sng">
+                      <a:noFill/>
+                    </a:lnL>
+                    <a:lnR w="12700" cmpd="sng">
+                      <a:noFill/>
+                    </a:lnR>
+                    <a:lnT w="12700" cap="flat" cmpd="sng" algn="ctr">
+                      <a:noFill/>
+                      <a:prstDash val="solid"/>
+                      <a:round/>
+                      <a:headEnd type="none" w="med" len="med"/>
+                      <a:tailEnd type="none" w="med" len="med"/>
+                    </a:lnT>
+                    <a:lnB w="12700" cmpd="sng">
+                      <a:noFill/>
+                    </a:lnB>
+                    <a:lnTlToBr w="12700" cmpd="sng">
+                      <a:noFill/>
+                      <a:prstDash val="solid"/>
+                    </a:lnTlToBr>
+                    <a:lnBlToTr w="12700" cmpd="sng">
+                      <a:noFill/>
+                      <a:prstDash val="solid"/>
+                    </a:lnBlToTr>
+                  </a:tcPr>
+                </a:tc>
+                <a:tc>
+                  <a:txBody>
+                    <a:bodyPr/>
+                    <a:lstStyle/>
+                    <a:p>
+                      <a:pPr algn="ctr" latinLnBrk="1"/>
+                      <a:r>
+                        <a:rPr lang="en-US" altLang="ko-KR" sz="1100" b="0" dirty="0">
+                          <a:solidFill>
+                            <a:schemeClr val="tx1"/>
+                          </a:solidFill>
+                        </a:rPr>
+                        <a:t>1</a:t>
+                      </a:r>
+                      <a:endParaRPr lang="ko-KR" altLang="en-US" sz="1100" b="0" dirty="0">
+                        <a:solidFill>
+                          <a:schemeClr val="tx1"/>
+                        </a:solidFill>
+                      </a:endParaRPr>
+                    </a:p>
+                  </a:txBody>
+                  <a:tcPr anchor="ctr">
+                    <a:lnL w="12700" cmpd="sng">
+                      <a:noFill/>
+                    </a:lnL>
+                    <a:lnR w="12700" cmpd="sng">
+                      <a:noFill/>
+                    </a:lnR>
+                    <a:lnT w="12700" cap="flat" cmpd="sng" algn="ctr">
+                      <a:noFill/>
+                      <a:prstDash val="solid"/>
+                      <a:round/>
+                      <a:headEnd type="none" w="med" len="med"/>
+                      <a:tailEnd type="none" w="med" len="med"/>
+                    </a:lnT>
+                    <a:lnB w="12700" cmpd="sng">
+                      <a:noFill/>
+                    </a:lnB>
+                    <a:lnTlToBr w="12700" cmpd="sng">
+                      <a:noFill/>
+                      <a:prstDash val="solid"/>
+                    </a:lnTlToBr>
+                    <a:lnBlToTr w="12700" cmpd="sng">
+                      <a:noFill/>
+                      <a:prstDash val="solid"/>
+                    </a:lnBlToTr>
+                  </a:tcPr>
+                </a:tc>
+                <a:extLst>
+                  <a:ext uri="{0D108BD9-81ED-4DB2-BD59-A6C34878D82A}">
+                    <a16:rowId xmlns:a16="http://schemas.microsoft.com/office/drawing/2014/main" val="3852016882"/>
+                  </a:ext>
+                </a:extLst>
+              </a:tr>
+              <a:tr h="370840">
+                <a:tc>
+                  <a:txBody>
+                    <a:bodyPr/>
+                    <a:lstStyle/>
+                    <a:p>
+                      <a:pPr algn="ctr" latinLnBrk="1"/>
+                      <a:endParaRPr lang="ko-KR" altLang="en-US" sz="1100" b="1" dirty="0">
+                        <a:solidFill>
+                          <a:srgbClr val="FF0000"/>
+                        </a:solidFill>
+                      </a:endParaRPr>
+                    </a:p>
+                  </a:txBody>
+                  <a:tcPr anchor="ctr">
+                    <a:lnL w="12700" cmpd="sng">
+                      <a:noFill/>
+                    </a:lnL>
+                    <a:lnR w="12700" cmpd="sng">
+                      <a:noFill/>
+                    </a:lnR>
+                    <a:lnT w="12700" cap="flat" cmpd="sng" algn="ctr">
+                      <a:noFill/>
+                      <a:prstDash val="solid"/>
+                      <a:round/>
+                      <a:headEnd type="none" w="med" len="med"/>
+                      <a:tailEnd type="none" w="med" len="med"/>
+                    </a:lnT>
+                    <a:lnB w="12700" cmpd="sng">
+                      <a:noFill/>
+                    </a:lnB>
+                    <a:lnTlToBr w="12700" cmpd="sng">
+                      <a:noFill/>
+                      <a:prstDash val="solid"/>
+                    </a:lnTlToBr>
+                    <a:lnBlToTr w="12700" cmpd="sng">
+                      <a:noFill/>
+                      <a:prstDash val="solid"/>
+                    </a:lnBlToTr>
+                  </a:tcPr>
+                </a:tc>
+                <a:tc>
+                  <a:txBody>
+                    <a:bodyPr/>
+                    <a:lstStyle/>
+                    <a:p>
+                      <a:endParaRPr lang="ko-KR" altLang="en-US"/>
+                    </a:p>
+                  </a:txBody>
+                  <a:tcPr anchor="ctr">
+                    <a:lnL w="12700" cmpd="sng">
+                      <a:noFill/>
+                    </a:lnL>
+                    <a:lnR w="12700" cmpd="sng">
+                      <a:noFill/>
+                    </a:lnR>
+                    <a:lnT w="12700" cap="flat" cmpd="sng" algn="ctr">
+                      <a:noFill/>
+                      <a:prstDash val="solid"/>
+                      <a:round/>
+                      <a:headEnd type="none" w="med" len="med"/>
+                      <a:tailEnd type="none" w="med" len="med"/>
+                    </a:lnT>
+                    <a:lnB w="12700" cmpd="sng">
+                      <a:noFill/>
+                    </a:lnB>
+                    <a:lnTlToBr w="12700" cmpd="sng">
+                      <a:noFill/>
+                      <a:prstDash val="solid"/>
+                    </a:lnTlToBr>
+                    <a:lnBlToTr w="12700" cmpd="sng">
+                      <a:noFill/>
+                      <a:prstDash val="solid"/>
+                    </a:lnBlToTr>
+                  </a:tcPr>
+                </a:tc>
+                <a:tc>
+                  <a:txBody>
+                    <a:bodyPr/>
+                    <a:lstStyle/>
+                    <a:p>
+                      <a:endParaRPr lang="ko-KR" altLang="en-US"/>
+                    </a:p>
+                  </a:txBody>
+                  <a:tcPr anchor="ctr">
+                    <a:lnL w="12700" cmpd="sng">
+                      <a:noFill/>
+                    </a:lnL>
+                    <a:lnR w="12700" cmpd="sng">
+                      <a:noFill/>
+                    </a:lnR>
+                    <a:lnT w="12700" cap="flat" cmpd="sng" algn="ctr">
+                      <a:noFill/>
+                      <a:prstDash val="solid"/>
+                      <a:round/>
+                      <a:headEnd type="none" w="med" len="med"/>
+                      <a:tailEnd type="none" w="med" len="med"/>
+                    </a:lnT>
+                    <a:lnB w="12700" cmpd="sng">
+                      <a:noFill/>
+                    </a:lnB>
+                    <a:lnTlToBr w="12700" cmpd="sng">
+                      <a:noFill/>
+                      <a:prstDash val="solid"/>
+                    </a:lnTlToBr>
+                    <a:lnBlToTr w="12700" cmpd="sng">
+                      <a:noFill/>
+                      <a:prstDash val="solid"/>
+                    </a:lnBlToTr>
+                  </a:tcPr>
+                </a:tc>
+                <a:tc>
+                  <a:txBody>
+                    <a:bodyPr/>
+                    <a:lstStyle/>
+                    <a:p>
+                      <a:endParaRPr lang="ko-KR" altLang="en-US"/>
+                    </a:p>
+                  </a:txBody>
+                  <a:tcPr anchor="ctr">
+                    <a:lnL w="12700" cmpd="sng">
+                      <a:noFill/>
+                    </a:lnL>
+                    <a:lnR w="12700" cmpd="sng">
+                      <a:noFill/>
+                    </a:lnR>
+                    <a:lnT w="12700" cap="flat" cmpd="sng" algn="ctr">
+                      <a:noFill/>
+                      <a:prstDash val="solid"/>
+                      <a:round/>
+                      <a:headEnd type="none" w="med" len="med"/>
+                      <a:tailEnd type="none" w="med" len="med"/>
+                    </a:lnT>
+                    <a:lnB w="12700" cmpd="sng">
+                      <a:noFill/>
+                    </a:lnB>
+                    <a:lnTlToBr w="12700" cmpd="sng">
+                      <a:noFill/>
+                      <a:prstDash val="solid"/>
+                    </a:lnTlToBr>
+                    <a:lnBlToTr w="12700" cmpd="sng">
+                      <a:noFill/>
+                      <a:prstDash val="solid"/>
+                    </a:lnBlToTr>
+                  </a:tcPr>
+                </a:tc>
+                <a:tc>
+                  <a:txBody>
+                    <a:bodyPr/>
+                    <a:lstStyle/>
+                    <a:p>
+                      <a:endParaRPr lang="ko-KR" altLang="en-US"/>
+                    </a:p>
+                  </a:txBody>
+                  <a:tcPr anchor="ctr">
+                    <a:lnL w="12700" cmpd="sng">
+                      <a:noFill/>
+                    </a:lnL>
+                    <a:lnR w="12700" cmpd="sng">
+                      <a:noFill/>
+                    </a:lnR>
+                    <a:lnT w="12700" cap="flat" cmpd="sng" algn="ctr">
+                      <a:noFill/>
+                      <a:prstDash val="solid"/>
+                      <a:round/>
+                      <a:headEnd type="none" w="med" len="med"/>
+                      <a:tailEnd type="none" w="med" len="med"/>
+                    </a:lnT>
+                    <a:lnB w="12700" cmpd="sng">
+                      <a:noFill/>
+                    </a:lnB>
+                    <a:lnTlToBr w="12700" cmpd="sng">
+                      <a:noFill/>
+                      <a:prstDash val="solid"/>
+                    </a:lnTlToBr>
+                    <a:lnBlToTr w="12700" cmpd="sng">
+                      <a:noFill/>
+                      <a:prstDash val="solid"/>
+                    </a:lnBlToTr>
+                  </a:tcPr>
+                </a:tc>
+                <a:tc>
+                  <a:txBody>
+                    <a:bodyPr/>
+                    <a:lstStyle/>
+                    <a:p>
+                      <a:endParaRPr lang="ko-KR" altLang="en-US"/>
+                    </a:p>
+                  </a:txBody>
+                  <a:tcPr anchor="ctr">
+                    <a:lnL w="12700" cmpd="sng">
+                      <a:noFill/>
+                    </a:lnL>
+                    <a:lnR w="12700" cmpd="sng">
+                      <a:noFill/>
+                    </a:lnR>
+                    <a:lnT w="12700" cap="flat" cmpd="sng" algn="ctr">
+                      <a:noFill/>
+                      <a:prstDash val="solid"/>
+                      <a:round/>
+                      <a:headEnd type="none" w="med" len="med"/>
+                      <a:tailEnd type="none" w="med" len="med"/>
+                    </a:lnT>
+                    <a:lnB w="12700" cmpd="sng">
+                      <a:noFill/>
+                    </a:lnB>
+                    <a:lnTlToBr w="12700" cmpd="sng">
+                      <a:noFill/>
+                      <a:prstDash val="solid"/>
+                    </a:lnTlToBr>
+                    <a:lnBlToTr w="12700" cmpd="sng">
+                      <a:noFill/>
+                      <a:prstDash val="solid"/>
+                    </a:lnBlToTr>
+                  </a:tcPr>
+                </a:tc>
+                <a:tc>
+                  <a:txBody>
+                    <a:bodyPr/>
+                    <a:lstStyle/>
+                    <a:p>
+                      <a:endParaRPr lang="ko-KR" altLang="en-US"/>
+                    </a:p>
+                  </a:txBody>
+                  <a:tcPr anchor="ctr">
+                    <a:lnL w="12700" cmpd="sng">
+                      <a:noFill/>
+                    </a:lnL>
+                    <a:lnR w="12700" cmpd="sng">
+                      <a:noFill/>
+                    </a:lnR>
+                    <a:lnT w="12700" cap="flat" cmpd="sng" algn="ctr">
+                      <a:noFill/>
+                      <a:prstDash val="solid"/>
+                      <a:round/>
+                      <a:headEnd type="none" w="med" len="med"/>
+                      <a:tailEnd type="none" w="med" len="med"/>
+                    </a:lnT>
+                    <a:lnB w="12700" cmpd="sng">
+                      <a:noFill/>
+                    </a:lnB>
+                    <a:lnTlToBr w="12700" cmpd="sng">
+                      <a:noFill/>
+                      <a:prstDash val="solid"/>
+                    </a:lnTlToBr>
+                    <a:lnBlToTr w="12700" cmpd="sng">
+                      <a:noFill/>
+                      <a:prstDash val="solid"/>
+                    </a:lnBlToTr>
+                  </a:tcPr>
+                </a:tc>
+                <a:tc>
+                  <a:txBody>
+                    <a:bodyPr/>
+                    <a:lstStyle/>
+                    <a:p>
+                      <a:endParaRPr lang="ko-KR" altLang="en-US"/>
+                    </a:p>
+                  </a:txBody>
+                  <a:tcPr anchor="ctr">
+                    <a:lnL w="12700" cmpd="sng">
+                      <a:noFill/>
+                    </a:lnL>
+                    <a:lnR w="12700" cmpd="sng">
+                      <a:noFill/>
+                    </a:lnR>
+                    <a:lnT w="12700" cap="flat" cmpd="sng" algn="ctr">
+                      <a:noFill/>
+                      <a:prstDash val="solid"/>
+                      <a:round/>
+                      <a:headEnd type="none" w="med" len="med"/>
+                      <a:tailEnd type="none" w="med" len="med"/>
+                    </a:lnT>
+                    <a:lnB w="12700" cmpd="sng">
+                      <a:noFill/>
+                    </a:lnB>
+                    <a:lnTlToBr w="12700" cmpd="sng">
+                      <a:noFill/>
+                      <a:prstDash val="solid"/>
+                    </a:lnTlToBr>
+                    <a:lnBlToTr w="12700" cmpd="sng">
+                      <a:noFill/>
+                      <a:prstDash val="solid"/>
+                    </a:lnBlToTr>
+                  </a:tcPr>
+                </a:tc>
+                <a:tc>
+                  <a:txBody>
+                    <a:bodyPr/>
+                    <a:lstStyle/>
+                    <a:p>
+                      <a:endParaRPr lang="ko-KR" altLang="en-US" dirty="0"/>
+                    </a:p>
+                  </a:txBody>
+                  <a:tcPr anchor="ctr">
+                    <a:lnL w="12700" cmpd="sng">
+                      <a:noFill/>
+                    </a:lnL>
+                    <a:lnR w="12700" cmpd="sng">
+                      <a:noFill/>
+                    </a:lnR>
+                    <a:lnT w="12700" cap="flat" cmpd="sng" algn="ctr">
+                      <a:noFill/>
+                      <a:prstDash val="solid"/>
+                      <a:round/>
+                      <a:headEnd type="none" w="med" len="med"/>
+                      <a:tailEnd type="none" w="med" len="med"/>
+                    </a:lnT>
+                    <a:lnB w="12700" cmpd="sng">
+                      <a:noFill/>
+                    </a:lnB>
+                    <a:lnTlToBr w="12700" cmpd="sng">
+                      <a:noFill/>
+                      <a:prstDash val="solid"/>
+                    </a:lnTlToBr>
+                    <a:lnBlToTr w="12700" cmpd="sng">
+                      <a:noFill/>
+                      <a:prstDash val="solid"/>
+                    </a:lnBlToTr>
+                  </a:tcPr>
+                </a:tc>
+                <a:extLst>
+                  <a:ext uri="{0D108BD9-81ED-4DB2-BD59-A6C34878D82A}">
+                    <a16:rowId xmlns:a16="http://schemas.microsoft.com/office/drawing/2014/main" val="3605355812"/>
+                  </a:ext>
+                </a:extLst>
+              </a:tr>
+            </a:tbl>
+          </a:graphicData>
+        </a:graphic>
+      </p:graphicFrame>
+      <p:sp>
+        <p:nvSpPr>
+          <p:cNvPr id="23" name="타원 22">
+            <a:extLst>
+              <a:ext uri="{FF2B5EF4-FFF2-40B4-BE49-F238E27FC236}">
+                <a16:creationId xmlns:a16="http://schemas.microsoft.com/office/drawing/2014/main" id="{7172ABC3-DB2B-4483-A0EB-4C84FC0CC7F4}"/>
+              </a:ext>
+            </a:extLst>
+          </p:cNvPr>
+          <p:cNvSpPr/>
+          <p:nvPr/>
+        </p:nvSpPr>
+        <p:spPr>
+          <a:xfrm>
+            <a:off x="6418217" y="5600306"/>
+            <a:ext cx="537033" cy="252548"/>
+          </a:xfrm>
+          <a:prstGeom prst="ellipse">
+            <a:avLst/>
+          </a:prstGeom>
+          <a:noFill/>
+          <a:ln>
+            <a:prstDash val="sysDash"/>
+          </a:ln>
+        </p:spPr>
+        <p:style>
+          <a:lnRef idx="2">
+            <a:schemeClr val="accent1">
+              <a:shade val="50000"/>
+            </a:schemeClr>
+          </a:lnRef>
+          <a:fillRef idx="1">
+            <a:schemeClr val="accent1"/>
+          </a:fillRef>
+          <a:effectRef idx="0">
+            <a:schemeClr val="accent1"/>
+          </a:effectRef>
+          <a:fontRef idx="minor">
+            <a:schemeClr val="lt1"/>
+          </a:fontRef>
+        </p:style>
+        <p:txBody>
+          <a:bodyPr rtlCol="0" anchor="ctr"/>
+          <a:lstStyle/>
+          <a:p>
+            <a:pPr algn="ctr"/>
+            <a:endParaRPr lang="ko-KR" altLang="en-US"/>
+          </a:p>
+        </p:txBody>
+      </p:sp>
+      <p:sp>
+        <p:nvSpPr>
+          <p:cNvPr id="24" name="직사각형 23">
+            <a:extLst>
+              <a:ext uri="{FF2B5EF4-FFF2-40B4-BE49-F238E27FC236}">
+                <a16:creationId xmlns:a16="http://schemas.microsoft.com/office/drawing/2014/main" id="{EA4459C6-377F-491B-9535-CDC509B90972}"/>
+              </a:ext>
+            </a:extLst>
+          </p:cNvPr>
+          <p:cNvSpPr/>
+          <p:nvPr/>
+        </p:nvSpPr>
+        <p:spPr>
+          <a:xfrm>
+            <a:off x="6100529" y="5938717"/>
+            <a:ext cx="854721" cy="276999"/>
+          </a:xfrm>
+          <a:prstGeom prst="rect">
+            <a:avLst/>
+          </a:prstGeom>
+        </p:spPr>
+        <p:txBody>
+          <a:bodyPr wrap="none">
+            <a:spAutoFit/>
+          </a:bodyPr>
+          <a:lstStyle/>
+          <a:p>
+            <a:r>
+              <a:rPr lang="ko-KR" altLang="en-US" sz="1200" b="1">
+                <a:solidFill>
+                  <a:srgbClr val="FF0000"/>
+                </a:solidFill>
+                <a:sym typeface="Wingdings" panose="05000000000000000000" pitchFamily="2" charset="2"/>
+              </a:rPr>
+              <a:t>캐리 버림</a:t>
+            </a:r>
+            <a:endParaRPr lang="ko-KR" altLang="en-US" sz="1200" b="1" dirty="0">
+              <a:solidFill>
+                <a:srgbClr val="FF0000"/>
+              </a:solidFill>
+            </a:endParaRPr>
+          </a:p>
+        </p:txBody>
+      </p:sp>
+      <p:sp>
+        <p:nvSpPr>
+          <p:cNvPr id="25" name="직사각형 24">
+            <a:extLst>
+              <a:ext uri="{FF2B5EF4-FFF2-40B4-BE49-F238E27FC236}">
+                <a16:creationId xmlns:a16="http://schemas.microsoft.com/office/drawing/2014/main" id="{D8090D6A-03E9-4800-B968-282DED89EF0A}"/>
+              </a:ext>
+            </a:extLst>
+          </p:cNvPr>
+          <p:cNvSpPr/>
+          <p:nvPr/>
+        </p:nvSpPr>
+        <p:spPr>
+          <a:xfrm>
+            <a:off x="11100530" y="5938717"/>
+            <a:ext cx="631904" cy="307777"/>
+          </a:xfrm>
+          <a:prstGeom prst="rect">
+            <a:avLst/>
+          </a:prstGeom>
+        </p:spPr>
+        <p:txBody>
+          <a:bodyPr wrap="none">
+            <a:spAutoFit/>
+          </a:bodyPr>
+          <a:lstStyle/>
+          <a:p>
+            <a:r>
+              <a:rPr lang="en-US" altLang="ko-KR" sz="1400" b="1" dirty="0">
+                <a:sym typeface="Wingdings" panose="05000000000000000000" pitchFamily="2" charset="2"/>
+              </a:rPr>
+              <a:t> </a:t>
+            </a:r>
+            <a:r>
+              <a:rPr lang="en-US" altLang="ko-KR" sz="1400" b="1" dirty="0"/>
+              <a:t>21</a:t>
+            </a:r>
+            <a:endParaRPr lang="ko-KR" altLang="en-US" sz="1400" dirty="0"/>
+          </a:p>
+        </p:txBody>
+      </p:sp>
+    </p:spTree>
+    <p:extLst>
+      <p:ext uri="{BB962C8B-B14F-4D97-AF65-F5344CB8AC3E}">
+        <p14:creationId xmlns:p14="http://schemas.microsoft.com/office/powerpoint/2010/main" val="73162631"/>
+      </p:ext>
+    </p:extLst>
+  </p:cSld>
+  <p:clrMapOvr>
+    <a:masterClrMapping/>
+  </p:clrMapOvr>
+</p:sld>
+</file>
+
+<file path=ppt/slides/slide16.xml><?xml version="1.0" encoding="utf-8"?>
+<p:sld xmlns:a="http://schemas.openxmlformats.org/drawingml/2006/main" xmlns:r="http://schemas.openxmlformats.org/officeDocument/2006/relationships" xmlns:p="http://schemas.openxmlformats.org/presentationml/2006/main">
+  <p:cSld>
+    <p:spTree>
+      <p:nvGrpSpPr>
+        <p:cNvPr id="1" name=""/>
+        <p:cNvGrpSpPr/>
+        <p:nvPr/>
+      </p:nvGrpSpPr>
+      <p:grpSpPr>
+        <a:xfrm>
+          <a:off x="0" y="0"/>
+          <a:ext cx="0" cy="0"/>
+          <a:chOff x="0" y="0"/>
+          <a:chExt cx="0" cy="0"/>
+        </a:xfrm>
+      </p:grpSpPr>
+      <p:sp>
+        <p:nvSpPr>
+          <p:cNvPr id="18" name="직사각형 17">
+            <a:extLst>
+              <a:ext uri="{FF2B5EF4-FFF2-40B4-BE49-F238E27FC236}">
+                <a16:creationId xmlns:a16="http://schemas.microsoft.com/office/drawing/2014/main" id="{FF670C84-8470-4708-BA5D-CAFDA9FE3E68}"/>
+              </a:ext>
+            </a:extLst>
+          </p:cNvPr>
+          <p:cNvSpPr/>
+          <p:nvPr/>
+        </p:nvSpPr>
+        <p:spPr>
+          <a:xfrm>
+            <a:off x="261257" y="1175657"/>
+            <a:ext cx="11634652" cy="2438400"/>
+          </a:xfrm>
+          <a:prstGeom prst="rect">
+            <a:avLst/>
+          </a:prstGeom>
+          <a:solidFill>
+            <a:schemeClr val="accent2">
+              <a:lumMod val="40000"/>
+              <a:lumOff val="60000"/>
+            </a:schemeClr>
+          </a:solidFill>
+          <a:ln>
+            <a:noFill/>
+          </a:ln>
+        </p:spPr>
+        <p:style>
+          <a:lnRef idx="2">
+            <a:schemeClr val="accent1">
+              <a:shade val="50000"/>
+            </a:schemeClr>
+          </a:lnRef>
+          <a:fillRef idx="1">
+            <a:schemeClr val="accent1"/>
+          </a:fillRef>
+          <a:effectRef idx="0">
+            <a:schemeClr val="accent1"/>
+          </a:effectRef>
+          <a:fontRef idx="minor">
+            <a:schemeClr val="lt1"/>
+          </a:fontRef>
+        </p:style>
+        <p:txBody>
+          <a:bodyPr rtlCol="0" anchor="b"/>
+          <a:lstStyle/>
+          <a:p>
+            <a:pPr algn="r"/>
+            <a:r>
+              <a:rPr lang="en-US" altLang="ko-KR" b="1" dirty="0">
+                <a:solidFill>
+                  <a:srgbClr val="FF0000"/>
+                </a:solidFill>
+              </a:rPr>
+              <a:t>BAD!!</a:t>
+            </a:r>
+            <a:endParaRPr lang="ko-KR" altLang="en-US" b="1" dirty="0">
+              <a:solidFill>
+                <a:srgbClr val="FF0000"/>
+              </a:solidFill>
+            </a:endParaRPr>
+          </a:p>
+        </p:txBody>
+      </p:sp>
+      <p:sp>
+        <p:nvSpPr>
+          <p:cNvPr id="4" name="제목 1">
+            <a:extLst>
+              <a:ext uri="{FF2B5EF4-FFF2-40B4-BE49-F238E27FC236}">
+                <a16:creationId xmlns:a16="http://schemas.microsoft.com/office/drawing/2014/main" id="{07C6A488-7927-4CBB-B93A-549F915C2AF6}"/>
+              </a:ext>
+            </a:extLst>
+          </p:cNvPr>
+          <p:cNvSpPr>
+            <a:spLocks noGrp="1"/>
+          </p:cNvSpPr>
+          <p:nvPr>
+            <p:ph type="title"/>
+          </p:nvPr>
+        </p:nvSpPr>
+        <p:spPr>
+          <a:xfrm>
+            <a:off x="838200" y="202566"/>
+            <a:ext cx="10515600" cy="714738"/>
+          </a:xfrm>
+        </p:spPr>
+        <p:txBody>
+          <a:bodyPr>
+            <a:normAutofit/>
+          </a:bodyPr>
+          <a:lstStyle/>
+          <a:p>
+            <a:r>
+              <a:rPr lang="en-US" altLang="ko-KR" sz="2400" b="1" dirty="0"/>
+              <a:t>8. “</a:t>
+            </a:r>
+            <a:r>
+              <a:rPr lang="ko-KR" altLang="en-US" sz="2400" b="1" dirty="0"/>
+              <a:t>알파벳 문자열의 인덱싱</a:t>
+            </a:r>
+            <a:r>
+              <a:rPr lang="en-US" altLang="ko-KR" sz="2400" b="1" dirty="0"/>
+              <a:t>” </a:t>
+            </a:r>
+            <a:r>
+              <a:rPr lang="ko-KR" altLang="en-US" sz="2400" b="1" dirty="0"/>
+              <a:t>과 </a:t>
+            </a:r>
+            <a:r>
+              <a:rPr lang="en-US" altLang="ko-KR" sz="2400" b="1" dirty="0"/>
+              <a:t>“</a:t>
+            </a:r>
+            <a:r>
+              <a:rPr lang="ko-KR" altLang="en-US" sz="2400" b="1" dirty="0"/>
+              <a:t>진수 변환＂</a:t>
+            </a:r>
+          </a:p>
+        </p:txBody>
+      </p:sp>
+      <p:graphicFrame>
+        <p:nvGraphicFramePr>
+          <p:cNvPr id="2" name="표 1">
+            <a:extLst>
+              <a:ext uri="{FF2B5EF4-FFF2-40B4-BE49-F238E27FC236}">
+                <a16:creationId xmlns:a16="http://schemas.microsoft.com/office/drawing/2014/main" id="{4E0EAA17-89A8-4B09-B352-339ED3F8C53E}"/>
+              </a:ext>
+            </a:extLst>
+          </p:cNvPr>
+          <p:cNvGraphicFramePr>
+            <a:graphicFrameLocks noGrp="1"/>
+          </p:cNvGraphicFramePr>
+          <p:nvPr>
+            <p:extLst>
+              <p:ext uri="{D42A27DB-BD31-4B8C-83A1-F6EECF244321}">
+                <p14:modId xmlns:p14="http://schemas.microsoft.com/office/powerpoint/2010/main" val="901307812"/>
+              </p:ext>
+            </p:extLst>
+          </p:nvPr>
+        </p:nvGraphicFramePr>
+        <p:xfrm>
+          <a:off x="577673" y="1650433"/>
+          <a:ext cx="2320833" cy="370840"/>
+        </p:xfrm>
+        <a:graphic>
+          <a:graphicData uri="http://schemas.openxmlformats.org/drawingml/2006/table">
+            <a:tbl>
+              <a:tblPr firstRow="1" bandRow="1">
+                <a:tableStyleId>{5C22544A-7EE6-4342-B048-85BDC9FD1C3A}</a:tableStyleId>
+              </a:tblPr>
+              <a:tblGrid>
+                <a:gridCol w="773611">
+                  <a:extLst>
+                    <a:ext uri="{9D8B030D-6E8A-4147-A177-3AD203B41FA5}">
+                      <a16:colId xmlns:a16="http://schemas.microsoft.com/office/drawing/2014/main" val="202795175"/>
+                    </a:ext>
+                  </a:extLst>
+                </a:gridCol>
+                <a:gridCol w="773611">
+                  <a:extLst>
+                    <a:ext uri="{9D8B030D-6E8A-4147-A177-3AD203B41FA5}">
+                      <a16:colId xmlns:a16="http://schemas.microsoft.com/office/drawing/2014/main" val="3252461520"/>
+                    </a:ext>
+                  </a:extLst>
+                </a:gridCol>
+                <a:gridCol w="773611">
+                  <a:extLst>
+                    <a:ext uri="{9D8B030D-6E8A-4147-A177-3AD203B41FA5}">
+                      <a16:colId xmlns:a16="http://schemas.microsoft.com/office/drawing/2014/main" val="4056117832"/>
+                    </a:ext>
+                  </a:extLst>
+                </a:gridCol>
+              </a:tblGrid>
+              <a:tr h="370840">
+                <a:tc>
+                  <a:txBody>
+                    <a:bodyPr/>
+                    <a:lstStyle/>
+                    <a:p>
+                      <a:pPr algn="ctr" latinLnBrk="1"/>
+                      <a:r>
+                        <a:rPr lang="en-US" altLang="ko-KR" sz="1200" dirty="0"/>
+                        <a:t>a</a:t>
+                      </a:r>
+                      <a:endParaRPr lang="ko-KR" altLang="en-US" sz="1200" dirty="0"/>
+                    </a:p>
+                  </a:txBody>
+                  <a:tcPr anchor="ctr"/>
+                </a:tc>
+                <a:tc>
+                  <a:txBody>
+                    <a:bodyPr/>
+                    <a:lstStyle/>
+                    <a:p>
+                      <a:pPr algn="ctr" latinLnBrk="1"/>
+                      <a:r>
+                        <a:rPr lang="en-US" altLang="ko-KR" sz="1200" dirty="0"/>
+                        <a:t>b</a:t>
+                      </a:r>
+                      <a:endParaRPr lang="ko-KR" altLang="en-US" sz="1200" dirty="0"/>
+                    </a:p>
+                  </a:txBody>
+                  <a:tcPr anchor="ctr"/>
+                </a:tc>
+                <a:tc>
+                  <a:txBody>
+                    <a:bodyPr/>
+                    <a:lstStyle/>
+                    <a:p>
+                      <a:pPr algn="ctr" latinLnBrk="1"/>
+                      <a:r>
+                        <a:rPr lang="en-US" altLang="ko-KR" sz="1200" dirty="0"/>
+                        <a:t>c</a:t>
+                      </a:r>
+                      <a:endParaRPr lang="ko-KR" altLang="en-US" sz="1200" dirty="0"/>
+                    </a:p>
+                  </a:txBody>
+                  <a:tcPr anchor="ctr"/>
+                </a:tc>
+                <a:extLst>
+                  <a:ext uri="{0D108BD9-81ED-4DB2-BD59-A6C34878D82A}">
+                    <a16:rowId xmlns:a16="http://schemas.microsoft.com/office/drawing/2014/main" val="3540591025"/>
+                  </a:ext>
+                </a:extLst>
+              </a:tr>
+            </a:tbl>
+          </a:graphicData>
+        </a:graphic>
+      </p:graphicFrame>
+      <p:graphicFrame>
+        <p:nvGraphicFramePr>
+          <p:cNvPr id="5" name="표 4">
+            <a:extLst>
+              <a:ext uri="{FF2B5EF4-FFF2-40B4-BE49-F238E27FC236}">
+                <a16:creationId xmlns:a16="http://schemas.microsoft.com/office/drawing/2014/main" id="{5C649742-13D3-4667-8065-84A75819E326}"/>
+              </a:ext>
+            </a:extLst>
+          </p:cNvPr>
+          <p:cNvGraphicFramePr>
+            <a:graphicFrameLocks noGrp="1"/>
+          </p:cNvGraphicFramePr>
+          <p:nvPr>
+            <p:extLst>
+              <p:ext uri="{D42A27DB-BD31-4B8C-83A1-F6EECF244321}">
+                <p14:modId xmlns:p14="http://schemas.microsoft.com/office/powerpoint/2010/main" val="3852595938"/>
+              </p:ext>
+            </p:extLst>
+          </p:nvPr>
+        </p:nvGraphicFramePr>
+        <p:xfrm>
+          <a:off x="3499399" y="1646237"/>
+          <a:ext cx="2320833" cy="370840"/>
+        </p:xfrm>
+        <a:graphic>
+          <a:graphicData uri="http://schemas.openxmlformats.org/drawingml/2006/table">
+            <a:tbl>
+              <a:tblPr firstRow="1" bandRow="1">
+                <a:tableStyleId>{5C22544A-7EE6-4342-B048-85BDC9FD1C3A}</a:tableStyleId>
+              </a:tblPr>
+              <a:tblGrid>
+                <a:gridCol w="773611">
+                  <a:extLst>
+                    <a:ext uri="{9D8B030D-6E8A-4147-A177-3AD203B41FA5}">
+                      <a16:colId xmlns:a16="http://schemas.microsoft.com/office/drawing/2014/main" val="202795175"/>
+                    </a:ext>
+                  </a:extLst>
+                </a:gridCol>
+                <a:gridCol w="773611">
+                  <a:extLst>
+                    <a:ext uri="{9D8B030D-6E8A-4147-A177-3AD203B41FA5}">
+                      <a16:colId xmlns:a16="http://schemas.microsoft.com/office/drawing/2014/main" val="3252461520"/>
+                    </a:ext>
+                  </a:extLst>
+                </a:gridCol>
+                <a:gridCol w="773611">
+                  <a:extLst>
+                    <a:ext uri="{9D8B030D-6E8A-4147-A177-3AD203B41FA5}">
+                      <a16:colId xmlns:a16="http://schemas.microsoft.com/office/drawing/2014/main" val="4056117832"/>
+                    </a:ext>
+                  </a:extLst>
+                </a:gridCol>
+              </a:tblGrid>
+              <a:tr h="370840">
+                <a:tc>
+                  <a:txBody>
+                    <a:bodyPr/>
+                    <a:lstStyle/>
+                    <a:p>
+                      <a:pPr algn="ctr" latinLnBrk="1"/>
+                      <a:r>
+                        <a:rPr lang="en-US" altLang="ko-KR" sz="1200" dirty="0"/>
+                        <a:t>0</a:t>
+                      </a:r>
+                      <a:endParaRPr lang="ko-KR" altLang="en-US" sz="1200" dirty="0"/>
+                    </a:p>
+                  </a:txBody>
+                  <a:tcPr anchor="ctr"/>
+                </a:tc>
+                <a:tc>
+                  <a:txBody>
+                    <a:bodyPr/>
+                    <a:lstStyle/>
+                    <a:p>
+                      <a:pPr algn="ctr" latinLnBrk="1"/>
+                      <a:r>
+                        <a:rPr lang="en-US" altLang="ko-KR" sz="1200" dirty="0"/>
+                        <a:t>1</a:t>
+                      </a:r>
+                      <a:endParaRPr lang="ko-KR" altLang="en-US" sz="1200" dirty="0"/>
+                    </a:p>
+                  </a:txBody>
+                  <a:tcPr anchor="ctr"/>
+                </a:tc>
+                <a:tc>
+                  <a:txBody>
+                    <a:bodyPr/>
+                    <a:lstStyle/>
+                    <a:p>
+                      <a:pPr algn="ctr" latinLnBrk="1"/>
+                      <a:r>
+                        <a:rPr lang="en-US" altLang="ko-KR" sz="1200" dirty="0"/>
+                        <a:t>2</a:t>
+                      </a:r>
+                      <a:endParaRPr lang="ko-KR" altLang="en-US" sz="1200" dirty="0"/>
+                    </a:p>
+                  </a:txBody>
+                  <a:tcPr anchor="ctr"/>
+                </a:tc>
+                <a:extLst>
+                  <a:ext uri="{0D108BD9-81ED-4DB2-BD59-A6C34878D82A}">
+                    <a16:rowId xmlns:a16="http://schemas.microsoft.com/office/drawing/2014/main" val="3540591025"/>
+                  </a:ext>
+                </a:extLst>
+              </a:tr>
+            </a:tbl>
+          </a:graphicData>
+        </a:graphic>
+      </p:graphicFrame>
+      <p:sp>
+        <p:nvSpPr>
+          <p:cNvPr id="3" name="TextBox 2">
+            <a:extLst>
+              <a:ext uri="{FF2B5EF4-FFF2-40B4-BE49-F238E27FC236}">
+                <a16:creationId xmlns:a16="http://schemas.microsoft.com/office/drawing/2014/main" id="{CD7842BA-5A71-4035-B731-AB281CB188A6}"/>
+              </a:ext>
+            </a:extLst>
+          </p:cNvPr>
+          <p:cNvSpPr txBox="1"/>
+          <p:nvPr/>
+        </p:nvSpPr>
+        <p:spPr>
+          <a:xfrm>
+            <a:off x="6557561" y="1619962"/>
+            <a:ext cx="4545871" cy="369332"/>
+          </a:xfrm>
+          <a:prstGeom prst="rect">
+            <a:avLst/>
+          </a:prstGeom>
+          <a:noFill/>
+        </p:spPr>
+        <p:txBody>
+          <a:bodyPr wrap="square" rtlCol="0">
+            <a:spAutoFit/>
+          </a:bodyPr>
+          <a:lstStyle/>
+          <a:p>
+            <a:r>
+              <a:rPr lang="en-US" altLang="ko-KR" b="1" dirty="0"/>
+              <a:t>0 x 26^2 + 1 x 26^1 + 2 x 26^0 = </a:t>
+            </a:r>
+            <a:r>
+              <a:rPr lang="en-US" altLang="ko-KR" b="1" dirty="0">
+                <a:solidFill>
+                  <a:srgbClr val="FF0000"/>
+                </a:solidFill>
+              </a:rPr>
+              <a:t>28 </a:t>
+            </a:r>
+            <a:endParaRPr lang="ko-KR" altLang="en-US" b="1" dirty="0">
+              <a:solidFill>
+                <a:srgbClr val="FF0000"/>
+              </a:solidFill>
+            </a:endParaRPr>
+          </a:p>
+        </p:txBody>
+      </p:sp>
+      <p:graphicFrame>
+        <p:nvGraphicFramePr>
+          <p:cNvPr id="6" name="표 5">
+            <a:extLst>
+              <a:ext uri="{FF2B5EF4-FFF2-40B4-BE49-F238E27FC236}">
+                <a16:creationId xmlns:a16="http://schemas.microsoft.com/office/drawing/2014/main" id="{2331D098-08E1-4D8B-856E-AB61A40F03A7}"/>
+              </a:ext>
+            </a:extLst>
+          </p:cNvPr>
+          <p:cNvGraphicFramePr>
+            <a:graphicFrameLocks noGrp="1"/>
+          </p:cNvGraphicFramePr>
+          <p:nvPr>
+            <p:extLst>
+              <p:ext uri="{D42A27DB-BD31-4B8C-83A1-F6EECF244321}">
+                <p14:modId xmlns:p14="http://schemas.microsoft.com/office/powerpoint/2010/main" val="3717757824"/>
+              </p:ext>
+            </p:extLst>
+          </p:nvPr>
+        </p:nvGraphicFramePr>
+        <p:xfrm>
+          <a:off x="964478" y="2760776"/>
+          <a:ext cx="1547222" cy="370840"/>
+        </p:xfrm>
+        <a:graphic>
+          <a:graphicData uri="http://schemas.openxmlformats.org/drawingml/2006/table">
+            <a:tbl>
+              <a:tblPr firstRow="1" bandRow="1">
+                <a:tableStyleId>{5C22544A-7EE6-4342-B048-85BDC9FD1C3A}</a:tableStyleId>
+              </a:tblPr>
+              <a:tblGrid>
+                <a:gridCol w="773611">
+                  <a:extLst>
+                    <a:ext uri="{9D8B030D-6E8A-4147-A177-3AD203B41FA5}">
+                      <a16:colId xmlns:a16="http://schemas.microsoft.com/office/drawing/2014/main" val="3252461520"/>
+                    </a:ext>
+                  </a:extLst>
+                </a:gridCol>
+                <a:gridCol w="773611">
+                  <a:extLst>
+                    <a:ext uri="{9D8B030D-6E8A-4147-A177-3AD203B41FA5}">
+                      <a16:colId xmlns:a16="http://schemas.microsoft.com/office/drawing/2014/main" val="4056117832"/>
+                    </a:ext>
+                  </a:extLst>
+                </a:gridCol>
+              </a:tblGrid>
+              <a:tr h="370840">
+                <a:tc>
+                  <a:txBody>
+                    <a:bodyPr/>
+                    <a:lstStyle/>
+                    <a:p>
+                      <a:pPr algn="ctr" latinLnBrk="1"/>
+                      <a:r>
+                        <a:rPr lang="en-US" altLang="ko-KR" sz="1200" dirty="0"/>
+                        <a:t>b</a:t>
+                      </a:r>
+                      <a:endParaRPr lang="ko-KR" altLang="en-US" sz="1200" dirty="0"/>
+                    </a:p>
+                  </a:txBody>
+                  <a:tcPr anchor="ctr"/>
+                </a:tc>
+                <a:tc>
+                  <a:txBody>
+                    <a:bodyPr/>
+                    <a:lstStyle/>
+                    <a:p>
+                      <a:pPr algn="ctr" latinLnBrk="1"/>
+                      <a:r>
+                        <a:rPr lang="en-US" altLang="ko-KR" sz="1200" dirty="0"/>
+                        <a:t>c</a:t>
+                      </a:r>
+                      <a:endParaRPr lang="ko-KR" altLang="en-US" sz="1200" dirty="0"/>
+                    </a:p>
+                  </a:txBody>
+                  <a:tcPr anchor="ctr"/>
+                </a:tc>
+                <a:extLst>
+                  <a:ext uri="{0D108BD9-81ED-4DB2-BD59-A6C34878D82A}">
+                    <a16:rowId xmlns:a16="http://schemas.microsoft.com/office/drawing/2014/main" val="3540591025"/>
+                  </a:ext>
+                </a:extLst>
+              </a:tr>
+            </a:tbl>
+          </a:graphicData>
+        </a:graphic>
+      </p:graphicFrame>
+      <p:graphicFrame>
+        <p:nvGraphicFramePr>
+          <p:cNvPr id="7" name="표 6">
+            <a:extLst>
+              <a:ext uri="{FF2B5EF4-FFF2-40B4-BE49-F238E27FC236}">
+                <a16:creationId xmlns:a16="http://schemas.microsoft.com/office/drawing/2014/main" id="{2EABE112-B2FB-4F9E-969D-533691268F43}"/>
+              </a:ext>
+            </a:extLst>
+          </p:cNvPr>
+          <p:cNvGraphicFramePr>
+            <a:graphicFrameLocks noGrp="1"/>
+          </p:cNvGraphicFramePr>
+          <p:nvPr>
+            <p:extLst>
+              <p:ext uri="{D42A27DB-BD31-4B8C-83A1-F6EECF244321}">
+                <p14:modId xmlns:p14="http://schemas.microsoft.com/office/powerpoint/2010/main" val="3689985939"/>
+              </p:ext>
+            </p:extLst>
+          </p:nvPr>
+        </p:nvGraphicFramePr>
+        <p:xfrm>
+          <a:off x="3812907" y="2756580"/>
+          <a:ext cx="1547222" cy="370840"/>
+        </p:xfrm>
+        <a:graphic>
+          <a:graphicData uri="http://schemas.openxmlformats.org/drawingml/2006/table">
+            <a:tbl>
+              <a:tblPr firstRow="1" bandRow="1">
+                <a:tableStyleId>{5C22544A-7EE6-4342-B048-85BDC9FD1C3A}</a:tableStyleId>
+              </a:tblPr>
+              <a:tblGrid>
+                <a:gridCol w="773611">
+                  <a:extLst>
+                    <a:ext uri="{9D8B030D-6E8A-4147-A177-3AD203B41FA5}">
+                      <a16:colId xmlns:a16="http://schemas.microsoft.com/office/drawing/2014/main" val="3252461520"/>
+                    </a:ext>
+                  </a:extLst>
+                </a:gridCol>
+                <a:gridCol w="773611">
+                  <a:extLst>
+                    <a:ext uri="{9D8B030D-6E8A-4147-A177-3AD203B41FA5}">
+                      <a16:colId xmlns:a16="http://schemas.microsoft.com/office/drawing/2014/main" val="4056117832"/>
+                    </a:ext>
+                  </a:extLst>
+                </a:gridCol>
+              </a:tblGrid>
+              <a:tr h="370840">
+                <a:tc>
+                  <a:txBody>
+                    <a:bodyPr/>
+                    <a:lstStyle/>
+                    <a:p>
+                      <a:pPr algn="ctr" latinLnBrk="1"/>
+                      <a:r>
+                        <a:rPr lang="en-US" altLang="ko-KR" sz="1200" dirty="0"/>
+                        <a:t>1</a:t>
+                      </a:r>
+                      <a:endParaRPr lang="ko-KR" altLang="en-US" sz="1200" dirty="0"/>
+                    </a:p>
+                  </a:txBody>
+                  <a:tcPr anchor="ctr"/>
+                </a:tc>
+                <a:tc>
+                  <a:txBody>
+                    <a:bodyPr/>
+                    <a:lstStyle/>
+                    <a:p>
+                      <a:pPr algn="ctr" latinLnBrk="1"/>
+                      <a:r>
+                        <a:rPr lang="en-US" altLang="ko-KR" sz="1200" dirty="0"/>
+                        <a:t>2</a:t>
+                      </a:r>
+                      <a:endParaRPr lang="ko-KR" altLang="en-US" sz="1200" dirty="0"/>
+                    </a:p>
+                  </a:txBody>
+                  <a:tcPr anchor="ctr"/>
+                </a:tc>
+                <a:extLst>
+                  <a:ext uri="{0D108BD9-81ED-4DB2-BD59-A6C34878D82A}">
+                    <a16:rowId xmlns:a16="http://schemas.microsoft.com/office/drawing/2014/main" val="3540591025"/>
+                  </a:ext>
+                </a:extLst>
+              </a:tr>
+            </a:tbl>
+          </a:graphicData>
+        </a:graphic>
+      </p:graphicFrame>
+      <p:sp>
+        <p:nvSpPr>
+          <p:cNvPr id="8" name="TextBox 7">
+            <a:extLst>
+              <a:ext uri="{FF2B5EF4-FFF2-40B4-BE49-F238E27FC236}">
+                <a16:creationId xmlns:a16="http://schemas.microsoft.com/office/drawing/2014/main" id="{1008D1F3-8758-41A8-8D60-12AFE35D2F5B}"/>
+              </a:ext>
+            </a:extLst>
+          </p:cNvPr>
+          <p:cNvSpPr txBox="1"/>
+          <p:nvPr/>
+        </p:nvSpPr>
+        <p:spPr>
+          <a:xfrm>
+            <a:off x="6557561" y="2734501"/>
+            <a:ext cx="4545871" cy="369332"/>
+          </a:xfrm>
+          <a:prstGeom prst="rect">
+            <a:avLst/>
+          </a:prstGeom>
+          <a:noFill/>
+        </p:spPr>
+        <p:txBody>
+          <a:bodyPr wrap="square" rtlCol="0">
+            <a:spAutoFit/>
+          </a:bodyPr>
+          <a:lstStyle/>
+          <a:p>
+            <a:r>
+              <a:rPr lang="en-US" altLang="ko-KR" b="1" dirty="0"/>
+              <a:t>1 x 26^1 + 2 x 26^0 = </a:t>
+            </a:r>
+            <a:r>
+              <a:rPr lang="en-US" altLang="ko-KR" b="1" dirty="0">
+                <a:solidFill>
+                  <a:srgbClr val="FF0000"/>
+                </a:solidFill>
+              </a:rPr>
+              <a:t>28</a:t>
+            </a:r>
+            <a:endParaRPr lang="ko-KR" altLang="en-US" b="1" dirty="0">
+              <a:solidFill>
+                <a:srgbClr val="FF0000"/>
+              </a:solidFill>
+            </a:endParaRPr>
+          </a:p>
+        </p:txBody>
+      </p:sp>
+      <p:cxnSp>
+        <p:nvCxnSpPr>
+          <p:cNvPr id="13" name="직선 화살표 연결선 12">
+            <a:extLst>
+              <a:ext uri="{FF2B5EF4-FFF2-40B4-BE49-F238E27FC236}">
+                <a16:creationId xmlns:a16="http://schemas.microsoft.com/office/drawing/2014/main" id="{40BA0F4F-A3A8-4CCC-AE49-15B6455FE333}"/>
+              </a:ext>
+            </a:extLst>
+          </p:cNvPr>
+          <p:cNvCxnSpPr/>
+          <p:nvPr/>
+        </p:nvCxnSpPr>
+        <p:spPr>
+          <a:xfrm>
+            <a:off x="3091548" y="1826707"/>
+            <a:ext cx="269965" cy="0"/>
+          </a:xfrm>
+          <a:prstGeom prst="straightConnector1">
+            <a:avLst/>
+          </a:prstGeom>
+          <a:ln>
+            <a:tailEnd type="triangle"/>
+          </a:ln>
+        </p:spPr>
+        <p:style>
+          <a:lnRef idx="1">
+            <a:schemeClr val="accent1"/>
+          </a:lnRef>
+          <a:fillRef idx="0">
+            <a:schemeClr val="accent1"/>
+          </a:fillRef>
+          <a:effectRef idx="0">
+            <a:schemeClr val="accent1"/>
+          </a:effectRef>
+          <a:fontRef idx="minor">
+            <a:schemeClr val="tx1"/>
+          </a:fontRef>
+        </p:style>
+      </p:cxnSp>
+      <p:cxnSp>
+        <p:nvCxnSpPr>
+          <p:cNvPr id="14" name="직선 화살표 연결선 13">
+            <a:extLst>
+              <a:ext uri="{FF2B5EF4-FFF2-40B4-BE49-F238E27FC236}">
+                <a16:creationId xmlns:a16="http://schemas.microsoft.com/office/drawing/2014/main" id="{32E09123-66A7-43E6-9213-4953D295DDD4}"/>
+              </a:ext>
+            </a:extLst>
+          </p:cNvPr>
+          <p:cNvCxnSpPr/>
+          <p:nvPr/>
+        </p:nvCxnSpPr>
+        <p:spPr>
+          <a:xfrm>
+            <a:off x="6004564" y="1804628"/>
+            <a:ext cx="269965" cy="0"/>
+          </a:xfrm>
+          <a:prstGeom prst="straightConnector1">
+            <a:avLst/>
+          </a:prstGeom>
+          <a:ln>
+            <a:tailEnd type="triangle"/>
+          </a:ln>
+        </p:spPr>
+        <p:style>
+          <a:lnRef idx="1">
+            <a:schemeClr val="accent1"/>
+          </a:lnRef>
+          <a:fillRef idx="0">
+            <a:schemeClr val="accent1"/>
+          </a:fillRef>
+          <a:effectRef idx="0">
+            <a:schemeClr val="accent1"/>
+          </a:effectRef>
+          <a:fontRef idx="minor">
+            <a:schemeClr val="tx1"/>
+          </a:fontRef>
+        </p:style>
+      </p:cxnSp>
+      <p:cxnSp>
+        <p:nvCxnSpPr>
+          <p:cNvPr id="15" name="직선 화살표 연결선 14">
+            <a:extLst>
+              <a:ext uri="{FF2B5EF4-FFF2-40B4-BE49-F238E27FC236}">
+                <a16:creationId xmlns:a16="http://schemas.microsoft.com/office/drawing/2014/main" id="{C7CA6645-AE29-4BE5-A322-D411C7F6FE65}"/>
+              </a:ext>
+            </a:extLst>
+          </p:cNvPr>
+          <p:cNvCxnSpPr/>
+          <p:nvPr/>
+        </p:nvCxnSpPr>
+        <p:spPr>
+          <a:xfrm>
+            <a:off x="5974083" y="2947545"/>
+            <a:ext cx="269965" cy="0"/>
+          </a:xfrm>
+          <a:prstGeom prst="straightConnector1">
+            <a:avLst/>
+          </a:prstGeom>
+          <a:ln>
+            <a:tailEnd type="triangle"/>
+          </a:ln>
+        </p:spPr>
+        <p:style>
+          <a:lnRef idx="1">
+            <a:schemeClr val="accent1"/>
+          </a:lnRef>
+          <a:fillRef idx="0">
+            <a:schemeClr val="accent1"/>
+          </a:fillRef>
+          <a:effectRef idx="0">
+            <a:schemeClr val="accent1"/>
+          </a:effectRef>
+          <a:fontRef idx="minor">
+            <a:schemeClr val="tx1"/>
+          </a:fontRef>
+        </p:style>
+      </p:cxnSp>
+      <p:cxnSp>
+        <p:nvCxnSpPr>
+          <p:cNvPr id="16" name="직선 화살표 연결선 15">
+            <a:extLst>
+              <a:ext uri="{FF2B5EF4-FFF2-40B4-BE49-F238E27FC236}">
+                <a16:creationId xmlns:a16="http://schemas.microsoft.com/office/drawing/2014/main" id="{3EB62324-CC03-4265-B7B5-842B58627A67}"/>
+              </a:ext>
+            </a:extLst>
+          </p:cNvPr>
+          <p:cNvCxnSpPr/>
+          <p:nvPr/>
+        </p:nvCxnSpPr>
+        <p:spPr>
+          <a:xfrm>
+            <a:off x="3091548" y="2947545"/>
+            <a:ext cx="269965" cy="0"/>
+          </a:xfrm>
+          <a:prstGeom prst="straightConnector1">
+            <a:avLst/>
+          </a:prstGeom>
+          <a:ln>
+            <a:tailEnd type="triangle"/>
+          </a:ln>
+        </p:spPr>
+        <p:style>
+          <a:lnRef idx="1">
+            <a:schemeClr val="accent1"/>
+          </a:lnRef>
+          <a:fillRef idx="0">
+            <a:schemeClr val="accent1"/>
+          </a:fillRef>
+          <a:effectRef idx="0">
+            <a:schemeClr val="accent1"/>
+          </a:effectRef>
+          <a:fontRef idx="minor">
+            <a:schemeClr val="tx1"/>
+          </a:fontRef>
+        </p:style>
+      </p:cxnSp>
+      <p:sp>
+        <p:nvSpPr>
+          <p:cNvPr id="19" name="직사각형 18">
+            <a:extLst>
+              <a:ext uri="{FF2B5EF4-FFF2-40B4-BE49-F238E27FC236}">
+                <a16:creationId xmlns:a16="http://schemas.microsoft.com/office/drawing/2014/main" id="{0595D967-8057-4EAD-B4CA-B0EA925A423A}"/>
+              </a:ext>
+            </a:extLst>
+          </p:cNvPr>
+          <p:cNvSpPr/>
+          <p:nvPr/>
+        </p:nvSpPr>
+        <p:spPr>
+          <a:xfrm>
+            <a:off x="2770994" y="2262526"/>
+            <a:ext cx="965329" cy="307777"/>
+          </a:xfrm>
+          <a:prstGeom prst="rect">
+            <a:avLst/>
+          </a:prstGeom>
+        </p:spPr>
+        <p:txBody>
+          <a:bodyPr wrap="none">
+            <a:spAutoFit/>
+          </a:bodyPr>
+          <a:lstStyle/>
+          <a:p>
+            <a:r>
+              <a:rPr lang="ko-KR" altLang="en-US" sz="1400" b="1" dirty="0">
+                <a:solidFill>
+                  <a:srgbClr val="0070C0"/>
+                </a:solidFill>
+              </a:rPr>
+              <a:t>숫자 치환</a:t>
+            </a:r>
+            <a:endParaRPr lang="ko-KR" altLang="en-US" sz="1400" dirty="0">
+              <a:solidFill>
+                <a:srgbClr val="0070C0"/>
+              </a:solidFill>
+            </a:endParaRPr>
+          </a:p>
+        </p:txBody>
+      </p:sp>
+      <p:sp>
+        <p:nvSpPr>
+          <p:cNvPr id="20" name="직사각형 19">
+            <a:extLst>
+              <a:ext uri="{FF2B5EF4-FFF2-40B4-BE49-F238E27FC236}">
+                <a16:creationId xmlns:a16="http://schemas.microsoft.com/office/drawing/2014/main" id="{0E098F69-A1A9-411E-BA46-64275C7DCFDE}"/>
+              </a:ext>
+            </a:extLst>
+          </p:cNvPr>
+          <p:cNvSpPr/>
+          <p:nvPr/>
+        </p:nvSpPr>
+        <p:spPr>
+          <a:xfrm>
+            <a:off x="283026" y="3914509"/>
+            <a:ext cx="11634652" cy="2438400"/>
+          </a:xfrm>
+          <a:prstGeom prst="rect">
+            <a:avLst/>
+          </a:prstGeom>
+          <a:solidFill>
+            <a:schemeClr val="accent2">
+              <a:lumMod val="40000"/>
+              <a:lumOff val="60000"/>
+            </a:schemeClr>
+          </a:solidFill>
+          <a:ln>
+            <a:noFill/>
+          </a:ln>
+        </p:spPr>
+        <p:style>
+          <a:lnRef idx="2">
+            <a:schemeClr val="accent1">
+              <a:shade val="50000"/>
+            </a:schemeClr>
+          </a:lnRef>
+          <a:fillRef idx="1">
+            <a:schemeClr val="accent1"/>
+          </a:fillRef>
+          <a:effectRef idx="0">
+            <a:schemeClr val="accent1"/>
+          </a:effectRef>
+          <a:fontRef idx="minor">
+            <a:schemeClr val="lt1"/>
+          </a:fontRef>
+        </p:style>
+        <p:txBody>
+          <a:bodyPr rtlCol="0" anchor="b"/>
+          <a:lstStyle/>
+          <a:p>
+            <a:pPr algn="r"/>
+            <a:r>
+              <a:rPr lang="en-US" altLang="ko-KR" b="1">
+                <a:solidFill>
+                  <a:srgbClr val="FF0000"/>
+                </a:solidFill>
+              </a:rPr>
+              <a:t>GOOD!!</a:t>
+            </a:r>
+            <a:endParaRPr lang="ko-KR" altLang="en-US" b="1" dirty="0">
+              <a:solidFill>
+                <a:srgbClr val="FF0000"/>
+              </a:solidFill>
+            </a:endParaRPr>
+          </a:p>
+        </p:txBody>
+      </p:sp>
+      <p:graphicFrame>
+        <p:nvGraphicFramePr>
+          <p:cNvPr id="21" name="표 20">
+            <a:extLst>
+              <a:ext uri="{FF2B5EF4-FFF2-40B4-BE49-F238E27FC236}">
+                <a16:creationId xmlns:a16="http://schemas.microsoft.com/office/drawing/2014/main" id="{29459FFB-6B0F-44F6-9C6E-2891A445F271}"/>
+              </a:ext>
+            </a:extLst>
+          </p:cNvPr>
+          <p:cNvGraphicFramePr>
+            <a:graphicFrameLocks noGrp="1"/>
+          </p:cNvGraphicFramePr>
+          <p:nvPr>
+            <p:extLst>
+              <p:ext uri="{D42A27DB-BD31-4B8C-83A1-F6EECF244321}">
+                <p14:modId xmlns:p14="http://schemas.microsoft.com/office/powerpoint/2010/main" val="3484516049"/>
+              </p:ext>
+            </p:extLst>
+          </p:nvPr>
+        </p:nvGraphicFramePr>
+        <p:xfrm>
+          <a:off x="599442" y="4389285"/>
+          <a:ext cx="2320833" cy="370840"/>
+        </p:xfrm>
+        <a:graphic>
+          <a:graphicData uri="http://schemas.openxmlformats.org/drawingml/2006/table">
+            <a:tbl>
+              <a:tblPr firstRow="1" bandRow="1">
+                <a:tableStyleId>{5C22544A-7EE6-4342-B048-85BDC9FD1C3A}</a:tableStyleId>
+              </a:tblPr>
+              <a:tblGrid>
+                <a:gridCol w="773611">
+                  <a:extLst>
+                    <a:ext uri="{9D8B030D-6E8A-4147-A177-3AD203B41FA5}">
+                      <a16:colId xmlns:a16="http://schemas.microsoft.com/office/drawing/2014/main" val="202795175"/>
+                    </a:ext>
+                  </a:extLst>
+                </a:gridCol>
+                <a:gridCol w="773611">
+                  <a:extLst>
+                    <a:ext uri="{9D8B030D-6E8A-4147-A177-3AD203B41FA5}">
+                      <a16:colId xmlns:a16="http://schemas.microsoft.com/office/drawing/2014/main" val="3252461520"/>
+                    </a:ext>
+                  </a:extLst>
+                </a:gridCol>
+                <a:gridCol w="773611">
+                  <a:extLst>
+                    <a:ext uri="{9D8B030D-6E8A-4147-A177-3AD203B41FA5}">
+                      <a16:colId xmlns:a16="http://schemas.microsoft.com/office/drawing/2014/main" val="4056117832"/>
+                    </a:ext>
+                  </a:extLst>
+                </a:gridCol>
+              </a:tblGrid>
+              <a:tr h="370840">
+                <a:tc>
+                  <a:txBody>
+                    <a:bodyPr/>
+                    <a:lstStyle/>
+                    <a:p>
+                      <a:pPr algn="ctr" latinLnBrk="1"/>
+                      <a:r>
+                        <a:rPr lang="en-US" altLang="ko-KR" sz="1200" dirty="0"/>
+                        <a:t>a</a:t>
+                      </a:r>
+                      <a:endParaRPr lang="ko-KR" altLang="en-US" sz="1200" dirty="0"/>
+                    </a:p>
+                  </a:txBody>
+                  <a:tcPr anchor="ctr"/>
+                </a:tc>
+                <a:tc>
+                  <a:txBody>
+                    <a:bodyPr/>
+                    <a:lstStyle/>
+                    <a:p>
+                      <a:pPr algn="ctr" latinLnBrk="1"/>
+                      <a:r>
+                        <a:rPr lang="en-US" altLang="ko-KR" sz="1200" dirty="0"/>
+                        <a:t>b</a:t>
+                      </a:r>
+                      <a:endParaRPr lang="ko-KR" altLang="en-US" sz="1200" dirty="0"/>
+                    </a:p>
+                  </a:txBody>
+                  <a:tcPr anchor="ctr"/>
+                </a:tc>
+                <a:tc>
+                  <a:txBody>
+                    <a:bodyPr/>
+                    <a:lstStyle/>
+                    <a:p>
+                      <a:pPr algn="ctr" latinLnBrk="1"/>
+                      <a:r>
+                        <a:rPr lang="en-US" altLang="ko-KR" sz="1200" dirty="0"/>
+                        <a:t>c</a:t>
+                      </a:r>
+                      <a:endParaRPr lang="ko-KR" altLang="en-US" sz="1200" dirty="0"/>
+                    </a:p>
+                  </a:txBody>
+                  <a:tcPr anchor="ctr"/>
+                </a:tc>
+                <a:extLst>
+                  <a:ext uri="{0D108BD9-81ED-4DB2-BD59-A6C34878D82A}">
+                    <a16:rowId xmlns:a16="http://schemas.microsoft.com/office/drawing/2014/main" val="3540591025"/>
+                  </a:ext>
+                </a:extLst>
+              </a:tr>
+            </a:tbl>
+          </a:graphicData>
+        </a:graphic>
+      </p:graphicFrame>
+      <p:graphicFrame>
+        <p:nvGraphicFramePr>
+          <p:cNvPr id="22" name="표 21">
+            <a:extLst>
+              <a:ext uri="{FF2B5EF4-FFF2-40B4-BE49-F238E27FC236}">
+                <a16:creationId xmlns:a16="http://schemas.microsoft.com/office/drawing/2014/main" id="{C1C1A22C-96BB-4F38-86A5-9C2CEE0A7CBB}"/>
+              </a:ext>
+            </a:extLst>
+          </p:cNvPr>
+          <p:cNvGraphicFramePr>
+            <a:graphicFrameLocks noGrp="1"/>
+          </p:cNvGraphicFramePr>
+          <p:nvPr>
+            <p:extLst>
+              <p:ext uri="{D42A27DB-BD31-4B8C-83A1-F6EECF244321}">
+                <p14:modId xmlns:p14="http://schemas.microsoft.com/office/powerpoint/2010/main" val="3923880925"/>
+              </p:ext>
+            </p:extLst>
+          </p:nvPr>
+        </p:nvGraphicFramePr>
+        <p:xfrm>
+          <a:off x="3521168" y="4397103"/>
+          <a:ext cx="2320833" cy="370840"/>
+        </p:xfrm>
+        <a:graphic>
+          <a:graphicData uri="http://schemas.openxmlformats.org/drawingml/2006/table">
+            <a:tbl>
+              <a:tblPr firstRow="1" bandRow="1">
+                <a:tableStyleId>{5C22544A-7EE6-4342-B048-85BDC9FD1C3A}</a:tableStyleId>
+              </a:tblPr>
+              <a:tblGrid>
+                <a:gridCol w="773611">
+                  <a:extLst>
+                    <a:ext uri="{9D8B030D-6E8A-4147-A177-3AD203B41FA5}">
+                      <a16:colId xmlns:a16="http://schemas.microsoft.com/office/drawing/2014/main" val="202795175"/>
+                    </a:ext>
+                  </a:extLst>
+                </a:gridCol>
+                <a:gridCol w="773611">
+                  <a:extLst>
+                    <a:ext uri="{9D8B030D-6E8A-4147-A177-3AD203B41FA5}">
+                      <a16:colId xmlns:a16="http://schemas.microsoft.com/office/drawing/2014/main" val="3252461520"/>
+                    </a:ext>
+                  </a:extLst>
+                </a:gridCol>
+                <a:gridCol w="773611">
+                  <a:extLst>
+                    <a:ext uri="{9D8B030D-6E8A-4147-A177-3AD203B41FA5}">
+                      <a16:colId xmlns:a16="http://schemas.microsoft.com/office/drawing/2014/main" val="4056117832"/>
+                    </a:ext>
+                  </a:extLst>
+                </a:gridCol>
+              </a:tblGrid>
+              <a:tr h="370840">
+                <a:tc>
+                  <a:txBody>
+                    <a:bodyPr/>
+                    <a:lstStyle/>
+                    <a:p>
+                      <a:pPr algn="ctr" latinLnBrk="1"/>
+                      <a:r>
+                        <a:rPr lang="en-US" altLang="ko-KR" sz="1200" dirty="0"/>
+                        <a:t>1</a:t>
+                      </a:r>
+                      <a:endParaRPr lang="ko-KR" altLang="en-US" sz="1200" dirty="0"/>
+                    </a:p>
+                  </a:txBody>
+                  <a:tcPr anchor="ctr"/>
+                </a:tc>
+                <a:tc>
+                  <a:txBody>
+                    <a:bodyPr/>
+                    <a:lstStyle/>
+                    <a:p>
+                      <a:pPr algn="ctr" latinLnBrk="1"/>
+                      <a:r>
+                        <a:rPr lang="en-US" altLang="ko-KR" sz="1200" dirty="0"/>
+                        <a:t>2</a:t>
+                      </a:r>
+                      <a:endParaRPr lang="ko-KR" altLang="en-US" sz="1200" dirty="0"/>
+                    </a:p>
+                  </a:txBody>
+                  <a:tcPr anchor="ctr"/>
+                </a:tc>
+                <a:tc>
+                  <a:txBody>
+                    <a:bodyPr/>
+                    <a:lstStyle/>
+                    <a:p>
+                      <a:pPr algn="ctr" latinLnBrk="1"/>
+                      <a:r>
+                        <a:rPr lang="en-US" altLang="ko-KR" sz="1200" dirty="0"/>
+                        <a:t>3</a:t>
+                      </a:r>
+                      <a:endParaRPr lang="ko-KR" altLang="en-US" sz="1200" dirty="0"/>
+                    </a:p>
+                  </a:txBody>
+                  <a:tcPr anchor="ctr"/>
+                </a:tc>
+                <a:extLst>
+                  <a:ext uri="{0D108BD9-81ED-4DB2-BD59-A6C34878D82A}">
+                    <a16:rowId xmlns:a16="http://schemas.microsoft.com/office/drawing/2014/main" val="3540591025"/>
+                  </a:ext>
+                </a:extLst>
+              </a:tr>
+            </a:tbl>
+          </a:graphicData>
+        </a:graphic>
+      </p:graphicFrame>
+      <p:sp>
+        <p:nvSpPr>
+          <p:cNvPr id="23" name="TextBox 22">
+            <a:extLst>
+              <a:ext uri="{FF2B5EF4-FFF2-40B4-BE49-F238E27FC236}">
+                <a16:creationId xmlns:a16="http://schemas.microsoft.com/office/drawing/2014/main" id="{7ED18754-EC44-4124-A01E-23CF95D19778}"/>
+              </a:ext>
+            </a:extLst>
+          </p:cNvPr>
+          <p:cNvSpPr txBox="1"/>
+          <p:nvPr/>
+        </p:nvSpPr>
+        <p:spPr>
+          <a:xfrm>
+            <a:off x="6579330" y="4358814"/>
+            <a:ext cx="4545871" cy="369332"/>
+          </a:xfrm>
+          <a:prstGeom prst="rect">
+            <a:avLst/>
+          </a:prstGeom>
+          <a:noFill/>
+        </p:spPr>
+        <p:txBody>
+          <a:bodyPr wrap="square" rtlCol="0">
+            <a:spAutoFit/>
+          </a:bodyPr>
+          <a:lstStyle/>
+          <a:p>
+            <a:r>
+              <a:rPr lang="en-US" altLang="ko-KR" b="1" dirty="0"/>
+              <a:t>1 x 26^2 + 2 x 26^1 + 3 x 26^0 = </a:t>
+            </a:r>
+            <a:r>
+              <a:rPr lang="en-US" altLang="ko-KR" b="1" dirty="0">
+                <a:solidFill>
+                  <a:srgbClr val="FF0000"/>
+                </a:solidFill>
+              </a:rPr>
+              <a:t>731 </a:t>
+            </a:r>
+            <a:endParaRPr lang="ko-KR" altLang="en-US" b="1" dirty="0">
+              <a:solidFill>
+                <a:srgbClr val="FF0000"/>
+              </a:solidFill>
+            </a:endParaRPr>
+          </a:p>
+        </p:txBody>
+      </p:sp>
+      <p:graphicFrame>
+        <p:nvGraphicFramePr>
+          <p:cNvPr id="24" name="표 23">
+            <a:extLst>
+              <a:ext uri="{FF2B5EF4-FFF2-40B4-BE49-F238E27FC236}">
+                <a16:creationId xmlns:a16="http://schemas.microsoft.com/office/drawing/2014/main" id="{4D2AAA61-C1E1-4A9A-AB1D-F8500BB339ED}"/>
+              </a:ext>
+            </a:extLst>
+          </p:cNvPr>
+          <p:cNvGraphicFramePr>
+            <a:graphicFrameLocks noGrp="1"/>
+          </p:cNvGraphicFramePr>
+          <p:nvPr>
+            <p:extLst>
+              <p:ext uri="{D42A27DB-BD31-4B8C-83A1-F6EECF244321}">
+                <p14:modId xmlns:p14="http://schemas.microsoft.com/office/powerpoint/2010/main" val="1885854210"/>
+              </p:ext>
+            </p:extLst>
+          </p:nvPr>
+        </p:nvGraphicFramePr>
+        <p:xfrm>
+          <a:off x="986247" y="5499628"/>
+          <a:ext cx="1547222" cy="370840"/>
+        </p:xfrm>
+        <a:graphic>
+          <a:graphicData uri="http://schemas.openxmlformats.org/drawingml/2006/table">
+            <a:tbl>
+              <a:tblPr firstRow="1" bandRow="1">
+                <a:tableStyleId>{5C22544A-7EE6-4342-B048-85BDC9FD1C3A}</a:tableStyleId>
+              </a:tblPr>
+              <a:tblGrid>
+                <a:gridCol w="773611">
+                  <a:extLst>
+                    <a:ext uri="{9D8B030D-6E8A-4147-A177-3AD203B41FA5}">
+                      <a16:colId xmlns:a16="http://schemas.microsoft.com/office/drawing/2014/main" val="3252461520"/>
+                    </a:ext>
+                  </a:extLst>
+                </a:gridCol>
+                <a:gridCol w="773611">
+                  <a:extLst>
+                    <a:ext uri="{9D8B030D-6E8A-4147-A177-3AD203B41FA5}">
+                      <a16:colId xmlns:a16="http://schemas.microsoft.com/office/drawing/2014/main" val="4056117832"/>
+                    </a:ext>
+                  </a:extLst>
+                </a:gridCol>
+              </a:tblGrid>
+              <a:tr h="370840">
+                <a:tc>
+                  <a:txBody>
+                    <a:bodyPr/>
+                    <a:lstStyle/>
+                    <a:p>
+                      <a:pPr algn="ctr" latinLnBrk="1"/>
+                      <a:r>
+                        <a:rPr lang="en-US" altLang="ko-KR" sz="1200" dirty="0"/>
+                        <a:t>b</a:t>
+                      </a:r>
+                      <a:endParaRPr lang="ko-KR" altLang="en-US" sz="1200" dirty="0"/>
+                    </a:p>
+                  </a:txBody>
+                  <a:tcPr anchor="ctr"/>
+                </a:tc>
+                <a:tc>
+                  <a:txBody>
+                    <a:bodyPr/>
+                    <a:lstStyle/>
+                    <a:p>
+                      <a:pPr algn="ctr" latinLnBrk="1"/>
+                      <a:r>
+                        <a:rPr lang="en-US" altLang="ko-KR" sz="1200" dirty="0"/>
+                        <a:t>c</a:t>
+                      </a:r>
+                      <a:endParaRPr lang="ko-KR" altLang="en-US" sz="1200" dirty="0"/>
+                    </a:p>
+                  </a:txBody>
+                  <a:tcPr anchor="ctr"/>
+                </a:tc>
+                <a:extLst>
+                  <a:ext uri="{0D108BD9-81ED-4DB2-BD59-A6C34878D82A}">
+                    <a16:rowId xmlns:a16="http://schemas.microsoft.com/office/drawing/2014/main" val="3540591025"/>
+                  </a:ext>
+                </a:extLst>
+              </a:tr>
+            </a:tbl>
+          </a:graphicData>
+        </a:graphic>
+      </p:graphicFrame>
+      <p:graphicFrame>
+        <p:nvGraphicFramePr>
+          <p:cNvPr id="25" name="표 24">
+            <a:extLst>
+              <a:ext uri="{FF2B5EF4-FFF2-40B4-BE49-F238E27FC236}">
+                <a16:creationId xmlns:a16="http://schemas.microsoft.com/office/drawing/2014/main" id="{396C5640-7457-4605-A6E0-B2562FCC883B}"/>
+              </a:ext>
+            </a:extLst>
+          </p:cNvPr>
+          <p:cNvGraphicFramePr>
+            <a:graphicFrameLocks noGrp="1"/>
+          </p:cNvGraphicFramePr>
+          <p:nvPr>
+            <p:extLst>
+              <p:ext uri="{D42A27DB-BD31-4B8C-83A1-F6EECF244321}">
+                <p14:modId xmlns:p14="http://schemas.microsoft.com/office/powerpoint/2010/main" val="1380184605"/>
+              </p:ext>
+            </p:extLst>
+          </p:nvPr>
+        </p:nvGraphicFramePr>
+        <p:xfrm>
+          <a:off x="3834676" y="5495432"/>
+          <a:ext cx="1547222" cy="370840"/>
+        </p:xfrm>
+        <a:graphic>
+          <a:graphicData uri="http://schemas.openxmlformats.org/drawingml/2006/table">
+            <a:tbl>
+              <a:tblPr firstRow="1" bandRow="1">
+                <a:tableStyleId>{5C22544A-7EE6-4342-B048-85BDC9FD1C3A}</a:tableStyleId>
+              </a:tblPr>
+              <a:tblGrid>
+                <a:gridCol w="773611">
+                  <a:extLst>
+                    <a:ext uri="{9D8B030D-6E8A-4147-A177-3AD203B41FA5}">
+                      <a16:colId xmlns:a16="http://schemas.microsoft.com/office/drawing/2014/main" val="3252461520"/>
+                    </a:ext>
+                  </a:extLst>
+                </a:gridCol>
+                <a:gridCol w="773611">
+                  <a:extLst>
+                    <a:ext uri="{9D8B030D-6E8A-4147-A177-3AD203B41FA5}">
+                      <a16:colId xmlns:a16="http://schemas.microsoft.com/office/drawing/2014/main" val="4056117832"/>
+                    </a:ext>
+                  </a:extLst>
+                </a:gridCol>
+              </a:tblGrid>
+              <a:tr h="370840">
+                <a:tc>
+                  <a:txBody>
+                    <a:bodyPr/>
+                    <a:lstStyle/>
+                    <a:p>
+                      <a:pPr algn="ctr" latinLnBrk="1"/>
+                      <a:r>
+                        <a:rPr lang="en-US" altLang="ko-KR" sz="1200" dirty="0"/>
+                        <a:t>2</a:t>
+                      </a:r>
+                      <a:endParaRPr lang="ko-KR" altLang="en-US" sz="1200" dirty="0"/>
+                    </a:p>
+                  </a:txBody>
+                  <a:tcPr anchor="ctr"/>
+                </a:tc>
+                <a:tc>
+                  <a:txBody>
+                    <a:bodyPr/>
+                    <a:lstStyle/>
+                    <a:p>
+                      <a:pPr algn="ctr" latinLnBrk="1"/>
+                      <a:r>
+                        <a:rPr lang="en-US" altLang="ko-KR" sz="1200" dirty="0"/>
+                        <a:t>3</a:t>
+                      </a:r>
+                      <a:endParaRPr lang="ko-KR" altLang="en-US" sz="1200" dirty="0"/>
+                    </a:p>
+                  </a:txBody>
+                  <a:tcPr anchor="ctr"/>
+                </a:tc>
+                <a:extLst>
+                  <a:ext uri="{0D108BD9-81ED-4DB2-BD59-A6C34878D82A}">
+                    <a16:rowId xmlns:a16="http://schemas.microsoft.com/office/drawing/2014/main" val="3540591025"/>
+                  </a:ext>
+                </a:extLst>
+              </a:tr>
+            </a:tbl>
+          </a:graphicData>
+        </a:graphic>
+      </p:graphicFrame>
+      <p:sp>
+        <p:nvSpPr>
+          <p:cNvPr id="26" name="TextBox 25">
+            <a:extLst>
+              <a:ext uri="{FF2B5EF4-FFF2-40B4-BE49-F238E27FC236}">
+                <a16:creationId xmlns:a16="http://schemas.microsoft.com/office/drawing/2014/main" id="{95035B26-BAFE-4136-9CF7-065AD3EBCBE7}"/>
+              </a:ext>
+            </a:extLst>
+          </p:cNvPr>
+          <p:cNvSpPr txBox="1"/>
+          <p:nvPr/>
+        </p:nvSpPr>
+        <p:spPr>
+          <a:xfrm>
+            <a:off x="6579330" y="5473353"/>
+            <a:ext cx="4545871" cy="369332"/>
+          </a:xfrm>
+          <a:prstGeom prst="rect">
+            <a:avLst/>
+          </a:prstGeom>
+          <a:noFill/>
+        </p:spPr>
+        <p:txBody>
+          <a:bodyPr wrap="square" rtlCol="0">
+            <a:spAutoFit/>
+          </a:bodyPr>
+          <a:lstStyle/>
+          <a:p>
+            <a:r>
+              <a:rPr lang="en-US" altLang="ko-KR" b="1" dirty="0"/>
+              <a:t>2 x 26^1 + 3 x 26^0 = </a:t>
+            </a:r>
+            <a:r>
+              <a:rPr lang="en-US" altLang="ko-KR" b="1" dirty="0">
+                <a:solidFill>
+                  <a:srgbClr val="FF0000"/>
+                </a:solidFill>
+              </a:rPr>
+              <a:t>55</a:t>
+            </a:r>
+            <a:endParaRPr lang="ko-KR" altLang="en-US" b="1" dirty="0">
+              <a:solidFill>
+                <a:srgbClr val="FF0000"/>
+              </a:solidFill>
+            </a:endParaRPr>
+          </a:p>
+        </p:txBody>
+      </p:sp>
+      <p:cxnSp>
+        <p:nvCxnSpPr>
+          <p:cNvPr id="27" name="직선 화살표 연결선 26">
+            <a:extLst>
+              <a:ext uri="{FF2B5EF4-FFF2-40B4-BE49-F238E27FC236}">
+                <a16:creationId xmlns:a16="http://schemas.microsoft.com/office/drawing/2014/main" id="{B3E1E631-D3C4-4125-9AF7-EFC22F97F250}"/>
+              </a:ext>
+            </a:extLst>
+          </p:cNvPr>
+          <p:cNvCxnSpPr/>
+          <p:nvPr/>
+        </p:nvCxnSpPr>
+        <p:spPr>
+          <a:xfrm>
+            <a:off x="3113317" y="4565559"/>
+            <a:ext cx="269965" cy="0"/>
+          </a:xfrm>
+          <a:prstGeom prst="straightConnector1">
+            <a:avLst/>
+          </a:prstGeom>
+          <a:ln>
+            <a:tailEnd type="triangle"/>
+          </a:ln>
+        </p:spPr>
+        <p:style>
+          <a:lnRef idx="1">
+            <a:schemeClr val="accent1"/>
+          </a:lnRef>
+          <a:fillRef idx="0">
+            <a:schemeClr val="accent1"/>
+          </a:fillRef>
+          <a:effectRef idx="0">
+            <a:schemeClr val="accent1"/>
+          </a:effectRef>
+          <a:fontRef idx="minor">
+            <a:schemeClr val="tx1"/>
+          </a:fontRef>
+        </p:style>
+      </p:cxnSp>
+      <p:cxnSp>
+        <p:nvCxnSpPr>
+          <p:cNvPr id="28" name="직선 화살표 연결선 27">
+            <a:extLst>
+              <a:ext uri="{FF2B5EF4-FFF2-40B4-BE49-F238E27FC236}">
+                <a16:creationId xmlns:a16="http://schemas.microsoft.com/office/drawing/2014/main" id="{7AF561C6-C096-4D45-88E2-35C85E3554D3}"/>
+              </a:ext>
+            </a:extLst>
+          </p:cNvPr>
+          <p:cNvCxnSpPr/>
+          <p:nvPr/>
+        </p:nvCxnSpPr>
+        <p:spPr>
+          <a:xfrm>
+            <a:off x="6026333" y="4543480"/>
+            <a:ext cx="269965" cy="0"/>
+          </a:xfrm>
+          <a:prstGeom prst="straightConnector1">
+            <a:avLst/>
+          </a:prstGeom>
+          <a:ln>
+            <a:tailEnd type="triangle"/>
+          </a:ln>
+        </p:spPr>
+        <p:style>
+          <a:lnRef idx="1">
+            <a:schemeClr val="accent1"/>
+          </a:lnRef>
+          <a:fillRef idx="0">
+            <a:schemeClr val="accent1"/>
+          </a:fillRef>
+          <a:effectRef idx="0">
+            <a:schemeClr val="accent1"/>
+          </a:effectRef>
+          <a:fontRef idx="minor">
+            <a:schemeClr val="tx1"/>
+          </a:fontRef>
+        </p:style>
+      </p:cxnSp>
+      <p:cxnSp>
+        <p:nvCxnSpPr>
+          <p:cNvPr id="29" name="직선 화살표 연결선 28">
+            <a:extLst>
+              <a:ext uri="{FF2B5EF4-FFF2-40B4-BE49-F238E27FC236}">
+                <a16:creationId xmlns:a16="http://schemas.microsoft.com/office/drawing/2014/main" id="{D75DD685-AEE9-498A-9CF2-D74A789E8C5D}"/>
+              </a:ext>
+            </a:extLst>
+          </p:cNvPr>
+          <p:cNvCxnSpPr/>
+          <p:nvPr/>
+        </p:nvCxnSpPr>
+        <p:spPr>
+          <a:xfrm>
+            <a:off x="5995852" y="5686397"/>
+            <a:ext cx="269965" cy="0"/>
+          </a:xfrm>
+          <a:prstGeom prst="straightConnector1">
+            <a:avLst/>
+          </a:prstGeom>
+          <a:ln>
+            <a:tailEnd type="triangle"/>
+          </a:ln>
+        </p:spPr>
+        <p:style>
+          <a:lnRef idx="1">
+            <a:schemeClr val="accent1"/>
+          </a:lnRef>
+          <a:fillRef idx="0">
+            <a:schemeClr val="accent1"/>
+          </a:fillRef>
+          <a:effectRef idx="0">
+            <a:schemeClr val="accent1"/>
+          </a:effectRef>
+          <a:fontRef idx="minor">
+            <a:schemeClr val="tx1"/>
+          </a:fontRef>
+        </p:style>
+      </p:cxnSp>
+      <p:cxnSp>
+        <p:nvCxnSpPr>
+          <p:cNvPr id="30" name="직선 화살표 연결선 29">
+            <a:extLst>
+              <a:ext uri="{FF2B5EF4-FFF2-40B4-BE49-F238E27FC236}">
+                <a16:creationId xmlns:a16="http://schemas.microsoft.com/office/drawing/2014/main" id="{AAD6CEC3-3B3E-4A31-9F9E-5FE107EB45CB}"/>
+              </a:ext>
+            </a:extLst>
+          </p:cNvPr>
+          <p:cNvCxnSpPr/>
+          <p:nvPr/>
+        </p:nvCxnSpPr>
+        <p:spPr>
+          <a:xfrm>
+            <a:off x="3113317" y="5686397"/>
+            <a:ext cx="269965" cy="0"/>
+          </a:xfrm>
+          <a:prstGeom prst="straightConnector1">
+            <a:avLst/>
+          </a:prstGeom>
+          <a:ln>
+            <a:tailEnd type="triangle"/>
+          </a:ln>
+        </p:spPr>
+        <p:style>
+          <a:lnRef idx="1">
+            <a:schemeClr val="accent1"/>
+          </a:lnRef>
+          <a:fillRef idx="0">
+            <a:schemeClr val="accent1"/>
+          </a:fillRef>
+          <a:effectRef idx="0">
+            <a:schemeClr val="accent1"/>
+          </a:effectRef>
+          <a:fontRef idx="minor">
+            <a:schemeClr val="tx1"/>
+          </a:fontRef>
+        </p:style>
+      </p:cxnSp>
+      <p:sp>
+        <p:nvSpPr>
+          <p:cNvPr id="31" name="직사각형 30">
+            <a:extLst>
+              <a:ext uri="{FF2B5EF4-FFF2-40B4-BE49-F238E27FC236}">
+                <a16:creationId xmlns:a16="http://schemas.microsoft.com/office/drawing/2014/main" id="{907B7566-2A4E-4FB2-9788-BA15C290E8F7}"/>
+              </a:ext>
+            </a:extLst>
+          </p:cNvPr>
+          <p:cNvSpPr/>
+          <p:nvPr/>
+        </p:nvSpPr>
+        <p:spPr>
+          <a:xfrm>
+            <a:off x="2792763" y="5001378"/>
+            <a:ext cx="965329" cy="307777"/>
+          </a:xfrm>
+          <a:prstGeom prst="rect">
+            <a:avLst/>
+          </a:prstGeom>
+        </p:spPr>
+        <p:txBody>
+          <a:bodyPr wrap="none">
+            <a:spAutoFit/>
+          </a:bodyPr>
+          <a:lstStyle/>
+          <a:p>
+            <a:r>
+              <a:rPr lang="ko-KR" altLang="en-US" sz="1400" b="1" dirty="0">
+                <a:solidFill>
+                  <a:srgbClr val="0070C0"/>
+                </a:solidFill>
+              </a:rPr>
+              <a:t>숫자 치환</a:t>
+            </a:r>
+            <a:endParaRPr lang="ko-KR" altLang="en-US" sz="1400" dirty="0">
+              <a:solidFill>
+                <a:srgbClr val="0070C0"/>
+              </a:solidFill>
+            </a:endParaRPr>
           </a:p>
         </p:txBody>
       </p:sp>
@@ -22276,7 +30046,7 @@
 </p:sld>
 </file>
 
-<file path=ppt/slides/slide16.xml><?xml version="1.0" encoding="utf-8"?>
+<file path=ppt/slides/slide17.xml><?xml version="1.0" encoding="utf-8"?>
 <p:sld xmlns:a="http://schemas.openxmlformats.org/drawingml/2006/main" xmlns:r="http://schemas.openxmlformats.org/officeDocument/2006/relationships" xmlns:p="http://schemas.openxmlformats.org/presentationml/2006/main">
   <p:cSld>
     <p:spTree>
